--- a/docs/Language Models.pptx
+++ b/docs/Language Models.pptx
@@ -432,11 +432,11 @@
         </c:dLbls>
         <c:gapWidth val="219"/>
         <c:overlap val="-27"/>
-        <c:axId val="1901601696"/>
-        <c:axId val="1901597888"/>
+        <c:axId val="-1680174752"/>
+        <c:axId val="-1680181824"/>
       </c:barChart>
       <c:catAx>
-        <c:axId val="1901601696"/>
+        <c:axId val="-1680174752"/>
         <c:scaling>
           <c:orientation val="minMax"/>
         </c:scaling>
@@ -476,7 +476,7 @@
             <a:endParaRPr lang="en-US"/>
           </a:p>
         </c:txPr>
-        <c:crossAx val="1901597888"/>
+        <c:crossAx val="-1680181824"/>
         <c:crosses val="autoZero"/>
         <c:auto val="1"/>
         <c:lblAlgn val="ctr"/>
@@ -484,7 +484,7 @@
         <c:noMultiLvlLbl val="0"/>
       </c:catAx>
       <c:valAx>
-        <c:axId val="1901597888"/>
+        <c:axId val="-1680181824"/>
         <c:scaling>
           <c:orientation val="minMax"/>
         </c:scaling>
@@ -532,7 +532,7 @@
             <a:endParaRPr lang="en-US"/>
           </a:p>
         </c:txPr>
-        <c:crossAx val="1901601696"/>
+        <c:crossAx val="-1680174752"/>
         <c:crosses val="autoZero"/>
         <c:crossBetween val="between"/>
       </c:valAx>
@@ -2508,7 +2508,7 @@
           <a:p>
             <a:fld id="{3920186A-2DBB-4398-9E32-68E9F18BB6A2}" type="datetimeFigureOut">
               <a:rPr lang="en-US" smtClean="0"/>
-              <a:t>1/19/2015</a:t>
+              <a:t>1/21/2015</a:t>
             </a:fld>
             <a:endParaRPr lang="en-US"/>
           </a:p>
@@ -31646,7 +31646,7 @@
           <a:graphicData uri="http://schemas.openxmlformats.org/presentationml/2006/ole">
             <mc:AlternateContent xmlns:mc="http://schemas.openxmlformats.org/markup-compatibility/2006">
               <mc:Choice xmlns:v="urn:schemas-microsoft-com:vml" Requires="v">
-                <p:oleObj spid="_x0000_s12378" name="Equation" r:id="rId3" imgW="2768400" imgH="482400" progId="Equation.DSMT4">
+                <p:oleObj spid="_x0000_s12380" name="Equation" r:id="rId3" imgW="2768400" imgH="482400" progId="Equation.DSMT4">
                   <p:embed/>
                 </p:oleObj>
               </mc:Choice>
@@ -32004,7 +32004,7 @@
             <a:graphicData uri="http://schemas.openxmlformats.org/presentationml/2006/ole">
               <mc:AlternateContent xmlns:mc="http://schemas.openxmlformats.org/markup-compatibility/2006">
                 <mc:Choice xmlns:v="urn:schemas-microsoft-com:vml" Requires="v">
-                  <p:oleObj spid="_x0000_s12379" name="Equation" r:id="rId5" imgW="1574640" imgH="711000" progId="Equation.DSMT4">
+                  <p:oleObj spid="_x0000_s12381" name="Equation" r:id="rId5" imgW="1574640" imgH="711000" progId="Equation.DSMT4">
                     <p:embed/>
                   </p:oleObj>
                 </mc:Choice>
@@ -43195,7 +43195,7 @@
           <a:graphicData uri="http://schemas.openxmlformats.org/presentationml/2006/ole">
             <mc:AlternateContent xmlns:mc="http://schemas.openxmlformats.org/markup-compatibility/2006">
               <mc:Choice xmlns:v="urn:schemas-microsoft-com:vml" Requires="v">
-                <p:oleObj spid="_x0000_s19498" name="Equation" r:id="rId4" imgW="3124200" imgH="330200" progId="Equation.DSMT4">
+                <p:oleObj spid="_x0000_s19499" name="Equation" r:id="rId4" imgW="3124200" imgH="330200" progId="Equation.DSMT4">
                   <p:embed/>
                 </p:oleObj>
               </mc:Choice>

--- a/docs/Language Models.pptx
+++ b/docs/Language Models.pptx
@@ -5,7 +5,7 @@
     <p:sldMasterId id="2147483648" r:id="rId1"/>
   </p:sldMasterIdLst>
   <p:notesMasterIdLst>
-    <p:notesMasterId r:id="rId47"/>
+    <p:notesMasterId r:id="rId49"/>
   </p:notesMasterIdLst>
   <p:sldIdLst>
     <p:sldId id="256" r:id="rId2"/>
@@ -22,37 +22,39 @@
     <p:sldId id="269" r:id="rId13"/>
     <p:sldId id="282" r:id="rId14"/>
     <p:sldId id="283" r:id="rId15"/>
-    <p:sldId id="260" r:id="rId16"/>
-    <p:sldId id="342" r:id="rId17"/>
-    <p:sldId id="338" r:id="rId18"/>
-    <p:sldId id="339" r:id="rId19"/>
-    <p:sldId id="340" r:id="rId20"/>
-    <p:sldId id="362" r:id="rId21"/>
-    <p:sldId id="261" r:id="rId22"/>
-    <p:sldId id="348" r:id="rId23"/>
-    <p:sldId id="349" r:id="rId24"/>
-    <p:sldId id="343" r:id="rId25"/>
-    <p:sldId id="344" r:id="rId26"/>
-    <p:sldId id="345" r:id="rId27"/>
-    <p:sldId id="346" r:id="rId28"/>
-    <p:sldId id="351" r:id="rId29"/>
-    <p:sldId id="350" r:id="rId30"/>
-    <p:sldId id="271" r:id="rId31"/>
-    <p:sldId id="272" r:id="rId32"/>
-    <p:sldId id="310" r:id="rId33"/>
-    <p:sldId id="352" r:id="rId34"/>
-    <p:sldId id="353" r:id="rId35"/>
-    <p:sldId id="274" r:id="rId36"/>
-    <p:sldId id="311" r:id="rId37"/>
-    <p:sldId id="354" r:id="rId38"/>
-    <p:sldId id="355" r:id="rId39"/>
-    <p:sldId id="275" r:id="rId40"/>
-    <p:sldId id="356" r:id="rId41"/>
-    <p:sldId id="357" r:id="rId42"/>
-    <p:sldId id="358" r:id="rId43"/>
-    <p:sldId id="359" r:id="rId44"/>
-    <p:sldId id="331" r:id="rId45"/>
-    <p:sldId id="360" r:id="rId46"/>
+    <p:sldId id="363" r:id="rId16"/>
+    <p:sldId id="364" r:id="rId17"/>
+    <p:sldId id="260" r:id="rId18"/>
+    <p:sldId id="342" r:id="rId19"/>
+    <p:sldId id="338" r:id="rId20"/>
+    <p:sldId id="339" r:id="rId21"/>
+    <p:sldId id="340" r:id="rId22"/>
+    <p:sldId id="362" r:id="rId23"/>
+    <p:sldId id="261" r:id="rId24"/>
+    <p:sldId id="348" r:id="rId25"/>
+    <p:sldId id="349" r:id="rId26"/>
+    <p:sldId id="343" r:id="rId27"/>
+    <p:sldId id="344" r:id="rId28"/>
+    <p:sldId id="345" r:id="rId29"/>
+    <p:sldId id="346" r:id="rId30"/>
+    <p:sldId id="351" r:id="rId31"/>
+    <p:sldId id="350" r:id="rId32"/>
+    <p:sldId id="271" r:id="rId33"/>
+    <p:sldId id="272" r:id="rId34"/>
+    <p:sldId id="310" r:id="rId35"/>
+    <p:sldId id="352" r:id="rId36"/>
+    <p:sldId id="353" r:id="rId37"/>
+    <p:sldId id="274" r:id="rId38"/>
+    <p:sldId id="311" r:id="rId39"/>
+    <p:sldId id="354" r:id="rId40"/>
+    <p:sldId id="355" r:id="rId41"/>
+    <p:sldId id="275" r:id="rId42"/>
+    <p:sldId id="356" r:id="rId43"/>
+    <p:sldId id="357" r:id="rId44"/>
+    <p:sldId id="358" r:id="rId45"/>
+    <p:sldId id="359" r:id="rId46"/>
+    <p:sldId id="331" r:id="rId47"/>
+    <p:sldId id="360" r:id="rId48"/>
   </p:sldIdLst>
   <p:sldSz cx="9144000" cy="6858000" type="screen4x3"/>
   <p:notesSz cx="6858000" cy="9144000"/>
@@ -207,7 +209,6 @@
           </a:p>
         </c:rich>
       </c:tx>
-      <c:layout/>
       <c:overlay val="0"/>
       <c:spPr>
         <a:noFill/>
@@ -432,11 +433,11 @@
         </c:dLbls>
         <c:gapWidth val="219"/>
         <c:overlap val="-27"/>
-        <c:axId val="-1680174752"/>
-        <c:axId val="-1680181824"/>
+        <c:axId val="-1651333536"/>
+        <c:axId val="-1651331360"/>
       </c:barChart>
       <c:catAx>
-        <c:axId val="-1680174752"/>
+        <c:axId val="-1651333536"/>
         <c:scaling>
           <c:orientation val="minMax"/>
         </c:scaling>
@@ -476,7 +477,7 @@
             <a:endParaRPr lang="en-US"/>
           </a:p>
         </c:txPr>
-        <c:crossAx val="-1680181824"/>
+        <c:crossAx val="-1651331360"/>
         <c:crosses val="autoZero"/>
         <c:auto val="1"/>
         <c:lblAlgn val="ctr"/>
@@ -484,7 +485,7 @@
         <c:noMultiLvlLbl val="0"/>
       </c:catAx>
       <c:valAx>
-        <c:axId val="-1680181824"/>
+        <c:axId val="-1651331360"/>
         <c:scaling>
           <c:orientation val="minMax"/>
         </c:scaling>
@@ -532,7 +533,7 @@
             <a:endParaRPr lang="en-US"/>
           </a:p>
         </c:txPr>
-        <c:crossAx val="-1680174752"/>
+        <c:crossAx val="-1651333536"/>
         <c:crosses val="autoZero"/>
         <c:crossBetween val="between"/>
       </c:valAx>
@@ -2508,7 +2509,7 @@
           <a:p>
             <a:fld id="{3920186A-2DBB-4398-9E32-68E9F18BB6A2}" type="datetimeFigureOut">
               <a:rPr lang="en-US" smtClean="0"/>
-              <a:t>1/21/2015</a:t>
+              <a:t>1/26/2015</a:t>
             </a:fld>
             <a:endParaRPr lang="en-US"/>
           </a:p>
@@ -2925,7 +2926,7 @@
           <a:p>
             <a:fld id="{583BDADA-032B-4BDE-97BA-23B3021F7206}" type="slidenum">
               <a:rPr lang="en-US" smtClean="0"/>
-              <a:t>22</a:t>
+              <a:t>24</a:t>
             </a:fld>
             <a:endParaRPr lang="en-US"/>
           </a:p>
@@ -3009,7 +3010,7 @@
           <a:p>
             <a:fld id="{583BDADA-032B-4BDE-97BA-23B3021F7206}" type="slidenum">
               <a:rPr lang="en-US" smtClean="0"/>
-              <a:t>27</a:t>
+              <a:t>29</a:t>
             </a:fld>
             <a:endParaRPr lang="en-US"/>
           </a:p>
@@ -10711,6 +10712,3538 @@
       </p:grpSpPr>
       <p:sp>
         <p:nvSpPr>
+          <p:cNvPr id="494594" name="Rectangle 2"/>
+          <p:cNvSpPr>
+            <a:spLocks noGrp="1" noChangeArrowheads="1"/>
+          </p:cNvSpPr>
+          <p:nvPr>
+            <p:ph type="title"/>
+          </p:nvPr>
+        </p:nvSpPr>
+        <p:spPr/>
+        <p:txBody>
+          <a:bodyPr/>
+          <a:lstStyle/>
+          <a:p>
+            <a:r>
+              <a:rPr lang="en-US" altLang="en-US" dirty="0" smtClean="0"/>
+              <a:t>Recap: what </a:t>
+            </a:r>
+            <a:r>
+              <a:rPr lang="en-US" altLang="en-US" dirty="0"/>
+              <a:t>is </a:t>
+            </a:r>
+            <a:r>
+              <a:rPr lang="en-US" altLang="en-US" dirty="0" smtClean="0"/>
+              <a:t>a statistical </a:t>
+            </a:r>
+            <a:r>
+              <a:rPr lang="en-US" altLang="en-US" dirty="0"/>
+              <a:t>LM?</a:t>
+            </a:r>
+          </a:p>
+        </p:txBody>
+      </p:sp>
+      <p:sp>
+        <p:nvSpPr>
+          <p:cNvPr id="494595" name="Rectangle 3"/>
+          <p:cNvSpPr>
+            <a:spLocks noGrp="1" noChangeArrowheads="1"/>
+          </p:cNvSpPr>
+          <p:nvPr>
+            <p:ph idx="1"/>
+          </p:nvPr>
+        </p:nvSpPr>
+        <p:spPr/>
+        <p:txBody>
+          <a:bodyPr>
+            <a:normAutofit/>
+          </a:bodyPr>
+          <a:lstStyle/>
+          <a:p>
+            <a:r>
+              <a:rPr lang="en-US" altLang="en-US" b="0" dirty="0"/>
+              <a:t>A </a:t>
+            </a:r>
+            <a:r>
+              <a:rPr lang="en-US" altLang="en-US" b="0" dirty="0" smtClean="0"/>
+              <a:t>model specifying probability </a:t>
+            </a:r>
+            <a:r>
+              <a:rPr lang="en-US" altLang="en-US" b="0" dirty="0"/>
+              <a:t>distribution over </a:t>
+            </a:r>
+            <a:r>
+              <a:rPr lang="en-US" altLang="en-US" b="0" u="sng" dirty="0"/>
+              <a:t>word sequences</a:t>
+            </a:r>
+          </a:p>
+          <a:p>
+            <a:pPr lvl="1"/>
+            <a:r>
+              <a:rPr lang="en-US" altLang="en-US" dirty="0"/>
+              <a:t>p(“</a:t>
+            </a:r>
+            <a:r>
+              <a:rPr lang="en-US" altLang="en-US" i="1" dirty="0">
+                <a:solidFill>
+                  <a:srgbClr val="CC0000"/>
+                </a:solidFill>
+                <a:latin typeface="Times New Roman" panose="02020603050405020304" pitchFamily="18" charset="0"/>
+              </a:rPr>
+              <a:t>Today is Wednesday</a:t>
+            </a:r>
+            <a:r>
+              <a:rPr lang="en-US" altLang="en-US" dirty="0"/>
+              <a:t>”) </a:t>
+            </a:r>
+            <a:r>
+              <a:rPr lang="en-US" altLang="en-US" dirty="0">
+                <a:sym typeface="Symbol" panose="05050102010706020507" pitchFamily="18" charset="2"/>
+              </a:rPr>
+              <a:t> </a:t>
+            </a:r>
+            <a:r>
+              <a:rPr lang="en-US" altLang="en-US" dirty="0">
+                <a:solidFill>
+                  <a:srgbClr val="CC0000"/>
+                </a:solidFill>
+                <a:sym typeface="Symbol" panose="05050102010706020507" pitchFamily="18" charset="2"/>
+              </a:rPr>
+              <a:t>0.001</a:t>
+            </a:r>
+            <a:endParaRPr lang="en-US" altLang="en-US" dirty="0">
+              <a:sym typeface="Symbol" panose="05050102010706020507" pitchFamily="18" charset="2"/>
+            </a:endParaRPr>
+          </a:p>
+          <a:p>
+            <a:pPr lvl="1"/>
+            <a:r>
+              <a:rPr lang="en-US" altLang="en-US" dirty="0">
+                <a:sym typeface="Symbol" panose="05050102010706020507" pitchFamily="18" charset="2"/>
+              </a:rPr>
+              <a:t>p(“</a:t>
+            </a:r>
+            <a:r>
+              <a:rPr lang="en-US" altLang="en-US" i="1" dirty="0">
+                <a:solidFill>
+                  <a:srgbClr val="CC0000"/>
+                </a:solidFill>
+                <a:latin typeface="Times New Roman" panose="02020603050405020304" pitchFamily="18" charset="0"/>
+                <a:sym typeface="Symbol" panose="05050102010706020507" pitchFamily="18" charset="2"/>
+              </a:rPr>
+              <a:t>Today Wednesday is</a:t>
+            </a:r>
+            <a:r>
+              <a:rPr lang="en-US" altLang="en-US" dirty="0">
+                <a:sym typeface="Symbol" panose="05050102010706020507" pitchFamily="18" charset="2"/>
+              </a:rPr>
+              <a:t>”)  </a:t>
+            </a:r>
+            <a:r>
+              <a:rPr lang="en-US" altLang="en-US" dirty="0">
+                <a:solidFill>
+                  <a:srgbClr val="CC0000"/>
+                </a:solidFill>
+                <a:sym typeface="Symbol" panose="05050102010706020507" pitchFamily="18" charset="2"/>
+              </a:rPr>
+              <a:t>0.0000000000001</a:t>
+            </a:r>
+            <a:endParaRPr lang="en-US" altLang="en-US" dirty="0">
+              <a:sym typeface="Symbol" panose="05050102010706020507" pitchFamily="18" charset="2"/>
+            </a:endParaRPr>
+          </a:p>
+          <a:p>
+            <a:pPr lvl="1"/>
+            <a:r>
+              <a:rPr lang="en-US" altLang="en-US" dirty="0">
+                <a:sym typeface="Symbol" panose="05050102010706020507" pitchFamily="18" charset="2"/>
+              </a:rPr>
+              <a:t>p(“</a:t>
+            </a:r>
+            <a:r>
+              <a:rPr lang="en-US" altLang="en-US" i="1" dirty="0">
+                <a:solidFill>
+                  <a:srgbClr val="CC0000"/>
+                </a:solidFill>
+                <a:latin typeface="Times New Roman" panose="02020603050405020304" pitchFamily="18" charset="0"/>
+                <a:sym typeface="Symbol" panose="05050102010706020507" pitchFamily="18" charset="2"/>
+              </a:rPr>
+              <a:t>The eigenvalue is positive</a:t>
+            </a:r>
+            <a:r>
+              <a:rPr lang="en-US" altLang="en-US" i="1" dirty="0">
+                <a:latin typeface="Times New Roman" panose="02020603050405020304" pitchFamily="18" charset="0"/>
+                <a:sym typeface="Symbol" panose="05050102010706020507" pitchFamily="18" charset="2"/>
+              </a:rPr>
+              <a:t>”</a:t>
+            </a:r>
+            <a:r>
+              <a:rPr lang="en-US" altLang="en-US" dirty="0">
+                <a:sym typeface="Symbol" panose="05050102010706020507" pitchFamily="18" charset="2"/>
+              </a:rPr>
+              <a:t>)  </a:t>
+            </a:r>
+            <a:r>
+              <a:rPr lang="en-US" altLang="en-US" dirty="0">
+                <a:solidFill>
+                  <a:srgbClr val="CC0000"/>
+                </a:solidFill>
+                <a:sym typeface="Symbol" panose="05050102010706020507" pitchFamily="18" charset="2"/>
+              </a:rPr>
+              <a:t>0.00001</a:t>
+            </a:r>
+            <a:endParaRPr lang="en-US" altLang="en-US" b="0" dirty="0">
+              <a:sym typeface="Symbol" panose="05050102010706020507" pitchFamily="18" charset="2"/>
+            </a:endParaRPr>
+          </a:p>
+          <a:p>
+            <a:r>
+              <a:rPr lang="en-US" altLang="en-US" b="0" dirty="0" smtClean="0"/>
+              <a:t>It can be </a:t>
+            </a:r>
+            <a:r>
+              <a:rPr lang="en-US" altLang="en-US" b="0" dirty="0"/>
+              <a:t>regarded as a probabilistic mechanism for “generating” text, thus also called a “generative” model</a:t>
+            </a:r>
+          </a:p>
+          <a:p>
+            <a:endParaRPr lang="en-US" altLang="en-US" b="0" dirty="0">
+              <a:sym typeface="Symbol" panose="05050102010706020507" pitchFamily="18" charset="2"/>
+            </a:endParaRPr>
+          </a:p>
+        </p:txBody>
+      </p:sp>
+      <p:sp>
+        <p:nvSpPr>
+          <p:cNvPr id="5" name="Date Placeholder 4"/>
+          <p:cNvSpPr>
+            <a:spLocks noGrp="1"/>
+          </p:cNvSpPr>
+          <p:nvPr>
+            <p:ph type="dt" sz="half" idx="10"/>
+          </p:nvPr>
+        </p:nvSpPr>
+        <p:spPr/>
+        <p:txBody>
+          <a:bodyPr/>
+          <a:lstStyle/>
+          <a:p>
+            <a:r>
+              <a:rPr lang="en-US" smtClean="0"/>
+              <a:t>CS@UVa</a:t>
+            </a:r>
+            <a:endParaRPr lang="en-US"/>
+          </a:p>
+        </p:txBody>
+      </p:sp>
+      <p:sp>
+        <p:nvSpPr>
+          <p:cNvPr id="6" name="Footer Placeholder 5"/>
+          <p:cNvSpPr>
+            <a:spLocks noGrp="1"/>
+          </p:cNvSpPr>
+          <p:nvPr>
+            <p:ph type="ftr" sz="quarter" idx="11"/>
+          </p:nvPr>
+        </p:nvSpPr>
+        <p:spPr/>
+        <p:txBody>
+          <a:bodyPr/>
+          <a:lstStyle/>
+          <a:p>
+            <a:r>
+              <a:rPr lang="en-US" smtClean="0"/>
+              <a:t>CS 6501: Text Mining</a:t>
+            </a:r>
+            <a:endParaRPr lang="en-US"/>
+          </a:p>
+        </p:txBody>
+      </p:sp>
+      <p:sp>
+        <p:nvSpPr>
+          <p:cNvPr id="7" name="Slide Number Placeholder 6"/>
+          <p:cNvSpPr>
+            <a:spLocks noGrp="1"/>
+          </p:cNvSpPr>
+          <p:nvPr>
+            <p:ph type="sldNum" sz="quarter" idx="12"/>
+          </p:nvPr>
+        </p:nvSpPr>
+        <p:spPr/>
+        <p:txBody>
+          <a:bodyPr/>
+          <a:lstStyle/>
+          <a:p>
+            <a:fld id="{D4438207-9E20-42FC-82B6-02A8A94D7FE7}" type="slidenum">
+              <a:rPr lang="en-US" smtClean="0"/>
+              <a:t>15</a:t>
+            </a:fld>
+            <a:endParaRPr lang="en-US"/>
+          </a:p>
+        </p:txBody>
+      </p:sp>
+    </p:spTree>
+    <p:extLst>
+      <p:ext uri="{BB962C8B-B14F-4D97-AF65-F5344CB8AC3E}">
+        <p14:creationId xmlns:p14="http://schemas.microsoft.com/office/powerpoint/2010/main" val="2109961131"/>
+      </p:ext>
+    </p:extLst>
+  </p:cSld>
+  <p:clrMapOvr>
+    <a:masterClrMapping/>
+  </p:clrMapOvr>
+  <p:timing>
+    <p:tnLst>
+      <p:par>
+        <p:cTn id="1" dur="indefinite" restart="never" nodeType="tmRoot"/>
+      </p:par>
+    </p:tnLst>
+  </p:timing>
+</p:sld>
+</file>
+
+<file path=ppt/slides/slide16.xml><?xml version="1.0" encoding="utf-8"?>
+<p:sld xmlns:a="http://schemas.openxmlformats.org/drawingml/2006/main" xmlns:r="http://schemas.openxmlformats.org/officeDocument/2006/relationships" xmlns:p="http://schemas.openxmlformats.org/presentationml/2006/main">
+  <p:cSld>
+    <p:spTree>
+      <p:nvGrpSpPr>
+        <p:cNvPr id="1" name=""/>
+        <p:cNvGrpSpPr/>
+        <p:nvPr/>
+      </p:nvGrpSpPr>
+      <p:grpSpPr>
+        <a:xfrm>
+          <a:off x="0" y="0"/>
+          <a:ext cx="0" cy="0"/>
+          <a:chOff x="0" y="0"/>
+          <a:chExt cx="0" cy="0"/>
+        </a:xfrm>
+      </p:grpSpPr>
+      <p:sp>
+        <p:nvSpPr>
+          <p:cNvPr id="31748" name="Rectangle 2"/>
+          <p:cNvSpPr>
+            <a:spLocks noGrp="1" noChangeArrowheads="1"/>
+          </p:cNvSpPr>
+          <p:nvPr>
+            <p:ph type="title"/>
+          </p:nvPr>
+        </p:nvSpPr>
+        <p:spPr/>
+        <p:txBody>
+          <a:bodyPr>
+            <a:normAutofit fontScale="90000"/>
+          </a:bodyPr>
+          <a:lstStyle/>
+          <a:p>
+            <a:r>
+              <a:rPr lang="en-US" altLang="en-US" dirty="0" smtClean="0"/>
+              <a:t>Recap: Source-Channel </a:t>
+            </a:r>
+            <a:r>
+              <a:rPr lang="en-US" altLang="en-US" dirty="0" smtClean="0"/>
+              <a:t>framework </a:t>
+            </a:r>
+            <a:r>
+              <a:rPr lang="en-US" altLang="en-US" baseline="30000" dirty="0" smtClean="0"/>
+              <a:t>[</a:t>
+            </a:r>
+            <a:r>
+              <a:rPr lang="en-US" altLang="en-US" baseline="30000" dirty="0"/>
+              <a:t>Shannon </a:t>
+            </a:r>
+            <a:r>
+              <a:rPr lang="en-US" altLang="en-US" baseline="30000" dirty="0" smtClean="0"/>
+              <a:t>48]</a:t>
+            </a:r>
+          </a:p>
+        </p:txBody>
+      </p:sp>
+      <p:sp>
+        <p:nvSpPr>
+          <p:cNvPr id="31749" name="Rectangle 3">
+            <a:hlinkClick r:id="rId3" action="ppaction://hlinksldjump"/>
+          </p:cNvPr>
+          <p:cNvSpPr>
+            <a:spLocks noChangeArrowheads="1"/>
+          </p:cNvSpPr>
+          <p:nvPr/>
+        </p:nvSpPr>
+        <p:spPr bwMode="auto">
+          <a:xfrm>
+            <a:off x="533400" y="1905000"/>
+            <a:ext cx="914400" cy="685799"/>
+          </a:xfrm>
+          <a:prstGeom prst="rect">
+            <a:avLst/>
+          </a:prstGeom>
+          <a:noFill/>
+          <a:ln w="9525">
+            <a:solidFill>
+              <a:schemeClr val="tx1"/>
+            </a:solidFill>
+            <a:miter lim="800000"/>
+            <a:headEnd/>
+            <a:tailEnd/>
+          </a:ln>
+          <a:extLst>
+            <a:ext uri="{909E8E84-426E-40DD-AFC4-6F175D3DCCD1}">
+              <a14:hiddenFill xmlns:a14="http://schemas.microsoft.com/office/drawing/2010/main">
+                <a:solidFill>
+                  <a:srgbClr val="FFFFFF"/>
+                </a:solidFill>
+              </a14:hiddenFill>
+            </a:ext>
+          </a:extLst>
+        </p:spPr>
+        <p:txBody>
+          <a:bodyPr wrap="none" anchor="ctr"/>
+          <a:lstStyle>
+            <a:lvl1pPr>
+              <a:defRPr sz="1600" b="1" i="1">
+                <a:solidFill>
+                  <a:schemeClr val="tx1"/>
+                </a:solidFill>
+                <a:latin typeface="Times New Roman" panose="02020603050405020304" pitchFamily="18" charset="0"/>
+              </a:defRPr>
+            </a:lvl1pPr>
+            <a:lvl2pPr marL="742950" indent="-285750">
+              <a:defRPr sz="1600" b="1" i="1">
+                <a:solidFill>
+                  <a:schemeClr val="tx1"/>
+                </a:solidFill>
+                <a:latin typeface="Times New Roman" panose="02020603050405020304" pitchFamily="18" charset="0"/>
+              </a:defRPr>
+            </a:lvl2pPr>
+            <a:lvl3pPr marL="1143000" indent="-228600">
+              <a:defRPr sz="1600" b="1" i="1">
+                <a:solidFill>
+                  <a:schemeClr val="tx1"/>
+                </a:solidFill>
+                <a:latin typeface="Times New Roman" panose="02020603050405020304" pitchFamily="18" charset="0"/>
+              </a:defRPr>
+            </a:lvl3pPr>
+            <a:lvl4pPr marL="1600200" indent="-228600">
+              <a:defRPr sz="1600" b="1" i="1">
+                <a:solidFill>
+                  <a:schemeClr val="tx1"/>
+                </a:solidFill>
+                <a:latin typeface="Times New Roman" panose="02020603050405020304" pitchFamily="18" charset="0"/>
+              </a:defRPr>
+            </a:lvl4pPr>
+            <a:lvl5pPr marL="2057400" indent="-228600">
+              <a:defRPr sz="1600" b="1" i="1">
+                <a:solidFill>
+                  <a:schemeClr val="tx1"/>
+                </a:solidFill>
+                <a:latin typeface="Times New Roman" panose="02020603050405020304" pitchFamily="18" charset="0"/>
+              </a:defRPr>
+            </a:lvl5pPr>
+            <a:lvl6pPr marL="2514600" indent="-228600" algn="ctr" eaLnBrk="0" fontAlgn="base" hangingPunct="0">
+              <a:spcBef>
+                <a:spcPct val="0"/>
+              </a:spcBef>
+              <a:spcAft>
+                <a:spcPct val="0"/>
+              </a:spcAft>
+              <a:defRPr sz="1600" b="1" i="1">
+                <a:solidFill>
+                  <a:schemeClr val="tx1"/>
+                </a:solidFill>
+                <a:latin typeface="Times New Roman" panose="02020603050405020304" pitchFamily="18" charset="0"/>
+              </a:defRPr>
+            </a:lvl6pPr>
+            <a:lvl7pPr marL="2971800" indent="-228600" algn="ctr" eaLnBrk="0" fontAlgn="base" hangingPunct="0">
+              <a:spcBef>
+                <a:spcPct val="0"/>
+              </a:spcBef>
+              <a:spcAft>
+                <a:spcPct val="0"/>
+              </a:spcAft>
+              <a:defRPr sz="1600" b="1" i="1">
+                <a:solidFill>
+                  <a:schemeClr val="tx1"/>
+                </a:solidFill>
+                <a:latin typeface="Times New Roman" panose="02020603050405020304" pitchFamily="18" charset="0"/>
+              </a:defRPr>
+            </a:lvl7pPr>
+            <a:lvl8pPr marL="3429000" indent="-228600" algn="ctr" eaLnBrk="0" fontAlgn="base" hangingPunct="0">
+              <a:spcBef>
+                <a:spcPct val="0"/>
+              </a:spcBef>
+              <a:spcAft>
+                <a:spcPct val="0"/>
+              </a:spcAft>
+              <a:defRPr sz="1600" b="1" i="1">
+                <a:solidFill>
+                  <a:schemeClr val="tx1"/>
+                </a:solidFill>
+                <a:latin typeface="Times New Roman" panose="02020603050405020304" pitchFamily="18" charset="0"/>
+              </a:defRPr>
+            </a:lvl8pPr>
+            <a:lvl9pPr marL="3886200" indent="-228600" algn="ctr" eaLnBrk="0" fontAlgn="base" hangingPunct="0">
+              <a:spcBef>
+                <a:spcPct val="0"/>
+              </a:spcBef>
+              <a:spcAft>
+                <a:spcPct val="0"/>
+              </a:spcAft>
+              <a:defRPr sz="1600" b="1" i="1">
+                <a:solidFill>
+                  <a:schemeClr val="tx1"/>
+                </a:solidFill>
+                <a:latin typeface="Times New Roman" panose="02020603050405020304" pitchFamily="18" charset="0"/>
+              </a:defRPr>
+            </a:lvl9pPr>
+          </a:lstStyle>
+          <a:p>
+            <a:r>
+              <a:rPr lang="en-GB" altLang="en-US" sz="1800" i="0"/>
+              <a:t>Source</a:t>
+            </a:r>
+          </a:p>
+        </p:txBody>
+      </p:sp>
+      <p:sp>
+        <p:nvSpPr>
+          <p:cNvPr id="31750" name="Rectangle 4"/>
+          <p:cNvSpPr>
+            <a:spLocks noChangeArrowheads="1"/>
+          </p:cNvSpPr>
+          <p:nvPr/>
+        </p:nvSpPr>
+        <p:spPr bwMode="auto">
+          <a:xfrm>
+            <a:off x="2133600" y="1905000"/>
+            <a:ext cx="1295400" cy="685800"/>
+          </a:xfrm>
+          <a:prstGeom prst="rect">
+            <a:avLst/>
+          </a:prstGeom>
+          <a:noFill/>
+          <a:ln w="9525">
+            <a:solidFill>
+              <a:schemeClr val="tx1"/>
+            </a:solidFill>
+            <a:miter lim="800000"/>
+            <a:headEnd/>
+            <a:tailEnd/>
+          </a:ln>
+          <a:extLst>
+            <a:ext uri="{909E8E84-426E-40DD-AFC4-6F175D3DCCD1}">
+              <a14:hiddenFill xmlns:a14="http://schemas.microsoft.com/office/drawing/2010/main">
+                <a:solidFill>
+                  <a:srgbClr val="FFFFFF"/>
+                </a:solidFill>
+              </a14:hiddenFill>
+            </a:ext>
+          </a:extLst>
+        </p:spPr>
+        <p:txBody>
+          <a:bodyPr wrap="none" anchor="ctr"/>
+          <a:lstStyle>
+            <a:lvl1pPr>
+              <a:defRPr sz="1600" b="1" i="1">
+                <a:solidFill>
+                  <a:schemeClr val="tx1"/>
+                </a:solidFill>
+                <a:latin typeface="Times New Roman" panose="02020603050405020304" pitchFamily="18" charset="0"/>
+              </a:defRPr>
+            </a:lvl1pPr>
+            <a:lvl2pPr marL="742950" indent="-285750">
+              <a:defRPr sz="1600" b="1" i="1">
+                <a:solidFill>
+                  <a:schemeClr val="tx1"/>
+                </a:solidFill>
+                <a:latin typeface="Times New Roman" panose="02020603050405020304" pitchFamily="18" charset="0"/>
+              </a:defRPr>
+            </a:lvl2pPr>
+            <a:lvl3pPr marL="1143000" indent="-228600">
+              <a:defRPr sz="1600" b="1" i="1">
+                <a:solidFill>
+                  <a:schemeClr val="tx1"/>
+                </a:solidFill>
+                <a:latin typeface="Times New Roman" panose="02020603050405020304" pitchFamily="18" charset="0"/>
+              </a:defRPr>
+            </a:lvl3pPr>
+            <a:lvl4pPr marL="1600200" indent="-228600">
+              <a:defRPr sz="1600" b="1" i="1">
+                <a:solidFill>
+                  <a:schemeClr val="tx1"/>
+                </a:solidFill>
+                <a:latin typeface="Times New Roman" panose="02020603050405020304" pitchFamily="18" charset="0"/>
+              </a:defRPr>
+            </a:lvl4pPr>
+            <a:lvl5pPr marL="2057400" indent="-228600">
+              <a:defRPr sz="1600" b="1" i="1">
+                <a:solidFill>
+                  <a:schemeClr val="tx1"/>
+                </a:solidFill>
+                <a:latin typeface="Times New Roman" panose="02020603050405020304" pitchFamily="18" charset="0"/>
+              </a:defRPr>
+            </a:lvl5pPr>
+            <a:lvl6pPr marL="2514600" indent="-228600" algn="ctr" eaLnBrk="0" fontAlgn="base" hangingPunct="0">
+              <a:spcBef>
+                <a:spcPct val="0"/>
+              </a:spcBef>
+              <a:spcAft>
+                <a:spcPct val="0"/>
+              </a:spcAft>
+              <a:defRPr sz="1600" b="1" i="1">
+                <a:solidFill>
+                  <a:schemeClr val="tx1"/>
+                </a:solidFill>
+                <a:latin typeface="Times New Roman" panose="02020603050405020304" pitchFamily="18" charset="0"/>
+              </a:defRPr>
+            </a:lvl6pPr>
+            <a:lvl7pPr marL="2971800" indent="-228600" algn="ctr" eaLnBrk="0" fontAlgn="base" hangingPunct="0">
+              <a:spcBef>
+                <a:spcPct val="0"/>
+              </a:spcBef>
+              <a:spcAft>
+                <a:spcPct val="0"/>
+              </a:spcAft>
+              <a:defRPr sz="1600" b="1" i="1">
+                <a:solidFill>
+                  <a:schemeClr val="tx1"/>
+                </a:solidFill>
+                <a:latin typeface="Times New Roman" panose="02020603050405020304" pitchFamily="18" charset="0"/>
+              </a:defRPr>
+            </a:lvl7pPr>
+            <a:lvl8pPr marL="3429000" indent="-228600" algn="ctr" eaLnBrk="0" fontAlgn="base" hangingPunct="0">
+              <a:spcBef>
+                <a:spcPct val="0"/>
+              </a:spcBef>
+              <a:spcAft>
+                <a:spcPct val="0"/>
+              </a:spcAft>
+              <a:defRPr sz="1600" b="1" i="1">
+                <a:solidFill>
+                  <a:schemeClr val="tx1"/>
+                </a:solidFill>
+                <a:latin typeface="Times New Roman" panose="02020603050405020304" pitchFamily="18" charset="0"/>
+              </a:defRPr>
+            </a:lvl8pPr>
+            <a:lvl9pPr marL="3886200" indent="-228600" algn="ctr" eaLnBrk="0" fontAlgn="base" hangingPunct="0">
+              <a:spcBef>
+                <a:spcPct val="0"/>
+              </a:spcBef>
+              <a:spcAft>
+                <a:spcPct val="0"/>
+              </a:spcAft>
+              <a:defRPr sz="1600" b="1" i="1">
+                <a:solidFill>
+                  <a:schemeClr val="tx1"/>
+                </a:solidFill>
+                <a:latin typeface="Times New Roman" panose="02020603050405020304" pitchFamily="18" charset="0"/>
+              </a:defRPr>
+            </a:lvl9pPr>
+          </a:lstStyle>
+          <a:p>
+            <a:r>
+              <a:rPr lang="en-GB" altLang="en-US" sz="1800" i="0" dirty="0"/>
+              <a:t>Transmitter</a:t>
+            </a:r>
+          </a:p>
+          <a:p>
+            <a:r>
+              <a:rPr lang="en-GB" altLang="en-US" sz="1800" i="0" dirty="0"/>
+              <a:t>(encoder)</a:t>
+            </a:r>
+          </a:p>
+        </p:txBody>
+      </p:sp>
+      <p:sp>
+        <p:nvSpPr>
+          <p:cNvPr id="31751" name="Rectangle 5"/>
+          <p:cNvSpPr>
+            <a:spLocks noChangeArrowheads="1"/>
+          </p:cNvSpPr>
+          <p:nvPr/>
+        </p:nvSpPr>
+        <p:spPr bwMode="auto">
+          <a:xfrm>
+            <a:off x="7543800" y="1905001"/>
+            <a:ext cx="1371600" cy="685798"/>
+          </a:xfrm>
+          <a:prstGeom prst="rect">
+            <a:avLst/>
+          </a:prstGeom>
+          <a:noFill/>
+          <a:ln w="9525">
+            <a:solidFill>
+              <a:schemeClr val="tx1"/>
+            </a:solidFill>
+            <a:miter lim="800000"/>
+            <a:headEnd/>
+            <a:tailEnd/>
+          </a:ln>
+          <a:extLst>
+            <a:ext uri="{909E8E84-426E-40DD-AFC4-6F175D3DCCD1}">
+              <a14:hiddenFill xmlns:a14="http://schemas.microsoft.com/office/drawing/2010/main">
+                <a:solidFill>
+                  <a:srgbClr val="FFFFFF"/>
+                </a:solidFill>
+              </a14:hiddenFill>
+            </a:ext>
+          </a:extLst>
+        </p:spPr>
+        <p:txBody>
+          <a:bodyPr wrap="none" anchor="ctr"/>
+          <a:lstStyle>
+            <a:lvl1pPr>
+              <a:defRPr sz="1600" b="1" i="1">
+                <a:solidFill>
+                  <a:schemeClr val="tx1"/>
+                </a:solidFill>
+                <a:latin typeface="Times New Roman" panose="02020603050405020304" pitchFamily="18" charset="0"/>
+              </a:defRPr>
+            </a:lvl1pPr>
+            <a:lvl2pPr marL="742950" indent="-285750">
+              <a:defRPr sz="1600" b="1" i="1">
+                <a:solidFill>
+                  <a:schemeClr val="tx1"/>
+                </a:solidFill>
+                <a:latin typeface="Times New Roman" panose="02020603050405020304" pitchFamily="18" charset="0"/>
+              </a:defRPr>
+            </a:lvl2pPr>
+            <a:lvl3pPr marL="1143000" indent="-228600">
+              <a:defRPr sz="1600" b="1" i="1">
+                <a:solidFill>
+                  <a:schemeClr val="tx1"/>
+                </a:solidFill>
+                <a:latin typeface="Times New Roman" panose="02020603050405020304" pitchFamily="18" charset="0"/>
+              </a:defRPr>
+            </a:lvl3pPr>
+            <a:lvl4pPr marL="1600200" indent="-228600">
+              <a:defRPr sz="1600" b="1" i="1">
+                <a:solidFill>
+                  <a:schemeClr val="tx1"/>
+                </a:solidFill>
+                <a:latin typeface="Times New Roman" panose="02020603050405020304" pitchFamily="18" charset="0"/>
+              </a:defRPr>
+            </a:lvl4pPr>
+            <a:lvl5pPr marL="2057400" indent="-228600">
+              <a:defRPr sz="1600" b="1" i="1">
+                <a:solidFill>
+                  <a:schemeClr val="tx1"/>
+                </a:solidFill>
+                <a:latin typeface="Times New Roman" panose="02020603050405020304" pitchFamily="18" charset="0"/>
+              </a:defRPr>
+            </a:lvl5pPr>
+            <a:lvl6pPr marL="2514600" indent="-228600" algn="ctr" eaLnBrk="0" fontAlgn="base" hangingPunct="0">
+              <a:spcBef>
+                <a:spcPct val="0"/>
+              </a:spcBef>
+              <a:spcAft>
+                <a:spcPct val="0"/>
+              </a:spcAft>
+              <a:defRPr sz="1600" b="1" i="1">
+                <a:solidFill>
+                  <a:schemeClr val="tx1"/>
+                </a:solidFill>
+                <a:latin typeface="Times New Roman" panose="02020603050405020304" pitchFamily="18" charset="0"/>
+              </a:defRPr>
+            </a:lvl6pPr>
+            <a:lvl7pPr marL="2971800" indent="-228600" algn="ctr" eaLnBrk="0" fontAlgn="base" hangingPunct="0">
+              <a:spcBef>
+                <a:spcPct val="0"/>
+              </a:spcBef>
+              <a:spcAft>
+                <a:spcPct val="0"/>
+              </a:spcAft>
+              <a:defRPr sz="1600" b="1" i="1">
+                <a:solidFill>
+                  <a:schemeClr val="tx1"/>
+                </a:solidFill>
+                <a:latin typeface="Times New Roman" panose="02020603050405020304" pitchFamily="18" charset="0"/>
+              </a:defRPr>
+            </a:lvl7pPr>
+            <a:lvl8pPr marL="3429000" indent="-228600" algn="ctr" eaLnBrk="0" fontAlgn="base" hangingPunct="0">
+              <a:spcBef>
+                <a:spcPct val="0"/>
+              </a:spcBef>
+              <a:spcAft>
+                <a:spcPct val="0"/>
+              </a:spcAft>
+              <a:defRPr sz="1600" b="1" i="1">
+                <a:solidFill>
+                  <a:schemeClr val="tx1"/>
+                </a:solidFill>
+                <a:latin typeface="Times New Roman" panose="02020603050405020304" pitchFamily="18" charset="0"/>
+              </a:defRPr>
+            </a:lvl8pPr>
+            <a:lvl9pPr marL="3886200" indent="-228600" algn="ctr" eaLnBrk="0" fontAlgn="base" hangingPunct="0">
+              <a:spcBef>
+                <a:spcPct val="0"/>
+              </a:spcBef>
+              <a:spcAft>
+                <a:spcPct val="0"/>
+              </a:spcAft>
+              <a:defRPr sz="1600" b="1" i="1">
+                <a:solidFill>
+                  <a:schemeClr val="tx1"/>
+                </a:solidFill>
+                <a:latin typeface="Times New Roman" panose="02020603050405020304" pitchFamily="18" charset="0"/>
+              </a:defRPr>
+            </a:lvl9pPr>
+          </a:lstStyle>
+          <a:p>
+            <a:r>
+              <a:rPr lang="en-GB" altLang="en-US" sz="1800" i="0"/>
+              <a:t>Destination</a:t>
+            </a:r>
+          </a:p>
+        </p:txBody>
+      </p:sp>
+      <p:sp>
+        <p:nvSpPr>
+          <p:cNvPr id="31752" name="Rectangle 6"/>
+          <p:cNvSpPr>
+            <a:spLocks noChangeArrowheads="1"/>
+          </p:cNvSpPr>
+          <p:nvPr/>
+        </p:nvSpPr>
+        <p:spPr bwMode="auto">
+          <a:xfrm>
+            <a:off x="5791200" y="1905000"/>
+            <a:ext cx="1066800" cy="685799"/>
+          </a:xfrm>
+          <a:prstGeom prst="rect">
+            <a:avLst/>
+          </a:prstGeom>
+          <a:noFill/>
+          <a:ln w="9525">
+            <a:solidFill>
+              <a:schemeClr val="tx1"/>
+            </a:solidFill>
+            <a:miter lim="800000"/>
+            <a:headEnd/>
+            <a:tailEnd/>
+          </a:ln>
+          <a:extLst>
+            <a:ext uri="{909E8E84-426E-40DD-AFC4-6F175D3DCCD1}">
+              <a14:hiddenFill xmlns:a14="http://schemas.microsoft.com/office/drawing/2010/main">
+                <a:solidFill>
+                  <a:srgbClr val="FFFFFF"/>
+                </a:solidFill>
+              </a14:hiddenFill>
+            </a:ext>
+          </a:extLst>
+        </p:spPr>
+        <p:txBody>
+          <a:bodyPr wrap="none" anchor="ctr"/>
+          <a:lstStyle>
+            <a:lvl1pPr>
+              <a:defRPr sz="1600" b="1" i="1">
+                <a:solidFill>
+                  <a:schemeClr val="tx1"/>
+                </a:solidFill>
+                <a:latin typeface="Times New Roman" panose="02020603050405020304" pitchFamily="18" charset="0"/>
+              </a:defRPr>
+            </a:lvl1pPr>
+            <a:lvl2pPr marL="742950" indent="-285750">
+              <a:defRPr sz="1600" b="1" i="1">
+                <a:solidFill>
+                  <a:schemeClr val="tx1"/>
+                </a:solidFill>
+                <a:latin typeface="Times New Roman" panose="02020603050405020304" pitchFamily="18" charset="0"/>
+              </a:defRPr>
+            </a:lvl2pPr>
+            <a:lvl3pPr marL="1143000" indent="-228600">
+              <a:defRPr sz="1600" b="1" i="1">
+                <a:solidFill>
+                  <a:schemeClr val="tx1"/>
+                </a:solidFill>
+                <a:latin typeface="Times New Roman" panose="02020603050405020304" pitchFamily="18" charset="0"/>
+              </a:defRPr>
+            </a:lvl3pPr>
+            <a:lvl4pPr marL="1600200" indent="-228600">
+              <a:defRPr sz="1600" b="1" i="1">
+                <a:solidFill>
+                  <a:schemeClr val="tx1"/>
+                </a:solidFill>
+                <a:latin typeface="Times New Roman" panose="02020603050405020304" pitchFamily="18" charset="0"/>
+              </a:defRPr>
+            </a:lvl4pPr>
+            <a:lvl5pPr marL="2057400" indent="-228600">
+              <a:defRPr sz="1600" b="1" i="1">
+                <a:solidFill>
+                  <a:schemeClr val="tx1"/>
+                </a:solidFill>
+                <a:latin typeface="Times New Roman" panose="02020603050405020304" pitchFamily="18" charset="0"/>
+              </a:defRPr>
+            </a:lvl5pPr>
+            <a:lvl6pPr marL="2514600" indent="-228600" algn="ctr" eaLnBrk="0" fontAlgn="base" hangingPunct="0">
+              <a:spcBef>
+                <a:spcPct val="0"/>
+              </a:spcBef>
+              <a:spcAft>
+                <a:spcPct val="0"/>
+              </a:spcAft>
+              <a:defRPr sz="1600" b="1" i="1">
+                <a:solidFill>
+                  <a:schemeClr val="tx1"/>
+                </a:solidFill>
+                <a:latin typeface="Times New Roman" panose="02020603050405020304" pitchFamily="18" charset="0"/>
+              </a:defRPr>
+            </a:lvl6pPr>
+            <a:lvl7pPr marL="2971800" indent="-228600" algn="ctr" eaLnBrk="0" fontAlgn="base" hangingPunct="0">
+              <a:spcBef>
+                <a:spcPct val="0"/>
+              </a:spcBef>
+              <a:spcAft>
+                <a:spcPct val="0"/>
+              </a:spcAft>
+              <a:defRPr sz="1600" b="1" i="1">
+                <a:solidFill>
+                  <a:schemeClr val="tx1"/>
+                </a:solidFill>
+                <a:latin typeface="Times New Roman" panose="02020603050405020304" pitchFamily="18" charset="0"/>
+              </a:defRPr>
+            </a:lvl7pPr>
+            <a:lvl8pPr marL="3429000" indent="-228600" algn="ctr" eaLnBrk="0" fontAlgn="base" hangingPunct="0">
+              <a:spcBef>
+                <a:spcPct val="0"/>
+              </a:spcBef>
+              <a:spcAft>
+                <a:spcPct val="0"/>
+              </a:spcAft>
+              <a:defRPr sz="1600" b="1" i="1">
+                <a:solidFill>
+                  <a:schemeClr val="tx1"/>
+                </a:solidFill>
+                <a:latin typeface="Times New Roman" panose="02020603050405020304" pitchFamily="18" charset="0"/>
+              </a:defRPr>
+            </a:lvl8pPr>
+            <a:lvl9pPr marL="3886200" indent="-228600" algn="ctr" eaLnBrk="0" fontAlgn="base" hangingPunct="0">
+              <a:spcBef>
+                <a:spcPct val="0"/>
+              </a:spcBef>
+              <a:spcAft>
+                <a:spcPct val="0"/>
+              </a:spcAft>
+              <a:defRPr sz="1600" b="1" i="1">
+                <a:solidFill>
+                  <a:schemeClr val="tx1"/>
+                </a:solidFill>
+                <a:latin typeface="Times New Roman" panose="02020603050405020304" pitchFamily="18" charset="0"/>
+              </a:defRPr>
+            </a:lvl9pPr>
+          </a:lstStyle>
+          <a:p>
+            <a:r>
+              <a:rPr lang="en-GB" altLang="en-US" sz="1800" i="0" dirty="0"/>
+              <a:t>Receiver</a:t>
+            </a:r>
+          </a:p>
+          <a:p>
+            <a:r>
+              <a:rPr lang="en-GB" altLang="en-US" sz="1800" i="0" dirty="0"/>
+              <a:t>(decoder)</a:t>
+            </a:r>
+          </a:p>
+        </p:txBody>
+      </p:sp>
+      <p:sp>
+        <p:nvSpPr>
+          <p:cNvPr id="31753" name="Rectangle 7"/>
+          <p:cNvSpPr>
+            <a:spLocks noChangeArrowheads="1"/>
+          </p:cNvSpPr>
+          <p:nvPr/>
+        </p:nvSpPr>
+        <p:spPr bwMode="auto">
+          <a:xfrm>
+            <a:off x="4038600" y="1905000"/>
+            <a:ext cx="990600" cy="685800"/>
+          </a:xfrm>
+          <a:prstGeom prst="rect">
+            <a:avLst/>
+          </a:prstGeom>
+          <a:noFill/>
+          <a:ln w="9525">
+            <a:solidFill>
+              <a:schemeClr val="tx1"/>
+            </a:solidFill>
+            <a:miter lim="800000"/>
+            <a:headEnd/>
+            <a:tailEnd/>
+          </a:ln>
+          <a:extLst>
+            <a:ext uri="{909E8E84-426E-40DD-AFC4-6F175D3DCCD1}">
+              <a14:hiddenFill xmlns:a14="http://schemas.microsoft.com/office/drawing/2010/main">
+                <a:solidFill>
+                  <a:srgbClr val="FFFFFF"/>
+                </a:solidFill>
+              </a14:hiddenFill>
+            </a:ext>
+          </a:extLst>
+        </p:spPr>
+        <p:txBody>
+          <a:bodyPr wrap="none" anchor="ctr"/>
+          <a:lstStyle>
+            <a:lvl1pPr>
+              <a:defRPr sz="1600" b="1" i="1">
+                <a:solidFill>
+                  <a:schemeClr val="tx1"/>
+                </a:solidFill>
+                <a:latin typeface="Times New Roman" panose="02020603050405020304" pitchFamily="18" charset="0"/>
+              </a:defRPr>
+            </a:lvl1pPr>
+            <a:lvl2pPr marL="742950" indent="-285750">
+              <a:defRPr sz="1600" b="1" i="1">
+                <a:solidFill>
+                  <a:schemeClr val="tx1"/>
+                </a:solidFill>
+                <a:latin typeface="Times New Roman" panose="02020603050405020304" pitchFamily="18" charset="0"/>
+              </a:defRPr>
+            </a:lvl2pPr>
+            <a:lvl3pPr marL="1143000" indent="-228600">
+              <a:defRPr sz="1600" b="1" i="1">
+                <a:solidFill>
+                  <a:schemeClr val="tx1"/>
+                </a:solidFill>
+                <a:latin typeface="Times New Roman" panose="02020603050405020304" pitchFamily="18" charset="0"/>
+              </a:defRPr>
+            </a:lvl3pPr>
+            <a:lvl4pPr marL="1600200" indent="-228600">
+              <a:defRPr sz="1600" b="1" i="1">
+                <a:solidFill>
+                  <a:schemeClr val="tx1"/>
+                </a:solidFill>
+                <a:latin typeface="Times New Roman" panose="02020603050405020304" pitchFamily="18" charset="0"/>
+              </a:defRPr>
+            </a:lvl4pPr>
+            <a:lvl5pPr marL="2057400" indent="-228600">
+              <a:defRPr sz="1600" b="1" i="1">
+                <a:solidFill>
+                  <a:schemeClr val="tx1"/>
+                </a:solidFill>
+                <a:latin typeface="Times New Roman" panose="02020603050405020304" pitchFamily="18" charset="0"/>
+              </a:defRPr>
+            </a:lvl5pPr>
+            <a:lvl6pPr marL="2514600" indent="-228600" algn="ctr" eaLnBrk="0" fontAlgn="base" hangingPunct="0">
+              <a:spcBef>
+                <a:spcPct val="0"/>
+              </a:spcBef>
+              <a:spcAft>
+                <a:spcPct val="0"/>
+              </a:spcAft>
+              <a:defRPr sz="1600" b="1" i="1">
+                <a:solidFill>
+                  <a:schemeClr val="tx1"/>
+                </a:solidFill>
+                <a:latin typeface="Times New Roman" panose="02020603050405020304" pitchFamily="18" charset="0"/>
+              </a:defRPr>
+            </a:lvl6pPr>
+            <a:lvl7pPr marL="2971800" indent="-228600" algn="ctr" eaLnBrk="0" fontAlgn="base" hangingPunct="0">
+              <a:spcBef>
+                <a:spcPct val="0"/>
+              </a:spcBef>
+              <a:spcAft>
+                <a:spcPct val="0"/>
+              </a:spcAft>
+              <a:defRPr sz="1600" b="1" i="1">
+                <a:solidFill>
+                  <a:schemeClr val="tx1"/>
+                </a:solidFill>
+                <a:latin typeface="Times New Roman" panose="02020603050405020304" pitchFamily="18" charset="0"/>
+              </a:defRPr>
+            </a:lvl7pPr>
+            <a:lvl8pPr marL="3429000" indent="-228600" algn="ctr" eaLnBrk="0" fontAlgn="base" hangingPunct="0">
+              <a:spcBef>
+                <a:spcPct val="0"/>
+              </a:spcBef>
+              <a:spcAft>
+                <a:spcPct val="0"/>
+              </a:spcAft>
+              <a:defRPr sz="1600" b="1" i="1">
+                <a:solidFill>
+                  <a:schemeClr val="tx1"/>
+                </a:solidFill>
+                <a:latin typeface="Times New Roman" panose="02020603050405020304" pitchFamily="18" charset="0"/>
+              </a:defRPr>
+            </a:lvl8pPr>
+            <a:lvl9pPr marL="3886200" indent="-228600" algn="ctr" eaLnBrk="0" fontAlgn="base" hangingPunct="0">
+              <a:spcBef>
+                <a:spcPct val="0"/>
+              </a:spcBef>
+              <a:spcAft>
+                <a:spcPct val="0"/>
+              </a:spcAft>
+              <a:defRPr sz="1600" b="1" i="1">
+                <a:solidFill>
+                  <a:schemeClr val="tx1"/>
+                </a:solidFill>
+                <a:latin typeface="Times New Roman" panose="02020603050405020304" pitchFamily="18" charset="0"/>
+              </a:defRPr>
+            </a:lvl9pPr>
+          </a:lstStyle>
+          <a:p>
+            <a:r>
+              <a:rPr lang="en-GB" altLang="en-US" sz="1800" i="0" dirty="0"/>
+              <a:t>Noisy</a:t>
+            </a:r>
+          </a:p>
+          <a:p>
+            <a:r>
+              <a:rPr lang="en-GB" altLang="en-US" sz="1800" i="0" dirty="0"/>
+              <a:t>Channel</a:t>
+            </a:r>
+          </a:p>
+        </p:txBody>
+      </p:sp>
+      <p:sp>
+        <p:nvSpPr>
+          <p:cNvPr id="31754" name="Line 8"/>
+          <p:cNvSpPr>
+            <a:spLocks noChangeShapeType="1"/>
+          </p:cNvSpPr>
+          <p:nvPr/>
+        </p:nvSpPr>
+        <p:spPr bwMode="auto">
+          <a:xfrm>
+            <a:off x="1752600" y="4038600"/>
+            <a:ext cx="119063" cy="0"/>
+          </a:xfrm>
+          <a:prstGeom prst="line">
+            <a:avLst/>
+          </a:prstGeom>
+          <a:noFill/>
+          <a:ln w="28575">
+            <a:solidFill>
+              <a:schemeClr val="bg1"/>
+            </a:solidFill>
+            <a:round/>
+            <a:headEnd/>
+            <a:tailEnd type="triangle" w="med" len="med"/>
+          </a:ln>
+          <a:extLst>
+            <a:ext uri="{909E8E84-426E-40DD-AFC4-6F175D3DCCD1}">
+              <a14:hiddenFill xmlns:a14="http://schemas.microsoft.com/office/drawing/2010/main">
+                <a:noFill/>
+              </a14:hiddenFill>
+            </a:ext>
+          </a:extLst>
+        </p:spPr>
+        <p:txBody>
+          <a:bodyPr wrap="none" anchor="ctr"/>
+          <a:lstStyle/>
+          <a:p>
+            <a:endParaRPr lang="en-US"/>
+          </a:p>
+        </p:txBody>
+      </p:sp>
+      <p:sp>
+        <p:nvSpPr>
+          <p:cNvPr id="31755" name="Line 9"/>
+          <p:cNvSpPr>
+            <a:spLocks noChangeShapeType="1"/>
+          </p:cNvSpPr>
+          <p:nvPr/>
+        </p:nvSpPr>
+        <p:spPr bwMode="auto">
+          <a:xfrm>
+            <a:off x="3581400" y="4038600"/>
+            <a:ext cx="119063" cy="0"/>
+          </a:xfrm>
+          <a:prstGeom prst="line">
+            <a:avLst/>
+          </a:prstGeom>
+          <a:noFill/>
+          <a:ln w="28575">
+            <a:solidFill>
+              <a:schemeClr val="bg1"/>
+            </a:solidFill>
+            <a:round/>
+            <a:headEnd/>
+            <a:tailEnd type="triangle" w="med" len="med"/>
+          </a:ln>
+          <a:extLst>
+            <a:ext uri="{909E8E84-426E-40DD-AFC4-6F175D3DCCD1}">
+              <a14:hiddenFill xmlns:a14="http://schemas.microsoft.com/office/drawing/2010/main">
+                <a:noFill/>
+              </a14:hiddenFill>
+            </a:ext>
+          </a:extLst>
+        </p:spPr>
+        <p:txBody>
+          <a:bodyPr wrap="none" anchor="ctr"/>
+          <a:lstStyle/>
+          <a:p>
+            <a:endParaRPr lang="en-US"/>
+          </a:p>
+        </p:txBody>
+      </p:sp>
+      <p:sp>
+        <p:nvSpPr>
+          <p:cNvPr id="31756" name="Line 10"/>
+          <p:cNvSpPr>
+            <a:spLocks noChangeShapeType="1"/>
+          </p:cNvSpPr>
+          <p:nvPr/>
+        </p:nvSpPr>
+        <p:spPr bwMode="auto">
+          <a:xfrm>
+            <a:off x="5181600" y="4038600"/>
+            <a:ext cx="147638" cy="0"/>
+          </a:xfrm>
+          <a:prstGeom prst="line">
+            <a:avLst/>
+          </a:prstGeom>
+          <a:noFill/>
+          <a:ln w="28575">
+            <a:solidFill>
+              <a:schemeClr val="bg1"/>
+            </a:solidFill>
+            <a:round/>
+            <a:headEnd/>
+            <a:tailEnd type="triangle" w="med" len="med"/>
+          </a:ln>
+          <a:extLst>
+            <a:ext uri="{909E8E84-426E-40DD-AFC4-6F175D3DCCD1}">
+              <a14:hiddenFill xmlns:a14="http://schemas.microsoft.com/office/drawing/2010/main">
+                <a:noFill/>
+              </a14:hiddenFill>
+            </a:ext>
+          </a:extLst>
+        </p:spPr>
+        <p:txBody>
+          <a:bodyPr wrap="none" anchor="ctr"/>
+          <a:lstStyle/>
+          <a:p>
+            <a:endParaRPr lang="en-US"/>
+          </a:p>
+        </p:txBody>
+      </p:sp>
+      <p:sp>
+        <p:nvSpPr>
+          <p:cNvPr id="31757" name="Line 11"/>
+          <p:cNvSpPr>
+            <a:spLocks noChangeShapeType="1"/>
+          </p:cNvSpPr>
+          <p:nvPr/>
+        </p:nvSpPr>
+        <p:spPr bwMode="auto">
+          <a:xfrm>
+            <a:off x="6858000" y="4038600"/>
+            <a:ext cx="147638" cy="0"/>
+          </a:xfrm>
+          <a:prstGeom prst="line">
+            <a:avLst/>
+          </a:prstGeom>
+          <a:noFill/>
+          <a:ln w="28575">
+            <a:solidFill>
+              <a:schemeClr val="bg1"/>
+            </a:solidFill>
+            <a:round/>
+            <a:headEnd/>
+            <a:tailEnd type="triangle" w="med" len="med"/>
+          </a:ln>
+          <a:extLst>
+            <a:ext uri="{909E8E84-426E-40DD-AFC4-6F175D3DCCD1}">
+              <a14:hiddenFill xmlns:a14="http://schemas.microsoft.com/office/drawing/2010/main">
+                <a:noFill/>
+              </a14:hiddenFill>
+            </a:ext>
+          </a:extLst>
+        </p:spPr>
+        <p:txBody>
+          <a:bodyPr wrap="none" anchor="ctr"/>
+          <a:lstStyle/>
+          <a:p>
+            <a:endParaRPr lang="en-US"/>
+          </a:p>
+        </p:txBody>
+      </p:sp>
+      <p:sp>
+        <p:nvSpPr>
+          <p:cNvPr id="31758" name="AutoShape 13"/>
+          <p:cNvSpPr>
+            <a:spLocks noChangeArrowheads="1"/>
+          </p:cNvSpPr>
+          <p:nvPr/>
+        </p:nvSpPr>
+        <p:spPr bwMode="auto">
+          <a:xfrm>
+            <a:off x="6858000" y="2211388"/>
+            <a:ext cx="685800" cy="150812"/>
+          </a:xfrm>
+          <a:prstGeom prst="rightArrow">
+            <a:avLst>
+              <a:gd name="adj1" fmla="val 50000"/>
+              <a:gd name="adj2" fmla="val 113685"/>
+            </a:avLst>
+          </a:prstGeom>
+          <a:solidFill>
+            <a:schemeClr val="accent1"/>
+          </a:solidFill>
+          <a:ln w="9525">
+            <a:solidFill>
+              <a:schemeClr val="tx1"/>
+            </a:solidFill>
+            <a:miter lim="800000"/>
+            <a:headEnd/>
+            <a:tailEnd/>
+          </a:ln>
+        </p:spPr>
+        <p:txBody>
+          <a:bodyPr wrap="none" anchor="ctr"/>
+          <a:lstStyle>
+            <a:lvl1pPr>
+              <a:defRPr sz="1600" b="1" i="1">
+                <a:solidFill>
+                  <a:schemeClr val="tx1"/>
+                </a:solidFill>
+                <a:latin typeface="Times New Roman" panose="02020603050405020304" pitchFamily="18" charset="0"/>
+              </a:defRPr>
+            </a:lvl1pPr>
+            <a:lvl2pPr marL="742950" indent="-285750">
+              <a:defRPr sz="1600" b="1" i="1">
+                <a:solidFill>
+                  <a:schemeClr val="tx1"/>
+                </a:solidFill>
+                <a:latin typeface="Times New Roman" panose="02020603050405020304" pitchFamily="18" charset="0"/>
+              </a:defRPr>
+            </a:lvl2pPr>
+            <a:lvl3pPr marL="1143000" indent="-228600">
+              <a:defRPr sz="1600" b="1" i="1">
+                <a:solidFill>
+                  <a:schemeClr val="tx1"/>
+                </a:solidFill>
+                <a:latin typeface="Times New Roman" panose="02020603050405020304" pitchFamily="18" charset="0"/>
+              </a:defRPr>
+            </a:lvl3pPr>
+            <a:lvl4pPr marL="1600200" indent="-228600">
+              <a:defRPr sz="1600" b="1" i="1">
+                <a:solidFill>
+                  <a:schemeClr val="tx1"/>
+                </a:solidFill>
+                <a:latin typeface="Times New Roman" panose="02020603050405020304" pitchFamily="18" charset="0"/>
+              </a:defRPr>
+            </a:lvl4pPr>
+            <a:lvl5pPr marL="2057400" indent="-228600">
+              <a:defRPr sz="1600" b="1" i="1">
+                <a:solidFill>
+                  <a:schemeClr val="tx1"/>
+                </a:solidFill>
+                <a:latin typeface="Times New Roman" panose="02020603050405020304" pitchFamily="18" charset="0"/>
+              </a:defRPr>
+            </a:lvl5pPr>
+            <a:lvl6pPr marL="2514600" indent="-228600" algn="ctr" eaLnBrk="0" fontAlgn="base" hangingPunct="0">
+              <a:spcBef>
+                <a:spcPct val="0"/>
+              </a:spcBef>
+              <a:spcAft>
+                <a:spcPct val="0"/>
+              </a:spcAft>
+              <a:defRPr sz="1600" b="1" i="1">
+                <a:solidFill>
+                  <a:schemeClr val="tx1"/>
+                </a:solidFill>
+                <a:latin typeface="Times New Roman" panose="02020603050405020304" pitchFamily="18" charset="0"/>
+              </a:defRPr>
+            </a:lvl6pPr>
+            <a:lvl7pPr marL="2971800" indent="-228600" algn="ctr" eaLnBrk="0" fontAlgn="base" hangingPunct="0">
+              <a:spcBef>
+                <a:spcPct val="0"/>
+              </a:spcBef>
+              <a:spcAft>
+                <a:spcPct val="0"/>
+              </a:spcAft>
+              <a:defRPr sz="1600" b="1" i="1">
+                <a:solidFill>
+                  <a:schemeClr val="tx1"/>
+                </a:solidFill>
+                <a:latin typeface="Times New Roman" panose="02020603050405020304" pitchFamily="18" charset="0"/>
+              </a:defRPr>
+            </a:lvl7pPr>
+            <a:lvl8pPr marL="3429000" indent="-228600" algn="ctr" eaLnBrk="0" fontAlgn="base" hangingPunct="0">
+              <a:spcBef>
+                <a:spcPct val="0"/>
+              </a:spcBef>
+              <a:spcAft>
+                <a:spcPct val="0"/>
+              </a:spcAft>
+              <a:defRPr sz="1600" b="1" i="1">
+                <a:solidFill>
+                  <a:schemeClr val="tx1"/>
+                </a:solidFill>
+                <a:latin typeface="Times New Roman" panose="02020603050405020304" pitchFamily="18" charset="0"/>
+              </a:defRPr>
+            </a:lvl8pPr>
+            <a:lvl9pPr marL="3886200" indent="-228600" algn="ctr" eaLnBrk="0" fontAlgn="base" hangingPunct="0">
+              <a:spcBef>
+                <a:spcPct val="0"/>
+              </a:spcBef>
+              <a:spcAft>
+                <a:spcPct val="0"/>
+              </a:spcAft>
+              <a:defRPr sz="1600" b="1" i="1">
+                <a:solidFill>
+                  <a:schemeClr val="tx1"/>
+                </a:solidFill>
+                <a:latin typeface="Times New Roman" panose="02020603050405020304" pitchFamily="18" charset="0"/>
+              </a:defRPr>
+            </a:lvl9pPr>
+          </a:lstStyle>
+          <a:p>
+            <a:endParaRPr lang="en-US" altLang="en-US"/>
+          </a:p>
+        </p:txBody>
+      </p:sp>
+      <p:sp>
+        <p:nvSpPr>
+          <p:cNvPr id="31759" name="Text Box 16"/>
+          <p:cNvSpPr txBox="1">
+            <a:spLocks noChangeArrowheads="1"/>
+          </p:cNvSpPr>
+          <p:nvPr/>
+        </p:nvSpPr>
+        <p:spPr bwMode="auto">
+          <a:xfrm>
+            <a:off x="590550" y="2590800"/>
+            <a:ext cx="663575" cy="396875"/>
+          </a:xfrm>
+          <a:prstGeom prst="rect">
+            <a:avLst/>
+          </a:prstGeom>
+          <a:noFill/>
+          <a:ln>
+            <a:noFill/>
+          </a:ln>
+          <a:extLst>
+            <a:ext uri="{909E8E84-426E-40DD-AFC4-6F175D3DCCD1}">
+              <a14:hiddenFill xmlns:a14="http://schemas.microsoft.com/office/drawing/2010/main">
+                <a:solidFill>
+                  <a:srgbClr val="FFFFFF"/>
+                </a:solidFill>
+              </a14:hiddenFill>
+            </a:ext>
+            <a:ext uri="{91240B29-F687-4F45-9708-019B960494DF}">
+              <a14:hiddenLine xmlns:a14="http://schemas.microsoft.com/office/drawing/2010/main" w="9525">
+                <a:solidFill>
+                  <a:srgbClr val="000000"/>
+                </a:solidFill>
+                <a:miter lim="800000"/>
+                <a:headEnd/>
+                <a:tailEnd/>
+              </a14:hiddenLine>
+            </a:ext>
+          </a:extLst>
+        </p:spPr>
+        <p:txBody>
+          <a:bodyPr wrap="none">
+            <a:spAutoFit/>
+          </a:bodyPr>
+          <a:lstStyle>
+            <a:lvl1pPr>
+              <a:defRPr sz="1600" b="1" i="1">
+                <a:solidFill>
+                  <a:schemeClr val="tx1"/>
+                </a:solidFill>
+                <a:latin typeface="Times New Roman" panose="02020603050405020304" pitchFamily="18" charset="0"/>
+              </a:defRPr>
+            </a:lvl1pPr>
+            <a:lvl2pPr marL="742950" indent="-285750">
+              <a:defRPr sz="1600" b="1" i="1">
+                <a:solidFill>
+                  <a:schemeClr val="tx1"/>
+                </a:solidFill>
+                <a:latin typeface="Times New Roman" panose="02020603050405020304" pitchFamily="18" charset="0"/>
+              </a:defRPr>
+            </a:lvl2pPr>
+            <a:lvl3pPr marL="1143000" indent="-228600">
+              <a:defRPr sz="1600" b="1" i="1">
+                <a:solidFill>
+                  <a:schemeClr val="tx1"/>
+                </a:solidFill>
+                <a:latin typeface="Times New Roman" panose="02020603050405020304" pitchFamily="18" charset="0"/>
+              </a:defRPr>
+            </a:lvl3pPr>
+            <a:lvl4pPr marL="1600200" indent="-228600">
+              <a:defRPr sz="1600" b="1" i="1">
+                <a:solidFill>
+                  <a:schemeClr val="tx1"/>
+                </a:solidFill>
+                <a:latin typeface="Times New Roman" panose="02020603050405020304" pitchFamily="18" charset="0"/>
+              </a:defRPr>
+            </a:lvl4pPr>
+            <a:lvl5pPr marL="2057400" indent="-228600">
+              <a:defRPr sz="1600" b="1" i="1">
+                <a:solidFill>
+                  <a:schemeClr val="tx1"/>
+                </a:solidFill>
+                <a:latin typeface="Times New Roman" panose="02020603050405020304" pitchFamily="18" charset="0"/>
+              </a:defRPr>
+            </a:lvl5pPr>
+            <a:lvl6pPr marL="2514600" indent="-228600" algn="ctr" eaLnBrk="0" fontAlgn="base" hangingPunct="0">
+              <a:spcBef>
+                <a:spcPct val="0"/>
+              </a:spcBef>
+              <a:spcAft>
+                <a:spcPct val="0"/>
+              </a:spcAft>
+              <a:defRPr sz="1600" b="1" i="1">
+                <a:solidFill>
+                  <a:schemeClr val="tx1"/>
+                </a:solidFill>
+                <a:latin typeface="Times New Roman" panose="02020603050405020304" pitchFamily="18" charset="0"/>
+              </a:defRPr>
+            </a:lvl6pPr>
+            <a:lvl7pPr marL="2971800" indent="-228600" algn="ctr" eaLnBrk="0" fontAlgn="base" hangingPunct="0">
+              <a:spcBef>
+                <a:spcPct val="0"/>
+              </a:spcBef>
+              <a:spcAft>
+                <a:spcPct val="0"/>
+              </a:spcAft>
+              <a:defRPr sz="1600" b="1" i="1">
+                <a:solidFill>
+                  <a:schemeClr val="tx1"/>
+                </a:solidFill>
+                <a:latin typeface="Times New Roman" panose="02020603050405020304" pitchFamily="18" charset="0"/>
+              </a:defRPr>
+            </a:lvl7pPr>
+            <a:lvl8pPr marL="3429000" indent="-228600" algn="ctr" eaLnBrk="0" fontAlgn="base" hangingPunct="0">
+              <a:spcBef>
+                <a:spcPct val="0"/>
+              </a:spcBef>
+              <a:spcAft>
+                <a:spcPct val="0"/>
+              </a:spcAft>
+              <a:defRPr sz="1600" b="1" i="1">
+                <a:solidFill>
+                  <a:schemeClr val="tx1"/>
+                </a:solidFill>
+                <a:latin typeface="Times New Roman" panose="02020603050405020304" pitchFamily="18" charset="0"/>
+              </a:defRPr>
+            </a:lvl8pPr>
+            <a:lvl9pPr marL="3886200" indent="-228600" algn="ctr" eaLnBrk="0" fontAlgn="base" hangingPunct="0">
+              <a:spcBef>
+                <a:spcPct val="0"/>
+              </a:spcBef>
+              <a:spcAft>
+                <a:spcPct val="0"/>
+              </a:spcAft>
+              <a:defRPr sz="1600" b="1" i="1">
+                <a:solidFill>
+                  <a:schemeClr val="tx1"/>
+                </a:solidFill>
+                <a:latin typeface="Times New Roman" panose="02020603050405020304" pitchFamily="18" charset="0"/>
+              </a:defRPr>
+            </a:lvl9pPr>
+          </a:lstStyle>
+          <a:p>
+            <a:r>
+              <a:rPr lang="en-US" altLang="en-US" sz="2000" b="0"/>
+              <a:t>P(X)</a:t>
+            </a:r>
+          </a:p>
+        </p:txBody>
+      </p:sp>
+      <p:sp>
+        <p:nvSpPr>
+          <p:cNvPr id="31760" name="Text Box 17"/>
+          <p:cNvSpPr txBox="1">
+            <a:spLocks noChangeArrowheads="1"/>
+          </p:cNvSpPr>
+          <p:nvPr/>
+        </p:nvSpPr>
+        <p:spPr bwMode="auto">
+          <a:xfrm>
+            <a:off x="3144044" y="2803524"/>
+            <a:ext cx="874712" cy="396875"/>
+          </a:xfrm>
+          <a:prstGeom prst="rect">
+            <a:avLst/>
+          </a:prstGeom>
+          <a:noFill/>
+          <a:ln>
+            <a:noFill/>
+          </a:ln>
+          <a:extLst>
+            <a:ext uri="{909E8E84-426E-40DD-AFC4-6F175D3DCCD1}">
+              <a14:hiddenFill xmlns:a14="http://schemas.microsoft.com/office/drawing/2010/main">
+                <a:solidFill>
+                  <a:srgbClr val="FFFFFF"/>
+                </a:solidFill>
+              </a14:hiddenFill>
+            </a:ext>
+            <a:ext uri="{91240B29-F687-4F45-9708-019B960494DF}">
+              <a14:hiddenLine xmlns:a14="http://schemas.microsoft.com/office/drawing/2010/main" w="9525">
+                <a:solidFill>
+                  <a:srgbClr val="000000"/>
+                </a:solidFill>
+                <a:miter lim="800000"/>
+                <a:headEnd/>
+                <a:tailEnd/>
+              </a14:hiddenLine>
+            </a:ext>
+          </a:extLst>
+        </p:spPr>
+        <p:txBody>
+          <a:bodyPr wrap="none">
+            <a:spAutoFit/>
+          </a:bodyPr>
+          <a:lstStyle>
+            <a:lvl1pPr>
+              <a:defRPr sz="1600" b="1" i="1">
+                <a:solidFill>
+                  <a:schemeClr val="tx1"/>
+                </a:solidFill>
+                <a:latin typeface="Times New Roman" panose="02020603050405020304" pitchFamily="18" charset="0"/>
+              </a:defRPr>
+            </a:lvl1pPr>
+            <a:lvl2pPr marL="742950" indent="-285750">
+              <a:defRPr sz="1600" b="1" i="1">
+                <a:solidFill>
+                  <a:schemeClr val="tx1"/>
+                </a:solidFill>
+                <a:latin typeface="Times New Roman" panose="02020603050405020304" pitchFamily="18" charset="0"/>
+              </a:defRPr>
+            </a:lvl2pPr>
+            <a:lvl3pPr marL="1143000" indent="-228600">
+              <a:defRPr sz="1600" b="1" i="1">
+                <a:solidFill>
+                  <a:schemeClr val="tx1"/>
+                </a:solidFill>
+                <a:latin typeface="Times New Roman" panose="02020603050405020304" pitchFamily="18" charset="0"/>
+              </a:defRPr>
+            </a:lvl3pPr>
+            <a:lvl4pPr marL="1600200" indent="-228600">
+              <a:defRPr sz="1600" b="1" i="1">
+                <a:solidFill>
+                  <a:schemeClr val="tx1"/>
+                </a:solidFill>
+                <a:latin typeface="Times New Roman" panose="02020603050405020304" pitchFamily="18" charset="0"/>
+              </a:defRPr>
+            </a:lvl4pPr>
+            <a:lvl5pPr marL="2057400" indent="-228600">
+              <a:defRPr sz="1600" b="1" i="1">
+                <a:solidFill>
+                  <a:schemeClr val="tx1"/>
+                </a:solidFill>
+                <a:latin typeface="Times New Roman" panose="02020603050405020304" pitchFamily="18" charset="0"/>
+              </a:defRPr>
+            </a:lvl5pPr>
+            <a:lvl6pPr marL="2514600" indent="-228600" algn="ctr" eaLnBrk="0" fontAlgn="base" hangingPunct="0">
+              <a:spcBef>
+                <a:spcPct val="0"/>
+              </a:spcBef>
+              <a:spcAft>
+                <a:spcPct val="0"/>
+              </a:spcAft>
+              <a:defRPr sz="1600" b="1" i="1">
+                <a:solidFill>
+                  <a:schemeClr val="tx1"/>
+                </a:solidFill>
+                <a:latin typeface="Times New Roman" panose="02020603050405020304" pitchFamily="18" charset="0"/>
+              </a:defRPr>
+            </a:lvl6pPr>
+            <a:lvl7pPr marL="2971800" indent="-228600" algn="ctr" eaLnBrk="0" fontAlgn="base" hangingPunct="0">
+              <a:spcBef>
+                <a:spcPct val="0"/>
+              </a:spcBef>
+              <a:spcAft>
+                <a:spcPct val="0"/>
+              </a:spcAft>
+              <a:defRPr sz="1600" b="1" i="1">
+                <a:solidFill>
+                  <a:schemeClr val="tx1"/>
+                </a:solidFill>
+                <a:latin typeface="Times New Roman" panose="02020603050405020304" pitchFamily="18" charset="0"/>
+              </a:defRPr>
+            </a:lvl7pPr>
+            <a:lvl8pPr marL="3429000" indent="-228600" algn="ctr" eaLnBrk="0" fontAlgn="base" hangingPunct="0">
+              <a:spcBef>
+                <a:spcPct val="0"/>
+              </a:spcBef>
+              <a:spcAft>
+                <a:spcPct val="0"/>
+              </a:spcAft>
+              <a:defRPr sz="1600" b="1" i="1">
+                <a:solidFill>
+                  <a:schemeClr val="tx1"/>
+                </a:solidFill>
+                <a:latin typeface="Times New Roman" panose="02020603050405020304" pitchFamily="18" charset="0"/>
+              </a:defRPr>
+            </a:lvl8pPr>
+            <a:lvl9pPr marL="3886200" indent="-228600" algn="ctr" eaLnBrk="0" fontAlgn="base" hangingPunct="0">
+              <a:spcBef>
+                <a:spcPct val="0"/>
+              </a:spcBef>
+              <a:spcAft>
+                <a:spcPct val="0"/>
+              </a:spcAft>
+              <a:defRPr sz="1600" b="1" i="1">
+                <a:solidFill>
+                  <a:schemeClr val="tx1"/>
+                </a:solidFill>
+                <a:latin typeface="Times New Roman" panose="02020603050405020304" pitchFamily="18" charset="0"/>
+              </a:defRPr>
+            </a:lvl9pPr>
+          </a:lstStyle>
+          <a:p>
+            <a:r>
+              <a:rPr lang="en-US" altLang="en-US" sz="2000" b="0" dirty="0"/>
+              <a:t>P(Y|X)</a:t>
+            </a:r>
+          </a:p>
+        </p:txBody>
+      </p:sp>
+      <p:sp>
+        <p:nvSpPr>
+          <p:cNvPr id="31761" name="Text Box 18"/>
+          <p:cNvSpPr txBox="1">
+            <a:spLocks noChangeArrowheads="1"/>
+          </p:cNvSpPr>
+          <p:nvPr/>
+        </p:nvSpPr>
+        <p:spPr bwMode="auto">
+          <a:xfrm>
+            <a:off x="1496218" y="2300552"/>
+            <a:ext cx="339725" cy="396875"/>
+          </a:xfrm>
+          <a:prstGeom prst="rect">
+            <a:avLst/>
+          </a:prstGeom>
+          <a:noFill/>
+          <a:ln>
+            <a:noFill/>
+          </a:ln>
+          <a:extLst>
+            <a:ext uri="{909E8E84-426E-40DD-AFC4-6F175D3DCCD1}">
+              <a14:hiddenFill xmlns:a14="http://schemas.microsoft.com/office/drawing/2010/main">
+                <a:solidFill>
+                  <a:srgbClr val="FFFFFF"/>
+                </a:solidFill>
+              </a14:hiddenFill>
+            </a:ext>
+            <a:ext uri="{91240B29-F687-4F45-9708-019B960494DF}">
+              <a14:hiddenLine xmlns:a14="http://schemas.microsoft.com/office/drawing/2010/main" w="9525">
+                <a:solidFill>
+                  <a:srgbClr val="000000"/>
+                </a:solidFill>
+                <a:miter lim="800000"/>
+                <a:headEnd/>
+                <a:tailEnd/>
+              </a14:hiddenLine>
+            </a:ext>
+          </a:extLst>
+        </p:spPr>
+        <p:txBody>
+          <a:bodyPr wrap="none">
+            <a:spAutoFit/>
+          </a:bodyPr>
+          <a:lstStyle>
+            <a:lvl1pPr>
+              <a:defRPr sz="1600" b="1" i="1">
+                <a:solidFill>
+                  <a:schemeClr val="tx1"/>
+                </a:solidFill>
+                <a:latin typeface="Times New Roman" panose="02020603050405020304" pitchFamily="18" charset="0"/>
+              </a:defRPr>
+            </a:lvl1pPr>
+            <a:lvl2pPr marL="742950" indent="-285750">
+              <a:defRPr sz="1600" b="1" i="1">
+                <a:solidFill>
+                  <a:schemeClr val="tx1"/>
+                </a:solidFill>
+                <a:latin typeface="Times New Roman" panose="02020603050405020304" pitchFamily="18" charset="0"/>
+              </a:defRPr>
+            </a:lvl2pPr>
+            <a:lvl3pPr marL="1143000" indent="-228600">
+              <a:defRPr sz="1600" b="1" i="1">
+                <a:solidFill>
+                  <a:schemeClr val="tx1"/>
+                </a:solidFill>
+                <a:latin typeface="Times New Roman" panose="02020603050405020304" pitchFamily="18" charset="0"/>
+              </a:defRPr>
+            </a:lvl3pPr>
+            <a:lvl4pPr marL="1600200" indent="-228600">
+              <a:defRPr sz="1600" b="1" i="1">
+                <a:solidFill>
+                  <a:schemeClr val="tx1"/>
+                </a:solidFill>
+                <a:latin typeface="Times New Roman" panose="02020603050405020304" pitchFamily="18" charset="0"/>
+              </a:defRPr>
+            </a:lvl4pPr>
+            <a:lvl5pPr marL="2057400" indent="-228600">
+              <a:defRPr sz="1600" b="1" i="1">
+                <a:solidFill>
+                  <a:schemeClr val="tx1"/>
+                </a:solidFill>
+                <a:latin typeface="Times New Roman" panose="02020603050405020304" pitchFamily="18" charset="0"/>
+              </a:defRPr>
+            </a:lvl5pPr>
+            <a:lvl6pPr marL="2514600" indent="-228600" algn="ctr" eaLnBrk="0" fontAlgn="base" hangingPunct="0">
+              <a:spcBef>
+                <a:spcPct val="0"/>
+              </a:spcBef>
+              <a:spcAft>
+                <a:spcPct val="0"/>
+              </a:spcAft>
+              <a:defRPr sz="1600" b="1" i="1">
+                <a:solidFill>
+                  <a:schemeClr val="tx1"/>
+                </a:solidFill>
+                <a:latin typeface="Times New Roman" panose="02020603050405020304" pitchFamily="18" charset="0"/>
+              </a:defRPr>
+            </a:lvl6pPr>
+            <a:lvl7pPr marL="2971800" indent="-228600" algn="ctr" eaLnBrk="0" fontAlgn="base" hangingPunct="0">
+              <a:spcBef>
+                <a:spcPct val="0"/>
+              </a:spcBef>
+              <a:spcAft>
+                <a:spcPct val="0"/>
+              </a:spcAft>
+              <a:defRPr sz="1600" b="1" i="1">
+                <a:solidFill>
+                  <a:schemeClr val="tx1"/>
+                </a:solidFill>
+                <a:latin typeface="Times New Roman" panose="02020603050405020304" pitchFamily="18" charset="0"/>
+              </a:defRPr>
+            </a:lvl7pPr>
+            <a:lvl8pPr marL="3429000" indent="-228600" algn="ctr" eaLnBrk="0" fontAlgn="base" hangingPunct="0">
+              <a:spcBef>
+                <a:spcPct val="0"/>
+              </a:spcBef>
+              <a:spcAft>
+                <a:spcPct val="0"/>
+              </a:spcAft>
+              <a:defRPr sz="1600" b="1" i="1">
+                <a:solidFill>
+                  <a:schemeClr val="tx1"/>
+                </a:solidFill>
+                <a:latin typeface="Times New Roman" panose="02020603050405020304" pitchFamily="18" charset="0"/>
+              </a:defRPr>
+            </a:lvl8pPr>
+            <a:lvl9pPr marL="3886200" indent="-228600" algn="ctr" eaLnBrk="0" fontAlgn="base" hangingPunct="0">
+              <a:spcBef>
+                <a:spcPct val="0"/>
+              </a:spcBef>
+              <a:spcAft>
+                <a:spcPct val="0"/>
+              </a:spcAft>
+              <a:defRPr sz="1600" b="1" i="1">
+                <a:solidFill>
+                  <a:schemeClr val="tx1"/>
+                </a:solidFill>
+                <a:latin typeface="Times New Roman" panose="02020603050405020304" pitchFamily="18" charset="0"/>
+              </a:defRPr>
+            </a:lvl9pPr>
+          </a:lstStyle>
+          <a:p>
+            <a:r>
+              <a:rPr lang="en-US" altLang="en-US" sz="2000" b="0" dirty="0"/>
+              <a:t>X</a:t>
+            </a:r>
+          </a:p>
+        </p:txBody>
+      </p:sp>
+      <p:sp>
+        <p:nvSpPr>
+          <p:cNvPr id="31762" name="Text Box 19"/>
+          <p:cNvSpPr txBox="1">
+            <a:spLocks noChangeArrowheads="1"/>
+          </p:cNvSpPr>
+          <p:nvPr/>
+        </p:nvSpPr>
+        <p:spPr bwMode="auto">
+          <a:xfrm>
+            <a:off x="5237162" y="2286000"/>
+            <a:ext cx="325438" cy="396875"/>
+          </a:xfrm>
+          <a:prstGeom prst="rect">
+            <a:avLst/>
+          </a:prstGeom>
+          <a:noFill/>
+          <a:ln>
+            <a:noFill/>
+          </a:ln>
+          <a:extLst>
+            <a:ext uri="{909E8E84-426E-40DD-AFC4-6F175D3DCCD1}">
+              <a14:hiddenFill xmlns:a14="http://schemas.microsoft.com/office/drawing/2010/main">
+                <a:solidFill>
+                  <a:srgbClr val="FFFFFF"/>
+                </a:solidFill>
+              </a14:hiddenFill>
+            </a:ext>
+            <a:ext uri="{91240B29-F687-4F45-9708-019B960494DF}">
+              <a14:hiddenLine xmlns:a14="http://schemas.microsoft.com/office/drawing/2010/main" w="9525">
+                <a:solidFill>
+                  <a:srgbClr val="000000"/>
+                </a:solidFill>
+                <a:miter lim="800000"/>
+                <a:headEnd/>
+                <a:tailEnd/>
+              </a14:hiddenLine>
+            </a:ext>
+          </a:extLst>
+        </p:spPr>
+        <p:txBody>
+          <a:bodyPr wrap="none">
+            <a:spAutoFit/>
+          </a:bodyPr>
+          <a:lstStyle>
+            <a:lvl1pPr>
+              <a:defRPr sz="1600" b="1" i="1">
+                <a:solidFill>
+                  <a:schemeClr val="tx1"/>
+                </a:solidFill>
+                <a:latin typeface="Times New Roman" panose="02020603050405020304" pitchFamily="18" charset="0"/>
+              </a:defRPr>
+            </a:lvl1pPr>
+            <a:lvl2pPr marL="742950" indent="-285750">
+              <a:defRPr sz="1600" b="1" i="1">
+                <a:solidFill>
+                  <a:schemeClr val="tx1"/>
+                </a:solidFill>
+                <a:latin typeface="Times New Roman" panose="02020603050405020304" pitchFamily="18" charset="0"/>
+              </a:defRPr>
+            </a:lvl2pPr>
+            <a:lvl3pPr marL="1143000" indent="-228600">
+              <a:defRPr sz="1600" b="1" i="1">
+                <a:solidFill>
+                  <a:schemeClr val="tx1"/>
+                </a:solidFill>
+                <a:latin typeface="Times New Roman" panose="02020603050405020304" pitchFamily="18" charset="0"/>
+              </a:defRPr>
+            </a:lvl3pPr>
+            <a:lvl4pPr marL="1600200" indent="-228600">
+              <a:defRPr sz="1600" b="1" i="1">
+                <a:solidFill>
+                  <a:schemeClr val="tx1"/>
+                </a:solidFill>
+                <a:latin typeface="Times New Roman" panose="02020603050405020304" pitchFamily="18" charset="0"/>
+              </a:defRPr>
+            </a:lvl4pPr>
+            <a:lvl5pPr marL="2057400" indent="-228600">
+              <a:defRPr sz="1600" b="1" i="1">
+                <a:solidFill>
+                  <a:schemeClr val="tx1"/>
+                </a:solidFill>
+                <a:latin typeface="Times New Roman" panose="02020603050405020304" pitchFamily="18" charset="0"/>
+              </a:defRPr>
+            </a:lvl5pPr>
+            <a:lvl6pPr marL="2514600" indent="-228600" algn="ctr" eaLnBrk="0" fontAlgn="base" hangingPunct="0">
+              <a:spcBef>
+                <a:spcPct val="0"/>
+              </a:spcBef>
+              <a:spcAft>
+                <a:spcPct val="0"/>
+              </a:spcAft>
+              <a:defRPr sz="1600" b="1" i="1">
+                <a:solidFill>
+                  <a:schemeClr val="tx1"/>
+                </a:solidFill>
+                <a:latin typeface="Times New Roman" panose="02020603050405020304" pitchFamily="18" charset="0"/>
+              </a:defRPr>
+            </a:lvl6pPr>
+            <a:lvl7pPr marL="2971800" indent="-228600" algn="ctr" eaLnBrk="0" fontAlgn="base" hangingPunct="0">
+              <a:spcBef>
+                <a:spcPct val="0"/>
+              </a:spcBef>
+              <a:spcAft>
+                <a:spcPct val="0"/>
+              </a:spcAft>
+              <a:defRPr sz="1600" b="1" i="1">
+                <a:solidFill>
+                  <a:schemeClr val="tx1"/>
+                </a:solidFill>
+                <a:latin typeface="Times New Roman" panose="02020603050405020304" pitchFamily="18" charset="0"/>
+              </a:defRPr>
+            </a:lvl7pPr>
+            <a:lvl8pPr marL="3429000" indent="-228600" algn="ctr" eaLnBrk="0" fontAlgn="base" hangingPunct="0">
+              <a:spcBef>
+                <a:spcPct val="0"/>
+              </a:spcBef>
+              <a:spcAft>
+                <a:spcPct val="0"/>
+              </a:spcAft>
+              <a:defRPr sz="1600" b="1" i="1">
+                <a:solidFill>
+                  <a:schemeClr val="tx1"/>
+                </a:solidFill>
+                <a:latin typeface="Times New Roman" panose="02020603050405020304" pitchFamily="18" charset="0"/>
+              </a:defRPr>
+            </a:lvl8pPr>
+            <a:lvl9pPr marL="3886200" indent="-228600" algn="ctr" eaLnBrk="0" fontAlgn="base" hangingPunct="0">
+              <a:spcBef>
+                <a:spcPct val="0"/>
+              </a:spcBef>
+              <a:spcAft>
+                <a:spcPct val="0"/>
+              </a:spcAft>
+              <a:defRPr sz="1600" b="1" i="1">
+                <a:solidFill>
+                  <a:schemeClr val="tx1"/>
+                </a:solidFill>
+                <a:latin typeface="Times New Roman" panose="02020603050405020304" pitchFamily="18" charset="0"/>
+              </a:defRPr>
+            </a:lvl9pPr>
+          </a:lstStyle>
+          <a:p>
+            <a:r>
+              <a:rPr lang="en-US" altLang="en-US" sz="2000" b="0" dirty="0"/>
+              <a:t>Y</a:t>
+            </a:r>
+          </a:p>
+        </p:txBody>
+      </p:sp>
+      <p:sp>
+        <p:nvSpPr>
+          <p:cNvPr id="31763" name="Text Box 20"/>
+          <p:cNvSpPr txBox="1">
+            <a:spLocks noChangeArrowheads="1"/>
+          </p:cNvSpPr>
+          <p:nvPr/>
+        </p:nvSpPr>
+        <p:spPr bwMode="auto">
+          <a:xfrm>
+            <a:off x="6934200" y="2362200"/>
+            <a:ext cx="423863" cy="396875"/>
+          </a:xfrm>
+          <a:prstGeom prst="rect">
+            <a:avLst/>
+          </a:prstGeom>
+          <a:noFill/>
+          <a:ln>
+            <a:noFill/>
+          </a:ln>
+          <a:extLst>
+            <a:ext uri="{909E8E84-426E-40DD-AFC4-6F175D3DCCD1}">
+              <a14:hiddenFill xmlns:a14="http://schemas.microsoft.com/office/drawing/2010/main">
+                <a:solidFill>
+                  <a:srgbClr val="FFFFFF"/>
+                </a:solidFill>
+              </a14:hiddenFill>
+            </a:ext>
+            <a:ext uri="{91240B29-F687-4F45-9708-019B960494DF}">
+              <a14:hiddenLine xmlns:a14="http://schemas.microsoft.com/office/drawing/2010/main" w="9525">
+                <a:solidFill>
+                  <a:srgbClr val="000000"/>
+                </a:solidFill>
+                <a:miter lim="800000"/>
+                <a:headEnd/>
+                <a:tailEnd/>
+              </a14:hiddenLine>
+            </a:ext>
+          </a:extLst>
+        </p:spPr>
+        <p:txBody>
+          <a:bodyPr wrap="none">
+            <a:spAutoFit/>
+          </a:bodyPr>
+          <a:lstStyle>
+            <a:lvl1pPr>
+              <a:defRPr sz="1600" b="1" i="1">
+                <a:solidFill>
+                  <a:schemeClr val="tx1"/>
+                </a:solidFill>
+                <a:latin typeface="Times New Roman" panose="02020603050405020304" pitchFamily="18" charset="0"/>
+              </a:defRPr>
+            </a:lvl1pPr>
+            <a:lvl2pPr marL="742950" indent="-285750">
+              <a:defRPr sz="1600" b="1" i="1">
+                <a:solidFill>
+                  <a:schemeClr val="tx1"/>
+                </a:solidFill>
+                <a:latin typeface="Times New Roman" panose="02020603050405020304" pitchFamily="18" charset="0"/>
+              </a:defRPr>
+            </a:lvl2pPr>
+            <a:lvl3pPr marL="1143000" indent="-228600">
+              <a:defRPr sz="1600" b="1" i="1">
+                <a:solidFill>
+                  <a:schemeClr val="tx1"/>
+                </a:solidFill>
+                <a:latin typeface="Times New Roman" panose="02020603050405020304" pitchFamily="18" charset="0"/>
+              </a:defRPr>
+            </a:lvl3pPr>
+            <a:lvl4pPr marL="1600200" indent="-228600">
+              <a:defRPr sz="1600" b="1" i="1">
+                <a:solidFill>
+                  <a:schemeClr val="tx1"/>
+                </a:solidFill>
+                <a:latin typeface="Times New Roman" panose="02020603050405020304" pitchFamily="18" charset="0"/>
+              </a:defRPr>
+            </a:lvl4pPr>
+            <a:lvl5pPr marL="2057400" indent="-228600">
+              <a:defRPr sz="1600" b="1" i="1">
+                <a:solidFill>
+                  <a:schemeClr val="tx1"/>
+                </a:solidFill>
+                <a:latin typeface="Times New Roman" panose="02020603050405020304" pitchFamily="18" charset="0"/>
+              </a:defRPr>
+            </a:lvl5pPr>
+            <a:lvl6pPr marL="2514600" indent="-228600" algn="ctr" eaLnBrk="0" fontAlgn="base" hangingPunct="0">
+              <a:spcBef>
+                <a:spcPct val="0"/>
+              </a:spcBef>
+              <a:spcAft>
+                <a:spcPct val="0"/>
+              </a:spcAft>
+              <a:defRPr sz="1600" b="1" i="1">
+                <a:solidFill>
+                  <a:schemeClr val="tx1"/>
+                </a:solidFill>
+                <a:latin typeface="Times New Roman" panose="02020603050405020304" pitchFamily="18" charset="0"/>
+              </a:defRPr>
+            </a:lvl6pPr>
+            <a:lvl7pPr marL="2971800" indent="-228600" algn="ctr" eaLnBrk="0" fontAlgn="base" hangingPunct="0">
+              <a:spcBef>
+                <a:spcPct val="0"/>
+              </a:spcBef>
+              <a:spcAft>
+                <a:spcPct val="0"/>
+              </a:spcAft>
+              <a:defRPr sz="1600" b="1" i="1">
+                <a:solidFill>
+                  <a:schemeClr val="tx1"/>
+                </a:solidFill>
+                <a:latin typeface="Times New Roman" panose="02020603050405020304" pitchFamily="18" charset="0"/>
+              </a:defRPr>
+            </a:lvl7pPr>
+            <a:lvl8pPr marL="3429000" indent="-228600" algn="ctr" eaLnBrk="0" fontAlgn="base" hangingPunct="0">
+              <a:spcBef>
+                <a:spcPct val="0"/>
+              </a:spcBef>
+              <a:spcAft>
+                <a:spcPct val="0"/>
+              </a:spcAft>
+              <a:defRPr sz="1600" b="1" i="1">
+                <a:solidFill>
+                  <a:schemeClr val="tx1"/>
+                </a:solidFill>
+                <a:latin typeface="Times New Roman" panose="02020603050405020304" pitchFamily="18" charset="0"/>
+              </a:defRPr>
+            </a:lvl8pPr>
+            <a:lvl9pPr marL="3886200" indent="-228600" algn="ctr" eaLnBrk="0" fontAlgn="base" hangingPunct="0">
+              <a:spcBef>
+                <a:spcPct val="0"/>
+              </a:spcBef>
+              <a:spcAft>
+                <a:spcPct val="0"/>
+              </a:spcAft>
+              <a:defRPr sz="1600" b="1" i="1">
+                <a:solidFill>
+                  <a:schemeClr val="tx1"/>
+                </a:solidFill>
+                <a:latin typeface="Times New Roman" panose="02020603050405020304" pitchFamily="18" charset="0"/>
+              </a:defRPr>
+            </a:lvl9pPr>
+          </a:lstStyle>
+          <a:p>
+            <a:r>
+              <a:rPr lang="en-US" altLang="en-US" sz="2000" b="0"/>
+              <a:t>X’</a:t>
+            </a:r>
+          </a:p>
+        </p:txBody>
+      </p:sp>
+      <p:sp>
+        <p:nvSpPr>
+          <p:cNvPr id="31764" name="Rectangle 21"/>
+          <p:cNvSpPr>
+            <a:spLocks noChangeArrowheads="1"/>
+          </p:cNvSpPr>
+          <p:nvPr/>
+        </p:nvSpPr>
+        <p:spPr bwMode="auto">
+          <a:xfrm>
+            <a:off x="1905000" y="1752600"/>
+            <a:ext cx="3276600" cy="1066800"/>
+          </a:xfrm>
+          <a:prstGeom prst="rect">
+            <a:avLst/>
+          </a:prstGeom>
+          <a:noFill/>
+          <a:ln w="9525">
+            <a:solidFill>
+              <a:schemeClr val="tx1"/>
+            </a:solidFill>
+            <a:prstDash val="dash"/>
+            <a:miter lim="800000"/>
+            <a:headEnd/>
+            <a:tailEnd/>
+          </a:ln>
+          <a:extLst>
+            <a:ext uri="{909E8E84-426E-40DD-AFC4-6F175D3DCCD1}">
+              <a14:hiddenFill xmlns:a14="http://schemas.microsoft.com/office/drawing/2010/main">
+                <a:solidFill>
+                  <a:srgbClr val="FFFFFF"/>
+                </a:solidFill>
+              </a14:hiddenFill>
+            </a:ext>
+          </a:extLst>
+        </p:spPr>
+        <p:txBody>
+          <a:bodyPr wrap="none" anchor="ctr"/>
+          <a:lstStyle>
+            <a:lvl1pPr>
+              <a:defRPr sz="1600" b="1" i="1">
+                <a:solidFill>
+                  <a:schemeClr val="tx1"/>
+                </a:solidFill>
+                <a:latin typeface="Times New Roman" panose="02020603050405020304" pitchFamily="18" charset="0"/>
+              </a:defRPr>
+            </a:lvl1pPr>
+            <a:lvl2pPr marL="742950" indent="-285750">
+              <a:defRPr sz="1600" b="1" i="1">
+                <a:solidFill>
+                  <a:schemeClr val="tx1"/>
+                </a:solidFill>
+                <a:latin typeface="Times New Roman" panose="02020603050405020304" pitchFamily="18" charset="0"/>
+              </a:defRPr>
+            </a:lvl2pPr>
+            <a:lvl3pPr marL="1143000" indent="-228600">
+              <a:defRPr sz="1600" b="1" i="1">
+                <a:solidFill>
+                  <a:schemeClr val="tx1"/>
+                </a:solidFill>
+                <a:latin typeface="Times New Roman" panose="02020603050405020304" pitchFamily="18" charset="0"/>
+              </a:defRPr>
+            </a:lvl3pPr>
+            <a:lvl4pPr marL="1600200" indent="-228600">
+              <a:defRPr sz="1600" b="1" i="1">
+                <a:solidFill>
+                  <a:schemeClr val="tx1"/>
+                </a:solidFill>
+                <a:latin typeface="Times New Roman" panose="02020603050405020304" pitchFamily="18" charset="0"/>
+              </a:defRPr>
+            </a:lvl4pPr>
+            <a:lvl5pPr marL="2057400" indent="-228600">
+              <a:defRPr sz="1600" b="1" i="1">
+                <a:solidFill>
+                  <a:schemeClr val="tx1"/>
+                </a:solidFill>
+                <a:latin typeface="Times New Roman" panose="02020603050405020304" pitchFamily="18" charset="0"/>
+              </a:defRPr>
+            </a:lvl5pPr>
+            <a:lvl6pPr marL="2514600" indent="-228600" algn="ctr" eaLnBrk="0" fontAlgn="base" hangingPunct="0">
+              <a:spcBef>
+                <a:spcPct val="0"/>
+              </a:spcBef>
+              <a:spcAft>
+                <a:spcPct val="0"/>
+              </a:spcAft>
+              <a:defRPr sz="1600" b="1" i="1">
+                <a:solidFill>
+                  <a:schemeClr val="tx1"/>
+                </a:solidFill>
+                <a:latin typeface="Times New Roman" panose="02020603050405020304" pitchFamily="18" charset="0"/>
+              </a:defRPr>
+            </a:lvl6pPr>
+            <a:lvl7pPr marL="2971800" indent="-228600" algn="ctr" eaLnBrk="0" fontAlgn="base" hangingPunct="0">
+              <a:spcBef>
+                <a:spcPct val="0"/>
+              </a:spcBef>
+              <a:spcAft>
+                <a:spcPct val="0"/>
+              </a:spcAft>
+              <a:defRPr sz="1600" b="1" i="1">
+                <a:solidFill>
+                  <a:schemeClr val="tx1"/>
+                </a:solidFill>
+                <a:latin typeface="Times New Roman" panose="02020603050405020304" pitchFamily="18" charset="0"/>
+              </a:defRPr>
+            </a:lvl7pPr>
+            <a:lvl8pPr marL="3429000" indent="-228600" algn="ctr" eaLnBrk="0" fontAlgn="base" hangingPunct="0">
+              <a:spcBef>
+                <a:spcPct val="0"/>
+              </a:spcBef>
+              <a:spcAft>
+                <a:spcPct val="0"/>
+              </a:spcAft>
+              <a:defRPr sz="1600" b="1" i="1">
+                <a:solidFill>
+                  <a:schemeClr val="tx1"/>
+                </a:solidFill>
+                <a:latin typeface="Times New Roman" panose="02020603050405020304" pitchFamily="18" charset="0"/>
+              </a:defRPr>
+            </a:lvl8pPr>
+            <a:lvl9pPr marL="3886200" indent="-228600" algn="ctr" eaLnBrk="0" fontAlgn="base" hangingPunct="0">
+              <a:spcBef>
+                <a:spcPct val="0"/>
+              </a:spcBef>
+              <a:spcAft>
+                <a:spcPct val="0"/>
+              </a:spcAft>
+              <a:defRPr sz="1600" b="1" i="1">
+                <a:solidFill>
+                  <a:schemeClr val="tx1"/>
+                </a:solidFill>
+                <a:latin typeface="Times New Roman" panose="02020603050405020304" pitchFamily="18" charset="0"/>
+              </a:defRPr>
+            </a:lvl9pPr>
+          </a:lstStyle>
+          <a:p>
+            <a:endParaRPr lang="en-US" altLang="en-US"/>
+          </a:p>
+        </p:txBody>
+      </p:sp>
+      <p:sp>
+        <p:nvSpPr>
+          <p:cNvPr id="31765" name="Text Box 22"/>
+          <p:cNvSpPr txBox="1">
+            <a:spLocks noChangeArrowheads="1"/>
+          </p:cNvSpPr>
+          <p:nvPr/>
+        </p:nvSpPr>
+        <p:spPr bwMode="auto">
+          <a:xfrm>
+            <a:off x="5810250" y="2716213"/>
+            <a:ext cx="1173163" cy="396875"/>
+          </a:xfrm>
+          <a:prstGeom prst="rect">
+            <a:avLst/>
+          </a:prstGeom>
+          <a:noFill/>
+          <a:ln>
+            <a:noFill/>
+          </a:ln>
+          <a:extLst>
+            <a:ext uri="{909E8E84-426E-40DD-AFC4-6F175D3DCCD1}">
+              <a14:hiddenFill xmlns:a14="http://schemas.microsoft.com/office/drawing/2010/main">
+                <a:solidFill>
+                  <a:srgbClr val="FFFFFF"/>
+                </a:solidFill>
+              </a14:hiddenFill>
+            </a:ext>
+            <a:ext uri="{91240B29-F687-4F45-9708-019B960494DF}">
+              <a14:hiddenLine xmlns:a14="http://schemas.microsoft.com/office/drawing/2010/main" w="9525">
+                <a:solidFill>
+                  <a:srgbClr val="000000"/>
+                </a:solidFill>
+                <a:miter lim="800000"/>
+                <a:headEnd/>
+                <a:tailEnd/>
+              </a14:hiddenLine>
+            </a:ext>
+          </a:extLst>
+        </p:spPr>
+        <p:txBody>
+          <a:bodyPr wrap="none">
+            <a:spAutoFit/>
+          </a:bodyPr>
+          <a:lstStyle>
+            <a:lvl1pPr>
+              <a:defRPr sz="1600" b="1" i="1">
+                <a:solidFill>
+                  <a:schemeClr val="tx1"/>
+                </a:solidFill>
+                <a:latin typeface="Times New Roman" panose="02020603050405020304" pitchFamily="18" charset="0"/>
+              </a:defRPr>
+            </a:lvl1pPr>
+            <a:lvl2pPr marL="742950" indent="-285750">
+              <a:defRPr sz="1600" b="1" i="1">
+                <a:solidFill>
+                  <a:schemeClr val="tx1"/>
+                </a:solidFill>
+                <a:latin typeface="Times New Roman" panose="02020603050405020304" pitchFamily="18" charset="0"/>
+              </a:defRPr>
+            </a:lvl2pPr>
+            <a:lvl3pPr marL="1143000" indent="-228600">
+              <a:defRPr sz="1600" b="1" i="1">
+                <a:solidFill>
+                  <a:schemeClr val="tx1"/>
+                </a:solidFill>
+                <a:latin typeface="Times New Roman" panose="02020603050405020304" pitchFamily="18" charset="0"/>
+              </a:defRPr>
+            </a:lvl3pPr>
+            <a:lvl4pPr marL="1600200" indent="-228600">
+              <a:defRPr sz="1600" b="1" i="1">
+                <a:solidFill>
+                  <a:schemeClr val="tx1"/>
+                </a:solidFill>
+                <a:latin typeface="Times New Roman" panose="02020603050405020304" pitchFamily="18" charset="0"/>
+              </a:defRPr>
+            </a:lvl4pPr>
+            <a:lvl5pPr marL="2057400" indent="-228600">
+              <a:defRPr sz="1600" b="1" i="1">
+                <a:solidFill>
+                  <a:schemeClr val="tx1"/>
+                </a:solidFill>
+                <a:latin typeface="Times New Roman" panose="02020603050405020304" pitchFamily="18" charset="0"/>
+              </a:defRPr>
+            </a:lvl5pPr>
+            <a:lvl6pPr marL="2514600" indent="-228600" algn="ctr" eaLnBrk="0" fontAlgn="base" hangingPunct="0">
+              <a:spcBef>
+                <a:spcPct val="0"/>
+              </a:spcBef>
+              <a:spcAft>
+                <a:spcPct val="0"/>
+              </a:spcAft>
+              <a:defRPr sz="1600" b="1" i="1">
+                <a:solidFill>
+                  <a:schemeClr val="tx1"/>
+                </a:solidFill>
+                <a:latin typeface="Times New Roman" panose="02020603050405020304" pitchFamily="18" charset="0"/>
+              </a:defRPr>
+            </a:lvl6pPr>
+            <a:lvl7pPr marL="2971800" indent="-228600" algn="ctr" eaLnBrk="0" fontAlgn="base" hangingPunct="0">
+              <a:spcBef>
+                <a:spcPct val="0"/>
+              </a:spcBef>
+              <a:spcAft>
+                <a:spcPct val="0"/>
+              </a:spcAft>
+              <a:defRPr sz="1600" b="1" i="1">
+                <a:solidFill>
+                  <a:schemeClr val="tx1"/>
+                </a:solidFill>
+                <a:latin typeface="Times New Roman" panose="02020603050405020304" pitchFamily="18" charset="0"/>
+              </a:defRPr>
+            </a:lvl7pPr>
+            <a:lvl8pPr marL="3429000" indent="-228600" algn="ctr" eaLnBrk="0" fontAlgn="base" hangingPunct="0">
+              <a:spcBef>
+                <a:spcPct val="0"/>
+              </a:spcBef>
+              <a:spcAft>
+                <a:spcPct val="0"/>
+              </a:spcAft>
+              <a:defRPr sz="1600" b="1" i="1">
+                <a:solidFill>
+                  <a:schemeClr val="tx1"/>
+                </a:solidFill>
+                <a:latin typeface="Times New Roman" panose="02020603050405020304" pitchFamily="18" charset="0"/>
+              </a:defRPr>
+            </a:lvl8pPr>
+            <a:lvl9pPr marL="3886200" indent="-228600" algn="ctr" eaLnBrk="0" fontAlgn="base" hangingPunct="0">
+              <a:spcBef>
+                <a:spcPct val="0"/>
+              </a:spcBef>
+              <a:spcAft>
+                <a:spcPct val="0"/>
+              </a:spcAft>
+              <a:defRPr sz="1600" b="1" i="1">
+                <a:solidFill>
+                  <a:schemeClr val="tx1"/>
+                </a:solidFill>
+                <a:latin typeface="Times New Roman" panose="02020603050405020304" pitchFamily="18" charset="0"/>
+              </a:defRPr>
+            </a:lvl9pPr>
+          </a:lstStyle>
+          <a:p>
+            <a:r>
+              <a:rPr lang="en-US" altLang="en-US" sz="2000" b="0"/>
+              <a:t>P(X|Y)=?</a:t>
+            </a:r>
+          </a:p>
+        </p:txBody>
+      </p:sp>
+      <p:graphicFrame>
+        <p:nvGraphicFramePr>
+          <p:cNvPr id="31766" name="Object 23"/>
+          <p:cNvGraphicFramePr>
+            <a:graphicFrameLocks noChangeAspect="1"/>
+          </p:cNvGraphicFramePr>
+          <p:nvPr/>
+        </p:nvGraphicFramePr>
+        <p:xfrm>
+          <a:off x="1524000" y="3352800"/>
+          <a:ext cx="4953000" cy="523875"/>
+        </p:xfrm>
+        <a:graphic>
+          <a:graphicData uri="http://schemas.openxmlformats.org/presentationml/2006/ole">
+            <mc:AlternateContent xmlns:mc="http://schemas.openxmlformats.org/markup-compatibility/2006">
+              <mc:Choice xmlns:v="urn:schemas-microsoft-com:vml" Requires="v">
+                <p:oleObj spid="_x0000_s20483" name="Equation" r:id="rId4" imgW="3124200" imgH="330200" progId="Equation.DSMT4">
+                  <p:embed/>
+                </p:oleObj>
+              </mc:Choice>
+              <mc:Fallback>
+                <p:oleObj name="Equation" r:id="rId4" imgW="3124200" imgH="330200" progId="Equation.DSMT4">
+                  <p:embed/>
+                  <p:pic>
+                    <p:nvPicPr>
+                      <p:cNvPr id="0" name=""/>
+                      <p:cNvPicPr>
+                        <a:picLocks noChangeAspect="1" noChangeArrowheads="1"/>
+                      </p:cNvPicPr>
+                      <p:nvPr/>
+                    </p:nvPicPr>
+                    <p:blipFill>
+                      <a:blip r:embed="rId5">
+                        <a:extLst>
+                          <a:ext uri="{28A0092B-C50C-407E-A947-70E740481C1C}">
+                            <a14:useLocalDpi xmlns:a14="http://schemas.microsoft.com/office/drawing/2010/main" val="0"/>
+                          </a:ext>
+                        </a:extLst>
+                      </a:blip>
+                      <a:srcRect/>
+                      <a:stretch>
+                        <a:fillRect/>
+                      </a:stretch>
+                    </p:blipFill>
+                    <p:spPr bwMode="auto">
+                      <a:xfrm>
+                        <a:off x="1524000" y="3352800"/>
+                        <a:ext cx="4953000" cy="523875"/>
+                      </a:xfrm>
+                      <a:prstGeom prst="rect">
+                        <a:avLst/>
+                      </a:prstGeom>
+                      <a:noFill/>
+                      <a:ln>
+                        <a:noFill/>
+                      </a:ln>
+                      <a:effectLst/>
+                      <a:extLst>
+                        <a:ext uri="{909E8E84-426E-40DD-AFC4-6F175D3DCCD1}">
+                          <a14:hiddenFill xmlns:a14="http://schemas.microsoft.com/office/drawing/2010/main">
+                            <a:solidFill>
+                              <a:srgbClr val="FFFF00"/>
+                            </a:solidFill>
+                          </a14:hiddenFill>
+                        </a:ext>
+                        <a:ext uri="{91240B29-F687-4F45-9708-019B960494DF}">
+                          <a14:hiddenLine xmlns:a14="http://schemas.microsoft.com/office/drawing/2010/main" w="9525">
+                            <a:solidFill>
+                              <a:srgbClr val="000000"/>
+                            </a:solidFill>
+                            <a:miter lim="800000"/>
+                            <a:headEnd/>
+                            <a:tailEnd/>
+                          </a14:hiddenLine>
+                        </a:ext>
+                        <a:ext uri="{AF507438-7753-43E0-B8FC-AC1667EBCBE1}">
+                          <a14:hiddenEffects xmlns:a14="http://schemas.microsoft.com/office/drawing/2010/main">
+                            <a:effectLst>
+                              <a:outerShdw dist="35921" dir="2700000" algn="ctr" rotWithShape="0">
+                                <a:srgbClr val="808080"/>
+                              </a:outerShdw>
+                            </a:effectLst>
+                          </a14:hiddenEffects>
+                        </a:ext>
+                      </a:extLst>
+                    </p:spPr>
+                  </p:pic>
+                </p:oleObj>
+              </mc:Fallback>
+            </mc:AlternateContent>
+          </a:graphicData>
+        </a:graphic>
+      </p:graphicFrame>
+      <p:sp>
+        <p:nvSpPr>
+          <p:cNvPr id="31767" name="Text Box 24"/>
+          <p:cNvSpPr txBox="1">
+            <a:spLocks noChangeArrowheads="1"/>
+          </p:cNvSpPr>
+          <p:nvPr/>
+        </p:nvSpPr>
+        <p:spPr bwMode="auto">
+          <a:xfrm>
+            <a:off x="2209800" y="3962400"/>
+            <a:ext cx="5056188" cy="406400"/>
+          </a:xfrm>
+          <a:prstGeom prst="rect">
+            <a:avLst/>
+          </a:prstGeom>
+          <a:solidFill>
+            <a:srgbClr val="FFFF00"/>
+          </a:solidFill>
+          <a:ln w="9525">
+            <a:solidFill>
+              <a:schemeClr val="tx1"/>
+            </a:solidFill>
+            <a:miter lim="800000"/>
+            <a:headEnd/>
+            <a:tailEnd/>
+          </a:ln>
+        </p:spPr>
+        <p:txBody>
+          <a:bodyPr wrap="none">
+            <a:spAutoFit/>
+          </a:bodyPr>
+          <a:lstStyle>
+            <a:lvl1pPr>
+              <a:defRPr sz="1600" b="1" i="1">
+                <a:solidFill>
+                  <a:schemeClr val="tx1"/>
+                </a:solidFill>
+                <a:latin typeface="Times New Roman" panose="02020603050405020304" pitchFamily="18" charset="0"/>
+              </a:defRPr>
+            </a:lvl1pPr>
+            <a:lvl2pPr marL="742950" indent="-285750">
+              <a:defRPr sz="1600" b="1" i="1">
+                <a:solidFill>
+                  <a:schemeClr val="tx1"/>
+                </a:solidFill>
+                <a:latin typeface="Times New Roman" panose="02020603050405020304" pitchFamily="18" charset="0"/>
+              </a:defRPr>
+            </a:lvl2pPr>
+            <a:lvl3pPr marL="1143000" indent="-228600">
+              <a:defRPr sz="1600" b="1" i="1">
+                <a:solidFill>
+                  <a:schemeClr val="tx1"/>
+                </a:solidFill>
+                <a:latin typeface="Times New Roman" panose="02020603050405020304" pitchFamily="18" charset="0"/>
+              </a:defRPr>
+            </a:lvl3pPr>
+            <a:lvl4pPr marL="1600200" indent="-228600">
+              <a:defRPr sz="1600" b="1" i="1">
+                <a:solidFill>
+                  <a:schemeClr val="tx1"/>
+                </a:solidFill>
+                <a:latin typeface="Times New Roman" panose="02020603050405020304" pitchFamily="18" charset="0"/>
+              </a:defRPr>
+            </a:lvl4pPr>
+            <a:lvl5pPr marL="2057400" indent="-228600">
+              <a:defRPr sz="1600" b="1" i="1">
+                <a:solidFill>
+                  <a:schemeClr val="tx1"/>
+                </a:solidFill>
+                <a:latin typeface="Times New Roman" panose="02020603050405020304" pitchFamily="18" charset="0"/>
+              </a:defRPr>
+            </a:lvl5pPr>
+            <a:lvl6pPr marL="2514600" indent="-228600" algn="ctr" eaLnBrk="0" fontAlgn="base" hangingPunct="0">
+              <a:spcBef>
+                <a:spcPct val="0"/>
+              </a:spcBef>
+              <a:spcAft>
+                <a:spcPct val="0"/>
+              </a:spcAft>
+              <a:defRPr sz="1600" b="1" i="1">
+                <a:solidFill>
+                  <a:schemeClr val="tx1"/>
+                </a:solidFill>
+                <a:latin typeface="Times New Roman" panose="02020603050405020304" pitchFamily="18" charset="0"/>
+              </a:defRPr>
+            </a:lvl6pPr>
+            <a:lvl7pPr marL="2971800" indent="-228600" algn="ctr" eaLnBrk="0" fontAlgn="base" hangingPunct="0">
+              <a:spcBef>
+                <a:spcPct val="0"/>
+              </a:spcBef>
+              <a:spcAft>
+                <a:spcPct val="0"/>
+              </a:spcAft>
+              <a:defRPr sz="1600" b="1" i="1">
+                <a:solidFill>
+                  <a:schemeClr val="tx1"/>
+                </a:solidFill>
+                <a:latin typeface="Times New Roman" panose="02020603050405020304" pitchFamily="18" charset="0"/>
+              </a:defRPr>
+            </a:lvl7pPr>
+            <a:lvl8pPr marL="3429000" indent="-228600" algn="ctr" eaLnBrk="0" fontAlgn="base" hangingPunct="0">
+              <a:spcBef>
+                <a:spcPct val="0"/>
+              </a:spcBef>
+              <a:spcAft>
+                <a:spcPct val="0"/>
+              </a:spcAft>
+              <a:defRPr sz="1600" b="1" i="1">
+                <a:solidFill>
+                  <a:schemeClr val="tx1"/>
+                </a:solidFill>
+                <a:latin typeface="Times New Roman" panose="02020603050405020304" pitchFamily="18" charset="0"/>
+              </a:defRPr>
+            </a:lvl8pPr>
+            <a:lvl9pPr marL="3886200" indent="-228600" algn="ctr" eaLnBrk="0" fontAlgn="base" hangingPunct="0">
+              <a:spcBef>
+                <a:spcPct val="0"/>
+              </a:spcBef>
+              <a:spcAft>
+                <a:spcPct val="0"/>
+              </a:spcAft>
+              <a:defRPr sz="1600" b="1" i="1">
+                <a:solidFill>
+                  <a:schemeClr val="tx1"/>
+                </a:solidFill>
+                <a:latin typeface="Times New Roman" panose="02020603050405020304" pitchFamily="18" charset="0"/>
+              </a:defRPr>
+            </a:lvl9pPr>
+          </a:lstStyle>
+          <a:p>
+            <a:r>
+              <a:rPr lang="en-US" altLang="en-US" sz="2000" i="0" dirty="0">
+                <a:latin typeface="Arial" panose="020B0604020202020204" pitchFamily="34" charset="0"/>
+              </a:rPr>
+              <a:t>When X is text, p(X) is a language model</a:t>
+            </a:r>
+          </a:p>
+        </p:txBody>
+      </p:sp>
+      <p:sp>
+        <p:nvSpPr>
+          <p:cNvPr id="31768" name="AutoShape 25"/>
+          <p:cNvSpPr>
+            <a:spLocks noChangeArrowheads="1"/>
+          </p:cNvSpPr>
+          <p:nvPr/>
+        </p:nvSpPr>
+        <p:spPr bwMode="auto">
+          <a:xfrm>
+            <a:off x="1447800" y="2209800"/>
+            <a:ext cx="685800" cy="150813"/>
+          </a:xfrm>
+          <a:prstGeom prst="rightArrow">
+            <a:avLst>
+              <a:gd name="adj1" fmla="val 50000"/>
+              <a:gd name="adj2" fmla="val 113684"/>
+            </a:avLst>
+          </a:prstGeom>
+          <a:solidFill>
+            <a:schemeClr val="accent1"/>
+          </a:solidFill>
+          <a:ln w="9525">
+            <a:solidFill>
+              <a:schemeClr val="tx1"/>
+            </a:solidFill>
+            <a:miter lim="800000"/>
+            <a:headEnd/>
+            <a:tailEnd/>
+          </a:ln>
+        </p:spPr>
+        <p:txBody>
+          <a:bodyPr wrap="none" anchor="ctr"/>
+          <a:lstStyle>
+            <a:lvl1pPr>
+              <a:defRPr sz="1600" b="1" i="1">
+                <a:solidFill>
+                  <a:schemeClr val="tx1"/>
+                </a:solidFill>
+                <a:latin typeface="Times New Roman" panose="02020603050405020304" pitchFamily="18" charset="0"/>
+              </a:defRPr>
+            </a:lvl1pPr>
+            <a:lvl2pPr marL="742950" indent="-285750">
+              <a:defRPr sz="1600" b="1" i="1">
+                <a:solidFill>
+                  <a:schemeClr val="tx1"/>
+                </a:solidFill>
+                <a:latin typeface="Times New Roman" panose="02020603050405020304" pitchFamily="18" charset="0"/>
+              </a:defRPr>
+            </a:lvl2pPr>
+            <a:lvl3pPr marL="1143000" indent="-228600">
+              <a:defRPr sz="1600" b="1" i="1">
+                <a:solidFill>
+                  <a:schemeClr val="tx1"/>
+                </a:solidFill>
+                <a:latin typeface="Times New Roman" panose="02020603050405020304" pitchFamily="18" charset="0"/>
+              </a:defRPr>
+            </a:lvl3pPr>
+            <a:lvl4pPr marL="1600200" indent="-228600">
+              <a:defRPr sz="1600" b="1" i="1">
+                <a:solidFill>
+                  <a:schemeClr val="tx1"/>
+                </a:solidFill>
+                <a:latin typeface="Times New Roman" panose="02020603050405020304" pitchFamily="18" charset="0"/>
+              </a:defRPr>
+            </a:lvl4pPr>
+            <a:lvl5pPr marL="2057400" indent="-228600">
+              <a:defRPr sz="1600" b="1" i="1">
+                <a:solidFill>
+                  <a:schemeClr val="tx1"/>
+                </a:solidFill>
+                <a:latin typeface="Times New Roman" panose="02020603050405020304" pitchFamily="18" charset="0"/>
+              </a:defRPr>
+            </a:lvl5pPr>
+            <a:lvl6pPr marL="2514600" indent="-228600" algn="ctr" eaLnBrk="0" fontAlgn="base" hangingPunct="0">
+              <a:spcBef>
+                <a:spcPct val="0"/>
+              </a:spcBef>
+              <a:spcAft>
+                <a:spcPct val="0"/>
+              </a:spcAft>
+              <a:defRPr sz="1600" b="1" i="1">
+                <a:solidFill>
+                  <a:schemeClr val="tx1"/>
+                </a:solidFill>
+                <a:latin typeface="Times New Roman" panose="02020603050405020304" pitchFamily="18" charset="0"/>
+              </a:defRPr>
+            </a:lvl6pPr>
+            <a:lvl7pPr marL="2971800" indent="-228600" algn="ctr" eaLnBrk="0" fontAlgn="base" hangingPunct="0">
+              <a:spcBef>
+                <a:spcPct val="0"/>
+              </a:spcBef>
+              <a:spcAft>
+                <a:spcPct val="0"/>
+              </a:spcAft>
+              <a:defRPr sz="1600" b="1" i="1">
+                <a:solidFill>
+                  <a:schemeClr val="tx1"/>
+                </a:solidFill>
+                <a:latin typeface="Times New Roman" panose="02020603050405020304" pitchFamily="18" charset="0"/>
+              </a:defRPr>
+            </a:lvl7pPr>
+            <a:lvl8pPr marL="3429000" indent="-228600" algn="ctr" eaLnBrk="0" fontAlgn="base" hangingPunct="0">
+              <a:spcBef>
+                <a:spcPct val="0"/>
+              </a:spcBef>
+              <a:spcAft>
+                <a:spcPct val="0"/>
+              </a:spcAft>
+              <a:defRPr sz="1600" b="1" i="1">
+                <a:solidFill>
+                  <a:schemeClr val="tx1"/>
+                </a:solidFill>
+                <a:latin typeface="Times New Roman" panose="02020603050405020304" pitchFamily="18" charset="0"/>
+              </a:defRPr>
+            </a:lvl8pPr>
+            <a:lvl9pPr marL="3886200" indent="-228600" algn="ctr" eaLnBrk="0" fontAlgn="base" hangingPunct="0">
+              <a:spcBef>
+                <a:spcPct val="0"/>
+              </a:spcBef>
+              <a:spcAft>
+                <a:spcPct val="0"/>
+              </a:spcAft>
+              <a:defRPr sz="1600" b="1" i="1">
+                <a:solidFill>
+                  <a:schemeClr val="tx1"/>
+                </a:solidFill>
+                <a:latin typeface="Times New Roman" panose="02020603050405020304" pitchFamily="18" charset="0"/>
+              </a:defRPr>
+            </a:lvl9pPr>
+          </a:lstStyle>
+          <a:p>
+            <a:endParaRPr lang="en-US" altLang="en-US"/>
+          </a:p>
+        </p:txBody>
+      </p:sp>
+      <p:sp>
+        <p:nvSpPr>
+          <p:cNvPr id="31769" name="AutoShape 26"/>
+          <p:cNvSpPr>
+            <a:spLocks noChangeArrowheads="1"/>
+          </p:cNvSpPr>
+          <p:nvPr/>
+        </p:nvSpPr>
+        <p:spPr bwMode="auto">
+          <a:xfrm>
+            <a:off x="3429000" y="2209800"/>
+            <a:ext cx="609600" cy="150813"/>
+          </a:xfrm>
+          <a:prstGeom prst="rightArrow">
+            <a:avLst>
+              <a:gd name="adj1" fmla="val 50000"/>
+              <a:gd name="adj2" fmla="val 101052"/>
+            </a:avLst>
+          </a:prstGeom>
+          <a:solidFill>
+            <a:schemeClr val="accent1"/>
+          </a:solidFill>
+          <a:ln w="9525">
+            <a:solidFill>
+              <a:schemeClr val="tx1"/>
+            </a:solidFill>
+            <a:miter lim="800000"/>
+            <a:headEnd/>
+            <a:tailEnd/>
+          </a:ln>
+        </p:spPr>
+        <p:txBody>
+          <a:bodyPr wrap="none" anchor="ctr"/>
+          <a:lstStyle>
+            <a:lvl1pPr>
+              <a:defRPr sz="1600" b="1" i="1">
+                <a:solidFill>
+                  <a:schemeClr val="tx1"/>
+                </a:solidFill>
+                <a:latin typeface="Times New Roman" panose="02020603050405020304" pitchFamily="18" charset="0"/>
+              </a:defRPr>
+            </a:lvl1pPr>
+            <a:lvl2pPr marL="742950" indent="-285750">
+              <a:defRPr sz="1600" b="1" i="1">
+                <a:solidFill>
+                  <a:schemeClr val="tx1"/>
+                </a:solidFill>
+                <a:latin typeface="Times New Roman" panose="02020603050405020304" pitchFamily="18" charset="0"/>
+              </a:defRPr>
+            </a:lvl2pPr>
+            <a:lvl3pPr marL="1143000" indent="-228600">
+              <a:defRPr sz="1600" b="1" i="1">
+                <a:solidFill>
+                  <a:schemeClr val="tx1"/>
+                </a:solidFill>
+                <a:latin typeface="Times New Roman" panose="02020603050405020304" pitchFamily="18" charset="0"/>
+              </a:defRPr>
+            </a:lvl3pPr>
+            <a:lvl4pPr marL="1600200" indent="-228600">
+              <a:defRPr sz="1600" b="1" i="1">
+                <a:solidFill>
+                  <a:schemeClr val="tx1"/>
+                </a:solidFill>
+                <a:latin typeface="Times New Roman" panose="02020603050405020304" pitchFamily="18" charset="0"/>
+              </a:defRPr>
+            </a:lvl4pPr>
+            <a:lvl5pPr marL="2057400" indent="-228600">
+              <a:defRPr sz="1600" b="1" i="1">
+                <a:solidFill>
+                  <a:schemeClr val="tx1"/>
+                </a:solidFill>
+                <a:latin typeface="Times New Roman" panose="02020603050405020304" pitchFamily="18" charset="0"/>
+              </a:defRPr>
+            </a:lvl5pPr>
+            <a:lvl6pPr marL="2514600" indent="-228600" algn="ctr" eaLnBrk="0" fontAlgn="base" hangingPunct="0">
+              <a:spcBef>
+                <a:spcPct val="0"/>
+              </a:spcBef>
+              <a:spcAft>
+                <a:spcPct val="0"/>
+              </a:spcAft>
+              <a:defRPr sz="1600" b="1" i="1">
+                <a:solidFill>
+                  <a:schemeClr val="tx1"/>
+                </a:solidFill>
+                <a:latin typeface="Times New Roman" panose="02020603050405020304" pitchFamily="18" charset="0"/>
+              </a:defRPr>
+            </a:lvl6pPr>
+            <a:lvl7pPr marL="2971800" indent="-228600" algn="ctr" eaLnBrk="0" fontAlgn="base" hangingPunct="0">
+              <a:spcBef>
+                <a:spcPct val="0"/>
+              </a:spcBef>
+              <a:spcAft>
+                <a:spcPct val="0"/>
+              </a:spcAft>
+              <a:defRPr sz="1600" b="1" i="1">
+                <a:solidFill>
+                  <a:schemeClr val="tx1"/>
+                </a:solidFill>
+                <a:latin typeface="Times New Roman" panose="02020603050405020304" pitchFamily="18" charset="0"/>
+              </a:defRPr>
+            </a:lvl7pPr>
+            <a:lvl8pPr marL="3429000" indent="-228600" algn="ctr" eaLnBrk="0" fontAlgn="base" hangingPunct="0">
+              <a:spcBef>
+                <a:spcPct val="0"/>
+              </a:spcBef>
+              <a:spcAft>
+                <a:spcPct val="0"/>
+              </a:spcAft>
+              <a:defRPr sz="1600" b="1" i="1">
+                <a:solidFill>
+                  <a:schemeClr val="tx1"/>
+                </a:solidFill>
+                <a:latin typeface="Times New Roman" panose="02020603050405020304" pitchFamily="18" charset="0"/>
+              </a:defRPr>
+            </a:lvl8pPr>
+            <a:lvl9pPr marL="3886200" indent="-228600" algn="ctr" eaLnBrk="0" fontAlgn="base" hangingPunct="0">
+              <a:spcBef>
+                <a:spcPct val="0"/>
+              </a:spcBef>
+              <a:spcAft>
+                <a:spcPct val="0"/>
+              </a:spcAft>
+              <a:defRPr sz="1600" b="1" i="1">
+                <a:solidFill>
+                  <a:schemeClr val="tx1"/>
+                </a:solidFill>
+                <a:latin typeface="Times New Roman" panose="02020603050405020304" pitchFamily="18" charset="0"/>
+              </a:defRPr>
+            </a:lvl9pPr>
+          </a:lstStyle>
+          <a:p>
+            <a:endParaRPr lang="en-US" altLang="en-US"/>
+          </a:p>
+        </p:txBody>
+      </p:sp>
+      <p:sp>
+        <p:nvSpPr>
+          <p:cNvPr id="31770" name="AutoShape 27"/>
+          <p:cNvSpPr>
+            <a:spLocks noChangeArrowheads="1"/>
+          </p:cNvSpPr>
+          <p:nvPr/>
+        </p:nvSpPr>
+        <p:spPr bwMode="auto">
+          <a:xfrm>
+            <a:off x="5029200" y="2209800"/>
+            <a:ext cx="685800" cy="150813"/>
+          </a:xfrm>
+          <a:prstGeom prst="rightArrow">
+            <a:avLst>
+              <a:gd name="adj1" fmla="val 50000"/>
+              <a:gd name="adj2" fmla="val 113684"/>
+            </a:avLst>
+          </a:prstGeom>
+          <a:solidFill>
+            <a:schemeClr val="accent1"/>
+          </a:solidFill>
+          <a:ln w="9525">
+            <a:solidFill>
+              <a:schemeClr val="tx1"/>
+            </a:solidFill>
+            <a:miter lim="800000"/>
+            <a:headEnd/>
+            <a:tailEnd/>
+          </a:ln>
+        </p:spPr>
+        <p:txBody>
+          <a:bodyPr wrap="none" anchor="ctr"/>
+          <a:lstStyle>
+            <a:lvl1pPr>
+              <a:defRPr sz="1600" b="1" i="1">
+                <a:solidFill>
+                  <a:schemeClr val="tx1"/>
+                </a:solidFill>
+                <a:latin typeface="Times New Roman" panose="02020603050405020304" pitchFamily="18" charset="0"/>
+              </a:defRPr>
+            </a:lvl1pPr>
+            <a:lvl2pPr marL="742950" indent="-285750">
+              <a:defRPr sz="1600" b="1" i="1">
+                <a:solidFill>
+                  <a:schemeClr val="tx1"/>
+                </a:solidFill>
+                <a:latin typeface="Times New Roman" panose="02020603050405020304" pitchFamily="18" charset="0"/>
+              </a:defRPr>
+            </a:lvl2pPr>
+            <a:lvl3pPr marL="1143000" indent="-228600">
+              <a:defRPr sz="1600" b="1" i="1">
+                <a:solidFill>
+                  <a:schemeClr val="tx1"/>
+                </a:solidFill>
+                <a:latin typeface="Times New Roman" panose="02020603050405020304" pitchFamily="18" charset="0"/>
+              </a:defRPr>
+            </a:lvl3pPr>
+            <a:lvl4pPr marL="1600200" indent="-228600">
+              <a:defRPr sz="1600" b="1" i="1">
+                <a:solidFill>
+                  <a:schemeClr val="tx1"/>
+                </a:solidFill>
+                <a:latin typeface="Times New Roman" panose="02020603050405020304" pitchFamily="18" charset="0"/>
+              </a:defRPr>
+            </a:lvl4pPr>
+            <a:lvl5pPr marL="2057400" indent="-228600">
+              <a:defRPr sz="1600" b="1" i="1">
+                <a:solidFill>
+                  <a:schemeClr val="tx1"/>
+                </a:solidFill>
+                <a:latin typeface="Times New Roman" panose="02020603050405020304" pitchFamily="18" charset="0"/>
+              </a:defRPr>
+            </a:lvl5pPr>
+            <a:lvl6pPr marL="2514600" indent="-228600" algn="ctr" eaLnBrk="0" fontAlgn="base" hangingPunct="0">
+              <a:spcBef>
+                <a:spcPct val="0"/>
+              </a:spcBef>
+              <a:spcAft>
+                <a:spcPct val="0"/>
+              </a:spcAft>
+              <a:defRPr sz="1600" b="1" i="1">
+                <a:solidFill>
+                  <a:schemeClr val="tx1"/>
+                </a:solidFill>
+                <a:latin typeface="Times New Roman" panose="02020603050405020304" pitchFamily="18" charset="0"/>
+              </a:defRPr>
+            </a:lvl6pPr>
+            <a:lvl7pPr marL="2971800" indent="-228600" algn="ctr" eaLnBrk="0" fontAlgn="base" hangingPunct="0">
+              <a:spcBef>
+                <a:spcPct val="0"/>
+              </a:spcBef>
+              <a:spcAft>
+                <a:spcPct val="0"/>
+              </a:spcAft>
+              <a:defRPr sz="1600" b="1" i="1">
+                <a:solidFill>
+                  <a:schemeClr val="tx1"/>
+                </a:solidFill>
+                <a:latin typeface="Times New Roman" panose="02020603050405020304" pitchFamily="18" charset="0"/>
+              </a:defRPr>
+            </a:lvl7pPr>
+            <a:lvl8pPr marL="3429000" indent="-228600" algn="ctr" eaLnBrk="0" fontAlgn="base" hangingPunct="0">
+              <a:spcBef>
+                <a:spcPct val="0"/>
+              </a:spcBef>
+              <a:spcAft>
+                <a:spcPct val="0"/>
+              </a:spcAft>
+              <a:defRPr sz="1600" b="1" i="1">
+                <a:solidFill>
+                  <a:schemeClr val="tx1"/>
+                </a:solidFill>
+                <a:latin typeface="Times New Roman" panose="02020603050405020304" pitchFamily="18" charset="0"/>
+              </a:defRPr>
+            </a:lvl8pPr>
+            <a:lvl9pPr marL="3886200" indent="-228600" algn="ctr" eaLnBrk="0" fontAlgn="base" hangingPunct="0">
+              <a:spcBef>
+                <a:spcPct val="0"/>
+              </a:spcBef>
+              <a:spcAft>
+                <a:spcPct val="0"/>
+              </a:spcAft>
+              <a:defRPr sz="1600" b="1" i="1">
+                <a:solidFill>
+                  <a:schemeClr val="tx1"/>
+                </a:solidFill>
+                <a:latin typeface="Times New Roman" panose="02020603050405020304" pitchFamily="18" charset="0"/>
+              </a:defRPr>
+            </a:lvl9pPr>
+          </a:lstStyle>
+          <a:p>
+            <a:endParaRPr lang="en-US" altLang="en-US"/>
+          </a:p>
+        </p:txBody>
+      </p:sp>
+      <p:sp>
+        <p:nvSpPr>
+          <p:cNvPr id="31771" name="Text Box 28"/>
+          <p:cNvSpPr txBox="1">
+            <a:spLocks noChangeArrowheads="1"/>
+          </p:cNvSpPr>
+          <p:nvPr/>
+        </p:nvSpPr>
+        <p:spPr bwMode="auto">
+          <a:xfrm>
+            <a:off x="6584950" y="3367088"/>
+            <a:ext cx="1568450" cy="366712"/>
+          </a:xfrm>
+          <a:prstGeom prst="rect">
+            <a:avLst/>
+          </a:prstGeom>
+          <a:noFill/>
+          <a:ln>
+            <a:noFill/>
+          </a:ln>
+          <a:extLst>
+            <a:ext uri="{909E8E84-426E-40DD-AFC4-6F175D3DCCD1}">
+              <a14:hiddenFill xmlns:a14="http://schemas.microsoft.com/office/drawing/2010/main">
+                <a:solidFill>
+                  <a:srgbClr val="FFFFFF"/>
+                </a:solidFill>
+              </a14:hiddenFill>
+            </a:ext>
+            <a:ext uri="{91240B29-F687-4F45-9708-019B960494DF}">
+              <a14:hiddenLine xmlns:a14="http://schemas.microsoft.com/office/drawing/2010/main" w="9525">
+                <a:solidFill>
+                  <a:srgbClr val="000000"/>
+                </a:solidFill>
+                <a:miter lim="800000"/>
+                <a:headEnd/>
+                <a:tailEnd/>
+              </a14:hiddenLine>
+            </a:ext>
+          </a:extLst>
+        </p:spPr>
+        <p:txBody>
+          <a:bodyPr wrap="none">
+            <a:spAutoFit/>
+          </a:bodyPr>
+          <a:lstStyle>
+            <a:lvl1pPr>
+              <a:defRPr sz="1600" b="1" i="1">
+                <a:solidFill>
+                  <a:schemeClr val="tx1"/>
+                </a:solidFill>
+                <a:latin typeface="Times New Roman" panose="02020603050405020304" pitchFamily="18" charset="0"/>
+              </a:defRPr>
+            </a:lvl1pPr>
+            <a:lvl2pPr marL="742950" indent="-285750">
+              <a:defRPr sz="1600" b="1" i="1">
+                <a:solidFill>
+                  <a:schemeClr val="tx1"/>
+                </a:solidFill>
+                <a:latin typeface="Times New Roman" panose="02020603050405020304" pitchFamily="18" charset="0"/>
+              </a:defRPr>
+            </a:lvl2pPr>
+            <a:lvl3pPr marL="1143000" indent="-228600">
+              <a:defRPr sz="1600" b="1" i="1">
+                <a:solidFill>
+                  <a:schemeClr val="tx1"/>
+                </a:solidFill>
+                <a:latin typeface="Times New Roman" panose="02020603050405020304" pitchFamily="18" charset="0"/>
+              </a:defRPr>
+            </a:lvl3pPr>
+            <a:lvl4pPr marL="1600200" indent="-228600">
+              <a:defRPr sz="1600" b="1" i="1">
+                <a:solidFill>
+                  <a:schemeClr val="tx1"/>
+                </a:solidFill>
+                <a:latin typeface="Times New Roman" panose="02020603050405020304" pitchFamily="18" charset="0"/>
+              </a:defRPr>
+            </a:lvl4pPr>
+            <a:lvl5pPr marL="2057400" indent="-228600">
+              <a:defRPr sz="1600" b="1" i="1">
+                <a:solidFill>
+                  <a:schemeClr val="tx1"/>
+                </a:solidFill>
+                <a:latin typeface="Times New Roman" panose="02020603050405020304" pitchFamily="18" charset="0"/>
+              </a:defRPr>
+            </a:lvl5pPr>
+            <a:lvl6pPr marL="2514600" indent="-228600" algn="ctr" eaLnBrk="0" fontAlgn="base" hangingPunct="0">
+              <a:spcBef>
+                <a:spcPct val="0"/>
+              </a:spcBef>
+              <a:spcAft>
+                <a:spcPct val="0"/>
+              </a:spcAft>
+              <a:defRPr sz="1600" b="1" i="1">
+                <a:solidFill>
+                  <a:schemeClr val="tx1"/>
+                </a:solidFill>
+                <a:latin typeface="Times New Roman" panose="02020603050405020304" pitchFamily="18" charset="0"/>
+              </a:defRPr>
+            </a:lvl6pPr>
+            <a:lvl7pPr marL="2971800" indent="-228600" algn="ctr" eaLnBrk="0" fontAlgn="base" hangingPunct="0">
+              <a:spcBef>
+                <a:spcPct val="0"/>
+              </a:spcBef>
+              <a:spcAft>
+                <a:spcPct val="0"/>
+              </a:spcAft>
+              <a:defRPr sz="1600" b="1" i="1">
+                <a:solidFill>
+                  <a:schemeClr val="tx1"/>
+                </a:solidFill>
+                <a:latin typeface="Times New Roman" panose="02020603050405020304" pitchFamily="18" charset="0"/>
+              </a:defRPr>
+            </a:lvl7pPr>
+            <a:lvl8pPr marL="3429000" indent="-228600" algn="ctr" eaLnBrk="0" fontAlgn="base" hangingPunct="0">
+              <a:spcBef>
+                <a:spcPct val="0"/>
+              </a:spcBef>
+              <a:spcAft>
+                <a:spcPct val="0"/>
+              </a:spcAft>
+              <a:defRPr sz="1600" b="1" i="1">
+                <a:solidFill>
+                  <a:schemeClr val="tx1"/>
+                </a:solidFill>
+                <a:latin typeface="Times New Roman" panose="02020603050405020304" pitchFamily="18" charset="0"/>
+              </a:defRPr>
+            </a:lvl8pPr>
+            <a:lvl9pPr marL="3886200" indent="-228600" algn="ctr" eaLnBrk="0" fontAlgn="base" hangingPunct="0">
+              <a:spcBef>
+                <a:spcPct val="0"/>
+              </a:spcBef>
+              <a:spcAft>
+                <a:spcPct val="0"/>
+              </a:spcAft>
+              <a:defRPr sz="1600" b="1" i="1">
+                <a:solidFill>
+                  <a:schemeClr val="tx1"/>
+                </a:solidFill>
+                <a:latin typeface="Times New Roman" panose="02020603050405020304" pitchFamily="18" charset="0"/>
+              </a:defRPr>
+            </a:lvl9pPr>
+          </a:lstStyle>
+          <a:p>
+            <a:r>
+              <a:rPr lang="en-US" altLang="en-US" sz="1800" i="0" dirty="0">
+                <a:latin typeface="Arial" panose="020B0604020202020204" pitchFamily="34" charset="0"/>
+              </a:rPr>
+              <a:t>(Bayes Rule)</a:t>
+            </a:r>
+          </a:p>
+        </p:txBody>
+      </p:sp>
+      <p:sp>
+        <p:nvSpPr>
+          <p:cNvPr id="31772" name="Text Box 29"/>
+          <p:cNvSpPr txBox="1">
+            <a:spLocks noChangeArrowheads="1"/>
+          </p:cNvSpPr>
+          <p:nvPr/>
+        </p:nvSpPr>
+        <p:spPr bwMode="auto">
+          <a:xfrm>
+            <a:off x="381000" y="4419600"/>
+            <a:ext cx="8413750" cy="1770063"/>
+          </a:xfrm>
+          <a:prstGeom prst="rect">
+            <a:avLst/>
+          </a:prstGeom>
+          <a:noFill/>
+          <a:ln>
+            <a:noFill/>
+          </a:ln>
+          <a:extLst>
+            <a:ext uri="{909E8E84-426E-40DD-AFC4-6F175D3DCCD1}">
+              <a14:hiddenFill xmlns:a14="http://schemas.microsoft.com/office/drawing/2010/main">
+                <a:solidFill>
+                  <a:srgbClr val="FFFFFF"/>
+                </a:solidFill>
+              </a14:hiddenFill>
+            </a:ext>
+            <a:ext uri="{91240B29-F687-4F45-9708-019B960494DF}">
+              <a14:hiddenLine xmlns:a14="http://schemas.microsoft.com/office/drawing/2010/main" w="9525">
+                <a:solidFill>
+                  <a:srgbClr val="000000"/>
+                </a:solidFill>
+                <a:miter lim="800000"/>
+                <a:headEnd/>
+                <a:tailEnd/>
+              </a14:hiddenLine>
+            </a:ext>
+          </a:extLst>
+        </p:spPr>
+        <p:txBody>
+          <a:bodyPr wrap="none">
+            <a:spAutoFit/>
+          </a:bodyPr>
+          <a:lstStyle>
+            <a:lvl1pPr>
+              <a:defRPr sz="1600" b="1" i="1">
+                <a:solidFill>
+                  <a:schemeClr val="tx1"/>
+                </a:solidFill>
+                <a:latin typeface="Times New Roman" panose="02020603050405020304" pitchFamily="18" charset="0"/>
+              </a:defRPr>
+            </a:lvl1pPr>
+            <a:lvl2pPr marL="742950" indent="-285750">
+              <a:defRPr sz="1600" b="1" i="1">
+                <a:solidFill>
+                  <a:schemeClr val="tx1"/>
+                </a:solidFill>
+                <a:latin typeface="Times New Roman" panose="02020603050405020304" pitchFamily="18" charset="0"/>
+              </a:defRPr>
+            </a:lvl2pPr>
+            <a:lvl3pPr marL="1143000" indent="-228600">
+              <a:defRPr sz="1600" b="1" i="1">
+                <a:solidFill>
+                  <a:schemeClr val="tx1"/>
+                </a:solidFill>
+                <a:latin typeface="Times New Roman" panose="02020603050405020304" pitchFamily="18" charset="0"/>
+              </a:defRPr>
+            </a:lvl3pPr>
+            <a:lvl4pPr marL="1600200" indent="-228600">
+              <a:defRPr sz="1600" b="1" i="1">
+                <a:solidFill>
+                  <a:schemeClr val="tx1"/>
+                </a:solidFill>
+                <a:latin typeface="Times New Roman" panose="02020603050405020304" pitchFamily="18" charset="0"/>
+              </a:defRPr>
+            </a:lvl4pPr>
+            <a:lvl5pPr marL="2057400" indent="-228600">
+              <a:defRPr sz="1600" b="1" i="1">
+                <a:solidFill>
+                  <a:schemeClr val="tx1"/>
+                </a:solidFill>
+                <a:latin typeface="Times New Roman" panose="02020603050405020304" pitchFamily="18" charset="0"/>
+              </a:defRPr>
+            </a:lvl5pPr>
+            <a:lvl6pPr marL="2514600" indent="-228600" algn="ctr" eaLnBrk="0" fontAlgn="base" hangingPunct="0">
+              <a:spcBef>
+                <a:spcPct val="0"/>
+              </a:spcBef>
+              <a:spcAft>
+                <a:spcPct val="0"/>
+              </a:spcAft>
+              <a:defRPr sz="1600" b="1" i="1">
+                <a:solidFill>
+                  <a:schemeClr val="tx1"/>
+                </a:solidFill>
+                <a:latin typeface="Times New Roman" panose="02020603050405020304" pitchFamily="18" charset="0"/>
+              </a:defRPr>
+            </a:lvl6pPr>
+            <a:lvl7pPr marL="2971800" indent="-228600" algn="ctr" eaLnBrk="0" fontAlgn="base" hangingPunct="0">
+              <a:spcBef>
+                <a:spcPct val="0"/>
+              </a:spcBef>
+              <a:spcAft>
+                <a:spcPct val="0"/>
+              </a:spcAft>
+              <a:defRPr sz="1600" b="1" i="1">
+                <a:solidFill>
+                  <a:schemeClr val="tx1"/>
+                </a:solidFill>
+                <a:latin typeface="Times New Roman" panose="02020603050405020304" pitchFamily="18" charset="0"/>
+              </a:defRPr>
+            </a:lvl7pPr>
+            <a:lvl8pPr marL="3429000" indent="-228600" algn="ctr" eaLnBrk="0" fontAlgn="base" hangingPunct="0">
+              <a:spcBef>
+                <a:spcPct val="0"/>
+              </a:spcBef>
+              <a:spcAft>
+                <a:spcPct val="0"/>
+              </a:spcAft>
+              <a:defRPr sz="1600" b="1" i="1">
+                <a:solidFill>
+                  <a:schemeClr val="tx1"/>
+                </a:solidFill>
+                <a:latin typeface="Times New Roman" panose="02020603050405020304" pitchFamily="18" charset="0"/>
+              </a:defRPr>
+            </a:lvl8pPr>
+            <a:lvl9pPr marL="3886200" indent="-228600" algn="ctr" eaLnBrk="0" fontAlgn="base" hangingPunct="0">
+              <a:spcBef>
+                <a:spcPct val="0"/>
+              </a:spcBef>
+              <a:spcAft>
+                <a:spcPct val="0"/>
+              </a:spcAft>
+              <a:defRPr sz="1600" b="1" i="1">
+                <a:solidFill>
+                  <a:schemeClr val="tx1"/>
+                </a:solidFill>
+                <a:latin typeface="Times New Roman" panose="02020603050405020304" pitchFamily="18" charset="0"/>
+              </a:defRPr>
+            </a:lvl9pPr>
+          </a:lstStyle>
+          <a:p>
+            <a:pPr algn="l"/>
+            <a:r>
+              <a:rPr lang="en-US" altLang="en-US" sz="2000" i="0" dirty="0">
+                <a:latin typeface="Arial" panose="020B0604020202020204" pitchFamily="34" charset="0"/>
+              </a:rPr>
+              <a:t>Many Examples: </a:t>
+            </a:r>
+          </a:p>
+          <a:p>
+            <a:pPr algn="l"/>
+            <a:r>
+              <a:rPr lang="en-US" altLang="en-US" sz="1800" i="0" dirty="0">
+                <a:latin typeface="Arial" panose="020B0604020202020204" pitchFamily="34" charset="0"/>
+              </a:rPr>
+              <a:t>      	Speech recognition:      X=Word sequence        Y=Speech signal</a:t>
+            </a:r>
+          </a:p>
+          <a:p>
+            <a:pPr algn="l"/>
+            <a:r>
+              <a:rPr lang="en-US" altLang="en-US" sz="1800" i="0" dirty="0">
+                <a:latin typeface="Arial" panose="020B0604020202020204" pitchFamily="34" charset="0"/>
+              </a:rPr>
+              <a:t>	Machine translation:      X=English sentence     Y=Chinese sentence</a:t>
+            </a:r>
+          </a:p>
+          <a:p>
+            <a:pPr algn="l"/>
+            <a:r>
+              <a:rPr lang="en-US" altLang="en-US" sz="1800" i="0" dirty="0">
+                <a:latin typeface="Arial" panose="020B0604020202020204" pitchFamily="34" charset="0"/>
+              </a:rPr>
+              <a:t>	OCR Error Correction:  X=Correct word             Y= Erroneous word</a:t>
+            </a:r>
+          </a:p>
+          <a:p>
+            <a:pPr algn="l"/>
+            <a:r>
+              <a:rPr lang="en-US" altLang="en-US" sz="1800" i="0" dirty="0">
+                <a:latin typeface="Arial" panose="020B0604020202020204" pitchFamily="34" charset="0"/>
+              </a:rPr>
+              <a:t>	Information Retrieval:   X=Document                  Y=Query</a:t>
+            </a:r>
+          </a:p>
+          <a:p>
+            <a:pPr algn="l"/>
+            <a:r>
+              <a:rPr lang="en-US" altLang="en-US" sz="1800" i="0" dirty="0">
+                <a:latin typeface="Arial" panose="020B0604020202020204" pitchFamily="34" charset="0"/>
+              </a:rPr>
+              <a:t>	Summarization:             </a:t>
+            </a:r>
+            <a:r>
+              <a:rPr lang="en-US" altLang="en-US" sz="1800" i="0" dirty="0" smtClean="0">
+                <a:latin typeface="Arial" panose="020B0604020202020204" pitchFamily="34" charset="0"/>
+              </a:rPr>
+              <a:t>X=Summary                    Y=Document</a:t>
+            </a:r>
+            <a:endParaRPr lang="en-US" altLang="en-US" sz="1800" i="0" dirty="0">
+              <a:latin typeface="Arial" panose="020B0604020202020204" pitchFamily="34" charset="0"/>
+            </a:endParaRPr>
+          </a:p>
+        </p:txBody>
+      </p:sp>
+      <p:sp>
+        <p:nvSpPr>
+          <p:cNvPr id="3" name="Date Placeholder 2"/>
+          <p:cNvSpPr>
+            <a:spLocks noGrp="1"/>
+          </p:cNvSpPr>
+          <p:nvPr>
+            <p:ph type="dt" sz="half" idx="10"/>
+          </p:nvPr>
+        </p:nvSpPr>
+        <p:spPr/>
+        <p:txBody>
+          <a:bodyPr/>
+          <a:lstStyle/>
+          <a:p>
+            <a:r>
+              <a:rPr lang="en-US" smtClean="0"/>
+              <a:t>CS@UVa</a:t>
+            </a:r>
+            <a:endParaRPr lang="en-US"/>
+          </a:p>
+        </p:txBody>
+      </p:sp>
+      <p:sp>
+        <p:nvSpPr>
+          <p:cNvPr id="4" name="Footer Placeholder 3"/>
+          <p:cNvSpPr>
+            <a:spLocks noGrp="1"/>
+          </p:cNvSpPr>
+          <p:nvPr>
+            <p:ph type="ftr" sz="quarter" idx="11"/>
+          </p:nvPr>
+        </p:nvSpPr>
+        <p:spPr/>
+        <p:txBody>
+          <a:bodyPr/>
+          <a:lstStyle/>
+          <a:p>
+            <a:r>
+              <a:rPr lang="en-US" smtClean="0"/>
+              <a:t>CS 6501: Text Mining</a:t>
+            </a:r>
+            <a:endParaRPr lang="en-US"/>
+          </a:p>
+        </p:txBody>
+      </p:sp>
+      <p:sp>
+        <p:nvSpPr>
+          <p:cNvPr id="5" name="Slide Number Placeholder 4"/>
+          <p:cNvSpPr>
+            <a:spLocks noGrp="1"/>
+          </p:cNvSpPr>
+          <p:nvPr>
+            <p:ph type="sldNum" sz="quarter" idx="12"/>
+          </p:nvPr>
+        </p:nvSpPr>
+        <p:spPr/>
+        <p:txBody>
+          <a:bodyPr/>
+          <a:lstStyle/>
+          <a:p>
+            <a:fld id="{D4438207-9E20-42FC-82B6-02A8A94D7FE7}" type="slidenum">
+              <a:rPr lang="en-US" smtClean="0"/>
+              <a:t>16</a:t>
+            </a:fld>
+            <a:endParaRPr lang="en-US"/>
+          </a:p>
+        </p:txBody>
+      </p:sp>
+    </p:spTree>
+    <p:extLst>
+      <p:ext uri="{BB962C8B-B14F-4D97-AF65-F5344CB8AC3E}">
+        <p14:creationId xmlns:p14="http://schemas.microsoft.com/office/powerpoint/2010/main" val="655591762"/>
+      </p:ext>
+    </p:extLst>
+  </p:cSld>
+  <p:clrMapOvr>
+    <a:masterClrMapping/>
+  </p:clrMapOvr>
+  <p:timing>
+    <p:tnLst>
+      <p:par>
+        <p:cTn id="1" dur="indefinite" restart="never" nodeType="tmRoot"/>
+      </p:par>
+    </p:tnLst>
+  </p:timing>
+</p:sld>
+</file>
+
+<file path=ppt/slides/slide17.xml><?xml version="1.0" encoding="utf-8"?>
+<p:sld xmlns:a="http://schemas.openxmlformats.org/drawingml/2006/main" xmlns:r="http://schemas.openxmlformats.org/officeDocument/2006/relationships" xmlns:p="http://schemas.openxmlformats.org/presentationml/2006/main">
+  <p:cSld>
+    <p:spTree>
+      <p:nvGrpSpPr>
+        <p:cNvPr id="1" name=""/>
+        <p:cNvGrpSpPr/>
+        <p:nvPr/>
+      </p:nvGrpSpPr>
+      <p:grpSpPr>
+        <a:xfrm>
+          <a:off x="0" y="0"/>
+          <a:ext cx="0" cy="0"/>
+          <a:chOff x="0" y="0"/>
+          <a:chExt cx="0" cy="0"/>
+        </a:xfrm>
+      </p:grpSpPr>
+      <p:sp>
+        <p:nvSpPr>
           <p:cNvPr id="316418" name="Rectangle 2"/>
           <p:cNvSpPr>
             <a:spLocks noGrp="1" noChangeArrowheads="1"/>
@@ -12413,7 +15946,7 @@
           <a:p>
             <a:fld id="{D4438207-9E20-42FC-82B6-02A8A94D7FE7}" type="slidenum">
               <a:rPr lang="en-US" smtClean="0"/>
-              <a:t>15</a:t>
+              <a:t>17</a:t>
             </a:fld>
             <a:endParaRPr lang="en-US"/>
           </a:p>
@@ -12839,7 +16372,7 @@
 </p:sld>
 </file>
 
-<file path=ppt/slides/slide16.xml><?xml version="1.0" encoding="utf-8"?>
+<file path=ppt/slides/slide18.xml><?xml version="1.0" encoding="utf-8"?>
 <p:sld xmlns:a="http://schemas.openxmlformats.org/drawingml/2006/main" xmlns:r="http://schemas.openxmlformats.org/officeDocument/2006/relationships" xmlns:p="http://schemas.openxmlformats.org/presentationml/2006/main">
   <p:cSld>
     <p:spTree>
@@ -12896,8 +16429,8 @@
           </a:p>
         </p:txBody>
       </p:sp>
-      <mc:AlternateContent xmlns:mc="http://schemas.openxmlformats.org/markup-compatibility/2006" xmlns:a14="http://schemas.microsoft.com/office/drawing/2010/main">
-        <mc:Choice Requires="a14">
+      <mc:AlternateContent xmlns:mc="http://schemas.openxmlformats.org/markup-compatibility/2006">
+        <mc:Choice xmlns:a14="http://schemas.microsoft.com/office/drawing/2010/main" Requires="a14">
           <p:sp>
             <p:nvSpPr>
               <p:cNvPr id="3" name="Content Placeholder 2"/>
@@ -12919,7 +16452,15 @@
                 </a:r>
                 <a:r>
                   <a:rPr lang="en-US" dirty="0"/>
-                  <a:t>from a distribution </a:t>
+                  <a:t>from a </a:t>
+                </a:r>
+                <a:r>
+                  <a:rPr lang="en-US" u="sng" dirty="0" smtClean="0"/>
+                  <a:t>discrete</a:t>
+                </a:r>
+                <a:r>
+                  <a:rPr lang="en-US" dirty="0" smtClean="0"/>
+                  <a:t> distribution </a:t>
                 </a:r>
                 <a14:m>
                   <m:oMath xmlns:m="http://schemas.openxmlformats.org/officeDocument/2006/math">
@@ -13112,7 +16653,7 @@
             </p:txBody>
           </p:sp>
         </mc:Choice>
-        <mc:Fallback xmlns="">
+        <mc:Fallback>
           <p:sp>
             <p:nvSpPr>
               <p:cNvPr id="3" name="Content Placeholder 2"/>
@@ -13209,7 +16750,7 @@
           <a:p>
             <a:fld id="{D4438207-9E20-42FC-82B6-02A8A94D7FE7}" type="slidenum">
               <a:rPr lang="en-US" smtClean="0"/>
-              <a:t>16</a:t>
+              <a:t>18</a:t>
             </a:fld>
             <a:endParaRPr lang="en-US"/>
           </a:p>
@@ -13790,7 +17331,7 @@
 </p:sld>
 </file>
 
-<file path=ppt/slides/slide17.xml><?xml version="1.0" encoding="utf-8"?>
+<file path=ppt/slides/slide19.xml><?xml version="1.0" encoding="utf-8"?>
 <p:sld xmlns:a="http://schemas.openxmlformats.org/drawingml/2006/main" xmlns:r="http://schemas.openxmlformats.org/officeDocument/2006/relationships" xmlns:p="http://schemas.openxmlformats.org/presentationml/2006/main">
   <p:cSld>
     <p:spTree>
@@ -13895,7 +17436,7 @@
           <a:p>
             <a:fld id="{D4438207-9E20-42FC-82B6-02A8A94D7FE7}" type="slidenum">
               <a:rPr lang="en-US" smtClean="0"/>
-              <a:t>17</a:t>
+              <a:t>19</a:t>
             </a:fld>
             <a:endParaRPr lang="en-US"/>
           </a:p>
@@ -14039,7 +17580,187 @@
 </p:sld>
 </file>
 
-<file path=ppt/slides/slide18.xml><?xml version="1.0" encoding="utf-8"?>
+<file path=ppt/slides/slide2.xml><?xml version="1.0" encoding="utf-8"?>
+<p:sld xmlns:a="http://schemas.openxmlformats.org/drawingml/2006/main" xmlns:r="http://schemas.openxmlformats.org/officeDocument/2006/relationships" xmlns:p="http://schemas.openxmlformats.org/presentationml/2006/main">
+  <p:cSld>
+    <p:spTree>
+      <p:nvGrpSpPr>
+        <p:cNvPr id="1" name=""/>
+        <p:cNvGrpSpPr/>
+        <p:nvPr/>
+      </p:nvGrpSpPr>
+      <p:grpSpPr>
+        <a:xfrm>
+          <a:off x="0" y="0"/>
+          <a:ext cx="0" cy="0"/>
+          <a:chOff x="0" y="0"/>
+          <a:chExt cx="0" cy="0"/>
+        </a:xfrm>
+      </p:grpSpPr>
+      <p:sp>
+        <p:nvSpPr>
+          <p:cNvPr id="6" name="Title 5"/>
+          <p:cNvSpPr>
+            <a:spLocks noGrp="1"/>
+          </p:cNvSpPr>
+          <p:nvPr>
+            <p:ph type="title"/>
+          </p:nvPr>
+        </p:nvSpPr>
+        <p:spPr/>
+        <p:txBody>
+          <a:bodyPr/>
+          <a:lstStyle/>
+          <a:p>
+            <a:r>
+              <a:rPr lang="en-US" dirty="0" smtClean="0"/>
+              <a:t>Today’s lecture</a:t>
+            </a:r>
+            <a:endParaRPr lang="en-US" dirty="0"/>
+          </a:p>
+        </p:txBody>
+      </p:sp>
+      <p:sp>
+        <p:nvSpPr>
+          <p:cNvPr id="7" name="Content Placeholder 6"/>
+          <p:cNvSpPr>
+            <a:spLocks noGrp="1"/>
+          </p:cNvSpPr>
+          <p:nvPr>
+            <p:ph idx="1"/>
+          </p:nvPr>
+        </p:nvSpPr>
+        <p:spPr/>
+        <p:txBody>
+          <a:bodyPr/>
+          <a:lstStyle/>
+          <a:p>
+            <a:pPr marL="514350" indent="-514350">
+              <a:buFont typeface="+mj-lt"/>
+              <a:buAutoNum type="arabicPeriod"/>
+            </a:pPr>
+            <a:r>
+              <a:rPr lang="en-US" dirty="0" smtClean="0"/>
+              <a:t>How to represent a document?</a:t>
+            </a:r>
+          </a:p>
+          <a:p>
+            <a:pPr lvl="1"/>
+            <a:r>
+              <a:rPr lang="en-US" dirty="0" smtClean="0"/>
+              <a:t>Make it computable</a:t>
+            </a:r>
+          </a:p>
+          <a:p>
+            <a:pPr marL="514350" indent="-514350">
+              <a:buFont typeface="+mj-lt"/>
+              <a:buAutoNum type="arabicPeriod"/>
+            </a:pPr>
+            <a:r>
+              <a:rPr lang="en-US" dirty="0" smtClean="0"/>
+              <a:t>How to infer the relationship among documents or identify the structure within a document?</a:t>
+            </a:r>
+          </a:p>
+          <a:p>
+            <a:pPr marL="744538" lvl="1" indent="-344488"/>
+            <a:r>
+              <a:rPr lang="en-US" dirty="0" smtClean="0"/>
+              <a:t>Knowledge discovery</a:t>
+            </a:r>
+            <a:endParaRPr lang="en-US" dirty="0"/>
+          </a:p>
+        </p:txBody>
+      </p:sp>
+      <p:sp>
+        <p:nvSpPr>
+          <p:cNvPr id="3" name="Date Placeholder 2"/>
+          <p:cNvSpPr>
+            <a:spLocks noGrp="1"/>
+          </p:cNvSpPr>
+          <p:nvPr>
+            <p:ph type="dt" sz="half" idx="10"/>
+          </p:nvPr>
+        </p:nvSpPr>
+        <p:spPr/>
+        <p:txBody>
+          <a:bodyPr/>
+          <a:lstStyle/>
+          <a:p>
+            <a:r>
+              <a:rPr lang="en-US" smtClean="0"/>
+              <a:t>CS@UVa</a:t>
+            </a:r>
+            <a:endParaRPr lang="en-US"/>
+          </a:p>
+        </p:txBody>
+      </p:sp>
+      <p:sp>
+        <p:nvSpPr>
+          <p:cNvPr id="4" name="Footer Placeholder 3"/>
+          <p:cNvSpPr>
+            <a:spLocks noGrp="1"/>
+          </p:cNvSpPr>
+          <p:nvPr>
+            <p:ph type="ftr" sz="quarter" idx="11"/>
+          </p:nvPr>
+        </p:nvSpPr>
+        <p:spPr/>
+        <p:txBody>
+          <a:bodyPr/>
+          <a:lstStyle/>
+          <a:p>
+            <a:r>
+              <a:rPr lang="en-US" smtClean="0"/>
+              <a:t>CS 6501: Text Mining</a:t>
+            </a:r>
+            <a:endParaRPr lang="en-US"/>
+          </a:p>
+        </p:txBody>
+      </p:sp>
+      <p:sp>
+        <p:nvSpPr>
+          <p:cNvPr id="5" name="Slide Number Placeholder 4"/>
+          <p:cNvSpPr>
+            <a:spLocks noGrp="1"/>
+          </p:cNvSpPr>
+          <p:nvPr>
+            <p:ph type="sldNum" sz="quarter" idx="12"/>
+          </p:nvPr>
+        </p:nvSpPr>
+        <p:spPr/>
+        <p:txBody>
+          <a:bodyPr/>
+          <a:lstStyle/>
+          <a:p>
+            <a:fld id="{2A9F8BE9-47C8-4C45-B88F-68A848B0515F}" type="slidenum">
+              <a:rPr lang="en-US" smtClean="0"/>
+              <a:t>2</a:t>
+            </a:fld>
+            <a:endParaRPr lang="en-US"/>
+          </a:p>
+        </p:txBody>
+      </p:sp>
+    </p:spTree>
+    <p:extLst>
+      <p:ext uri="{BB962C8B-B14F-4D97-AF65-F5344CB8AC3E}">
+        <p14:creationId xmlns:p14="http://schemas.microsoft.com/office/powerpoint/2010/main" val="1621201724"/>
+      </p:ext>
+    </p:extLst>
+  </p:cSld>
+  <p:clrMapOvr>
+    <a:masterClrMapping/>
+  </p:clrMapOvr>
+  <p:timing>
+    <p:tnLst>
+      <p:par>
+        <p:cTn id="1" dur="indefinite" restart="never" nodeType="tmRoot"/>
+      </p:par>
+    </p:tnLst>
+  </p:timing>
+</p:sld>
+</file>
+
+<file path=ppt/slides/slide20.xml><?xml version="1.0" encoding="utf-8"?>
 <p:sld xmlns:a="http://schemas.openxmlformats.org/drawingml/2006/main" xmlns:r="http://schemas.openxmlformats.org/officeDocument/2006/relationships" xmlns:p="http://schemas.openxmlformats.org/presentationml/2006/main">
   <p:cSld>
     <p:spTree>
@@ -14144,7 +17865,7 @@
           <a:p>
             <a:fld id="{D4438207-9E20-42FC-82B6-02A8A94D7FE7}" type="slidenum">
               <a:rPr lang="en-US" smtClean="0"/>
-              <a:t>18</a:t>
+              <a:t>20</a:t>
             </a:fld>
             <a:endParaRPr lang="en-US"/>
           </a:p>
@@ -14326,7 +18047,7 @@
 </p:sld>
 </file>
 
-<file path=ppt/slides/slide19.xml><?xml version="1.0" encoding="utf-8"?>
+<file path=ppt/slides/slide21.xml><?xml version="1.0" encoding="utf-8"?>
 <p:sld xmlns:a="http://schemas.openxmlformats.org/drawingml/2006/main" xmlns:r="http://schemas.openxmlformats.org/officeDocument/2006/relationships" xmlns:p="http://schemas.openxmlformats.org/presentationml/2006/main">
   <p:cSld>
     <p:spTree>
@@ -14495,7 +18216,7 @@
           <a:p>
             <a:fld id="{D4438207-9E20-42FC-82B6-02A8A94D7FE7}" type="slidenum">
               <a:rPr lang="en-US" smtClean="0"/>
-              <a:t>19</a:t>
+              <a:t>21</a:t>
             </a:fld>
             <a:endParaRPr lang="en-US"/>
           </a:p>
@@ -14559,187 +18280,7 @@
 </p:sld>
 </file>
 
-<file path=ppt/slides/slide2.xml><?xml version="1.0" encoding="utf-8"?>
-<p:sld xmlns:a="http://schemas.openxmlformats.org/drawingml/2006/main" xmlns:r="http://schemas.openxmlformats.org/officeDocument/2006/relationships" xmlns:p="http://schemas.openxmlformats.org/presentationml/2006/main">
-  <p:cSld>
-    <p:spTree>
-      <p:nvGrpSpPr>
-        <p:cNvPr id="1" name=""/>
-        <p:cNvGrpSpPr/>
-        <p:nvPr/>
-      </p:nvGrpSpPr>
-      <p:grpSpPr>
-        <a:xfrm>
-          <a:off x="0" y="0"/>
-          <a:ext cx="0" cy="0"/>
-          <a:chOff x="0" y="0"/>
-          <a:chExt cx="0" cy="0"/>
-        </a:xfrm>
-      </p:grpSpPr>
-      <p:sp>
-        <p:nvSpPr>
-          <p:cNvPr id="6" name="Title 5"/>
-          <p:cNvSpPr>
-            <a:spLocks noGrp="1"/>
-          </p:cNvSpPr>
-          <p:nvPr>
-            <p:ph type="title"/>
-          </p:nvPr>
-        </p:nvSpPr>
-        <p:spPr/>
-        <p:txBody>
-          <a:bodyPr/>
-          <a:lstStyle/>
-          <a:p>
-            <a:r>
-              <a:rPr lang="en-US" dirty="0" smtClean="0"/>
-              <a:t>Today’s lecture</a:t>
-            </a:r>
-            <a:endParaRPr lang="en-US" dirty="0"/>
-          </a:p>
-        </p:txBody>
-      </p:sp>
-      <p:sp>
-        <p:nvSpPr>
-          <p:cNvPr id="7" name="Content Placeholder 6"/>
-          <p:cNvSpPr>
-            <a:spLocks noGrp="1"/>
-          </p:cNvSpPr>
-          <p:nvPr>
-            <p:ph idx="1"/>
-          </p:nvPr>
-        </p:nvSpPr>
-        <p:spPr/>
-        <p:txBody>
-          <a:bodyPr/>
-          <a:lstStyle/>
-          <a:p>
-            <a:pPr marL="514350" indent="-514350">
-              <a:buFont typeface="+mj-lt"/>
-              <a:buAutoNum type="arabicPeriod"/>
-            </a:pPr>
-            <a:r>
-              <a:rPr lang="en-US" dirty="0" smtClean="0"/>
-              <a:t>How to represent a document?</a:t>
-            </a:r>
-          </a:p>
-          <a:p>
-            <a:pPr lvl="1"/>
-            <a:r>
-              <a:rPr lang="en-US" dirty="0" smtClean="0"/>
-              <a:t>Make it computable</a:t>
-            </a:r>
-          </a:p>
-          <a:p>
-            <a:pPr marL="514350" indent="-514350">
-              <a:buFont typeface="+mj-lt"/>
-              <a:buAutoNum type="arabicPeriod"/>
-            </a:pPr>
-            <a:r>
-              <a:rPr lang="en-US" dirty="0" smtClean="0"/>
-              <a:t>How to infer the relationship among documents or identify the structure within a document?</a:t>
-            </a:r>
-          </a:p>
-          <a:p>
-            <a:pPr marL="744538" lvl="1" indent="-344488"/>
-            <a:r>
-              <a:rPr lang="en-US" dirty="0" smtClean="0"/>
-              <a:t>Knowledge discovery</a:t>
-            </a:r>
-            <a:endParaRPr lang="en-US" dirty="0"/>
-          </a:p>
-        </p:txBody>
-      </p:sp>
-      <p:sp>
-        <p:nvSpPr>
-          <p:cNvPr id="3" name="Date Placeholder 2"/>
-          <p:cNvSpPr>
-            <a:spLocks noGrp="1"/>
-          </p:cNvSpPr>
-          <p:nvPr>
-            <p:ph type="dt" sz="half" idx="10"/>
-          </p:nvPr>
-        </p:nvSpPr>
-        <p:spPr/>
-        <p:txBody>
-          <a:bodyPr/>
-          <a:lstStyle/>
-          <a:p>
-            <a:r>
-              <a:rPr lang="en-US" smtClean="0"/>
-              <a:t>CS@UVa</a:t>
-            </a:r>
-            <a:endParaRPr lang="en-US"/>
-          </a:p>
-        </p:txBody>
-      </p:sp>
-      <p:sp>
-        <p:nvSpPr>
-          <p:cNvPr id="4" name="Footer Placeholder 3"/>
-          <p:cNvSpPr>
-            <a:spLocks noGrp="1"/>
-          </p:cNvSpPr>
-          <p:nvPr>
-            <p:ph type="ftr" sz="quarter" idx="11"/>
-          </p:nvPr>
-        </p:nvSpPr>
-        <p:spPr/>
-        <p:txBody>
-          <a:bodyPr/>
-          <a:lstStyle/>
-          <a:p>
-            <a:r>
-              <a:rPr lang="en-US" smtClean="0"/>
-              <a:t>CS 6501: Text Mining</a:t>
-            </a:r>
-            <a:endParaRPr lang="en-US"/>
-          </a:p>
-        </p:txBody>
-      </p:sp>
-      <p:sp>
-        <p:nvSpPr>
-          <p:cNvPr id="5" name="Slide Number Placeholder 4"/>
-          <p:cNvSpPr>
-            <a:spLocks noGrp="1"/>
-          </p:cNvSpPr>
-          <p:nvPr>
-            <p:ph type="sldNum" sz="quarter" idx="12"/>
-          </p:nvPr>
-        </p:nvSpPr>
-        <p:spPr/>
-        <p:txBody>
-          <a:bodyPr/>
-          <a:lstStyle/>
-          <a:p>
-            <a:fld id="{2A9F8BE9-47C8-4C45-B88F-68A848B0515F}" type="slidenum">
-              <a:rPr lang="en-US" smtClean="0"/>
-              <a:t>2</a:t>
-            </a:fld>
-            <a:endParaRPr lang="en-US"/>
-          </a:p>
-        </p:txBody>
-      </p:sp>
-    </p:spTree>
-    <p:extLst>
-      <p:ext uri="{BB962C8B-B14F-4D97-AF65-F5344CB8AC3E}">
-        <p14:creationId xmlns:p14="http://schemas.microsoft.com/office/powerpoint/2010/main" val="1621201724"/>
-      </p:ext>
-    </p:extLst>
-  </p:cSld>
-  <p:clrMapOvr>
-    <a:masterClrMapping/>
-  </p:clrMapOvr>
-  <p:timing>
-    <p:tnLst>
-      <p:par>
-        <p:cTn id="1" dur="indefinite" restart="never" nodeType="tmRoot"/>
-      </p:par>
-    </p:tnLst>
-  </p:timing>
-</p:sld>
-</file>
-
-<file path=ppt/slides/slide20.xml><?xml version="1.0" encoding="utf-8"?>
+<file path=ppt/slides/slide22.xml><?xml version="1.0" encoding="utf-8"?>
 <p:sld xmlns:a="http://schemas.openxmlformats.org/drawingml/2006/main" xmlns:r="http://schemas.openxmlformats.org/officeDocument/2006/relationships" xmlns:p="http://schemas.openxmlformats.org/presentationml/2006/main">
   <p:cSld>
     <p:spTree>
@@ -14855,7 +18396,7 @@
           <a:p>
             <a:fld id="{D4438207-9E20-42FC-82B6-02A8A94D7FE7}" type="slidenum">
               <a:rPr lang="en-US" smtClean="0"/>
-              <a:t>20</a:t>
+              <a:t>22</a:t>
             </a:fld>
             <a:endParaRPr lang="en-US"/>
           </a:p>
@@ -15500,7 +19041,7 @@
 </p:sld>
 </file>
 
-<file path=ppt/slides/slide21.xml><?xml version="1.0" encoding="utf-8"?>
+<file path=ppt/slides/slide23.xml><?xml version="1.0" encoding="utf-8"?>
 <p:sld xmlns:a="http://schemas.openxmlformats.org/drawingml/2006/main" xmlns:r="http://schemas.openxmlformats.org/officeDocument/2006/relationships" xmlns:p="http://schemas.openxmlformats.org/presentationml/2006/main">
   <p:cSld>
     <p:spTree>
@@ -15607,7 +19148,7 @@
           <a:p>
             <a:fld id="{D4438207-9E20-42FC-82B6-02A8A94D7FE7}" type="slidenum">
               <a:rPr lang="en-US" smtClean="0"/>
-              <a:t>21</a:t>
+              <a:t>23</a:t>
             </a:fld>
             <a:endParaRPr lang="en-US"/>
           </a:p>
@@ -16583,7 +20124,7 @@
 </p:sld>
 </file>
 
-<file path=ppt/slides/slide22.xml><?xml version="1.0" encoding="utf-8"?>
+<file path=ppt/slides/slide24.xml><?xml version="1.0" encoding="utf-8"?>
 <p:sld xmlns:a="http://schemas.openxmlformats.org/drawingml/2006/main" xmlns:r="http://schemas.openxmlformats.org/officeDocument/2006/relationships" xmlns:p="http://schemas.openxmlformats.org/presentationml/2006/main">
   <p:cSld>
     <p:spTree>
@@ -16707,7 +20248,7 @@
           <a:p>
             <a:fld id="{D4438207-9E20-42FC-82B6-02A8A94D7FE7}" type="slidenum">
               <a:rPr lang="en-US" smtClean="0"/>
-              <a:t>22</a:t>
+              <a:t>24</a:t>
             </a:fld>
             <a:endParaRPr lang="en-US"/>
           </a:p>
@@ -16757,7 +20298,7 @@
 </p:sld>
 </file>
 
-<file path=ppt/slides/slide23.xml><?xml version="1.0" encoding="utf-8"?>
+<file path=ppt/slides/slide25.xml><?xml version="1.0" encoding="utf-8"?>
 <p:sld xmlns:a="http://schemas.openxmlformats.org/drawingml/2006/main" xmlns:r="http://schemas.openxmlformats.org/officeDocument/2006/relationships" xmlns:p="http://schemas.openxmlformats.org/presentationml/2006/main">
   <p:cSld>
     <p:spTree>
@@ -18189,7 +21730,7 @@
           <a:p>
             <a:fld id="{D4438207-9E20-42FC-82B6-02A8A94D7FE7}" type="slidenum">
               <a:rPr lang="en-US" smtClean="0"/>
-              <a:t>23</a:t>
+              <a:t>25</a:t>
             </a:fld>
             <a:endParaRPr lang="en-US"/>
           </a:p>
@@ -18380,7 +21921,7 @@
 </p:sld>
 </file>
 
-<file path=ppt/slides/slide24.xml><?xml version="1.0" encoding="utf-8"?>
+<file path=ppt/slides/slide26.xml><?xml version="1.0" encoding="utf-8"?>
 <p:sld xmlns:a="http://schemas.openxmlformats.org/drawingml/2006/main" xmlns:r="http://schemas.openxmlformats.org/officeDocument/2006/relationships" xmlns:p="http://schemas.openxmlformats.org/presentationml/2006/main">
   <p:cSld>
     <p:spTree>
@@ -18725,7 +22266,7 @@
           <a:p>
             <a:fld id="{97D331B6-44EF-44C9-9B8C-E07E76159A89}" type="slidenum">
               <a:rPr lang="en-US" smtClean="0"/>
-              <a:t>24</a:t>
+              <a:t>26</a:t>
             </a:fld>
             <a:endParaRPr lang="en-US"/>
           </a:p>
@@ -18872,7 +22413,7 @@
 </p:sld>
 </file>
 
-<file path=ppt/slides/slide25.xml><?xml version="1.0" encoding="utf-8"?>
+<file path=ppt/slides/slide27.xml><?xml version="1.0" encoding="utf-8"?>
 <p:sld xmlns:a="http://schemas.openxmlformats.org/drawingml/2006/main" xmlns:r="http://schemas.openxmlformats.org/officeDocument/2006/relationships" xmlns:p="http://schemas.openxmlformats.org/presentationml/2006/main">
   <p:cSld>
     <p:spTree>
@@ -19091,7 +22632,7 @@
           <a:p>
             <a:fld id="{97D331B6-44EF-44C9-9B8C-E07E76159A89}" type="slidenum">
               <a:rPr lang="en-US" smtClean="0"/>
-              <a:t>25</a:t>
+              <a:t>27</a:t>
             </a:fld>
             <a:endParaRPr lang="en-US"/>
           </a:p>
@@ -19909,7 +23450,7 @@
 </p:sld>
 </file>
 
-<file path=ppt/slides/slide26.xml><?xml version="1.0" encoding="utf-8"?>
+<file path=ppt/slides/slide28.xml><?xml version="1.0" encoding="utf-8"?>
 <p:sld xmlns:a="http://schemas.openxmlformats.org/drawingml/2006/main" xmlns:r="http://schemas.openxmlformats.org/officeDocument/2006/relationships" xmlns:p="http://schemas.openxmlformats.org/presentationml/2006/main">
   <p:cSld>
     <p:spTree>
@@ -20016,7 +23557,7 @@
           <a:p>
             <a:fld id="{97D331B6-44EF-44C9-9B8C-E07E76159A89}" type="slidenum">
               <a:rPr lang="en-US" smtClean="0"/>
-              <a:t>26</a:t>
+              <a:t>28</a:t>
             </a:fld>
             <a:endParaRPr lang="en-US"/>
           </a:p>
@@ -21967,7 +25508,7 @@
 </p:sld>
 </file>
 
-<file path=ppt/slides/slide27.xml><?xml version="1.0" encoding="utf-8"?>
+<file path=ppt/slides/slide29.xml><?xml version="1.0" encoding="utf-8"?>
 <p:sld xmlns:a="http://schemas.openxmlformats.org/drawingml/2006/main" xmlns:r="http://schemas.openxmlformats.org/officeDocument/2006/relationships" xmlns:p="http://schemas.openxmlformats.org/presentationml/2006/main">
   <p:cSld>
     <p:spTree>
@@ -22032,7 +25573,7 @@
               <a:p>
                 <a:r>
                   <a:rPr lang="en-US" altLang="en-US" sz="2400" dirty="0" smtClean="0"/>
-                  <a:t>Data: a collection of nouns, </a:t>
+                  <a:t>Data: a collection of words, </a:t>
                 </a:r>
                 <a14:m>
                   <m:oMath xmlns:m="http://schemas.openxmlformats.org/officeDocument/2006/math">
@@ -22159,18 +25700,6 @@
                       <a:rPr lang="en-US" altLang="en-US" sz="2400" b="0" i="1" smtClean="0">
                         <a:latin typeface="Cambria Math"/>
                       </a:rPr>
-                      <m:t>|</m:t>
-                    </m:r>
-                    <m:r>
-                      <a:rPr lang="en-US" altLang="en-US" sz="2400" b="0" i="1" smtClean="0">
-                        <a:latin typeface="Cambria Math" panose="02040503050406030204" pitchFamily="18" charset="0"/>
-                      </a:rPr>
-                      <m:t>𝑡</m:t>
-                    </m:r>
-                    <m:r>
-                      <a:rPr lang="en-US" altLang="en-US" sz="2400" b="0" i="1" smtClean="0">
-                        <a:latin typeface="Cambria Math"/>
-                      </a:rPr>
                       <m:t>)</m:t>
                     </m:r>
                   </m:oMath>
@@ -22259,18 +25788,6 @@
                     </m:sSub>
                     <m:r>
                       <a:rPr lang="en-US" altLang="en-US" sz="2400" b="0" i="1" dirty="0" smtClean="0">
-                        <a:latin typeface="Cambria Math" panose="02040503050406030204" pitchFamily="18" charset="0"/>
-                      </a:rPr>
-                      <m:t>|</m:t>
-                    </m:r>
-                    <m:r>
-                      <a:rPr lang="en-US" altLang="en-US" sz="2400" b="0" i="1" dirty="0" smtClean="0">
-                        <a:latin typeface="Cambria Math" panose="02040503050406030204" pitchFamily="18" charset="0"/>
-                      </a:rPr>
-                      <m:t>𝑡</m:t>
-                    </m:r>
-                    <m:r>
-                      <a:rPr lang="en-US" altLang="en-US" sz="2400" b="0" i="1" dirty="0" smtClean="0">
                         <a:latin typeface="Cambria Math"/>
                       </a:rPr>
                       <m:t>)</m:t>
@@ -22279,13 +25796,17 @@
                 </a14:m>
                 <a:r>
                   <a:rPr lang="en-US" altLang="en-US" sz="2400" dirty="0" smtClean="0"/>
-                  <a:t> for the emission probability </a:t>
+                  <a:t> </a:t>
                 </a:r>
               </a:p>
               <a:p>
                 <a:r>
+                  <a:rPr lang="en-US" altLang="en-US" sz="2400" dirty="0" smtClean="0"/>
+                  <a:t>Maximum </a:t>
+                </a:r>
+                <a:r>
                   <a:rPr lang="en-US" altLang="en-US" sz="2400" dirty="0"/>
-                  <a:t>Maximum likelihood </a:t>
+                  <a:t>likelihood </a:t>
                 </a:r>
                 <a:r>
                   <a:rPr lang="en-US" altLang="en-US" sz="2400" dirty="0" smtClean="0"/>
@@ -22468,7 +25989,7 @@
           <a:p>
             <a:fld id="{97D331B6-44EF-44C9-9B8C-E07E76159A89}" type="slidenum">
               <a:rPr lang="en-US" smtClean="0"/>
-              <a:t>27</a:t>
+              <a:t>29</a:t>
             </a:fld>
             <a:endParaRPr lang="en-US"/>
           </a:p>
@@ -25220,7 +28741,7 @@
         </p:blipFill>
         <p:spPr bwMode="auto">
           <a:xfrm>
-            <a:off x="4923518" y="432604"/>
+            <a:off x="5494867" y="368713"/>
             <a:ext cx="3043273" cy="2424176"/>
           </a:xfrm>
           <a:prstGeom prst="rect">
@@ -25403,7 +28924,7 @@
                                           </p:stCondLst>
                                         </p:cTn>
                                         <p:tgtEl>
-                                          <p:spTgt spid="16"/>
+                                          <p:spTgt spid="14338"/>
                                         </p:tgtEl>
                                         <p:attrNameLst>
                                           <p:attrName>style.visibility</p:attrName>
@@ -25435,7 +28956,7 @@
                             </p:stCondLst>
                             <p:childTnLst>
                               <p:par>
-                                <p:cTn id="18" presetID="1" presetClass="entr" presetSubtype="0" fill="hold" grpId="0" nodeType="clickEffect">
+                                <p:cTn id="18" presetID="1" presetClass="entr" presetSubtype="0" fill="hold" nodeType="clickEffect">
                                   <p:stCondLst>
                                     <p:cond delay="0"/>
                                   </p:stCondLst>
@@ -25448,7 +28969,7 @@
                                           </p:stCondLst>
                                         </p:cTn>
                                         <p:tgtEl>
-                                          <p:spTgt spid="468998"/>
+                                          <p:spTgt spid="16"/>
                                         </p:tgtEl>
                                         <p:attrNameLst>
                                           <p:attrName>style.visibility</p:attrName>
@@ -25480,7 +29001,7 @@
                             </p:stCondLst>
                             <p:childTnLst>
                               <p:par>
-                                <p:cTn id="22" presetID="1" presetClass="entr" presetSubtype="0" fill="hold" nodeType="clickEffect">
+                                <p:cTn id="22" presetID="1" presetClass="entr" presetSubtype="0" fill="hold" grpId="0" nodeType="clickEffect">
                                   <p:stCondLst>
                                     <p:cond delay="0"/>
                                   </p:stCondLst>
@@ -25493,7 +29014,7 @@
                                           </p:stCondLst>
                                         </p:cTn>
                                         <p:tgtEl>
-                                          <p:spTgt spid="14338"/>
+                                          <p:spTgt spid="468998"/>
                                         </p:tgtEl>
                                         <p:attrNameLst>
                                           <p:attrName>style.visibility</p:attrName>
@@ -25814,7 +29335,385 @@
 </p:sld>
 </file>
 
-<file path=ppt/slides/slide28.xml><?xml version="1.0" encoding="utf-8"?>
+<file path=ppt/slides/slide3.xml><?xml version="1.0" encoding="utf-8"?>
+<p:sld xmlns:a="http://schemas.openxmlformats.org/drawingml/2006/main" xmlns:r="http://schemas.openxmlformats.org/officeDocument/2006/relationships" xmlns:p="http://schemas.openxmlformats.org/presentationml/2006/main">
+  <p:cSld>
+    <p:spTree>
+      <p:nvGrpSpPr>
+        <p:cNvPr id="1" name=""/>
+        <p:cNvGrpSpPr/>
+        <p:nvPr/>
+      </p:nvGrpSpPr>
+      <p:grpSpPr>
+        <a:xfrm>
+          <a:off x="0" y="0"/>
+          <a:ext cx="0" cy="0"/>
+          <a:chOff x="0" y="0"/>
+          <a:chExt cx="0" cy="0"/>
+        </a:xfrm>
+      </p:grpSpPr>
+      <p:sp>
+        <p:nvSpPr>
+          <p:cNvPr id="494594" name="Rectangle 2"/>
+          <p:cNvSpPr>
+            <a:spLocks noGrp="1" noChangeArrowheads="1"/>
+          </p:cNvSpPr>
+          <p:nvPr>
+            <p:ph type="title"/>
+          </p:nvPr>
+        </p:nvSpPr>
+        <p:spPr/>
+        <p:txBody>
+          <a:bodyPr/>
+          <a:lstStyle/>
+          <a:p>
+            <a:r>
+              <a:rPr lang="en-US" altLang="en-US" dirty="0"/>
+              <a:t>What is </a:t>
+            </a:r>
+            <a:r>
+              <a:rPr lang="en-US" altLang="en-US" dirty="0" smtClean="0"/>
+              <a:t>a statistical </a:t>
+            </a:r>
+            <a:r>
+              <a:rPr lang="en-US" altLang="en-US" dirty="0"/>
+              <a:t>LM?</a:t>
+            </a:r>
+          </a:p>
+        </p:txBody>
+      </p:sp>
+      <p:sp>
+        <p:nvSpPr>
+          <p:cNvPr id="494595" name="Rectangle 3"/>
+          <p:cNvSpPr>
+            <a:spLocks noGrp="1" noChangeArrowheads="1"/>
+          </p:cNvSpPr>
+          <p:nvPr>
+            <p:ph idx="1"/>
+          </p:nvPr>
+        </p:nvSpPr>
+        <p:spPr/>
+        <p:txBody>
+          <a:bodyPr>
+            <a:normAutofit/>
+          </a:bodyPr>
+          <a:lstStyle/>
+          <a:p>
+            <a:r>
+              <a:rPr lang="en-US" altLang="en-US" b="0" dirty="0"/>
+              <a:t>A </a:t>
+            </a:r>
+            <a:r>
+              <a:rPr lang="en-US" altLang="en-US" b="0" dirty="0" smtClean="0"/>
+              <a:t>model specifying probability </a:t>
+            </a:r>
+            <a:r>
+              <a:rPr lang="en-US" altLang="en-US" b="0" dirty="0"/>
+              <a:t>distribution over </a:t>
+            </a:r>
+            <a:r>
+              <a:rPr lang="en-US" altLang="en-US" b="0" u="sng" dirty="0"/>
+              <a:t>word sequences</a:t>
+            </a:r>
+          </a:p>
+          <a:p>
+            <a:pPr lvl="1"/>
+            <a:r>
+              <a:rPr lang="en-US" altLang="en-US" dirty="0"/>
+              <a:t>p(“</a:t>
+            </a:r>
+            <a:r>
+              <a:rPr lang="en-US" altLang="en-US" i="1" dirty="0">
+                <a:solidFill>
+                  <a:srgbClr val="CC0000"/>
+                </a:solidFill>
+                <a:latin typeface="Times New Roman" panose="02020603050405020304" pitchFamily="18" charset="0"/>
+              </a:rPr>
+              <a:t>Today is Wednesday</a:t>
+            </a:r>
+            <a:r>
+              <a:rPr lang="en-US" altLang="en-US" dirty="0"/>
+              <a:t>”) </a:t>
+            </a:r>
+            <a:r>
+              <a:rPr lang="en-US" altLang="en-US" dirty="0">
+                <a:sym typeface="Symbol" panose="05050102010706020507" pitchFamily="18" charset="2"/>
+              </a:rPr>
+              <a:t> </a:t>
+            </a:r>
+            <a:r>
+              <a:rPr lang="en-US" altLang="en-US" dirty="0">
+                <a:solidFill>
+                  <a:srgbClr val="CC0000"/>
+                </a:solidFill>
+                <a:sym typeface="Symbol" panose="05050102010706020507" pitchFamily="18" charset="2"/>
+              </a:rPr>
+              <a:t>0.001</a:t>
+            </a:r>
+            <a:endParaRPr lang="en-US" altLang="en-US" dirty="0">
+              <a:sym typeface="Symbol" panose="05050102010706020507" pitchFamily="18" charset="2"/>
+            </a:endParaRPr>
+          </a:p>
+          <a:p>
+            <a:pPr lvl="1"/>
+            <a:r>
+              <a:rPr lang="en-US" altLang="en-US" dirty="0">
+                <a:sym typeface="Symbol" panose="05050102010706020507" pitchFamily="18" charset="2"/>
+              </a:rPr>
+              <a:t>p(“</a:t>
+            </a:r>
+            <a:r>
+              <a:rPr lang="en-US" altLang="en-US" i="1" dirty="0">
+                <a:solidFill>
+                  <a:srgbClr val="CC0000"/>
+                </a:solidFill>
+                <a:latin typeface="Times New Roman" panose="02020603050405020304" pitchFamily="18" charset="0"/>
+                <a:sym typeface="Symbol" panose="05050102010706020507" pitchFamily="18" charset="2"/>
+              </a:rPr>
+              <a:t>Today Wednesday is</a:t>
+            </a:r>
+            <a:r>
+              <a:rPr lang="en-US" altLang="en-US" dirty="0">
+                <a:sym typeface="Symbol" panose="05050102010706020507" pitchFamily="18" charset="2"/>
+              </a:rPr>
+              <a:t>”)  </a:t>
+            </a:r>
+            <a:r>
+              <a:rPr lang="en-US" altLang="en-US" dirty="0">
+                <a:solidFill>
+                  <a:srgbClr val="CC0000"/>
+                </a:solidFill>
+                <a:sym typeface="Symbol" panose="05050102010706020507" pitchFamily="18" charset="2"/>
+              </a:rPr>
+              <a:t>0.0000000000001</a:t>
+            </a:r>
+            <a:endParaRPr lang="en-US" altLang="en-US" dirty="0">
+              <a:sym typeface="Symbol" panose="05050102010706020507" pitchFamily="18" charset="2"/>
+            </a:endParaRPr>
+          </a:p>
+          <a:p>
+            <a:pPr lvl="1"/>
+            <a:r>
+              <a:rPr lang="en-US" altLang="en-US" dirty="0">
+                <a:sym typeface="Symbol" panose="05050102010706020507" pitchFamily="18" charset="2"/>
+              </a:rPr>
+              <a:t>p(“</a:t>
+            </a:r>
+            <a:r>
+              <a:rPr lang="en-US" altLang="en-US" i="1" dirty="0">
+                <a:solidFill>
+                  <a:srgbClr val="CC0000"/>
+                </a:solidFill>
+                <a:latin typeface="Times New Roman" panose="02020603050405020304" pitchFamily="18" charset="0"/>
+                <a:sym typeface="Symbol" panose="05050102010706020507" pitchFamily="18" charset="2"/>
+              </a:rPr>
+              <a:t>The eigenvalue is positive</a:t>
+            </a:r>
+            <a:r>
+              <a:rPr lang="en-US" altLang="en-US" i="1" dirty="0">
+                <a:latin typeface="Times New Roman" panose="02020603050405020304" pitchFamily="18" charset="0"/>
+                <a:sym typeface="Symbol" panose="05050102010706020507" pitchFamily="18" charset="2"/>
+              </a:rPr>
+              <a:t>”</a:t>
+            </a:r>
+            <a:r>
+              <a:rPr lang="en-US" altLang="en-US" dirty="0">
+                <a:sym typeface="Symbol" panose="05050102010706020507" pitchFamily="18" charset="2"/>
+              </a:rPr>
+              <a:t>)  </a:t>
+            </a:r>
+            <a:r>
+              <a:rPr lang="en-US" altLang="en-US" dirty="0">
+                <a:solidFill>
+                  <a:srgbClr val="CC0000"/>
+                </a:solidFill>
+                <a:sym typeface="Symbol" panose="05050102010706020507" pitchFamily="18" charset="2"/>
+              </a:rPr>
+              <a:t>0.00001</a:t>
+            </a:r>
+            <a:endParaRPr lang="en-US" altLang="en-US" b="0" dirty="0">
+              <a:sym typeface="Symbol" panose="05050102010706020507" pitchFamily="18" charset="2"/>
+            </a:endParaRPr>
+          </a:p>
+          <a:p>
+            <a:r>
+              <a:rPr lang="en-US" altLang="en-US" b="0" dirty="0" smtClean="0"/>
+              <a:t>It can be </a:t>
+            </a:r>
+            <a:r>
+              <a:rPr lang="en-US" altLang="en-US" b="0" dirty="0"/>
+              <a:t>regarded as a probabilistic mechanism for “generating” text, thus also called a “generative” model</a:t>
+            </a:r>
+          </a:p>
+          <a:p>
+            <a:endParaRPr lang="en-US" altLang="en-US" b="0" dirty="0">
+              <a:sym typeface="Symbol" panose="05050102010706020507" pitchFamily="18" charset="2"/>
+            </a:endParaRPr>
+          </a:p>
+        </p:txBody>
+      </p:sp>
+      <p:sp>
+        <p:nvSpPr>
+          <p:cNvPr id="5" name="Date Placeholder 4"/>
+          <p:cNvSpPr>
+            <a:spLocks noGrp="1"/>
+          </p:cNvSpPr>
+          <p:nvPr>
+            <p:ph type="dt" sz="half" idx="10"/>
+          </p:nvPr>
+        </p:nvSpPr>
+        <p:spPr/>
+        <p:txBody>
+          <a:bodyPr/>
+          <a:lstStyle/>
+          <a:p>
+            <a:r>
+              <a:rPr lang="en-US" smtClean="0"/>
+              <a:t>CS@UVa</a:t>
+            </a:r>
+            <a:endParaRPr lang="en-US"/>
+          </a:p>
+        </p:txBody>
+      </p:sp>
+      <p:sp>
+        <p:nvSpPr>
+          <p:cNvPr id="6" name="Footer Placeholder 5"/>
+          <p:cNvSpPr>
+            <a:spLocks noGrp="1"/>
+          </p:cNvSpPr>
+          <p:nvPr>
+            <p:ph type="ftr" sz="quarter" idx="11"/>
+          </p:nvPr>
+        </p:nvSpPr>
+        <p:spPr/>
+        <p:txBody>
+          <a:bodyPr/>
+          <a:lstStyle/>
+          <a:p>
+            <a:r>
+              <a:rPr lang="en-US" smtClean="0"/>
+              <a:t>CS 6501: Text Mining</a:t>
+            </a:r>
+            <a:endParaRPr lang="en-US"/>
+          </a:p>
+        </p:txBody>
+      </p:sp>
+      <p:sp>
+        <p:nvSpPr>
+          <p:cNvPr id="7" name="Slide Number Placeholder 6"/>
+          <p:cNvSpPr>
+            <a:spLocks noGrp="1"/>
+          </p:cNvSpPr>
+          <p:nvPr>
+            <p:ph type="sldNum" sz="quarter" idx="12"/>
+          </p:nvPr>
+        </p:nvSpPr>
+        <p:spPr/>
+        <p:txBody>
+          <a:bodyPr/>
+          <a:lstStyle/>
+          <a:p>
+            <a:fld id="{D4438207-9E20-42FC-82B6-02A8A94D7FE7}" type="slidenum">
+              <a:rPr lang="en-US" smtClean="0"/>
+              <a:t>3</a:t>
+            </a:fld>
+            <a:endParaRPr lang="en-US"/>
+          </a:p>
+        </p:txBody>
+      </p:sp>
+    </p:spTree>
+    <p:extLst>
+      <p:ext uri="{BB962C8B-B14F-4D97-AF65-F5344CB8AC3E}">
+        <p14:creationId xmlns:p14="http://schemas.microsoft.com/office/powerpoint/2010/main" val="2366046309"/>
+      </p:ext>
+    </p:extLst>
+  </p:cSld>
+  <p:clrMapOvr>
+    <a:masterClrMapping/>
+  </p:clrMapOvr>
+  <p:timing>
+    <p:tnLst>
+      <p:par>
+        <p:cTn id="1" dur="indefinite" restart="never" nodeType="tmRoot">
+          <p:childTnLst>
+            <p:seq concurrent="1" nextAc="seek">
+              <p:cTn id="2" dur="indefinite" nodeType="mainSeq">
+                <p:childTnLst>
+                  <p:par>
+                    <p:cTn id="3" fill="hold">
+                      <p:stCondLst>
+                        <p:cond delay="indefinite"/>
+                      </p:stCondLst>
+                      <p:childTnLst>
+                        <p:par>
+                          <p:cTn id="4" fill="hold">
+                            <p:stCondLst>
+                              <p:cond delay="0"/>
+                            </p:stCondLst>
+                            <p:childTnLst>
+                              <p:par>
+                                <p:cTn id="5" presetID="1" presetClass="entr" presetSubtype="0" fill="hold" nodeType="clickEffect">
+                                  <p:stCondLst>
+                                    <p:cond delay="0"/>
+                                  </p:stCondLst>
+                                  <p:childTnLst>
+                                    <p:set>
+                                      <p:cBhvr>
+                                        <p:cTn id="6" dur="1" fill="hold">
+                                          <p:stCondLst>
+                                            <p:cond delay="0"/>
+                                          </p:stCondLst>
+                                        </p:cTn>
+                                        <p:tgtEl>
+                                          <p:spTgt spid="494595">
+                                            <p:txEl>
+                                              <p:pRg st="4" end="4"/>
+                                            </p:txEl>
+                                          </p:spTgt>
+                                        </p:tgtEl>
+                                        <p:attrNameLst>
+                                          <p:attrName>style.visibility</p:attrName>
+                                        </p:attrNameLst>
+                                      </p:cBhvr>
+                                      <p:to>
+                                        <p:strVal val="visible"/>
+                                      </p:to>
+                                    </p:set>
+                                  </p:childTnLst>
+                                </p:cTn>
+                              </p:par>
+                            </p:childTnLst>
+                          </p:cTn>
+                        </p:par>
+                      </p:childTnLst>
+                    </p:cTn>
+                  </p:par>
+                </p:childTnLst>
+              </p:cTn>
+              <p:prevCondLst>
+                <p:cond evt="onPrev" delay="0">
+                  <p:tgtEl>
+                    <p:sldTgt/>
+                  </p:tgtEl>
+                </p:cond>
+              </p:prevCondLst>
+              <p:nextCondLst>
+                <p:cond evt="onNext" delay="0">
+                  <p:tgtEl>
+                    <p:sldTgt/>
+                  </p:tgtEl>
+                </p:cond>
+              </p:nextCondLst>
+            </p:seq>
+          </p:childTnLst>
+        </p:cTn>
+      </p:par>
+    </p:tnLst>
+  </p:timing>
+</p:sld>
+</file>
+
+<file path=ppt/slides/slide30.xml><?xml version="1.0" encoding="utf-8"?>
 <p:sld xmlns:a="http://schemas.openxmlformats.org/drawingml/2006/main" xmlns:r="http://schemas.openxmlformats.org/officeDocument/2006/relationships" xmlns:p="http://schemas.openxmlformats.org/presentationml/2006/main">
   <p:cSld>
     <p:spTree>
@@ -26398,7 +30297,7 @@
           <a:p>
             <a:fld id="{D4438207-9E20-42FC-82B6-02A8A94D7FE7}" type="slidenum">
               <a:rPr lang="en-US" smtClean="0"/>
-              <a:t>28</a:t>
+              <a:t>30</a:t>
             </a:fld>
             <a:endParaRPr lang="en-US"/>
           </a:p>
@@ -26490,7 +30389,7 @@
 </p:sld>
 </file>
 
-<file path=ppt/slides/slide29.xml><?xml version="1.0" encoding="utf-8"?>
+<file path=ppt/slides/slide31.xml><?xml version="1.0" encoding="utf-8"?>
 <p:sld xmlns:a="http://schemas.openxmlformats.org/drawingml/2006/main" xmlns:r="http://schemas.openxmlformats.org/officeDocument/2006/relationships" xmlns:p="http://schemas.openxmlformats.org/presentationml/2006/main">
   <p:cSld>
     <p:spTree>
@@ -26597,7 +30496,11 @@
             </a:pPr>
             <a:r>
               <a:rPr lang="en-US" altLang="en-US" dirty="0" smtClean="0"/>
-              <a:t>This means any word/bigram </a:t>
+              <a:t>This means any </a:t>
+            </a:r>
+            <a:r>
+              <a:rPr lang="en-US" altLang="en-US" dirty="0" smtClean="0"/>
+              <a:t>word/N-gram </a:t>
             </a:r>
             <a:r>
               <a:rPr lang="en-US" altLang="en-US" dirty="0"/>
@@ -26623,8 +30526,13 @@
             </a:pPr>
             <a:r>
               <a:rPr lang="en-US" altLang="en-US" dirty="0" smtClean="0"/>
-              <a:t>No future documents can contain those unseen words/bigrams</a:t>
-            </a:r>
+              <a:t>No future documents can contain those unseen </a:t>
+            </a:r>
+            <a:r>
+              <a:rPr lang="en-US" altLang="en-US" dirty="0" smtClean="0"/>
+              <a:t>words/N-grams</a:t>
+            </a:r>
+            <a:endParaRPr lang="en-US" altLang="en-US" dirty="0" smtClean="0"/>
           </a:p>
           <a:p>
             <a:pPr lvl="1"/>
@@ -26695,7 +30603,7 @@
           <a:p>
             <a:fld id="{D4438207-9E20-42FC-82B6-02A8A94D7FE7}" type="slidenum">
               <a:rPr lang="en-US" smtClean="0"/>
-              <a:t>29</a:t>
+              <a:t>31</a:t>
             </a:fld>
             <a:endParaRPr lang="en-US"/>
           </a:p>
@@ -26709,10 +30617,10 @@
         </p:nvGrpSpPr>
         <p:grpSpPr>
           <a:xfrm>
-            <a:off x="1828800" y="1765481"/>
-            <a:ext cx="5577912" cy="4195400"/>
+            <a:off x="1905000" y="1981200"/>
+            <a:ext cx="5410200" cy="4237007"/>
             <a:chOff x="1905000" y="1465569"/>
-            <a:chExt cx="5577912" cy="4195400"/>
+            <a:chExt cx="5410200" cy="4237007"/>
           </a:xfrm>
         </p:grpSpPr>
         <p:grpSp>
@@ -26724,9 +30632,9 @@
           <p:grpSpPr>
             <a:xfrm>
               <a:off x="1905000" y="1752600"/>
-              <a:ext cx="5577912" cy="3908369"/>
+              <a:ext cx="5410200" cy="3949976"/>
               <a:chOff x="2359222" y="2644831"/>
-              <a:chExt cx="5577912" cy="3908369"/>
+              <a:chExt cx="5410200" cy="3949976"/>
             </a:xfrm>
             <a:solidFill>
               <a:schemeClr val="bg1"/>
@@ -26773,7 +30681,7 @@
             </p:nvSpPr>
             <p:spPr>
               <a:xfrm>
-                <a:off x="2603134" y="6214646"/>
+                <a:off x="2435422" y="6256253"/>
                 <a:ext cx="5334000" cy="338554"/>
               </a:xfrm>
               <a:prstGeom prst="rect">
@@ -26787,6 +30695,7 @@
               </a:bodyPr>
               <a:lstStyle/>
               <a:p>
+                <a:pPr algn="ctr"/>
                 <a:r>
                   <a:rPr lang="en-US" sz="1600" dirty="0"/>
                   <a:t>A plot of word frequency in Wikipedia (</a:t>
@@ -27211,385 +31120,7 @@
 </p:sld>
 </file>
 
-<file path=ppt/slides/slide3.xml><?xml version="1.0" encoding="utf-8"?>
-<p:sld xmlns:a="http://schemas.openxmlformats.org/drawingml/2006/main" xmlns:r="http://schemas.openxmlformats.org/officeDocument/2006/relationships" xmlns:p="http://schemas.openxmlformats.org/presentationml/2006/main">
-  <p:cSld>
-    <p:spTree>
-      <p:nvGrpSpPr>
-        <p:cNvPr id="1" name=""/>
-        <p:cNvGrpSpPr/>
-        <p:nvPr/>
-      </p:nvGrpSpPr>
-      <p:grpSpPr>
-        <a:xfrm>
-          <a:off x="0" y="0"/>
-          <a:ext cx="0" cy="0"/>
-          <a:chOff x="0" y="0"/>
-          <a:chExt cx="0" cy="0"/>
-        </a:xfrm>
-      </p:grpSpPr>
-      <p:sp>
-        <p:nvSpPr>
-          <p:cNvPr id="494594" name="Rectangle 2"/>
-          <p:cNvSpPr>
-            <a:spLocks noGrp="1" noChangeArrowheads="1"/>
-          </p:cNvSpPr>
-          <p:nvPr>
-            <p:ph type="title"/>
-          </p:nvPr>
-        </p:nvSpPr>
-        <p:spPr/>
-        <p:txBody>
-          <a:bodyPr/>
-          <a:lstStyle/>
-          <a:p>
-            <a:r>
-              <a:rPr lang="en-US" altLang="en-US" dirty="0"/>
-              <a:t>What is </a:t>
-            </a:r>
-            <a:r>
-              <a:rPr lang="en-US" altLang="en-US" dirty="0" smtClean="0"/>
-              <a:t>a statistical </a:t>
-            </a:r>
-            <a:r>
-              <a:rPr lang="en-US" altLang="en-US" dirty="0"/>
-              <a:t>LM?</a:t>
-            </a:r>
-          </a:p>
-        </p:txBody>
-      </p:sp>
-      <p:sp>
-        <p:nvSpPr>
-          <p:cNvPr id="494595" name="Rectangle 3"/>
-          <p:cNvSpPr>
-            <a:spLocks noGrp="1" noChangeArrowheads="1"/>
-          </p:cNvSpPr>
-          <p:nvPr>
-            <p:ph idx="1"/>
-          </p:nvPr>
-        </p:nvSpPr>
-        <p:spPr/>
-        <p:txBody>
-          <a:bodyPr>
-            <a:normAutofit/>
-          </a:bodyPr>
-          <a:lstStyle/>
-          <a:p>
-            <a:r>
-              <a:rPr lang="en-US" altLang="en-US" b="0" dirty="0"/>
-              <a:t>A </a:t>
-            </a:r>
-            <a:r>
-              <a:rPr lang="en-US" altLang="en-US" b="0" dirty="0" smtClean="0"/>
-              <a:t>model specifying probability </a:t>
-            </a:r>
-            <a:r>
-              <a:rPr lang="en-US" altLang="en-US" b="0" dirty="0"/>
-              <a:t>distribution over </a:t>
-            </a:r>
-            <a:r>
-              <a:rPr lang="en-US" altLang="en-US" b="0" u="sng" dirty="0"/>
-              <a:t>word sequences</a:t>
-            </a:r>
-          </a:p>
-          <a:p>
-            <a:pPr lvl="1"/>
-            <a:r>
-              <a:rPr lang="en-US" altLang="en-US" dirty="0"/>
-              <a:t>p(“</a:t>
-            </a:r>
-            <a:r>
-              <a:rPr lang="en-US" altLang="en-US" i="1" dirty="0">
-                <a:solidFill>
-                  <a:srgbClr val="CC0000"/>
-                </a:solidFill>
-                <a:latin typeface="Times New Roman" panose="02020603050405020304" pitchFamily="18" charset="0"/>
-              </a:rPr>
-              <a:t>Today is Wednesday</a:t>
-            </a:r>
-            <a:r>
-              <a:rPr lang="en-US" altLang="en-US" dirty="0"/>
-              <a:t>”) </a:t>
-            </a:r>
-            <a:r>
-              <a:rPr lang="en-US" altLang="en-US" dirty="0">
-                <a:sym typeface="Symbol" panose="05050102010706020507" pitchFamily="18" charset="2"/>
-              </a:rPr>
-              <a:t> </a:t>
-            </a:r>
-            <a:r>
-              <a:rPr lang="en-US" altLang="en-US" dirty="0">
-                <a:solidFill>
-                  <a:srgbClr val="CC0000"/>
-                </a:solidFill>
-                <a:sym typeface="Symbol" panose="05050102010706020507" pitchFamily="18" charset="2"/>
-              </a:rPr>
-              <a:t>0.001</a:t>
-            </a:r>
-            <a:endParaRPr lang="en-US" altLang="en-US" dirty="0">
-              <a:sym typeface="Symbol" panose="05050102010706020507" pitchFamily="18" charset="2"/>
-            </a:endParaRPr>
-          </a:p>
-          <a:p>
-            <a:pPr lvl="1"/>
-            <a:r>
-              <a:rPr lang="en-US" altLang="en-US" dirty="0">
-                <a:sym typeface="Symbol" panose="05050102010706020507" pitchFamily="18" charset="2"/>
-              </a:rPr>
-              <a:t>p(“</a:t>
-            </a:r>
-            <a:r>
-              <a:rPr lang="en-US" altLang="en-US" i="1" dirty="0">
-                <a:solidFill>
-                  <a:srgbClr val="CC0000"/>
-                </a:solidFill>
-                <a:latin typeface="Times New Roman" panose="02020603050405020304" pitchFamily="18" charset="0"/>
-                <a:sym typeface="Symbol" panose="05050102010706020507" pitchFamily="18" charset="2"/>
-              </a:rPr>
-              <a:t>Today Wednesday is</a:t>
-            </a:r>
-            <a:r>
-              <a:rPr lang="en-US" altLang="en-US" dirty="0">
-                <a:sym typeface="Symbol" panose="05050102010706020507" pitchFamily="18" charset="2"/>
-              </a:rPr>
-              <a:t>”)  </a:t>
-            </a:r>
-            <a:r>
-              <a:rPr lang="en-US" altLang="en-US" dirty="0">
-                <a:solidFill>
-                  <a:srgbClr val="CC0000"/>
-                </a:solidFill>
-                <a:sym typeface="Symbol" panose="05050102010706020507" pitchFamily="18" charset="2"/>
-              </a:rPr>
-              <a:t>0.0000000000001</a:t>
-            </a:r>
-            <a:endParaRPr lang="en-US" altLang="en-US" dirty="0">
-              <a:sym typeface="Symbol" panose="05050102010706020507" pitchFamily="18" charset="2"/>
-            </a:endParaRPr>
-          </a:p>
-          <a:p>
-            <a:pPr lvl="1"/>
-            <a:r>
-              <a:rPr lang="en-US" altLang="en-US" dirty="0">
-                <a:sym typeface="Symbol" panose="05050102010706020507" pitchFamily="18" charset="2"/>
-              </a:rPr>
-              <a:t>p(“</a:t>
-            </a:r>
-            <a:r>
-              <a:rPr lang="en-US" altLang="en-US" i="1" dirty="0">
-                <a:solidFill>
-                  <a:srgbClr val="CC0000"/>
-                </a:solidFill>
-                <a:latin typeface="Times New Roman" panose="02020603050405020304" pitchFamily="18" charset="0"/>
-                <a:sym typeface="Symbol" panose="05050102010706020507" pitchFamily="18" charset="2"/>
-              </a:rPr>
-              <a:t>The eigenvalue is positive</a:t>
-            </a:r>
-            <a:r>
-              <a:rPr lang="en-US" altLang="en-US" i="1" dirty="0">
-                <a:latin typeface="Times New Roman" panose="02020603050405020304" pitchFamily="18" charset="0"/>
-                <a:sym typeface="Symbol" panose="05050102010706020507" pitchFamily="18" charset="2"/>
-              </a:rPr>
-              <a:t>”</a:t>
-            </a:r>
-            <a:r>
-              <a:rPr lang="en-US" altLang="en-US" dirty="0">
-                <a:sym typeface="Symbol" panose="05050102010706020507" pitchFamily="18" charset="2"/>
-              </a:rPr>
-              <a:t>)  </a:t>
-            </a:r>
-            <a:r>
-              <a:rPr lang="en-US" altLang="en-US" dirty="0">
-                <a:solidFill>
-                  <a:srgbClr val="CC0000"/>
-                </a:solidFill>
-                <a:sym typeface="Symbol" panose="05050102010706020507" pitchFamily="18" charset="2"/>
-              </a:rPr>
-              <a:t>0.00001</a:t>
-            </a:r>
-            <a:endParaRPr lang="en-US" altLang="en-US" b="0" dirty="0">
-              <a:sym typeface="Symbol" panose="05050102010706020507" pitchFamily="18" charset="2"/>
-            </a:endParaRPr>
-          </a:p>
-          <a:p>
-            <a:r>
-              <a:rPr lang="en-US" altLang="en-US" b="0" dirty="0" smtClean="0"/>
-              <a:t>It can be </a:t>
-            </a:r>
-            <a:r>
-              <a:rPr lang="en-US" altLang="en-US" b="0" dirty="0"/>
-              <a:t>regarded as a probabilistic mechanism for “generating” text, thus also called a “generative” model</a:t>
-            </a:r>
-          </a:p>
-          <a:p>
-            <a:endParaRPr lang="en-US" altLang="en-US" b="0" dirty="0">
-              <a:sym typeface="Symbol" panose="05050102010706020507" pitchFamily="18" charset="2"/>
-            </a:endParaRPr>
-          </a:p>
-        </p:txBody>
-      </p:sp>
-      <p:sp>
-        <p:nvSpPr>
-          <p:cNvPr id="5" name="Date Placeholder 4"/>
-          <p:cNvSpPr>
-            <a:spLocks noGrp="1"/>
-          </p:cNvSpPr>
-          <p:nvPr>
-            <p:ph type="dt" sz="half" idx="10"/>
-          </p:nvPr>
-        </p:nvSpPr>
-        <p:spPr/>
-        <p:txBody>
-          <a:bodyPr/>
-          <a:lstStyle/>
-          <a:p>
-            <a:r>
-              <a:rPr lang="en-US" smtClean="0"/>
-              <a:t>CS@UVa</a:t>
-            </a:r>
-            <a:endParaRPr lang="en-US"/>
-          </a:p>
-        </p:txBody>
-      </p:sp>
-      <p:sp>
-        <p:nvSpPr>
-          <p:cNvPr id="6" name="Footer Placeholder 5"/>
-          <p:cNvSpPr>
-            <a:spLocks noGrp="1"/>
-          </p:cNvSpPr>
-          <p:nvPr>
-            <p:ph type="ftr" sz="quarter" idx="11"/>
-          </p:nvPr>
-        </p:nvSpPr>
-        <p:spPr/>
-        <p:txBody>
-          <a:bodyPr/>
-          <a:lstStyle/>
-          <a:p>
-            <a:r>
-              <a:rPr lang="en-US" smtClean="0"/>
-              <a:t>CS 6501: Text Mining</a:t>
-            </a:r>
-            <a:endParaRPr lang="en-US"/>
-          </a:p>
-        </p:txBody>
-      </p:sp>
-      <p:sp>
-        <p:nvSpPr>
-          <p:cNvPr id="7" name="Slide Number Placeholder 6"/>
-          <p:cNvSpPr>
-            <a:spLocks noGrp="1"/>
-          </p:cNvSpPr>
-          <p:nvPr>
-            <p:ph type="sldNum" sz="quarter" idx="12"/>
-          </p:nvPr>
-        </p:nvSpPr>
-        <p:spPr/>
-        <p:txBody>
-          <a:bodyPr/>
-          <a:lstStyle/>
-          <a:p>
-            <a:fld id="{D4438207-9E20-42FC-82B6-02A8A94D7FE7}" type="slidenum">
-              <a:rPr lang="en-US" smtClean="0"/>
-              <a:t>3</a:t>
-            </a:fld>
-            <a:endParaRPr lang="en-US"/>
-          </a:p>
-        </p:txBody>
-      </p:sp>
-    </p:spTree>
-    <p:extLst>
-      <p:ext uri="{BB962C8B-B14F-4D97-AF65-F5344CB8AC3E}">
-        <p14:creationId xmlns:p14="http://schemas.microsoft.com/office/powerpoint/2010/main" val="2366046309"/>
-      </p:ext>
-    </p:extLst>
-  </p:cSld>
-  <p:clrMapOvr>
-    <a:masterClrMapping/>
-  </p:clrMapOvr>
-  <p:timing>
-    <p:tnLst>
-      <p:par>
-        <p:cTn id="1" dur="indefinite" restart="never" nodeType="tmRoot">
-          <p:childTnLst>
-            <p:seq concurrent="1" nextAc="seek">
-              <p:cTn id="2" dur="indefinite" nodeType="mainSeq">
-                <p:childTnLst>
-                  <p:par>
-                    <p:cTn id="3" fill="hold">
-                      <p:stCondLst>
-                        <p:cond delay="indefinite"/>
-                      </p:stCondLst>
-                      <p:childTnLst>
-                        <p:par>
-                          <p:cTn id="4" fill="hold">
-                            <p:stCondLst>
-                              <p:cond delay="0"/>
-                            </p:stCondLst>
-                            <p:childTnLst>
-                              <p:par>
-                                <p:cTn id="5" presetID="1" presetClass="entr" presetSubtype="0" fill="hold" nodeType="clickEffect">
-                                  <p:stCondLst>
-                                    <p:cond delay="0"/>
-                                  </p:stCondLst>
-                                  <p:childTnLst>
-                                    <p:set>
-                                      <p:cBhvr>
-                                        <p:cTn id="6" dur="1" fill="hold">
-                                          <p:stCondLst>
-                                            <p:cond delay="0"/>
-                                          </p:stCondLst>
-                                        </p:cTn>
-                                        <p:tgtEl>
-                                          <p:spTgt spid="494595">
-                                            <p:txEl>
-                                              <p:pRg st="4" end="4"/>
-                                            </p:txEl>
-                                          </p:spTgt>
-                                        </p:tgtEl>
-                                        <p:attrNameLst>
-                                          <p:attrName>style.visibility</p:attrName>
-                                        </p:attrNameLst>
-                                      </p:cBhvr>
-                                      <p:to>
-                                        <p:strVal val="visible"/>
-                                      </p:to>
-                                    </p:set>
-                                  </p:childTnLst>
-                                </p:cTn>
-                              </p:par>
-                            </p:childTnLst>
-                          </p:cTn>
-                        </p:par>
-                      </p:childTnLst>
-                    </p:cTn>
-                  </p:par>
-                </p:childTnLst>
-              </p:cTn>
-              <p:prevCondLst>
-                <p:cond evt="onPrev" delay="0">
-                  <p:tgtEl>
-                    <p:sldTgt/>
-                  </p:tgtEl>
-                </p:cond>
-              </p:prevCondLst>
-              <p:nextCondLst>
-                <p:cond evt="onNext" delay="0">
-                  <p:tgtEl>
-                    <p:sldTgt/>
-                  </p:tgtEl>
-                </p:cond>
-              </p:nextCondLst>
-            </p:seq>
-          </p:childTnLst>
-        </p:cTn>
-      </p:par>
-    </p:tnLst>
-  </p:timing>
-</p:sld>
-</file>
-
-<file path=ppt/slides/slide30.xml><?xml version="1.0" encoding="utf-8"?>
+<file path=ppt/slides/slide32.xml><?xml version="1.0" encoding="utf-8"?>
 <p:sld xmlns:a="http://schemas.openxmlformats.org/drawingml/2006/main" xmlns:r="http://schemas.openxmlformats.org/officeDocument/2006/relationships" xmlns:p="http://schemas.openxmlformats.org/presentationml/2006/main">
   <p:cSld>
     <p:spTree>
@@ -27652,19 +31183,25 @@
             </a:r>
             <a:r>
               <a:rPr lang="en-US" altLang="en-US" dirty="0"/>
-              <a:t>we want to assign non-zero probabilities to such </a:t>
+              <a:t>we want to assign non-zero probabilities to </a:t>
             </a:r>
             <a:r>
               <a:rPr lang="en-US" altLang="en-US" dirty="0" smtClean="0"/>
-              <a:t>words</a:t>
-            </a:r>
+              <a:t>unseen words</a:t>
+            </a:r>
+            <a:endParaRPr lang="en-US" altLang="en-US" dirty="0" smtClean="0"/>
           </a:p>
           <a:p>
             <a:pPr lvl="1"/>
             <a:r>
               <a:rPr lang="en-US" altLang="en-US" dirty="0" smtClean="0"/>
-              <a:t>Unseen words = new words, new bigrams</a:t>
-            </a:r>
+              <a:t>Unseen words = new words, new </a:t>
+            </a:r>
+            <a:r>
+              <a:rPr lang="en-US" altLang="en-US" dirty="0" smtClean="0"/>
+              <a:t>N-grams</a:t>
+            </a:r>
+            <a:endParaRPr lang="en-US" altLang="en-US" dirty="0" smtClean="0"/>
           </a:p>
           <a:p>
             <a:pPr lvl="1"/>
@@ -27789,7 +31326,7 @@
           <a:p>
             <a:fld id="{D4438207-9E20-42FC-82B6-02A8A94D7FE7}" type="slidenum">
               <a:rPr lang="en-US" smtClean="0"/>
-              <a:t>30</a:t>
+              <a:t>32</a:t>
             </a:fld>
             <a:endParaRPr lang="en-US"/>
           </a:p>
@@ -28132,7 +31669,7 @@
 </p:sld>
 </file>
 
-<file path=ppt/slides/slide31.xml><?xml version="1.0" encoding="utf-8"?>
+<file path=ppt/slides/slide33.xml><?xml version="1.0" encoding="utf-8"?>
 <p:sld xmlns:a="http://schemas.openxmlformats.org/drawingml/2006/main" xmlns:r="http://schemas.openxmlformats.org/officeDocument/2006/relationships" xmlns:p="http://schemas.openxmlformats.org/presentationml/2006/main">
   <p:cSld>
     <p:spTree>
@@ -29149,7 +32686,7 @@
           <a:p>
             <a:fld id="{D4438207-9E20-42FC-82B6-02A8A94D7FE7}" type="slidenum">
               <a:rPr lang="en-US" smtClean="0"/>
-              <a:t>31</a:t>
+              <a:t>33</a:t>
             </a:fld>
             <a:endParaRPr lang="en-US"/>
           </a:p>
@@ -30118,7 +33655,7 @@
 </p:sld>
 </file>
 
-<file path=ppt/slides/slide32.xml><?xml version="1.0" encoding="utf-8"?>
+<file path=ppt/slides/slide34.xml><?xml version="1.0" encoding="utf-8"?>
 <p:sld xmlns:a="http://schemas.openxmlformats.org/drawingml/2006/main" xmlns:r="http://schemas.openxmlformats.org/officeDocument/2006/relationships" xmlns:p="http://schemas.openxmlformats.org/presentationml/2006/main">
   <p:cSld>
     <p:spTree>
@@ -30846,7 +34383,7 @@
           <a:p>
             <a:fld id="{D4438207-9E20-42FC-82B6-02A8A94D7FE7}" type="slidenum">
               <a:rPr lang="en-US" smtClean="0"/>
-              <a:t>32</a:t>
+              <a:t>34</a:t>
             </a:fld>
             <a:endParaRPr lang="en-US"/>
           </a:p>
@@ -31217,7 +34754,7 @@
 </p:sld>
 </file>
 
-<file path=ppt/slides/slide33.xml><?xml version="1.0" encoding="utf-8"?>
+<file path=ppt/slides/slide35.xml><?xml version="1.0" encoding="utf-8"?>
 <p:sld xmlns:a="http://schemas.openxmlformats.org/drawingml/2006/main" xmlns:r="http://schemas.openxmlformats.org/officeDocument/2006/relationships" xmlns:p="http://schemas.openxmlformats.org/presentationml/2006/main">
   <p:cSld>
     <p:spTree>
@@ -31322,7 +34859,7 @@
           <a:p>
             <a:fld id="{D4438207-9E20-42FC-82B6-02A8A94D7FE7}" type="slidenum">
               <a:rPr lang="en-US" smtClean="0"/>
-              <a:t>33</a:t>
+              <a:t>35</a:t>
             </a:fld>
             <a:endParaRPr lang="en-US"/>
           </a:p>
@@ -31372,7 +34909,7 @@
 </p:sld>
 </file>
 
-<file path=ppt/slides/slide34.xml><?xml version="1.0" encoding="utf-8"?>
+<file path=ppt/slides/slide36.xml><?xml version="1.0" encoding="utf-8"?>
 <p:sld xmlns:a="http://schemas.openxmlformats.org/drawingml/2006/main" xmlns:r="http://schemas.openxmlformats.org/officeDocument/2006/relationships" xmlns:p="http://schemas.openxmlformats.org/presentationml/2006/main">
   <p:cSld>
     <p:spTree>
@@ -31498,7 +35035,7 @@
           <a:p>
             <a:fld id="{D4438207-9E20-42FC-82B6-02A8A94D7FE7}" type="slidenum">
               <a:rPr lang="en-US" smtClean="0"/>
-              <a:t>34</a:t>
+              <a:t>36</a:t>
             </a:fld>
             <a:endParaRPr lang="en-US"/>
           </a:p>
@@ -31541,14 +35078,89 @@
   <p:timing>
     <p:tnLst>
       <p:par>
-        <p:cTn id="1" dur="indefinite" restart="never" nodeType="tmRoot"/>
+        <p:cTn id="1" dur="indefinite" restart="never" nodeType="tmRoot">
+          <p:childTnLst>
+            <p:seq concurrent="1" nextAc="seek">
+              <p:cTn id="2" dur="indefinite" nodeType="mainSeq">
+                <p:childTnLst>
+                  <p:par>
+                    <p:cTn id="3" fill="hold">
+                      <p:stCondLst>
+                        <p:cond delay="indefinite"/>
+                      </p:stCondLst>
+                      <p:childTnLst>
+                        <p:par>
+                          <p:cTn id="4" fill="hold">
+                            <p:stCondLst>
+                              <p:cond delay="0"/>
+                            </p:stCondLst>
+                            <p:childTnLst>
+                              <p:par>
+                                <p:cTn id="5" presetID="1" presetClass="entr" presetSubtype="0" fill="hold" grpId="0" nodeType="clickEffect">
+                                  <p:stCondLst>
+                                    <p:cond delay="0"/>
+                                  </p:stCondLst>
+                                  <p:childTnLst>
+                                    <p:set>
+                                      <p:cBhvr>
+                                        <p:cTn id="6" dur="1" fill="hold">
+                                          <p:stCondLst>
+                                            <p:cond delay="0"/>
+                                          </p:stCondLst>
+                                        </p:cTn>
+                                        <p:tgtEl>
+                                          <p:spTgt spid="7">
+                                            <p:txEl>
+                                              <p:pRg st="0" end="0"/>
+                                            </p:txEl>
+                                          </p:spTgt>
+                                        </p:tgtEl>
+                                        <p:attrNameLst>
+                                          <p:attrName>style.visibility</p:attrName>
+                                        </p:attrNameLst>
+                                      </p:cBhvr>
+                                      <p:to>
+                                        <p:strVal val="visible"/>
+                                      </p:to>
+                                    </p:set>
+                                  </p:childTnLst>
+                                </p:cTn>
+                              </p:par>
+                            </p:childTnLst>
+                          </p:cTn>
+                        </p:par>
+                      </p:childTnLst>
+                    </p:cTn>
+                  </p:par>
+                </p:childTnLst>
+              </p:cTn>
+              <p:prevCondLst>
+                <p:cond evt="onPrev" delay="0">
+                  <p:tgtEl>
+                    <p:sldTgt/>
+                  </p:tgtEl>
+                </p:cond>
+              </p:prevCondLst>
+              <p:nextCondLst>
+                <p:cond evt="onNext" delay="0">
+                  <p:tgtEl>
+                    <p:sldTgt/>
+                  </p:tgtEl>
+                </p:cond>
+              </p:nextCondLst>
+            </p:seq>
+          </p:childTnLst>
+        </p:cTn>
       </p:par>
     </p:tnLst>
+    <p:bldLst>
+      <p:bldP spid="7" grpId="0" build="p"/>
+    </p:bldLst>
   </p:timing>
 </p:sld>
 </file>
 
-<file path=ppt/slides/slide35.xml><?xml version="1.0" encoding="utf-8"?>
+<file path=ppt/slides/slide37.xml><?xml version="1.0" encoding="utf-8"?>
 <p:sld xmlns:a="http://schemas.openxmlformats.org/drawingml/2006/main" xmlns:r="http://schemas.openxmlformats.org/officeDocument/2006/relationships" xmlns:p="http://schemas.openxmlformats.org/presentationml/2006/main">
   <p:cSld>
     <p:spTree>
@@ -31646,7 +35258,7 @@
           <a:graphicData uri="http://schemas.openxmlformats.org/presentationml/2006/ole">
             <mc:AlternateContent xmlns:mc="http://schemas.openxmlformats.org/markup-compatibility/2006">
               <mc:Choice xmlns:v="urn:schemas-microsoft-com:vml" Requires="v">
-                <p:oleObj spid="_x0000_s12380" name="Equation" r:id="rId3" imgW="2768400" imgH="482400" progId="Equation.DSMT4">
+                <p:oleObj spid="_x0000_s12386" name="Equation" r:id="rId3" imgW="2768400" imgH="482400" progId="Equation.DSMT4">
                   <p:embed/>
                 </p:oleObj>
               </mc:Choice>
@@ -32004,7 +35616,7 @@
             <a:graphicData uri="http://schemas.openxmlformats.org/presentationml/2006/ole">
               <mc:AlternateContent xmlns:mc="http://schemas.openxmlformats.org/markup-compatibility/2006">
                 <mc:Choice xmlns:v="urn:schemas-microsoft-com:vml" Requires="v">
-                  <p:oleObj spid="_x0000_s12381" name="Equation" r:id="rId5" imgW="1574640" imgH="711000" progId="Equation.DSMT4">
+                  <p:oleObj spid="_x0000_s12387" name="Equation" r:id="rId5" imgW="1574640" imgH="711000" progId="Equation.DSMT4">
                     <p:embed/>
                   </p:oleObj>
                 </mc:Choice>
@@ -32169,7 +35781,7 @@
           <a:p>
             <a:fld id="{D4438207-9E20-42FC-82B6-02A8A94D7FE7}" type="slidenum">
               <a:rPr lang="en-US" smtClean="0"/>
-              <a:t>35</a:t>
+              <a:t>37</a:t>
             </a:fld>
             <a:endParaRPr lang="en-US"/>
           </a:p>
@@ -32429,7 +36041,7 @@
 </p:sld>
 </file>
 
-<file path=ppt/slides/slide36.xml><?xml version="1.0" encoding="utf-8"?>
+<file path=ppt/slides/slide38.xml><?xml version="1.0" encoding="utf-8"?>
 <p:sld xmlns:a="http://schemas.openxmlformats.org/drawingml/2006/main" xmlns:r="http://schemas.openxmlformats.org/officeDocument/2006/relationships" xmlns:p="http://schemas.openxmlformats.org/presentationml/2006/main">
   <p:cSld>
     <p:spTree>
@@ -32547,20 +36159,20 @@
               <a:t>see </a:t>
             </a:r>
             <a:r>
+              <a:rPr lang="en-US" altLang="en-US" dirty="0" smtClean="0"/>
+              <a:t>the trigram “Bob </a:t>
+            </a:r>
+            <a:r>
               <a:rPr lang="en-US" altLang="en-US" dirty="0"/>
-              <a:t>“Bob was reading”, but we </a:t>
+              <a:t>was reading”, but we </a:t>
             </a:r>
             <a:r>
               <a:rPr lang="en-US" altLang="en-US" dirty="0" smtClean="0"/>
               <a:t>do see </a:t>
             </a:r>
             <a:r>
-              <a:rPr lang="en-US" altLang="en-US" dirty="0"/>
-              <a:t>“__ was reading</a:t>
-            </a:r>
-            <a:r>
               <a:rPr lang="en-US" altLang="en-US" dirty="0" smtClean="0"/>
-              <a:t>” </a:t>
+              <a:t>the bigram “was reading”</a:t>
             </a:r>
             <a:endParaRPr lang="en-US" altLang="en-US" b="0" dirty="0" smtClean="0"/>
           </a:p>
@@ -32678,7 +36290,7 @@
           <a:p>
             <a:fld id="{D4438207-9E20-42FC-82B6-02A8A94D7FE7}" type="slidenum">
               <a:rPr lang="en-US" smtClean="0"/>
-              <a:t>36</a:t>
+              <a:t>38</a:t>
             </a:fld>
             <a:endParaRPr lang="en-US"/>
           </a:p>
@@ -32728,7 +36340,7 @@
 </p:sld>
 </file>
 
-<file path=ppt/slides/slide37.xml><?xml version="1.0" encoding="utf-8"?>
+<file path=ppt/slides/slide39.xml><?xml version="1.0" encoding="utf-8"?>
 <p:sld xmlns:a="http://schemas.openxmlformats.org/drawingml/2006/main" xmlns:r="http://schemas.openxmlformats.org/officeDocument/2006/relationships" xmlns:p="http://schemas.openxmlformats.org/presentationml/2006/main">
   <p:cSld>
     <p:spTree>
@@ -32971,7 +36583,7 @@
           <a:p>
             <a:fld id="{D4438207-9E20-42FC-82B6-02A8A94D7FE7}" type="slidenum">
               <a:rPr lang="en-US" smtClean="0"/>
-              <a:t>37</a:t>
+              <a:t>39</a:t>
             </a:fld>
             <a:endParaRPr lang="en-US"/>
           </a:p>
@@ -35155,7 +38767,648 @@
 </p:sld>
 </file>
 
-<file path=ppt/slides/slide38.xml><?xml version="1.0" encoding="utf-8"?>
+<file path=ppt/slides/slide4.xml><?xml version="1.0" encoding="utf-8"?>
+<p:sld xmlns:a="http://schemas.openxmlformats.org/drawingml/2006/main" xmlns:r="http://schemas.openxmlformats.org/officeDocument/2006/relationships" xmlns:p="http://schemas.openxmlformats.org/presentationml/2006/main">
+  <p:cSld>
+    <p:spTree>
+      <p:nvGrpSpPr>
+        <p:cNvPr id="1" name=""/>
+        <p:cNvGrpSpPr/>
+        <p:nvPr/>
+      </p:nvGrpSpPr>
+      <p:grpSpPr>
+        <a:xfrm>
+          <a:off x="0" y="0"/>
+          <a:ext cx="0" cy="0"/>
+          <a:chOff x="0" y="0"/>
+          <a:chExt cx="0" cy="0"/>
+        </a:xfrm>
+      </p:grpSpPr>
+      <p:sp>
+        <p:nvSpPr>
+          <p:cNvPr id="495618" name="Rectangle 2"/>
+          <p:cNvSpPr>
+            <a:spLocks noGrp="1" noChangeArrowheads="1"/>
+          </p:cNvSpPr>
+          <p:nvPr>
+            <p:ph type="title"/>
+          </p:nvPr>
+        </p:nvSpPr>
+        <p:spPr/>
+        <p:txBody>
+          <a:bodyPr/>
+          <a:lstStyle/>
+          <a:p>
+            <a:r>
+              <a:rPr lang="en-US" altLang="en-US" dirty="0"/>
+              <a:t>Why is a LM </a:t>
+            </a:r>
+            <a:r>
+              <a:rPr lang="en-US" altLang="en-US" dirty="0" smtClean="0"/>
+              <a:t>useful</a:t>
+            </a:r>
+            <a:r>
+              <a:rPr lang="en-US" altLang="en-US" dirty="0"/>
+              <a:t>?</a:t>
+            </a:r>
+          </a:p>
+        </p:txBody>
+      </p:sp>
+      <p:sp>
+        <p:nvSpPr>
+          <p:cNvPr id="495619" name="Rectangle 3"/>
+          <p:cNvSpPr>
+            <a:spLocks noGrp="1" noChangeArrowheads="1"/>
+          </p:cNvSpPr>
+          <p:nvPr>
+            <p:ph idx="1"/>
+          </p:nvPr>
+        </p:nvSpPr>
+        <p:spPr/>
+        <p:txBody>
+          <a:bodyPr>
+            <a:normAutofit fontScale="92500" lnSpcReduction="20000"/>
+          </a:bodyPr>
+          <a:lstStyle/>
+          <a:p>
+            <a:r>
+              <a:rPr lang="en-US" altLang="en-US" b="0" dirty="0" smtClean="0"/>
+              <a:t>Provide </a:t>
+            </a:r>
+            <a:r>
+              <a:rPr lang="en-US" altLang="en-US" b="0" dirty="0"/>
+              <a:t>a principled way to quantify the uncertainties associated with natural language</a:t>
+            </a:r>
+          </a:p>
+          <a:p>
+            <a:pPr>
+              <a:lnSpc>
+                <a:spcPct val="110000"/>
+              </a:lnSpc>
+              <a:spcBef>
+                <a:spcPct val="50000"/>
+              </a:spcBef>
+            </a:pPr>
+            <a:r>
+              <a:rPr lang="en-US" altLang="en-US" b="0" dirty="0" smtClean="0"/>
+              <a:t>Allow </a:t>
+            </a:r>
+            <a:r>
+              <a:rPr lang="en-US" altLang="en-US" b="0" dirty="0"/>
+              <a:t>us to answer questions like:</a:t>
+            </a:r>
+          </a:p>
+          <a:p>
+            <a:pPr lvl="1">
+              <a:lnSpc>
+                <a:spcPct val="110000"/>
+              </a:lnSpc>
+              <a:spcBef>
+                <a:spcPts val="0"/>
+              </a:spcBef>
+            </a:pPr>
+            <a:r>
+              <a:rPr lang="en-US" altLang="en-US" sz="2400" dirty="0"/>
+              <a:t>Given that we see “</a:t>
+            </a:r>
+            <a:r>
+              <a:rPr lang="en-US" altLang="en-US" sz="2400" i="1" dirty="0">
+                <a:latin typeface="Times New Roman" panose="02020603050405020304" pitchFamily="18" charset="0"/>
+              </a:rPr>
+              <a:t>John</a:t>
+            </a:r>
+            <a:r>
+              <a:rPr lang="en-US" altLang="en-US" sz="2400" dirty="0"/>
+              <a:t>” and “</a:t>
+            </a:r>
+            <a:r>
+              <a:rPr lang="en-US" altLang="en-US" sz="2400" i="1" dirty="0">
+                <a:latin typeface="Times New Roman" panose="02020603050405020304" pitchFamily="18" charset="0"/>
+              </a:rPr>
+              <a:t>feels</a:t>
+            </a:r>
+            <a:r>
+              <a:rPr lang="en-US" altLang="en-US" sz="2400" dirty="0"/>
+              <a:t>”, how likely will we see “</a:t>
+            </a:r>
+            <a:r>
+              <a:rPr lang="en-US" altLang="en-US" sz="2400" i="1" dirty="0">
+                <a:latin typeface="Times New Roman" panose="02020603050405020304" pitchFamily="18" charset="0"/>
+              </a:rPr>
+              <a:t>happy</a:t>
+            </a:r>
+            <a:r>
+              <a:rPr lang="en-US" altLang="en-US" sz="2400" dirty="0"/>
+              <a:t>” as opposed to “</a:t>
+            </a:r>
+            <a:r>
+              <a:rPr lang="en-US" altLang="en-US" sz="2400" i="1" dirty="0">
+                <a:latin typeface="Times New Roman" panose="02020603050405020304" pitchFamily="18" charset="0"/>
+              </a:rPr>
+              <a:t>habit</a:t>
+            </a:r>
+            <a:r>
+              <a:rPr lang="en-US" altLang="en-US" sz="2400" dirty="0"/>
+              <a:t>” as the next word?          </a:t>
+            </a:r>
+            <a:endParaRPr lang="en-US" altLang="en-US" sz="2400" dirty="0" smtClean="0"/>
+          </a:p>
+          <a:p>
+            <a:pPr marL="457200" lvl="1" indent="0">
+              <a:buNone/>
+            </a:pPr>
+            <a:r>
+              <a:rPr lang="en-US" altLang="en-US" sz="2400" dirty="0"/>
+              <a:t>     (</a:t>
+            </a:r>
+            <a:r>
+              <a:rPr lang="en-US" altLang="en-US" sz="2400" dirty="0">
+                <a:solidFill>
+                  <a:srgbClr val="FF0000"/>
+                </a:solidFill>
+              </a:rPr>
+              <a:t>speech recognition</a:t>
+            </a:r>
+            <a:r>
+              <a:rPr lang="en-US" altLang="en-US" sz="2400" dirty="0"/>
+              <a:t>)</a:t>
+            </a:r>
+          </a:p>
+          <a:p>
+            <a:pPr lvl="1"/>
+            <a:r>
+              <a:rPr lang="en-US" altLang="en-US" sz="2400" dirty="0"/>
+              <a:t>Given that we observe “baseball” three times and “game” once in a news article, how likely is it about “sports</a:t>
+            </a:r>
+            <a:r>
+              <a:rPr lang="en-US" altLang="en-US" sz="2400" dirty="0" smtClean="0"/>
+              <a:t>” </a:t>
+            </a:r>
+            <a:r>
+              <a:rPr lang="en-US" altLang="en-US" sz="2400" dirty="0" err="1" smtClean="0"/>
+              <a:t>v.s</a:t>
+            </a:r>
+            <a:r>
+              <a:rPr lang="en-US" altLang="en-US" sz="2400" dirty="0" smtClean="0"/>
+              <a:t>. “politics”?         </a:t>
+            </a:r>
+          </a:p>
+          <a:p>
+            <a:pPr marL="457200" lvl="1" indent="0">
+              <a:buNone/>
+            </a:pPr>
+            <a:r>
+              <a:rPr lang="en-US" altLang="en-US" sz="2400" dirty="0"/>
+              <a:t> </a:t>
+            </a:r>
+            <a:r>
+              <a:rPr lang="en-US" altLang="en-US" sz="2400" dirty="0" smtClean="0"/>
+              <a:t>    (</a:t>
+            </a:r>
+            <a:r>
+              <a:rPr lang="en-US" altLang="en-US" sz="2400" dirty="0">
+                <a:solidFill>
+                  <a:srgbClr val="FF0000"/>
+                </a:solidFill>
+              </a:rPr>
+              <a:t>text </a:t>
+            </a:r>
+            <a:r>
+              <a:rPr lang="en-US" altLang="en-US" sz="2400" dirty="0" smtClean="0">
+                <a:solidFill>
+                  <a:srgbClr val="FF0000"/>
+                </a:solidFill>
+              </a:rPr>
+              <a:t>categorization</a:t>
+            </a:r>
+            <a:r>
+              <a:rPr lang="en-US" altLang="en-US" sz="2400" dirty="0" smtClean="0"/>
+              <a:t>)</a:t>
+            </a:r>
+            <a:endParaRPr lang="en-US" altLang="en-US" sz="2400" dirty="0"/>
+          </a:p>
+          <a:p>
+            <a:pPr lvl="1"/>
+            <a:r>
+              <a:rPr lang="en-US" altLang="en-US" sz="2400" dirty="0"/>
+              <a:t>Given that a user is interested in sports news, how likely would the user use “baseball” in a query? </a:t>
+            </a:r>
+            <a:endParaRPr lang="en-US" altLang="en-US" sz="2400" dirty="0" smtClean="0"/>
+          </a:p>
+          <a:p>
+            <a:pPr marL="457200" lvl="1" indent="0">
+              <a:buNone/>
+            </a:pPr>
+            <a:r>
+              <a:rPr lang="en-US" altLang="en-US" sz="2400" dirty="0"/>
+              <a:t> </a:t>
+            </a:r>
+            <a:r>
+              <a:rPr lang="en-US" altLang="en-US" sz="2400" dirty="0" smtClean="0"/>
+              <a:t>    (</a:t>
+            </a:r>
+            <a:r>
+              <a:rPr lang="en-US" altLang="en-US" sz="2400" dirty="0">
+                <a:solidFill>
+                  <a:srgbClr val="FF0000"/>
+                </a:solidFill>
+              </a:rPr>
+              <a:t>information retrieval</a:t>
+            </a:r>
+            <a:r>
+              <a:rPr lang="en-US" altLang="en-US" sz="2400" dirty="0"/>
+              <a:t>)</a:t>
+            </a:r>
+          </a:p>
+          <a:p>
+            <a:endParaRPr lang="en-US" altLang="en-US" b="0" dirty="0"/>
+          </a:p>
+        </p:txBody>
+      </p:sp>
+      <p:sp>
+        <p:nvSpPr>
+          <p:cNvPr id="5" name="Date Placeholder 4"/>
+          <p:cNvSpPr>
+            <a:spLocks noGrp="1"/>
+          </p:cNvSpPr>
+          <p:nvPr>
+            <p:ph type="dt" sz="half" idx="10"/>
+          </p:nvPr>
+        </p:nvSpPr>
+        <p:spPr/>
+        <p:txBody>
+          <a:bodyPr/>
+          <a:lstStyle/>
+          <a:p>
+            <a:r>
+              <a:rPr lang="en-US" smtClean="0"/>
+              <a:t>CS@UVa</a:t>
+            </a:r>
+            <a:endParaRPr lang="en-US"/>
+          </a:p>
+        </p:txBody>
+      </p:sp>
+      <p:sp>
+        <p:nvSpPr>
+          <p:cNvPr id="6" name="Footer Placeholder 5"/>
+          <p:cNvSpPr>
+            <a:spLocks noGrp="1"/>
+          </p:cNvSpPr>
+          <p:nvPr>
+            <p:ph type="ftr" sz="quarter" idx="11"/>
+          </p:nvPr>
+        </p:nvSpPr>
+        <p:spPr/>
+        <p:txBody>
+          <a:bodyPr/>
+          <a:lstStyle/>
+          <a:p>
+            <a:r>
+              <a:rPr lang="en-US" smtClean="0"/>
+              <a:t>CS 6501: Text Mining</a:t>
+            </a:r>
+            <a:endParaRPr lang="en-US"/>
+          </a:p>
+        </p:txBody>
+      </p:sp>
+      <p:sp>
+        <p:nvSpPr>
+          <p:cNvPr id="7" name="Slide Number Placeholder 6"/>
+          <p:cNvSpPr>
+            <a:spLocks noGrp="1"/>
+          </p:cNvSpPr>
+          <p:nvPr>
+            <p:ph type="sldNum" sz="quarter" idx="12"/>
+          </p:nvPr>
+        </p:nvSpPr>
+        <p:spPr/>
+        <p:txBody>
+          <a:bodyPr/>
+          <a:lstStyle/>
+          <a:p>
+            <a:fld id="{D4438207-9E20-42FC-82B6-02A8A94D7FE7}" type="slidenum">
+              <a:rPr lang="en-US" smtClean="0"/>
+              <a:t>4</a:t>
+            </a:fld>
+            <a:endParaRPr lang="en-US"/>
+          </a:p>
+        </p:txBody>
+      </p:sp>
+    </p:spTree>
+    <p:extLst>
+      <p:ext uri="{BB962C8B-B14F-4D97-AF65-F5344CB8AC3E}">
+        <p14:creationId xmlns:p14="http://schemas.microsoft.com/office/powerpoint/2010/main" val="1085887633"/>
+      </p:ext>
+    </p:extLst>
+  </p:cSld>
+  <p:clrMapOvr>
+    <a:masterClrMapping/>
+  </p:clrMapOvr>
+  <p:timing>
+    <p:tnLst>
+      <p:par>
+        <p:cTn id="1" dur="indefinite" restart="never" nodeType="tmRoot">
+          <p:childTnLst>
+            <p:seq concurrent="1" nextAc="seek">
+              <p:cTn id="2" dur="indefinite" nodeType="mainSeq">
+                <p:childTnLst>
+                  <p:par>
+                    <p:cTn id="3" fill="hold">
+                      <p:stCondLst>
+                        <p:cond delay="indefinite"/>
+                      </p:stCondLst>
+                      <p:childTnLst>
+                        <p:par>
+                          <p:cTn id="4" fill="hold">
+                            <p:stCondLst>
+                              <p:cond delay="0"/>
+                            </p:stCondLst>
+                            <p:childTnLst>
+                              <p:par>
+                                <p:cTn id="5" presetID="1" presetClass="entr" presetSubtype="0" fill="hold" nodeType="clickEffect">
+                                  <p:stCondLst>
+                                    <p:cond delay="0"/>
+                                  </p:stCondLst>
+                                  <p:childTnLst>
+                                    <p:set>
+                                      <p:cBhvr>
+                                        <p:cTn id="6" dur="1" fill="hold">
+                                          <p:stCondLst>
+                                            <p:cond delay="0"/>
+                                          </p:stCondLst>
+                                        </p:cTn>
+                                        <p:tgtEl>
+                                          <p:spTgt spid="495619">
+                                            <p:txEl>
+                                              <p:pRg st="1" end="1"/>
+                                            </p:txEl>
+                                          </p:spTgt>
+                                        </p:tgtEl>
+                                        <p:attrNameLst>
+                                          <p:attrName>style.visibility</p:attrName>
+                                        </p:attrNameLst>
+                                      </p:cBhvr>
+                                      <p:to>
+                                        <p:strVal val="visible"/>
+                                      </p:to>
+                                    </p:set>
+                                  </p:childTnLst>
+                                </p:cTn>
+                              </p:par>
+                              <p:par>
+                                <p:cTn id="7" presetID="1" presetClass="entr" presetSubtype="0" fill="hold" nodeType="withEffect">
+                                  <p:stCondLst>
+                                    <p:cond delay="0"/>
+                                  </p:stCondLst>
+                                  <p:childTnLst>
+                                    <p:set>
+                                      <p:cBhvr>
+                                        <p:cTn id="8" dur="1" fill="hold">
+                                          <p:stCondLst>
+                                            <p:cond delay="0"/>
+                                          </p:stCondLst>
+                                        </p:cTn>
+                                        <p:tgtEl>
+                                          <p:spTgt spid="495619">
+                                            <p:txEl>
+                                              <p:pRg st="2" end="2"/>
+                                            </p:txEl>
+                                          </p:spTgt>
+                                        </p:tgtEl>
+                                        <p:attrNameLst>
+                                          <p:attrName>style.visibility</p:attrName>
+                                        </p:attrNameLst>
+                                      </p:cBhvr>
+                                      <p:to>
+                                        <p:strVal val="visible"/>
+                                      </p:to>
+                                    </p:set>
+                                  </p:childTnLst>
+                                </p:cTn>
+                              </p:par>
+                              <p:par>
+                                <p:cTn id="9" presetID="1" presetClass="entr" presetSubtype="0" fill="hold" nodeType="withEffect">
+                                  <p:stCondLst>
+                                    <p:cond delay="0"/>
+                                  </p:stCondLst>
+                                  <p:childTnLst>
+                                    <p:set>
+                                      <p:cBhvr>
+                                        <p:cTn id="10" dur="1" fill="hold">
+                                          <p:stCondLst>
+                                            <p:cond delay="0"/>
+                                          </p:stCondLst>
+                                        </p:cTn>
+                                        <p:tgtEl>
+                                          <p:spTgt spid="495619">
+                                            <p:txEl>
+                                              <p:pRg st="3" end="3"/>
+                                            </p:txEl>
+                                          </p:spTgt>
+                                        </p:tgtEl>
+                                        <p:attrNameLst>
+                                          <p:attrName>style.visibility</p:attrName>
+                                        </p:attrNameLst>
+                                      </p:cBhvr>
+                                      <p:to>
+                                        <p:strVal val="visible"/>
+                                      </p:to>
+                                    </p:set>
+                                  </p:childTnLst>
+                                </p:cTn>
+                              </p:par>
+                            </p:childTnLst>
+                          </p:cTn>
+                        </p:par>
+                      </p:childTnLst>
+                    </p:cTn>
+                  </p:par>
+                  <p:par>
+                    <p:cTn id="11" fill="hold">
+                      <p:stCondLst>
+                        <p:cond delay="indefinite"/>
+                      </p:stCondLst>
+                      <p:childTnLst>
+                        <p:par>
+                          <p:cTn id="12" fill="hold">
+                            <p:stCondLst>
+                              <p:cond delay="0"/>
+                            </p:stCondLst>
+                            <p:childTnLst>
+                              <p:par>
+                                <p:cTn id="13" presetID="1" presetClass="entr" presetSubtype="0" fill="hold" nodeType="clickEffect">
+                                  <p:stCondLst>
+                                    <p:cond delay="0"/>
+                                  </p:stCondLst>
+                                  <p:childTnLst>
+                                    <p:set>
+                                      <p:cBhvr>
+                                        <p:cTn id="14" dur="1" fill="hold">
+                                          <p:stCondLst>
+                                            <p:cond delay="0"/>
+                                          </p:stCondLst>
+                                        </p:cTn>
+                                        <p:tgtEl>
+                                          <p:spTgt spid="495619">
+                                            <p:txEl>
+                                              <p:pRg st="4" end="4"/>
+                                            </p:txEl>
+                                          </p:spTgt>
+                                        </p:tgtEl>
+                                        <p:attrNameLst>
+                                          <p:attrName>style.visibility</p:attrName>
+                                        </p:attrNameLst>
+                                      </p:cBhvr>
+                                      <p:to>
+                                        <p:strVal val="visible"/>
+                                      </p:to>
+                                    </p:set>
+                                  </p:childTnLst>
+                                </p:cTn>
+                              </p:par>
+                              <p:par>
+                                <p:cTn id="15" presetID="1" presetClass="entr" presetSubtype="0" fill="hold" nodeType="withEffect">
+                                  <p:stCondLst>
+                                    <p:cond delay="0"/>
+                                  </p:stCondLst>
+                                  <p:childTnLst>
+                                    <p:set>
+                                      <p:cBhvr>
+                                        <p:cTn id="16" dur="1" fill="hold">
+                                          <p:stCondLst>
+                                            <p:cond delay="0"/>
+                                          </p:stCondLst>
+                                        </p:cTn>
+                                        <p:tgtEl>
+                                          <p:spTgt spid="495619">
+                                            <p:txEl>
+                                              <p:pRg st="5" end="5"/>
+                                            </p:txEl>
+                                          </p:spTgt>
+                                        </p:tgtEl>
+                                        <p:attrNameLst>
+                                          <p:attrName>style.visibility</p:attrName>
+                                        </p:attrNameLst>
+                                      </p:cBhvr>
+                                      <p:to>
+                                        <p:strVal val="visible"/>
+                                      </p:to>
+                                    </p:set>
+                                  </p:childTnLst>
+                                </p:cTn>
+                              </p:par>
+                            </p:childTnLst>
+                          </p:cTn>
+                        </p:par>
+                      </p:childTnLst>
+                    </p:cTn>
+                  </p:par>
+                  <p:par>
+                    <p:cTn id="17" fill="hold">
+                      <p:stCondLst>
+                        <p:cond delay="indefinite"/>
+                      </p:stCondLst>
+                      <p:childTnLst>
+                        <p:par>
+                          <p:cTn id="18" fill="hold">
+                            <p:stCondLst>
+                              <p:cond delay="0"/>
+                            </p:stCondLst>
+                            <p:childTnLst>
+                              <p:par>
+                                <p:cTn id="19" presetID="1" presetClass="entr" presetSubtype="0" fill="hold" nodeType="clickEffect">
+                                  <p:stCondLst>
+                                    <p:cond delay="0"/>
+                                  </p:stCondLst>
+                                  <p:childTnLst>
+                                    <p:set>
+                                      <p:cBhvr>
+                                        <p:cTn id="20" dur="1" fill="hold">
+                                          <p:stCondLst>
+                                            <p:cond delay="0"/>
+                                          </p:stCondLst>
+                                        </p:cTn>
+                                        <p:tgtEl>
+                                          <p:spTgt spid="495619">
+                                            <p:txEl>
+                                              <p:pRg st="6" end="6"/>
+                                            </p:txEl>
+                                          </p:spTgt>
+                                        </p:tgtEl>
+                                        <p:attrNameLst>
+                                          <p:attrName>style.visibility</p:attrName>
+                                        </p:attrNameLst>
+                                      </p:cBhvr>
+                                      <p:to>
+                                        <p:strVal val="visible"/>
+                                      </p:to>
+                                    </p:set>
+                                  </p:childTnLst>
+                                </p:cTn>
+                              </p:par>
+                              <p:par>
+                                <p:cTn id="21" presetID="1" presetClass="entr" presetSubtype="0" fill="hold" nodeType="withEffect">
+                                  <p:stCondLst>
+                                    <p:cond delay="0"/>
+                                  </p:stCondLst>
+                                  <p:childTnLst>
+                                    <p:set>
+                                      <p:cBhvr>
+                                        <p:cTn id="22" dur="1" fill="hold">
+                                          <p:stCondLst>
+                                            <p:cond delay="0"/>
+                                          </p:stCondLst>
+                                        </p:cTn>
+                                        <p:tgtEl>
+                                          <p:spTgt spid="495619">
+                                            <p:txEl>
+                                              <p:pRg st="7" end="7"/>
+                                            </p:txEl>
+                                          </p:spTgt>
+                                        </p:tgtEl>
+                                        <p:attrNameLst>
+                                          <p:attrName>style.visibility</p:attrName>
+                                        </p:attrNameLst>
+                                      </p:cBhvr>
+                                      <p:to>
+                                        <p:strVal val="visible"/>
+                                      </p:to>
+                                    </p:set>
+                                  </p:childTnLst>
+                                </p:cTn>
+                              </p:par>
+                            </p:childTnLst>
+                          </p:cTn>
+                        </p:par>
+                      </p:childTnLst>
+                    </p:cTn>
+                  </p:par>
+                </p:childTnLst>
+              </p:cTn>
+              <p:prevCondLst>
+                <p:cond evt="onPrev" delay="0">
+                  <p:tgtEl>
+                    <p:sldTgt/>
+                  </p:tgtEl>
+                </p:cond>
+              </p:prevCondLst>
+              <p:nextCondLst>
+                <p:cond evt="onNext" delay="0">
+                  <p:tgtEl>
+                    <p:sldTgt/>
+                  </p:tgtEl>
+                </p:cond>
+              </p:nextCondLst>
+            </p:seq>
+          </p:childTnLst>
+        </p:cTn>
+      </p:par>
+    </p:tnLst>
+  </p:timing>
+</p:sld>
+</file>
+
+<file path=ppt/slides/slide40.xml><?xml version="1.0" encoding="utf-8"?>
 <p:sld xmlns:a="http://schemas.openxmlformats.org/drawingml/2006/main" xmlns:r="http://schemas.openxmlformats.org/officeDocument/2006/relationships" xmlns:p="http://schemas.openxmlformats.org/presentationml/2006/main">
   <p:cSld>
     <p:spTree>
@@ -35486,7 +39739,7 @@
           <a:p>
             <a:fld id="{D4438207-9E20-42FC-82B6-02A8A94D7FE7}" type="slidenum">
               <a:rPr lang="en-US" smtClean="0"/>
-              <a:t>38</a:t>
+              <a:t>40</a:t>
             </a:fld>
             <a:endParaRPr lang="en-US"/>
           </a:p>
@@ -35669,7 +39922,7 @@
 </p:sld>
 </file>
 
-<file path=ppt/slides/slide39.xml><?xml version="1.0" encoding="utf-8"?>
+<file path=ppt/slides/slide41.xml><?xml version="1.0" encoding="utf-8"?>
 <p:sld xmlns:a="http://schemas.openxmlformats.org/drawingml/2006/main" xmlns:r="http://schemas.openxmlformats.org/officeDocument/2006/relationships" xmlns:p="http://schemas.openxmlformats.org/presentationml/2006/main">
   <p:cSld>
     <p:spTree>
@@ -36511,7 +40764,7 @@
           <a:p>
             <a:fld id="{D4438207-9E20-42FC-82B6-02A8A94D7FE7}" type="slidenum">
               <a:rPr lang="en-US" smtClean="0"/>
-              <a:t>39</a:t>
+              <a:t>41</a:t>
             </a:fld>
             <a:endParaRPr lang="en-US"/>
           </a:p>
@@ -37655,648 +41908,7 @@
 </p:sld>
 </file>
 
-<file path=ppt/slides/slide4.xml><?xml version="1.0" encoding="utf-8"?>
-<p:sld xmlns:a="http://schemas.openxmlformats.org/drawingml/2006/main" xmlns:r="http://schemas.openxmlformats.org/officeDocument/2006/relationships" xmlns:p="http://schemas.openxmlformats.org/presentationml/2006/main">
-  <p:cSld>
-    <p:spTree>
-      <p:nvGrpSpPr>
-        <p:cNvPr id="1" name=""/>
-        <p:cNvGrpSpPr/>
-        <p:nvPr/>
-      </p:nvGrpSpPr>
-      <p:grpSpPr>
-        <a:xfrm>
-          <a:off x="0" y="0"/>
-          <a:ext cx="0" cy="0"/>
-          <a:chOff x="0" y="0"/>
-          <a:chExt cx="0" cy="0"/>
-        </a:xfrm>
-      </p:grpSpPr>
-      <p:sp>
-        <p:nvSpPr>
-          <p:cNvPr id="495618" name="Rectangle 2"/>
-          <p:cNvSpPr>
-            <a:spLocks noGrp="1" noChangeArrowheads="1"/>
-          </p:cNvSpPr>
-          <p:nvPr>
-            <p:ph type="title"/>
-          </p:nvPr>
-        </p:nvSpPr>
-        <p:spPr/>
-        <p:txBody>
-          <a:bodyPr/>
-          <a:lstStyle/>
-          <a:p>
-            <a:r>
-              <a:rPr lang="en-US" altLang="en-US" dirty="0"/>
-              <a:t>Why is a LM </a:t>
-            </a:r>
-            <a:r>
-              <a:rPr lang="en-US" altLang="en-US" dirty="0" smtClean="0"/>
-              <a:t>useful</a:t>
-            </a:r>
-            <a:r>
-              <a:rPr lang="en-US" altLang="en-US" dirty="0"/>
-              <a:t>?</a:t>
-            </a:r>
-          </a:p>
-        </p:txBody>
-      </p:sp>
-      <p:sp>
-        <p:nvSpPr>
-          <p:cNvPr id="495619" name="Rectangle 3"/>
-          <p:cNvSpPr>
-            <a:spLocks noGrp="1" noChangeArrowheads="1"/>
-          </p:cNvSpPr>
-          <p:nvPr>
-            <p:ph idx="1"/>
-          </p:nvPr>
-        </p:nvSpPr>
-        <p:spPr/>
-        <p:txBody>
-          <a:bodyPr>
-            <a:normAutofit fontScale="92500" lnSpcReduction="20000"/>
-          </a:bodyPr>
-          <a:lstStyle/>
-          <a:p>
-            <a:r>
-              <a:rPr lang="en-US" altLang="en-US" b="0" dirty="0" smtClean="0"/>
-              <a:t>Provide </a:t>
-            </a:r>
-            <a:r>
-              <a:rPr lang="en-US" altLang="en-US" b="0" dirty="0"/>
-              <a:t>a principled way to quantify the uncertainties associated with natural language</a:t>
-            </a:r>
-          </a:p>
-          <a:p>
-            <a:pPr>
-              <a:lnSpc>
-                <a:spcPct val="110000"/>
-              </a:lnSpc>
-              <a:spcBef>
-                <a:spcPct val="50000"/>
-              </a:spcBef>
-            </a:pPr>
-            <a:r>
-              <a:rPr lang="en-US" altLang="en-US" b="0" dirty="0" smtClean="0"/>
-              <a:t>Allow </a:t>
-            </a:r>
-            <a:r>
-              <a:rPr lang="en-US" altLang="en-US" b="0" dirty="0"/>
-              <a:t>us to answer questions like:</a:t>
-            </a:r>
-          </a:p>
-          <a:p>
-            <a:pPr lvl="1">
-              <a:lnSpc>
-                <a:spcPct val="110000"/>
-              </a:lnSpc>
-              <a:spcBef>
-                <a:spcPts val="0"/>
-              </a:spcBef>
-            </a:pPr>
-            <a:r>
-              <a:rPr lang="en-US" altLang="en-US" sz="2400" dirty="0"/>
-              <a:t>Given that we see “</a:t>
-            </a:r>
-            <a:r>
-              <a:rPr lang="en-US" altLang="en-US" sz="2400" i="1" dirty="0">
-                <a:latin typeface="Times New Roman" panose="02020603050405020304" pitchFamily="18" charset="0"/>
-              </a:rPr>
-              <a:t>John</a:t>
-            </a:r>
-            <a:r>
-              <a:rPr lang="en-US" altLang="en-US" sz="2400" dirty="0"/>
-              <a:t>” and “</a:t>
-            </a:r>
-            <a:r>
-              <a:rPr lang="en-US" altLang="en-US" sz="2400" i="1" dirty="0">
-                <a:latin typeface="Times New Roman" panose="02020603050405020304" pitchFamily="18" charset="0"/>
-              </a:rPr>
-              <a:t>feels</a:t>
-            </a:r>
-            <a:r>
-              <a:rPr lang="en-US" altLang="en-US" sz="2400" dirty="0"/>
-              <a:t>”, how likely will we see “</a:t>
-            </a:r>
-            <a:r>
-              <a:rPr lang="en-US" altLang="en-US" sz="2400" i="1" dirty="0">
-                <a:latin typeface="Times New Roman" panose="02020603050405020304" pitchFamily="18" charset="0"/>
-              </a:rPr>
-              <a:t>happy</a:t>
-            </a:r>
-            <a:r>
-              <a:rPr lang="en-US" altLang="en-US" sz="2400" dirty="0"/>
-              <a:t>” as opposed to “</a:t>
-            </a:r>
-            <a:r>
-              <a:rPr lang="en-US" altLang="en-US" sz="2400" i="1" dirty="0">
-                <a:latin typeface="Times New Roman" panose="02020603050405020304" pitchFamily="18" charset="0"/>
-              </a:rPr>
-              <a:t>habit</a:t>
-            </a:r>
-            <a:r>
-              <a:rPr lang="en-US" altLang="en-US" sz="2400" dirty="0"/>
-              <a:t>” as the next word?          </a:t>
-            </a:r>
-            <a:endParaRPr lang="en-US" altLang="en-US" sz="2400" dirty="0" smtClean="0"/>
-          </a:p>
-          <a:p>
-            <a:pPr marL="457200" lvl="1" indent="0">
-              <a:buNone/>
-            </a:pPr>
-            <a:r>
-              <a:rPr lang="en-US" altLang="en-US" sz="2400" dirty="0"/>
-              <a:t>     (</a:t>
-            </a:r>
-            <a:r>
-              <a:rPr lang="en-US" altLang="en-US" sz="2400" dirty="0">
-                <a:solidFill>
-                  <a:srgbClr val="FF0000"/>
-                </a:solidFill>
-              </a:rPr>
-              <a:t>speech recognition</a:t>
-            </a:r>
-            <a:r>
-              <a:rPr lang="en-US" altLang="en-US" sz="2400" dirty="0"/>
-              <a:t>)</a:t>
-            </a:r>
-          </a:p>
-          <a:p>
-            <a:pPr lvl="1"/>
-            <a:r>
-              <a:rPr lang="en-US" altLang="en-US" sz="2400" dirty="0"/>
-              <a:t>Given that we observe “baseball” three times and “game” once in a news article, how likely is it about “sports</a:t>
-            </a:r>
-            <a:r>
-              <a:rPr lang="en-US" altLang="en-US" sz="2400" dirty="0" smtClean="0"/>
-              <a:t>” </a:t>
-            </a:r>
-            <a:r>
-              <a:rPr lang="en-US" altLang="en-US" sz="2400" dirty="0" err="1" smtClean="0"/>
-              <a:t>v.s</a:t>
-            </a:r>
-            <a:r>
-              <a:rPr lang="en-US" altLang="en-US" sz="2400" dirty="0" smtClean="0"/>
-              <a:t>. “politics”?         </a:t>
-            </a:r>
-          </a:p>
-          <a:p>
-            <a:pPr marL="457200" lvl="1" indent="0">
-              <a:buNone/>
-            </a:pPr>
-            <a:r>
-              <a:rPr lang="en-US" altLang="en-US" sz="2400" dirty="0"/>
-              <a:t> </a:t>
-            </a:r>
-            <a:r>
-              <a:rPr lang="en-US" altLang="en-US" sz="2400" dirty="0" smtClean="0"/>
-              <a:t>    (</a:t>
-            </a:r>
-            <a:r>
-              <a:rPr lang="en-US" altLang="en-US" sz="2400" dirty="0">
-                <a:solidFill>
-                  <a:srgbClr val="FF0000"/>
-                </a:solidFill>
-              </a:rPr>
-              <a:t>text </a:t>
-            </a:r>
-            <a:r>
-              <a:rPr lang="en-US" altLang="en-US" sz="2400" dirty="0" smtClean="0">
-                <a:solidFill>
-                  <a:srgbClr val="FF0000"/>
-                </a:solidFill>
-              </a:rPr>
-              <a:t>categorization</a:t>
-            </a:r>
-            <a:r>
-              <a:rPr lang="en-US" altLang="en-US" sz="2400" dirty="0" smtClean="0"/>
-              <a:t>)</a:t>
-            </a:r>
-            <a:endParaRPr lang="en-US" altLang="en-US" sz="2400" dirty="0"/>
-          </a:p>
-          <a:p>
-            <a:pPr lvl="1"/>
-            <a:r>
-              <a:rPr lang="en-US" altLang="en-US" sz="2400" dirty="0"/>
-              <a:t>Given that a user is interested in sports news, how likely would the user use “baseball” in a query? </a:t>
-            </a:r>
-            <a:endParaRPr lang="en-US" altLang="en-US" sz="2400" dirty="0" smtClean="0"/>
-          </a:p>
-          <a:p>
-            <a:pPr marL="457200" lvl="1" indent="0">
-              <a:buNone/>
-            </a:pPr>
-            <a:r>
-              <a:rPr lang="en-US" altLang="en-US" sz="2400" dirty="0"/>
-              <a:t> </a:t>
-            </a:r>
-            <a:r>
-              <a:rPr lang="en-US" altLang="en-US" sz="2400" dirty="0" smtClean="0"/>
-              <a:t>    (</a:t>
-            </a:r>
-            <a:r>
-              <a:rPr lang="en-US" altLang="en-US" sz="2400" dirty="0">
-                <a:solidFill>
-                  <a:srgbClr val="FF0000"/>
-                </a:solidFill>
-              </a:rPr>
-              <a:t>information retrieval</a:t>
-            </a:r>
-            <a:r>
-              <a:rPr lang="en-US" altLang="en-US" sz="2400" dirty="0"/>
-              <a:t>)</a:t>
-            </a:r>
-          </a:p>
-          <a:p>
-            <a:endParaRPr lang="en-US" altLang="en-US" b="0" dirty="0"/>
-          </a:p>
-        </p:txBody>
-      </p:sp>
-      <p:sp>
-        <p:nvSpPr>
-          <p:cNvPr id="5" name="Date Placeholder 4"/>
-          <p:cNvSpPr>
-            <a:spLocks noGrp="1"/>
-          </p:cNvSpPr>
-          <p:nvPr>
-            <p:ph type="dt" sz="half" idx="10"/>
-          </p:nvPr>
-        </p:nvSpPr>
-        <p:spPr/>
-        <p:txBody>
-          <a:bodyPr/>
-          <a:lstStyle/>
-          <a:p>
-            <a:r>
-              <a:rPr lang="en-US" smtClean="0"/>
-              <a:t>CS@UVa</a:t>
-            </a:r>
-            <a:endParaRPr lang="en-US"/>
-          </a:p>
-        </p:txBody>
-      </p:sp>
-      <p:sp>
-        <p:nvSpPr>
-          <p:cNvPr id="6" name="Footer Placeholder 5"/>
-          <p:cNvSpPr>
-            <a:spLocks noGrp="1"/>
-          </p:cNvSpPr>
-          <p:nvPr>
-            <p:ph type="ftr" sz="quarter" idx="11"/>
-          </p:nvPr>
-        </p:nvSpPr>
-        <p:spPr/>
-        <p:txBody>
-          <a:bodyPr/>
-          <a:lstStyle/>
-          <a:p>
-            <a:r>
-              <a:rPr lang="en-US" smtClean="0"/>
-              <a:t>CS 6501: Text Mining</a:t>
-            </a:r>
-            <a:endParaRPr lang="en-US"/>
-          </a:p>
-        </p:txBody>
-      </p:sp>
-      <p:sp>
-        <p:nvSpPr>
-          <p:cNvPr id="7" name="Slide Number Placeholder 6"/>
-          <p:cNvSpPr>
-            <a:spLocks noGrp="1"/>
-          </p:cNvSpPr>
-          <p:nvPr>
-            <p:ph type="sldNum" sz="quarter" idx="12"/>
-          </p:nvPr>
-        </p:nvSpPr>
-        <p:spPr/>
-        <p:txBody>
-          <a:bodyPr/>
-          <a:lstStyle/>
-          <a:p>
-            <a:fld id="{D4438207-9E20-42FC-82B6-02A8A94D7FE7}" type="slidenum">
-              <a:rPr lang="en-US" smtClean="0"/>
-              <a:t>4</a:t>
-            </a:fld>
-            <a:endParaRPr lang="en-US"/>
-          </a:p>
-        </p:txBody>
-      </p:sp>
-    </p:spTree>
-    <p:extLst>
-      <p:ext uri="{BB962C8B-B14F-4D97-AF65-F5344CB8AC3E}">
-        <p14:creationId xmlns:p14="http://schemas.microsoft.com/office/powerpoint/2010/main" val="1085887633"/>
-      </p:ext>
-    </p:extLst>
-  </p:cSld>
-  <p:clrMapOvr>
-    <a:masterClrMapping/>
-  </p:clrMapOvr>
-  <p:timing>
-    <p:tnLst>
-      <p:par>
-        <p:cTn id="1" dur="indefinite" restart="never" nodeType="tmRoot">
-          <p:childTnLst>
-            <p:seq concurrent="1" nextAc="seek">
-              <p:cTn id="2" dur="indefinite" nodeType="mainSeq">
-                <p:childTnLst>
-                  <p:par>
-                    <p:cTn id="3" fill="hold">
-                      <p:stCondLst>
-                        <p:cond delay="indefinite"/>
-                      </p:stCondLst>
-                      <p:childTnLst>
-                        <p:par>
-                          <p:cTn id="4" fill="hold">
-                            <p:stCondLst>
-                              <p:cond delay="0"/>
-                            </p:stCondLst>
-                            <p:childTnLst>
-                              <p:par>
-                                <p:cTn id="5" presetID="1" presetClass="entr" presetSubtype="0" fill="hold" nodeType="clickEffect">
-                                  <p:stCondLst>
-                                    <p:cond delay="0"/>
-                                  </p:stCondLst>
-                                  <p:childTnLst>
-                                    <p:set>
-                                      <p:cBhvr>
-                                        <p:cTn id="6" dur="1" fill="hold">
-                                          <p:stCondLst>
-                                            <p:cond delay="0"/>
-                                          </p:stCondLst>
-                                        </p:cTn>
-                                        <p:tgtEl>
-                                          <p:spTgt spid="495619">
-                                            <p:txEl>
-                                              <p:pRg st="1" end="1"/>
-                                            </p:txEl>
-                                          </p:spTgt>
-                                        </p:tgtEl>
-                                        <p:attrNameLst>
-                                          <p:attrName>style.visibility</p:attrName>
-                                        </p:attrNameLst>
-                                      </p:cBhvr>
-                                      <p:to>
-                                        <p:strVal val="visible"/>
-                                      </p:to>
-                                    </p:set>
-                                  </p:childTnLst>
-                                </p:cTn>
-                              </p:par>
-                              <p:par>
-                                <p:cTn id="7" presetID="1" presetClass="entr" presetSubtype="0" fill="hold" nodeType="withEffect">
-                                  <p:stCondLst>
-                                    <p:cond delay="0"/>
-                                  </p:stCondLst>
-                                  <p:childTnLst>
-                                    <p:set>
-                                      <p:cBhvr>
-                                        <p:cTn id="8" dur="1" fill="hold">
-                                          <p:stCondLst>
-                                            <p:cond delay="0"/>
-                                          </p:stCondLst>
-                                        </p:cTn>
-                                        <p:tgtEl>
-                                          <p:spTgt spid="495619">
-                                            <p:txEl>
-                                              <p:pRg st="2" end="2"/>
-                                            </p:txEl>
-                                          </p:spTgt>
-                                        </p:tgtEl>
-                                        <p:attrNameLst>
-                                          <p:attrName>style.visibility</p:attrName>
-                                        </p:attrNameLst>
-                                      </p:cBhvr>
-                                      <p:to>
-                                        <p:strVal val="visible"/>
-                                      </p:to>
-                                    </p:set>
-                                  </p:childTnLst>
-                                </p:cTn>
-                              </p:par>
-                              <p:par>
-                                <p:cTn id="9" presetID="1" presetClass="entr" presetSubtype="0" fill="hold" nodeType="withEffect">
-                                  <p:stCondLst>
-                                    <p:cond delay="0"/>
-                                  </p:stCondLst>
-                                  <p:childTnLst>
-                                    <p:set>
-                                      <p:cBhvr>
-                                        <p:cTn id="10" dur="1" fill="hold">
-                                          <p:stCondLst>
-                                            <p:cond delay="0"/>
-                                          </p:stCondLst>
-                                        </p:cTn>
-                                        <p:tgtEl>
-                                          <p:spTgt spid="495619">
-                                            <p:txEl>
-                                              <p:pRg st="3" end="3"/>
-                                            </p:txEl>
-                                          </p:spTgt>
-                                        </p:tgtEl>
-                                        <p:attrNameLst>
-                                          <p:attrName>style.visibility</p:attrName>
-                                        </p:attrNameLst>
-                                      </p:cBhvr>
-                                      <p:to>
-                                        <p:strVal val="visible"/>
-                                      </p:to>
-                                    </p:set>
-                                  </p:childTnLst>
-                                </p:cTn>
-                              </p:par>
-                            </p:childTnLst>
-                          </p:cTn>
-                        </p:par>
-                      </p:childTnLst>
-                    </p:cTn>
-                  </p:par>
-                  <p:par>
-                    <p:cTn id="11" fill="hold">
-                      <p:stCondLst>
-                        <p:cond delay="indefinite"/>
-                      </p:stCondLst>
-                      <p:childTnLst>
-                        <p:par>
-                          <p:cTn id="12" fill="hold">
-                            <p:stCondLst>
-                              <p:cond delay="0"/>
-                            </p:stCondLst>
-                            <p:childTnLst>
-                              <p:par>
-                                <p:cTn id="13" presetID="1" presetClass="entr" presetSubtype="0" fill="hold" nodeType="clickEffect">
-                                  <p:stCondLst>
-                                    <p:cond delay="0"/>
-                                  </p:stCondLst>
-                                  <p:childTnLst>
-                                    <p:set>
-                                      <p:cBhvr>
-                                        <p:cTn id="14" dur="1" fill="hold">
-                                          <p:stCondLst>
-                                            <p:cond delay="0"/>
-                                          </p:stCondLst>
-                                        </p:cTn>
-                                        <p:tgtEl>
-                                          <p:spTgt spid="495619">
-                                            <p:txEl>
-                                              <p:pRg st="4" end="4"/>
-                                            </p:txEl>
-                                          </p:spTgt>
-                                        </p:tgtEl>
-                                        <p:attrNameLst>
-                                          <p:attrName>style.visibility</p:attrName>
-                                        </p:attrNameLst>
-                                      </p:cBhvr>
-                                      <p:to>
-                                        <p:strVal val="visible"/>
-                                      </p:to>
-                                    </p:set>
-                                  </p:childTnLst>
-                                </p:cTn>
-                              </p:par>
-                              <p:par>
-                                <p:cTn id="15" presetID="1" presetClass="entr" presetSubtype="0" fill="hold" nodeType="withEffect">
-                                  <p:stCondLst>
-                                    <p:cond delay="0"/>
-                                  </p:stCondLst>
-                                  <p:childTnLst>
-                                    <p:set>
-                                      <p:cBhvr>
-                                        <p:cTn id="16" dur="1" fill="hold">
-                                          <p:stCondLst>
-                                            <p:cond delay="0"/>
-                                          </p:stCondLst>
-                                        </p:cTn>
-                                        <p:tgtEl>
-                                          <p:spTgt spid="495619">
-                                            <p:txEl>
-                                              <p:pRg st="5" end="5"/>
-                                            </p:txEl>
-                                          </p:spTgt>
-                                        </p:tgtEl>
-                                        <p:attrNameLst>
-                                          <p:attrName>style.visibility</p:attrName>
-                                        </p:attrNameLst>
-                                      </p:cBhvr>
-                                      <p:to>
-                                        <p:strVal val="visible"/>
-                                      </p:to>
-                                    </p:set>
-                                  </p:childTnLst>
-                                </p:cTn>
-                              </p:par>
-                            </p:childTnLst>
-                          </p:cTn>
-                        </p:par>
-                      </p:childTnLst>
-                    </p:cTn>
-                  </p:par>
-                  <p:par>
-                    <p:cTn id="17" fill="hold">
-                      <p:stCondLst>
-                        <p:cond delay="indefinite"/>
-                      </p:stCondLst>
-                      <p:childTnLst>
-                        <p:par>
-                          <p:cTn id="18" fill="hold">
-                            <p:stCondLst>
-                              <p:cond delay="0"/>
-                            </p:stCondLst>
-                            <p:childTnLst>
-                              <p:par>
-                                <p:cTn id="19" presetID="1" presetClass="entr" presetSubtype="0" fill="hold" nodeType="clickEffect">
-                                  <p:stCondLst>
-                                    <p:cond delay="0"/>
-                                  </p:stCondLst>
-                                  <p:childTnLst>
-                                    <p:set>
-                                      <p:cBhvr>
-                                        <p:cTn id="20" dur="1" fill="hold">
-                                          <p:stCondLst>
-                                            <p:cond delay="0"/>
-                                          </p:stCondLst>
-                                        </p:cTn>
-                                        <p:tgtEl>
-                                          <p:spTgt spid="495619">
-                                            <p:txEl>
-                                              <p:pRg st="6" end="6"/>
-                                            </p:txEl>
-                                          </p:spTgt>
-                                        </p:tgtEl>
-                                        <p:attrNameLst>
-                                          <p:attrName>style.visibility</p:attrName>
-                                        </p:attrNameLst>
-                                      </p:cBhvr>
-                                      <p:to>
-                                        <p:strVal val="visible"/>
-                                      </p:to>
-                                    </p:set>
-                                  </p:childTnLst>
-                                </p:cTn>
-                              </p:par>
-                              <p:par>
-                                <p:cTn id="21" presetID="1" presetClass="entr" presetSubtype="0" fill="hold" nodeType="withEffect">
-                                  <p:stCondLst>
-                                    <p:cond delay="0"/>
-                                  </p:stCondLst>
-                                  <p:childTnLst>
-                                    <p:set>
-                                      <p:cBhvr>
-                                        <p:cTn id="22" dur="1" fill="hold">
-                                          <p:stCondLst>
-                                            <p:cond delay="0"/>
-                                          </p:stCondLst>
-                                        </p:cTn>
-                                        <p:tgtEl>
-                                          <p:spTgt spid="495619">
-                                            <p:txEl>
-                                              <p:pRg st="7" end="7"/>
-                                            </p:txEl>
-                                          </p:spTgt>
-                                        </p:tgtEl>
-                                        <p:attrNameLst>
-                                          <p:attrName>style.visibility</p:attrName>
-                                        </p:attrNameLst>
-                                      </p:cBhvr>
-                                      <p:to>
-                                        <p:strVal val="visible"/>
-                                      </p:to>
-                                    </p:set>
-                                  </p:childTnLst>
-                                </p:cTn>
-                              </p:par>
-                            </p:childTnLst>
-                          </p:cTn>
-                        </p:par>
-                      </p:childTnLst>
-                    </p:cTn>
-                  </p:par>
-                </p:childTnLst>
-              </p:cTn>
-              <p:prevCondLst>
-                <p:cond evt="onPrev" delay="0">
-                  <p:tgtEl>
-                    <p:sldTgt/>
-                  </p:tgtEl>
-                </p:cond>
-              </p:prevCondLst>
-              <p:nextCondLst>
-                <p:cond evt="onNext" delay="0">
-                  <p:tgtEl>
-                    <p:sldTgt/>
-                  </p:tgtEl>
-                </p:cond>
-              </p:nextCondLst>
-            </p:seq>
-          </p:childTnLst>
-        </p:cTn>
-      </p:par>
-    </p:tnLst>
-  </p:timing>
-</p:sld>
-</file>
-
-<file path=ppt/slides/slide40.xml><?xml version="1.0" encoding="utf-8"?>
+<file path=ppt/slides/slide42.xml><?xml version="1.0" encoding="utf-8"?>
 <p:sld xmlns:a="http://schemas.openxmlformats.org/drawingml/2006/main" xmlns:r="http://schemas.openxmlformats.org/officeDocument/2006/relationships" xmlns:p="http://schemas.openxmlformats.org/presentationml/2006/main">
   <p:cSld>
     <p:spTree>
@@ -38509,7 +42121,7 @@
           <a:p>
             <a:fld id="{D4438207-9E20-42FC-82B6-02A8A94D7FE7}" type="slidenum">
               <a:rPr lang="en-US" smtClean="0"/>
-              <a:t>40</a:t>
+              <a:t>42</a:t>
             </a:fld>
             <a:endParaRPr lang="en-US"/>
           </a:p>
@@ -38718,7 +42330,7 @@
 </p:sld>
 </file>
 
-<file path=ppt/slides/slide41.xml><?xml version="1.0" encoding="utf-8"?>
+<file path=ppt/slides/slide43.xml><?xml version="1.0" encoding="utf-8"?>
 <p:sld xmlns:a="http://schemas.openxmlformats.org/drawingml/2006/main" xmlns:r="http://schemas.openxmlformats.org/officeDocument/2006/relationships" xmlns:p="http://schemas.openxmlformats.org/presentationml/2006/main">
   <p:cSld>
     <p:spTree>
@@ -38889,7 +42501,7 @@
           <a:p>
             <a:fld id="{D4438207-9E20-42FC-82B6-02A8A94D7FE7}" type="slidenum">
               <a:rPr lang="en-US" smtClean="0"/>
-              <a:t>41</a:t>
+              <a:t>43</a:t>
             </a:fld>
             <a:endParaRPr lang="en-US"/>
           </a:p>
@@ -38915,7 +42527,7 @@
 </p:sld>
 </file>
 
-<file path=ppt/slides/slide42.xml><?xml version="1.0" encoding="utf-8"?>
+<file path=ppt/slides/slide44.xml><?xml version="1.0" encoding="utf-8"?>
 <p:sld xmlns:a="http://schemas.openxmlformats.org/drawingml/2006/main" xmlns:r="http://schemas.openxmlformats.org/officeDocument/2006/relationships" xmlns:p="http://schemas.openxmlformats.org/presentationml/2006/main">
   <p:cSld>
     <p:spTree>
@@ -38986,8 +42598,12 @@
               <a:t>the </a:t>
             </a:r>
             <a:r>
+              <a:rPr lang="en-US" dirty="0" smtClean="0"/>
+              <a:t>likelihood of </a:t>
+            </a:r>
+            <a:r>
               <a:rPr lang="en-US" dirty="0"/>
-              <a:t>probability of the test set </a:t>
+              <a:t>the test set </a:t>
             </a:r>
             <a:r>
               <a:rPr lang="en-US" dirty="0" smtClean="0"/>
@@ -39076,7 +42692,7 @@
           <a:p>
             <a:fld id="{D4438207-9E20-42FC-82B6-02A8A94D7FE7}" type="slidenum">
               <a:rPr lang="en-US" smtClean="0"/>
-              <a:t>42</a:t>
+              <a:t>44</a:t>
             </a:fld>
             <a:endParaRPr lang="en-US"/>
           </a:p>
@@ -39533,7 +43149,7 @@
 </p:sld>
 </file>
 
-<file path=ppt/slides/slide43.xml><?xml version="1.0" encoding="utf-8"?>
+<file path=ppt/slides/slide45.xml><?xml version="1.0" encoding="utf-8"?>
 <p:sld xmlns:a="http://schemas.openxmlformats.org/drawingml/2006/main" xmlns:r="http://schemas.openxmlformats.org/officeDocument/2006/relationships" xmlns:p="http://schemas.openxmlformats.org/presentationml/2006/main">
   <p:cSld>
     <p:spTree>
@@ -39732,7 +43348,7 @@
           <a:p>
             <a:fld id="{D4438207-9E20-42FC-82B6-02A8A94D7FE7}" type="slidenum">
               <a:rPr lang="en-US" smtClean="0"/>
-              <a:t>43</a:t>
+              <a:t>45</a:t>
             </a:fld>
             <a:endParaRPr lang="en-US"/>
           </a:p>
@@ -39912,7 +43528,7 @@
 </p:sld>
 </file>
 
-<file path=ppt/slides/slide44.xml><?xml version="1.0" encoding="utf-8"?>
+<file path=ppt/slides/slide46.xml><?xml version="1.0" encoding="utf-8"?>
 <p:sld xmlns:a="http://schemas.openxmlformats.org/drawingml/2006/main" xmlns:r="http://schemas.openxmlformats.org/officeDocument/2006/relationships" xmlns:p="http://schemas.openxmlformats.org/presentationml/2006/main">
   <p:cSld>
     <p:spTree>
@@ -39969,8 +43585,23 @@
           <a:p>
             <a:r>
               <a:rPr lang="en-US" dirty="0" smtClean="0"/>
-              <a:t>N-gram language models</a:t>
-            </a:r>
+              <a:t>N-gram language </a:t>
+            </a:r>
+            <a:r>
+              <a:rPr lang="en-US" dirty="0" smtClean="0"/>
+              <a:t>models</a:t>
+            </a:r>
+          </a:p>
+          <a:p>
+            <a:r>
+              <a:rPr lang="en-US" dirty="0" smtClean="0"/>
+              <a:t>How to generate text documents from </a:t>
+            </a:r>
+            <a:r>
+              <a:rPr lang="en-US" smtClean="0"/>
+              <a:t>a language model</a:t>
+            </a:r>
+            <a:endParaRPr lang="en-US" dirty="0" smtClean="0"/>
           </a:p>
           <a:p>
             <a:r>
@@ -40061,7 +43692,7 @@
           <a:p>
             <a:fld id="{D4438207-9E20-42FC-82B6-02A8A94D7FE7}" type="slidenum">
               <a:rPr lang="en-US" smtClean="0"/>
-              <a:t>44</a:t>
+              <a:t>46</a:t>
             </a:fld>
             <a:endParaRPr lang="en-US"/>
           </a:p>
@@ -40087,7 +43718,7 @@
 </p:sld>
 </file>
 
-<file path=ppt/slides/slide45.xml><?xml version="1.0" encoding="utf-8"?>
+<file path=ppt/slides/slide47.xml><?xml version="1.0" encoding="utf-8"?>
 <p:sld xmlns:a="http://schemas.openxmlformats.org/drawingml/2006/main" xmlns:r="http://schemas.openxmlformats.org/officeDocument/2006/relationships" xmlns:p="http://schemas.openxmlformats.org/presentationml/2006/main">
   <p:cSld>
     <p:spTree>
@@ -40245,7 +43876,7 @@
           <a:p>
             <a:fld id="{2A9F8BE9-47C8-4C45-B88F-68A848B0515F}" type="slidenum">
               <a:rPr lang="en-US" smtClean="0"/>
-              <a:t>45</a:t>
+              <a:t>47</a:t>
             </a:fld>
             <a:endParaRPr lang="en-US"/>
           </a:p>
@@ -43195,7 +46826,7 @@
           <a:graphicData uri="http://schemas.openxmlformats.org/presentationml/2006/ole">
             <mc:AlternateContent xmlns:mc="http://schemas.openxmlformats.org/markup-compatibility/2006">
               <mc:Choice xmlns:v="urn:schemas-microsoft-com:vml" Requires="v">
-                <p:oleObj spid="_x0000_s19499" name="Equation" r:id="rId4" imgW="3124200" imgH="330200" progId="Equation.DSMT4">
+                <p:oleObj spid="_x0000_s19502" name="Equation" r:id="rId4" imgW="3124200" imgH="330200" progId="Equation.DSMT4">
                   <p:embed/>
                 </p:oleObj>
               </mc:Choice>

--- a/docs/Language Models.pptx
+++ b/docs/Language Models.pptx
@@ -5,7 +5,7 @@
     <p:sldMasterId id="2147483648" r:id="rId1"/>
   </p:sldMasterIdLst>
   <p:notesMasterIdLst>
-    <p:notesMasterId r:id="rId49"/>
+    <p:notesMasterId r:id="rId51"/>
   </p:notesMasterIdLst>
   <p:sldIdLst>
     <p:sldId id="256" r:id="rId2"/>
@@ -39,22 +39,24 @@
     <p:sldId id="346" r:id="rId30"/>
     <p:sldId id="351" r:id="rId31"/>
     <p:sldId id="350" r:id="rId32"/>
-    <p:sldId id="271" r:id="rId33"/>
-    <p:sldId id="272" r:id="rId34"/>
-    <p:sldId id="310" r:id="rId35"/>
-    <p:sldId id="352" r:id="rId36"/>
-    <p:sldId id="353" r:id="rId37"/>
-    <p:sldId id="274" r:id="rId38"/>
-    <p:sldId id="311" r:id="rId39"/>
-    <p:sldId id="354" r:id="rId40"/>
-    <p:sldId id="355" r:id="rId41"/>
-    <p:sldId id="275" r:id="rId42"/>
-    <p:sldId id="356" r:id="rId43"/>
-    <p:sldId id="357" r:id="rId44"/>
-    <p:sldId id="358" r:id="rId45"/>
-    <p:sldId id="359" r:id="rId46"/>
-    <p:sldId id="331" r:id="rId47"/>
-    <p:sldId id="360" r:id="rId48"/>
+    <p:sldId id="366" r:id="rId33"/>
+    <p:sldId id="367" r:id="rId34"/>
+    <p:sldId id="271" r:id="rId35"/>
+    <p:sldId id="272" r:id="rId36"/>
+    <p:sldId id="310" r:id="rId37"/>
+    <p:sldId id="352" r:id="rId38"/>
+    <p:sldId id="353" r:id="rId39"/>
+    <p:sldId id="274" r:id="rId40"/>
+    <p:sldId id="311" r:id="rId41"/>
+    <p:sldId id="354" r:id="rId42"/>
+    <p:sldId id="355" r:id="rId43"/>
+    <p:sldId id="275" r:id="rId44"/>
+    <p:sldId id="356" r:id="rId45"/>
+    <p:sldId id="357" r:id="rId46"/>
+    <p:sldId id="358" r:id="rId47"/>
+    <p:sldId id="359" r:id="rId48"/>
+    <p:sldId id="331" r:id="rId49"/>
+    <p:sldId id="360" r:id="rId50"/>
   </p:sldIdLst>
   <p:sldSz cx="9144000" cy="6858000" type="screen4x3"/>
   <p:notesSz cx="6858000" cy="9144000"/>
@@ -433,11 +435,11 @@
         </c:dLbls>
         <c:gapWidth val="219"/>
         <c:overlap val="-27"/>
-        <c:axId val="-1651333536"/>
-        <c:axId val="-1651331360"/>
+        <c:axId val="576985840"/>
+        <c:axId val="576989104"/>
       </c:barChart>
       <c:catAx>
-        <c:axId val="-1651333536"/>
+        <c:axId val="576985840"/>
         <c:scaling>
           <c:orientation val="minMax"/>
         </c:scaling>
@@ -477,7 +479,7 @@
             <a:endParaRPr lang="en-US"/>
           </a:p>
         </c:txPr>
-        <c:crossAx val="-1651331360"/>
+        <c:crossAx val="576989104"/>
         <c:crosses val="autoZero"/>
         <c:auto val="1"/>
         <c:lblAlgn val="ctr"/>
@@ -485,7 +487,7 @@
         <c:noMultiLvlLbl val="0"/>
       </c:catAx>
       <c:valAx>
-        <c:axId val="-1651331360"/>
+        <c:axId val="576989104"/>
         <c:scaling>
           <c:orientation val="minMax"/>
         </c:scaling>
@@ -533,7 +535,7 @@
             <a:endParaRPr lang="en-US"/>
           </a:p>
         </c:txPr>
-        <c:crossAx val="-1651333536"/>
+        <c:crossAx val="576985840"/>
         <c:crosses val="autoZero"/>
         <c:crossBetween val="between"/>
       </c:valAx>
@@ -2509,7 +2511,7 @@
           <a:p>
             <a:fld id="{3920186A-2DBB-4398-9E32-68E9F18BB6A2}" type="datetimeFigureOut">
               <a:rPr lang="en-US" smtClean="0"/>
-              <a:t>1/26/2015</a:t>
+              <a:t>1/28/2015</a:t>
             </a:fld>
             <a:endParaRPr lang="en-US"/>
           </a:p>
@@ -3020,6 +3022,90 @@
     <p:extLst>
       <p:ext uri="{BB962C8B-B14F-4D97-AF65-F5344CB8AC3E}">
         <p14:creationId xmlns:p14="http://schemas.microsoft.com/office/powerpoint/2010/main" val="3793036115"/>
+      </p:ext>
+    </p:extLst>
+  </p:cSld>
+  <p:clrMapOvr>
+    <a:masterClrMapping/>
+  </p:clrMapOvr>
+</p:notes>
+</file>
+
+<file path=ppt/notesSlides/notesSlide4.xml><?xml version="1.0" encoding="utf-8"?>
+<p:notes xmlns:a="http://schemas.openxmlformats.org/drawingml/2006/main" xmlns:r="http://schemas.openxmlformats.org/officeDocument/2006/relationships" xmlns:p="http://schemas.openxmlformats.org/presentationml/2006/main">
+  <p:cSld>
+    <p:spTree>
+      <p:nvGrpSpPr>
+        <p:cNvPr id="1" name=""/>
+        <p:cNvGrpSpPr/>
+        <p:nvPr/>
+      </p:nvGrpSpPr>
+      <p:grpSpPr>
+        <a:xfrm>
+          <a:off x="0" y="0"/>
+          <a:ext cx="0" cy="0"/>
+          <a:chOff x="0" y="0"/>
+          <a:chExt cx="0" cy="0"/>
+        </a:xfrm>
+      </p:grpSpPr>
+      <p:sp>
+        <p:nvSpPr>
+          <p:cNvPr id="2" name="Slide Image Placeholder 1"/>
+          <p:cNvSpPr>
+            <a:spLocks noGrp="1" noRot="1" noChangeAspect="1"/>
+          </p:cNvSpPr>
+          <p:nvPr>
+            <p:ph type="sldImg"/>
+          </p:nvPr>
+        </p:nvSpPr>
+        <p:spPr/>
+      </p:sp>
+      <p:sp>
+        <p:nvSpPr>
+          <p:cNvPr id="3" name="Notes Placeholder 2"/>
+          <p:cNvSpPr>
+            <a:spLocks noGrp="1"/>
+          </p:cNvSpPr>
+          <p:nvPr>
+            <p:ph type="body" idx="1"/>
+          </p:nvPr>
+        </p:nvSpPr>
+        <p:spPr/>
+        <p:txBody>
+          <a:bodyPr/>
+          <a:lstStyle/>
+          <a:p>
+            <a:endParaRPr lang="en-US"/>
+          </a:p>
+        </p:txBody>
+      </p:sp>
+      <p:sp>
+        <p:nvSpPr>
+          <p:cNvPr id="4" name="Slide Number Placeholder 3"/>
+          <p:cNvSpPr>
+            <a:spLocks noGrp="1"/>
+          </p:cNvSpPr>
+          <p:nvPr>
+            <p:ph type="sldNum" sz="quarter" idx="10"/>
+          </p:nvPr>
+        </p:nvSpPr>
+        <p:spPr/>
+        <p:txBody>
+          <a:bodyPr/>
+          <a:lstStyle/>
+          <a:p>
+            <a:fld id="{583BDADA-032B-4BDE-97BA-23B3021F7206}" type="slidenum">
+              <a:rPr lang="en-US" smtClean="0"/>
+              <a:t>33</a:t>
+            </a:fld>
+            <a:endParaRPr lang="en-US"/>
+          </a:p>
+        </p:txBody>
+      </p:sp>
+    </p:spTree>
+    <p:extLst>
+      <p:ext uri="{BB962C8B-B14F-4D97-AF65-F5344CB8AC3E}">
+        <p14:creationId xmlns:p14="http://schemas.microsoft.com/office/powerpoint/2010/main" val="1332477882"/>
       </p:ext>
     </p:extLst>
   </p:cSld>
@@ -11039,11 +11125,7 @@
           <a:p>
             <a:r>
               <a:rPr lang="en-US" altLang="en-US" dirty="0" smtClean="0"/>
-              <a:t>Recap: Source-Channel </a:t>
-            </a:r>
-            <a:r>
-              <a:rPr lang="en-US" altLang="en-US" dirty="0" smtClean="0"/>
-              <a:t>framework </a:t>
+              <a:t>Recap: Source-Channel framework </a:t>
             </a:r>
             <a:r>
               <a:rPr lang="en-US" altLang="en-US" baseline="30000" dirty="0" smtClean="0"/>
@@ -13152,7 +13234,7 @@
           <a:graphicData uri="http://schemas.openxmlformats.org/presentationml/2006/ole">
             <mc:AlternateContent xmlns:mc="http://schemas.openxmlformats.org/markup-compatibility/2006">
               <mc:Choice xmlns:v="urn:schemas-microsoft-com:vml" Requires="v">
-                <p:oleObj spid="_x0000_s20483" name="Equation" r:id="rId4" imgW="3124200" imgH="330200" progId="Equation.DSMT4">
+                <p:oleObj spid="_x0000_s20485" name="Equation" r:id="rId4" imgW="3124200" imgH="330200" progId="Equation.DSMT4">
                   <p:embed/>
                 </p:oleObj>
               </mc:Choice>
@@ -16429,8 +16511,8 @@
           </a:p>
         </p:txBody>
       </p:sp>
-      <mc:AlternateContent xmlns:mc="http://schemas.openxmlformats.org/markup-compatibility/2006">
-        <mc:Choice xmlns:a14="http://schemas.microsoft.com/office/drawing/2010/main" Requires="a14">
+      <mc:AlternateContent xmlns:mc="http://schemas.openxmlformats.org/markup-compatibility/2006" xmlns:a14="http://schemas.microsoft.com/office/drawing/2010/main">
+        <mc:Choice Requires="a14">
           <p:sp>
             <p:nvSpPr>
               <p:cNvPr id="3" name="Content Placeholder 2"/>
@@ -16653,7 +16735,7 @@
             </p:txBody>
           </p:sp>
         </mc:Choice>
-        <mc:Fallback>
+        <mc:Fallback xmlns="">
           <p:sp>
             <p:nvSpPr>
               <p:cNvPr id="3" name="Content Placeholder 2"/>
@@ -30496,11 +30578,7 @@
             </a:pPr>
             <a:r>
               <a:rPr lang="en-US" altLang="en-US" dirty="0" smtClean="0"/>
-              <a:t>This means any </a:t>
-            </a:r>
-            <a:r>
-              <a:rPr lang="en-US" altLang="en-US" dirty="0" smtClean="0"/>
-              <a:t>word/N-gram </a:t>
+              <a:t>This means any word/N-gram </a:t>
             </a:r>
             <a:r>
               <a:rPr lang="en-US" altLang="en-US" dirty="0"/>
@@ -30526,13 +30604,8 @@
             </a:pPr>
             <a:r>
               <a:rPr lang="en-US" altLang="en-US" dirty="0" smtClean="0"/>
-              <a:t>No future documents can contain those unseen </a:t>
-            </a:r>
-            <a:r>
-              <a:rPr lang="en-US" altLang="en-US" dirty="0" smtClean="0"/>
-              <a:t>words/N-grams</a:t>
-            </a:r>
-            <a:endParaRPr lang="en-US" altLang="en-US" dirty="0" smtClean="0"/>
+              <a:t>No future documents can contain those unseen words/N-grams</a:t>
+            </a:r>
           </a:p>
           <a:p>
             <a:pPr lvl="1"/>
@@ -31139,6 +31212,3689 @@
       </p:grpSpPr>
       <p:sp>
         <p:nvSpPr>
+          <p:cNvPr id="2" name="Title 1"/>
+          <p:cNvSpPr>
+            <a:spLocks noGrp="1"/>
+          </p:cNvSpPr>
+          <p:nvPr>
+            <p:ph type="title"/>
+          </p:nvPr>
+        </p:nvSpPr>
+        <p:spPr/>
+        <p:txBody>
+          <a:bodyPr>
+            <a:normAutofit fontScale="90000"/>
+          </a:bodyPr>
+          <a:lstStyle/>
+          <a:p>
+            <a:r>
+              <a:rPr lang="en-US" dirty="0" smtClean="0"/>
+              <a:t>Recap: how </a:t>
+            </a:r>
+            <a:r>
+              <a:rPr lang="en-US" dirty="0" smtClean="0"/>
+              <a:t>to generate </a:t>
+            </a:r>
+            <a:r>
+              <a:rPr lang="en-US" dirty="0"/>
+              <a:t>text from an </a:t>
+            </a:r>
+            <a:r>
+              <a:rPr lang="en-US" dirty="0" smtClean="0"/>
+              <a:t>N-gram language model</a:t>
+            </a:r>
+            <a:r>
+              <a:rPr lang="en-US" dirty="0"/>
+              <a:t>?</a:t>
+            </a:r>
+          </a:p>
+        </p:txBody>
+      </p:sp>
+      <mc:AlternateContent xmlns:mc="http://schemas.openxmlformats.org/markup-compatibility/2006">
+        <mc:Choice xmlns:a14="http://schemas.microsoft.com/office/drawing/2010/main" Requires="a14">
+          <p:sp>
+            <p:nvSpPr>
+              <p:cNvPr id="3" name="Content Placeholder 2"/>
+              <p:cNvSpPr>
+                <a:spLocks noGrp="1"/>
+              </p:cNvSpPr>
+              <p:nvPr>
+                <p:ph idx="1"/>
+              </p:nvPr>
+            </p:nvSpPr>
+            <p:spPr/>
+            <p:txBody>
+              <a:bodyPr/>
+              <a:lstStyle/>
+              <a:p>
+                <a:r>
+                  <a:rPr lang="en-US" dirty="0" smtClean="0"/>
+                  <a:t>Sample </a:t>
+                </a:r>
+                <a:r>
+                  <a:rPr lang="en-US" dirty="0"/>
+                  <a:t>from a </a:t>
+                </a:r>
+                <a:r>
+                  <a:rPr lang="en-US" u="sng" dirty="0" smtClean="0"/>
+                  <a:t>discrete</a:t>
+                </a:r>
+                <a:r>
+                  <a:rPr lang="en-US" dirty="0" smtClean="0"/>
+                  <a:t> distribution </a:t>
+                </a:r>
+                <a14:m>
+                  <m:oMath xmlns:m="http://schemas.openxmlformats.org/officeDocument/2006/math">
+                    <m:r>
+                      <a:rPr lang="en-US" i="1" dirty="0" smtClean="0">
+                        <a:latin typeface="Cambria Math" panose="02040503050406030204" pitchFamily="18" charset="0"/>
+                      </a:rPr>
+                      <m:t>𝑝</m:t>
+                    </m:r>
+                    <m:r>
+                      <a:rPr lang="en-US" i="1" dirty="0" smtClean="0">
+                        <a:latin typeface="Cambria Math" panose="02040503050406030204" pitchFamily="18" charset="0"/>
+                      </a:rPr>
+                      <m:t>(</m:t>
+                    </m:r>
+                    <m:r>
+                      <a:rPr lang="en-US" i="1" dirty="0" smtClean="0">
+                        <a:latin typeface="Cambria Math" panose="02040503050406030204" pitchFamily="18" charset="0"/>
+                      </a:rPr>
+                      <m:t>𝑋</m:t>
+                    </m:r>
+                    <m:r>
+                      <a:rPr lang="en-US" i="1" dirty="0" smtClean="0">
+                        <a:latin typeface="Cambria Math" panose="02040503050406030204" pitchFamily="18" charset="0"/>
+                      </a:rPr>
+                      <m:t>)</m:t>
+                    </m:r>
+                  </m:oMath>
+                </a14:m>
+                <a:endParaRPr lang="en-US" dirty="0" smtClean="0"/>
+              </a:p>
+              <a:p>
+                <a:pPr lvl="1"/>
+                <a:r>
+                  <a:rPr lang="en-US" dirty="0" smtClean="0"/>
+                  <a:t>Assume </a:t>
+                </a:r>
+                <a14:m>
+                  <m:oMath xmlns:m="http://schemas.openxmlformats.org/officeDocument/2006/math">
+                    <m:r>
+                      <a:rPr lang="en-US" i="1" dirty="0" smtClean="0">
+                        <a:latin typeface="Cambria Math" panose="02040503050406030204" pitchFamily="18" charset="0"/>
+                      </a:rPr>
+                      <m:t>𝑛</m:t>
+                    </m:r>
+                  </m:oMath>
+                </a14:m>
+                <a:r>
+                  <a:rPr lang="en-US" dirty="0" smtClean="0"/>
+                  <a:t> outcomes in the event space </a:t>
+                </a:r>
+                <a14:m>
+                  <m:oMath xmlns:m="http://schemas.openxmlformats.org/officeDocument/2006/math">
+                    <m:r>
+                      <a:rPr lang="en-US" i="1" dirty="0" smtClean="0">
+                        <a:latin typeface="Cambria Math" panose="02040503050406030204" pitchFamily="18" charset="0"/>
+                      </a:rPr>
+                      <m:t>𝑋</m:t>
+                    </m:r>
+                  </m:oMath>
+                </a14:m>
+                <a:endParaRPr lang="en-US" dirty="0" smtClean="0"/>
+              </a:p>
+              <a:p>
+                <a:pPr marL="971550" lvl="1" indent="-514350">
+                  <a:buFont typeface="+mj-lt"/>
+                  <a:buAutoNum type="arabicPeriod"/>
+                </a:pPr>
+                <a:r>
+                  <a:rPr lang="en-US" dirty="0"/>
+                  <a:t>Divide the interval [0,1] into </a:t>
+                </a:r>
+                <a14:m>
+                  <m:oMath xmlns:m="http://schemas.openxmlformats.org/officeDocument/2006/math">
+                    <m:r>
+                      <a:rPr lang="en-US" i="1" dirty="0" smtClean="0">
+                        <a:latin typeface="Cambria Math" panose="02040503050406030204" pitchFamily="18" charset="0"/>
+                      </a:rPr>
+                      <m:t>𝑛</m:t>
+                    </m:r>
+                  </m:oMath>
+                </a14:m>
+                <a:r>
+                  <a:rPr lang="en-US" dirty="0"/>
+                  <a:t> </a:t>
+                </a:r>
+                <a:r>
+                  <a:rPr lang="en-US" dirty="0" smtClean="0"/>
+                  <a:t>intervals </a:t>
+                </a:r>
+                <a:r>
+                  <a:rPr lang="en-US" dirty="0"/>
+                  <a:t>according to the probabilities of the </a:t>
+                </a:r>
+                <a:r>
+                  <a:rPr lang="en-US" dirty="0" smtClean="0"/>
+                  <a:t>outcomes</a:t>
+                </a:r>
+              </a:p>
+              <a:p>
+                <a:pPr marL="971550" lvl="1" indent="-514350">
+                  <a:buFont typeface="+mj-lt"/>
+                  <a:buAutoNum type="arabicPeriod"/>
+                </a:pPr>
+                <a:r>
+                  <a:rPr lang="en-US" dirty="0" smtClean="0"/>
+                  <a:t>Generate </a:t>
+                </a:r>
+                <a:r>
+                  <a:rPr lang="en-US" dirty="0"/>
+                  <a:t>a random number </a:t>
+                </a:r>
+                <a14:m>
+                  <m:oMath xmlns:m="http://schemas.openxmlformats.org/officeDocument/2006/math">
+                    <m:r>
+                      <a:rPr lang="en-US" i="1" dirty="0" smtClean="0">
+                        <a:latin typeface="Cambria Math" panose="02040503050406030204" pitchFamily="18" charset="0"/>
+                      </a:rPr>
+                      <m:t>𝑟</m:t>
+                    </m:r>
+                  </m:oMath>
+                </a14:m>
+                <a:r>
+                  <a:rPr lang="en-US" dirty="0"/>
+                  <a:t> between 0 and </a:t>
+                </a:r>
+                <a:r>
+                  <a:rPr lang="en-US" dirty="0" smtClean="0"/>
+                  <a:t>1</a:t>
+                </a:r>
+              </a:p>
+              <a:p>
+                <a:pPr marL="971550" lvl="1" indent="-514350">
+                  <a:buFont typeface="+mj-lt"/>
+                  <a:buAutoNum type="arabicPeriod"/>
+                </a:pPr>
+                <a:r>
+                  <a:rPr lang="en-US" dirty="0"/>
+                  <a:t>Return </a:t>
+                </a:r>
+                <a14:m>
+                  <m:oMath xmlns:m="http://schemas.openxmlformats.org/officeDocument/2006/math">
+                    <m:sSub>
+                      <m:sSubPr>
+                        <m:ctrlPr>
+                          <a:rPr lang="en-US" b="0" i="1" dirty="0" smtClean="0">
+                            <a:latin typeface="Cambria Math" panose="02040503050406030204" pitchFamily="18" charset="0"/>
+                          </a:rPr>
+                        </m:ctrlPr>
+                      </m:sSubPr>
+                      <m:e>
+                        <m:r>
+                          <a:rPr lang="en-US" i="1" dirty="0" smtClean="0">
+                            <a:latin typeface="Cambria Math" panose="02040503050406030204" pitchFamily="18" charset="0"/>
+                          </a:rPr>
+                          <m:t>𝑥</m:t>
+                        </m:r>
+                      </m:e>
+                      <m:sub>
+                        <m:r>
+                          <a:rPr lang="en-US" b="0" i="1" dirty="0" smtClean="0">
+                            <a:latin typeface="Cambria Math" panose="02040503050406030204" pitchFamily="18" charset="0"/>
+                          </a:rPr>
+                          <m:t>𝑖</m:t>
+                        </m:r>
+                      </m:sub>
+                    </m:sSub>
+                  </m:oMath>
+                </a14:m>
+                <a:r>
+                  <a:rPr lang="en-US" dirty="0" smtClean="0"/>
+                  <a:t> where </a:t>
+                </a:r>
+                <a14:m>
+                  <m:oMath xmlns:m="http://schemas.openxmlformats.org/officeDocument/2006/math">
+                    <m:r>
+                      <a:rPr lang="en-US" i="1" dirty="0" smtClean="0">
+                        <a:latin typeface="Cambria Math" panose="02040503050406030204" pitchFamily="18" charset="0"/>
+                      </a:rPr>
+                      <m:t>𝑟</m:t>
+                    </m:r>
+                  </m:oMath>
+                </a14:m>
+                <a:r>
+                  <a:rPr lang="en-US" dirty="0" smtClean="0"/>
+                  <a:t> falls into</a:t>
+                </a:r>
+                <a:endParaRPr lang="en-US" dirty="0"/>
+              </a:p>
+            </p:txBody>
+          </p:sp>
+        </mc:Choice>
+        <mc:Fallback>
+          <p:sp>
+            <p:nvSpPr>
+              <p:cNvPr id="3" name="Content Placeholder 2"/>
+              <p:cNvSpPr>
+                <a:spLocks noGrp="1" noRot="1" noChangeAspect="1" noMove="1" noResize="1" noEditPoints="1" noAdjustHandles="1" noChangeArrowheads="1" noChangeShapeType="1" noTextEdit="1"/>
+              </p:cNvSpPr>
+              <p:nvPr>
+                <p:ph idx="1"/>
+              </p:nvPr>
+            </p:nvSpPr>
+            <p:spPr>
+              <a:blipFill rotWithShape="0">
+                <a:blip r:embed="rId2"/>
+                <a:stretch>
+                  <a:fillRect l="-1704" t="-1617"/>
+                </a:stretch>
+              </a:blipFill>
+            </p:spPr>
+            <p:txBody>
+              <a:bodyPr/>
+              <a:lstStyle/>
+              <a:p>
+                <a:r>
+                  <a:rPr lang="en-US">
+                    <a:noFill/>
+                  </a:rPr>
+                  <a:t> </a:t>
+                </a:r>
+              </a:p>
+            </p:txBody>
+          </p:sp>
+        </mc:Fallback>
+      </mc:AlternateContent>
+      <p:sp>
+        <p:nvSpPr>
+          <p:cNvPr id="4" name="Date Placeholder 3"/>
+          <p:cNvSpPr>
+            <a:spLocks noGrp="1"/>
+          </p:cNvSpPr>
+          <p:nvPr>
+            <p:ph type="dt" sz="half" idx="10"/>
+          </p:nvPr>
+        </p:nvSpPr>
+        <p:spPr/>
+        <p:txBody>
+          <a:bodyPr/>
+          <a:lstStyle/>
+          <a:p>
+            <a:r>
+              <a:rPr lang="en-US" smtClean="0"/>
+              <a:t>CS@UVa</a:t>
+            </a:r>
+            <a:endParaRPr lang="en-US"/>
+          </a:p>
+        </p:txBody>
+      </p:sp>
+      <p:sp>
+        <p:nvSpPr>
+          <p:cNvPr id="5" name="Footer Placeholder 4"/>
+          <p:cNvSpPr>
+            <a:spLocks noGrp="1"/>
+          </p:cNvSpPr>
+          <p:nvPr>
+            <p:ph type="ftr" sz="quarter" idx="11"/>
+          </p:nvPr>
+        </p:nvSpPr>
+        <p:spPr/>
+        <p:txBody>
+          <a:bodyPr/>
+          <a:lstStyle/>
+          <a:p>
+            <a:r>
+              <a:rPr lang="en-US" smtClean="0"/>
+              <a:t>CS 6501: Text Mining</a:t>
+            </a:r>
+            <a:endParaRPr lang="en-US"/>
+          </a:p>
+        </p:txBody>
+      </p:sp>
+      <p:sp>
+        <p:nvSpPr>
+          <p:cNvPr id="6" name="Slide Number Placeholder 5"/>
+          <p:cNvSpPr>
+            <a:spLocks noGrp="1"/>
+          </p:cNvSpPr>
+          <p:nvPr>
+            <p:ph type="sldNum" sz="quarter" idx="12"/>
+          </p:nvPr>
+        </p:nvSpPr>
+        <p:spPr/>
+        <p:txBody>
+          <a:bodyPr/>
+          <a:lstStyle/>
+          <a:p>
+            <a:fld id="{D4438207-9E20-42FC-82B6-02A8A94D7FE7}" type="slidenum">
+              <a:rPr lang="en-US" smtClean="0"/>
+              <a:t>32</a:t>
+            </a:fld>
+            <a:endParaRPr lang="en-US"/>
+          </a:p>
+        </p:txBody>
+      </p:sp>
+      <p:pic>
+        <p:nvPicPr>
+          <p:cNvPr id="7" name="Picture 6"/>
+          <p:cNvPicPr>
+            <a:picLocks noChangeAspect="1"/>
+          </p:cNvPicPr>
+          <p:nvPr/>
+        </p:nvPicPr>
+        <p:blipFill>
+          <a:blip r:embed="rId3"/>
+          <a:stretch>
+            <a:fillRect/>
+          </a:stretch>
+        </p:blipFill>
+        <p:spPr>
+          <a:xfrm>
+            <a:off x="1884892" y="4724400"/>
+            <a:ext cx="5743575" cy="1470305"/>
+          </a:xfrm>
+          <a:prstGeom prst="rect">
+            <a:avLst/>
+          </a:prstGeom>
+        </p:spPr>
+      </p:pic>
+    </p:spTree>
+    <p:extLst>
+      <p:ext uri="{BB962C8B-B14F-4D97-AF65-F5344CB8AC3E}">
+        <p14:creationId xmlns:p14="http://schemas.microsoft.com/office/powerpoint/2010/main" val="2652431663"/>
+      </p:ext>
+    </p:extLst>
+  </p:cSld>
+  <p:clrMapOvr>
+    <a:masterClrMapping/>
+  </p:clrMapOvr>
+  <p:timing>
+    <p:tnLst>
+      <p:par>
+        <p:cTn id="1" dur="indefinite" restart="never" nodeType="tmRoot"/>
+      </p:par>
+    </p:tnLst>
+  </p:timing>
+</p:sld>
+</file>
+
+<file path=ppt/slides/slide33.xml><?xml version="1.0" encoding="utf-8"?>
+<p:sld xmlns:a="http://schemas.openxmlformats.org/drawingml/2006/main" xmlns:r="http://schemas.openxmlformats.org/officeDocument/2006/relationships" xmlns:p="http://schemas.openxmlformats.org/presentationml/2006/main">
+  <p:cSld>
+    <p:spTree>
+      <p:nvGrpSpPr>
+        <p:cNvPr id="1" name=""/>
+        <p:cNvGrpSpPr/>
+        <p:nvPr/>
+      </p:nvGrpSpPr>
+      <p:grpSpPr>
+        <a:xfrm>
+          <a:off x="0" y="0"/>
+          <a:ext cx="0" cy="0"/>
+          <a:chOff x="0" y="0"/>
+          <a:chExt cx="0" cy="0"/>
+        </a:xfrm>
+      </p:grpSpPr>
+      <p:sp>
+        <p:nvSpPr>
+          <p:cNvPr id="468994" name="Rectangle 2"/>
+          <p:cNvSpPr>
+            <a:spLocks noGrp="1" noChangeArrowheads="1"/>
+          </p:cNvSpPr>
+          <p:nvPr>
+            <p:ph type="title"/>
+          </p:nvPr>
+        </p:nvSpPr>
+        <p:spPr/>
+        <p:txBody>
+          <a:bodyPr>
+            <a:normAutofit fontScale="90000"/>
+          </a:bodyPr>
+          <a:lstStyle/>
+          <a:p>
+            <a:r>
+              <a:rPr lang="en-US" altLang="en-US" dirty="0" smtClean="0"/>
+              <a:t>Recap: maximum </a:t>
+            </a:r>
+            <a:r>
+              <a:rPr lang="en-US" altLang="en-US" dirty="0" smtClean="0"/>
+              <a:t>likelihood estimation</a:t>
+            </a:r>
+            <a:endParaRPr lang="en-US" altLang="en-US" dirty="0"/>
+          </a:p>
+        </p:txBody>
+      </p:sp>
+      <mc:AlternateContent xmlns:mc="http://schemas.openxmlformats.org/markup-compatibility/2006">
+        <mc:Choice xmlns:a14="http://schemas.microsoft.com/office/drawing/2010/main" Requires="a14">
+          <p:sp>
+            <p:nvSpPr>
+              <p:cNvPr id="2" name="Content Placeholder 1"/>
+              <p:cNvSpPr>
+                <a:spLocks noGrp="1"/>
+              </p:cNvSpPr>
+              <p:nvPr>
+                <p:ph idx="1"/>
+              </p:nvPr>
+            </p:nvSpPr>
+            <p:spPr/>
+            <p:txBody>
+              <a:bodyPr>
+                <a:normAutofit/>
+              </a:bodyPr>
+              <a:lstStyle/>
+              <a:p>
+                <a:r>
+                  <a:rPr lang="en-US" altLang="en-US" sz="2400" dirty="0" smtClean="0"/>
+                  <a:t>Data: a collection of words, </a:t>
+                </a:r>
+                <a14:m>
+                  <m:oMath xmlns:m="http://schemas.openxmlformats.org/officeDocument/2006/math">
+                    <m:sSub>
+                      <m:sSubPr>
+                        <m:ctrlPr>
+                          <a:rPr lang="en-US" altLang="en-US" sz="2400" b="0" i="1" smtClean="0">
+                            <a:latin typeface="Cambria Math" panose="02040503050406030204" pitchFamily="18" charset="0"/>
+                          </a:rPr>
+                        </m:ctrlPr>
+                      </m:sSubPr>
+                      <m:e>
+                        <m:r>
+                          <a:rPr lang="en-US" altLang="en-US" sz="2400" b="0" i="1" smtClean="0">
+                            <a:latin typeface="Cambria Math" panose="02040503050406030204" pitchFamily="18" charset="0"/>
+                          </a:rPr>
+                          <m:t>𝑤</m:t>
+                        </m:r>
+                      </m:e>
+                      <m:sub>
+                        <m:r>
+                          <a:rPr lang="en-US" altLang="en-US" sz="2400" b="0" i="1" smtClean="0">
+                            <a:latin typeface="Cambria Math" panose="02040503050406030204" pitchFamily="18" charset="0"/>
+                          </a:rPr>
+                          <m:t>1</m:t>
+                        </m:r>
+                      </m:sub>
+                    </m:sSub>
+                    <m:r>
+                      <a:rPr lang="en-US" altLang="en-US" sz="2400" b="0" i="1" smtClean="0">
+                        <a:latin typeface="Cambria Math" panose="02040503050406030204" pitchFamily="18" charset="0"/>
+                      </a:rPr>
+                      <m:t>,</m:t>
+                    </m:r>
+                    <m:sSub>
+                      <m:sSubPr>
+                        <m:ctrlPr>
+                          <a:rPr lang="en-US" altLang="en-US" sz="2400" b="0" i="1" smtClean="0">
+                            <a:latin typeface="Cambria Math" panose="02040503050406030204" pitchFamily="18" charset="0"/>
+                          </a:rPr>
+                        </m:ctrlPr>
+                      </m:sSubPr>
+                      <m:e>
+                        <m:r>
+                          <a:rPr lang="en-US" altLang="en-US" sz="2400" b="0" i="1" smtClean="0">
+                            <a:latin typeface="Cambria Math" panose="02040503050406030204" pitchFamily="18" charset="0"/>
+                          </a:rPr>
+                          <m:t>𝑤</m:t>
+                        </m:r>
+                      </m:e>
+                      <m:sub>
+                        <m:r>
+                          <a:rPr lang="en-US" altLang="en-US" sz="2400" b="0" i="1" smtClean="0">
+                            <a:latin typeface="Cambria Math" panose="02040503050406030204" pitchFamily="18" charset="0"/>
+                          </a:rPr>
+                          <m:t>2</m:t>
+                        </m:r>
+                      </m:sub>
+                    </m:sSub>
+                    <m:r>
+                      <a:rPr lang="en-US" altLang="en-US" sz="2400" b="0" i="1" smtClean="0">
+                        <a:latin typeface="Cambria Math" panose="02040503050406030204" pitchFamily="18" charset="0"/>
+                      </a:rPr>
+                      <m:t>,…,</m:t>
+                    </m:r>
+                    <m:sSub>
+                      <m:sSubPr>
+                        <m:ctrlPr>
+                          <a:rPr lang="en-US" altLang="en-US" sz="2400" b="0" i="1" smtClean="0">
+                            <a:latin typeface="Cambria Math" panose="02040503050406030204" pitchFamily="18" charset="0"/>
+                          </a:rPr>
+                        </m:ctrlPr>
+                      </m:sSubPr>
+                      <m:e>
+                        <m:r>
+                          <a:rPr lang="en-US" altLang="en-US" sz="2400" b="0" i="1" smtClean="0">
+                            <a:latin typeface="Cambria Math" panose="02040503050406030204" pitchFamily="18" charset="0"/>
+                          </a:rPr>
+                          <m:t>𝑤</m:t>
+                        </m:r>
+                      </m:e>
+                      <m:sub>
+                        <m:r>
+                          <a:rPr lang="en-US" altLang="en-US" sz="2400" b="0" i="1" smtClean="0">
+                            <a:latin typeface="Cambria Math" panose="02040503050406030204" pitchFamily="18" charset="0"/>
+                          </a:rPr>
+                          <m:t>𝑛</m:t>
+                        </m:r>
+                      </m:sub>
+                    </m:sSub>
+                  </m:oMath>
+                </a14:m>
+                <a:endParaRPr lang="en-US" altLang="en-US" sz="2400" dirty="0"/>
+              </a:p>
+              <a:p>
+                <a:r>
+                  <a:rPr lang="en-US" altLang="en-US" sz="2400" dirty="0"/>
+                  <a:t>Model: multinomial distribution </a:t>
+                </a:r>
+                <a14:m>
+                  <m:oMath xmlns:m="http://schemas.openxmlformats.org/officeDocument/2006/math">
+                    <m:r>
+                      <m:rPr>
+                        <m:sty m:val="p"/>
+                      </m:rPr>
+                      <a:rPr lang="en-US" altLang="en-US" sz="2400" b="0" i="0" smtClean="0">
+                        <a:latin typeface="Cambria Math"/>
+                      </a:rPr>
+                      <m:t>p</m:t>
+                    </m:r>
+                    <m:r>
+                      <a:rPr lang="en-US" altLang="en-US" sz="2400" b="0" i="1" smtClean="0">
+                        <a:latin typeface="Cambria Math"/>
+                      </a:rPr>
+                      <m:t>(</m:t>
+                    </m:r>
+                    <m:r>
+                      <a:rPr lang="en-US" altLang="en-US" sz="2400" b="0" i="1" smtClean="0">
+                        <a:latin typeface="Cambria Math"/>
+                      </a:rPr>
+                      <m:t>𝑊</m:t>
+                    </m:r>
+                    <m:r>
+                      <a:rPr lang="en-US" altLang="en-US" sz="2400" b="0" i="1" smtClean="0">
+                        <a:latin typeface="Cambria Math"/>
+                      </a:rPr>
+                      <m:t>)</m:t>
+                    </m:r>
+                  </m:oMath>
+                </a14:m>
+                <a:r>
+                  <a:rPr lang="en-US" altLang="en-US" sz="2400" dirty="0" smtClean="0"/>
+                  <a:t> </a:t>
+                </a:r>
+                <a:r>
+                  <a:rPr lang="en-US" altLang="en-US" sz="2400" dirty="0"/>
+                  <a:t>with </a:t>
+                </a:r>
+                <a:r>
+                  <a:rPr lang="en-US" altLang="en-US" sz="2400" dirty="0" smtClean="0"/>
+                  <a:t>parameters </a:t>
+                </a:r>
+                <a14:m>
+                  <m:oMath xmlns:m="http://schemas.openxmlformats.org/officeDocument/2006/math">
+                    <m:sSub>
+                      <m:sSubPr>
+                        <m:ctrlPr>
+                          <a:rPr lang="en-US" altLang="en-US" sz="2400" i="1" dirty="0">
+                            <a:latin typeface="Cambria Math" panose="02040503050406030204" pitchFamily="18" charset="0"/>
+                          </a:rPr>
+                        </m:ctrlPr>
+                      </m:sSubPr>
+                      <m:e>
+                        <m:r>
+                          <a:rPr lang="en-US" altLang="en-US" sz="2400" i="1" dirty="0">
+                            <a:latin typeface="Cambria Math"/>
+                          </a:rPr>
+                          <m:t>𝜃</m:t>
+                        </m:r>
+                      </m:e>
+                      <m:sub>
+                        <m:r>
+                          <a:rPr lang="en-US" altLang="en-US" sz="2400" i="1" dirty="0">
+                            <a:latin typeface="Cambria Math"/>
+                          </a:rPr>
+                          <m:t>𝑖</m:t>
+                        </m:r>
+                      </m:sub>
+                    </m:sSub>
+                    <m:r>
+                      <a:rPr lang="en-US" altLang="en-US" sz="2400" b="0" i="1" dirty="0" smtClean="0">
+                        <a:latin typeface="Cambria Math"/>
+                      </a:rPr>
+                      <m:t>=</m:t>
+                    </m:r>
+                    <m:r>
+                      <a:rPr lang="en-US" altLang="en-US" sz="2400" b="0" i="1" dirty="0" smtClean="0">
+                        <a:latin typeface="Cambria Math"/>
+                      </a:rPr>
+                      <m:t>𝑝</m:t>
+                    </m:r>
+                    <m:r>
+                      <a:rPr lang="en-US" altLang="en-US" sz="2400" b="0" i="1" dirty="0" smtClean="0">
+                        <a:latin typeface="Cambria Math"/>
+                      </a:rPr>
+                      <m:t>(</m:t>
+                    </m:r>
+                    <m:sSub>
+                      <m:sSubPr>
+                        <m:ctrlPr>
+                          <a:rPr lang="en-US" altLang="en-US" sz="2400" b="0" i="1" dirty="0" smtClean="0">
+                            <a:latin typeface="Cambria Math" panose="02040503050406030204" pitchFamily="18" charset="0"/>
+                          </a:rPr>
+                        </m:ctrlPr>
+                      </m:sSubPr>
+                      <m:e>
+                        <m:r>
+                          <a:rPr lang="en-US" altLang="en-US" sz="2400" b="0" i="1" dirty="0" smtClean="0">
+                            <a:latin typeface="Cambria Math"/>
+                          </a:rPr>
+                          <m:t>𝑤</m:t>
+                        </m:r>
+                      </m:e>
+                      <m:sub>
+                        <m:r>
+                          <a:rPr lang="en-US" altLang="en-US" sz="2400" b="0" i="1" dirty="0" smtClean="0">
+                            <a:latin typeface="Cambria Math"/>
+                          </a:rPr>
+                          <m:t>𝑖</m:t>
+                        </m:r>
+                      </m:sub>
+                    </m:sSub>
+                    <m:r>
+                      <a:rPr lang="en-US" altLang="en-US" sz="2400" b="0" i="1" dirty="0" smtClean="0">
+                        <a:latin typeface="Cambria Math"/>
+                      </a:rPr>
+                      <m:t>)</m:t>
+                    </m:r>
+                  </m:oMath>
+                </a14:m>
+                <a:r>
+                  <a:rPr lang="en-US" altLang="en-US" sz="2400" dirty="0" smtClean="0"/>
+                  <a:t> </a:t>
+                </a:r>
+              </a:p>
+              <a:p>
+                <a:r>
+                  <a:rPr lang="en-US" altLang="en-US" sz="2400" dirty="0" smtClean="0"/>
+                  <a:t>Maximum </a:t>
+                </a:r>
+                <a:r>
+                  <a:rPr lang="en-US" altLang="en-US" sz="2400" dirty="0"/>
+                  <a:t>likelihood </a:t>
+                </a:r>
+                <a:r>
+                  <a:rPr lang="en-US" altLang="en-US" sz="2400" dirty="0" smtClean="0"/>
+                  <a:t>estimator: </a:t>
+                </a:r>
+                <a14:m>
+                  <m:oMath xmlns:m="http://schemas.openxmlformats.org/officeDocument/2006/math">
+                    <m:acc>
+                      <m:accPr>
+                        <m:chr m:val="̂"/>
+                        <m:ctrlPr>
+                          <a:rPr lang="en-US" altLang="en-US" sz="2400" b="0" i="1" smtClean="0">
+                            <a:latin typeface="Cambria Math" panose="02040503050406030204" pitchFamily="18" charset="0"/>
+                          </a:rPr>
+                        </m:ctrlPr>
+                      </m:accPr>
+                      <m:e>
+                        <m:r>
+                          <a:rPr lang="en-US" altLang="en-US" sz="2400" b="0" i="1" smtClean="0">
+                            <a:latin typeface="Cambria Math"/>
+                          </a:rPr>
+                          <m:t>𝜃</m:t>
+                        </m:r>
+                      </m:e>
+                    </m:acc>
+                    <m:r>
+                      <a:rPr lang="en-US" altLang="en-US" sz="2400" b="0" i="1" dirty="0" smtClean="0">
+                        <a:latin typeface="Cambria Math"/>
+                      </a:rPr>
+                      <m:t>=</m:t>
+                    </m:r>
+                    <m:r>
+                      <a:rPr lang="en-US" altLang="en-US" sz="2400" b="0" i="1" dirty="0" smtClean="0">
+                        <a:latin typeface="Cambria Math"/>
+                      </a:rPr>
+                      <m:t>𝑎𝑟𝑔𝑚𝑎</m:t>
+                    </m:r>
+                    <m:sSub>
+                      <m:sSubPr>
+                        <m:ctrlPr>
+                          <a:rPr lang="en-US" altLang="en-US" sz="2400" b="0" i="1" dirty="0" smtClean="0">
+                            <a:latin typeface="Cambria Math" panose="02040503050406030204" pitchFamily="18" charset="0"/>
+                          </a:rPr>
+                        </m:ctrlPr>
+                      </m:sSubPr>
+                      <m:e>
+                        <m:r>
+                          <a:rPr lang="en-US" altLang="en-US" sz="2400" b="0" i="1" dirty="0" smtClean="0">
+                            <a:latin typeface="Cambria Math"/>
+                          </a:rPr>
+                          <m:t>𝑥</m:t>
+                        </m:r>
+                      </m:e>
+                      <m:sub>
+                        <m:r>
+                          <a:rPr lang="en-US" altLang="en-US" sz="2400" b="0" i="1" dirty="0" smtClean="0">
+                            <a:latin typeface="Cambria Math"/>
+                          </a:rPr>
+                          <m:t>𝜃</m:t>
+                        </m:r>
+                      </m:sub>
+                    </m:sSub>
+                    <m:r>
+                      <a:rPr lang="en-US" altLang="en-US" sz="2400" b="0" i="1" dirty="0" smtClean="0">
+                        <a:latin typeface="Cambria Math"/>
+                      </a:rPr>
+                      <m:t>𝑝</m:t>
+                    </m:r>
+                    <m:r>
+                      <a:rPr lang="en-US" altLang="en-US" sz="2400" b="0" i="1" dirty="0" smtClean="0">
+                        <a:latin typeface="Cambria Math"/>
+                      </a:rPr>
+                      <m:t>(</m:t>
+                    </m:r>
+                    <m:r>
+                      <a:rPr lang="en-US" altLang="en-US" sz="2400" b="0" i="1" dirty="0" smtClean="0">
+                        <a:latin typeface="Cambria Math"/>
+                      </a:rPr>
+                      <m:t>𝑊</m:t>
+                    </m:r>
+                    <m:r>
+                      <a:rPr lang="en-US" altLang="en-US" sz="2400" b="0" i="1" dirty="0" smtClean="0">
+                        <a:latin typeface="Cambria Math"/>
+                      </a:rPr>
+                      <m:t>|</m:t>
+                    </m:r>
+                    <m:r>
+                      <a:rPr lang="en-US" altLang="en-US" sz="2400" b="0" i="1" dirty="0" smtClean="0">
+                        <a:latin typeface="Cambria Math"/>
+                      </a:rPr>
+                      <m:t>𝜃</m:t>
+                    </m:r>
+                    <m:r>
+                      <a:rPr lang="en-US" altLang="en-US" sz="2400" b="0" i="1" dirty="0" smtClean="0">
+                        <a:latin typeface="Cambria Math"/>
+                      </a:rPr>
+                      <m:t>)</m:t>
+                    </m:r>
+                  </m:oMath>
+                </a14:m>
+                <a:endParaRPr lang="en-US" altLang="en-US" sz="2400" dirty="0"/>
+              </a:p>
+              <a:p>
+                <a:endParaRPr lang="en-US" sz="2400" dirty="0"/>
+              </a:p>
+            </p:txBody>
+          </p:sp>
+        </mc:Choice>
+        <mc:Fallback>
+          <p:sp>
+            <p:nvSpPr>
+              <p:cNvPr id="2" name="Content Placeholder 1"/>
+              <p:cNvSpPr>
+                <a:spLocks noGrp="1" noRot="1" noChangeAspect="1" noMove="1" noResize="1" noEditPoints="1" noAdjustHandles="1" noChangeArrowheads="1" noChangeShapeType="1" noTextEdit="1"/>
+              </p:cNvSpPr>
+              <p:nvPr>
+                <p:ph idx="1"/>
+              </p:nvPr>
+            </p:nvSpPr>
+            <p:spPr>
+              <a:blipFill rotWithShape="0">
+                <a:blip r:embed="rId3"/>
+                <a:stretch>
+                  <a:fillRect l="-963" t="-1078"/>
+                </a:stretch>
+              </a:blipFill>
+            </p:spPr>
+            <p:txBody>
+              <a:bodyPr/>
+              <a:lstStyle/>
+              <a:p>
+                <a:r>
+                  <a:rPr lang="en-US">
+                    <a:noFill/>
+                  </a:rPr>
+                  <a:t> </a:t>
+                </a:r>
+              </a:p>
+            </p:txBody>
+          </p:sp>
+        </mc:Fallback>
+      </mc:AlternateContent>
+      <p:sp>
+        <p:nvSpPr>
+          <p:cNvPr id="10" name="Date Placeholder 9"/>
+          <p:cNvSpPr>
+            <a:spLocks noGrp="1"/>
+          </p:cNvSpPr>
+          <p:nvPr>
+            <p:ph type="dt" sz="half" idx="10"/>
+          </p:nvPr>
+        </p:nvSpPr>
+        <p:spPr/>
+        <p:txBody>
+          <a:bodyPr/>
+          <a:lstStyle/>
+          <a:p>
+            <a:r>
+              <a:rPr lang="en-US" smtClean="0"/>
+              <a:t>CS@UVa</a:t>
+            </a:r>
+            <a:endParaRPr lang="en-US"/>
+          </a:p>
+        </p:txBody>
+      </p:sp>
+      <p:sp>
+        <p:nvSpPr>
+          <p:cNvPr id="14" name="Slide Number Placeholder 13"/>
+          <p:cNvSpPr>
+            <a:spLocks noGrp="1"/>
+          </p:cNvSpPr>
+          <p:nvPr>
+            <p:ph type="sldNum" sz="quarter" idx="12"/>
+          </p:nvPr>
+        </p:nvSpPr>
+        <p:spPr/>
+        <p:txBody>
+          <a:bodyPr/>
+          <a:lstStyle/>
+          <a:p>
+            <a:fld id="{97D331B6-44EF-44C9-9B8C-E07E76159A89}" type="slidenum">
+              <a:rPr lang="en-US" smtClean="0"/>
+              <a:t>33</a:t>
+            </a:fld>
+            <a:endParaRPr lang="en-US"/>
+          </a:p>
+        </p:txBody>
+      </p:sp>
+      <mc:AlternateContent xmlns:mc="http://schemas.openxmlformats.org/markup-compatibility/2006">
+        <mc:Choice xmlns:a14="http://schemas.microsoft.com/office/drawing/2010/main" Requires="a14">
+          <p:sp>
+            <p:nvSpPr>
+              <p:cNvPr id="468998" name="Text Box 6"/>
+              <p:cNvSpPr txBox="1">
+                <a:spLocks noChangeArrowheads="1"/>
+              </p:cNvSpPr>
+              <p:nvPr/>
+            </p:nvSpPr>
+            <p:spPr bwMode="auto">
+              <a:xfrm>
+                <a:off x="5410200" y="4154313"/>
+                <a:ext cx="3732223" cy="646331"/>
+              </a:xfrm>
+              <a:prstGeom prst="rect">
+                <a:avLst/>
+              </a:prstGeom>
+              <a:noFill/>
+              <a:ln>
+                <a:noFill/>
+              </a:ln>
+              <a:effectLst/>
+              <a:extLst>
+                <a:ext uri="{909E8E84-426E-40DD-AFC4-6F175D3DCCD1}">
+                  <a14:hiddenFill>
+                    <a:solidFill>
+                      <a:schemeClr val="accent1"/>
+                    </a:solidFill>
+                  </a14:hiddenFill>
+                </a:ext>
+                <a:ext uri="{91240B29-F687-4F45-9708-019B960494DF}">
+                  <a14:hiddenLine w="9525">
+                    <a:solidFill>
+                      <a:schemeClr val="tx1"/>
+                    </a:solidFill>
+                    <a:miter lim="800000"/>
+                    <a:headEnd/>
+                    <a:tailEnd/>
+                  </a14:hiddenLine>
+                </a:ext>
+                <a:ext uri="{AF507438-7753-43E0-B8FC-AC1667EBCBE1}">
+                  <a14:hiddenEffects>
+                    <a:effectLst>
+                      <a:outerShdw dist="35921" dir="2700000" algn="ctr" rotWithShape="0">
+                        <a:schemeClr val="bg2"/>
+                      </a:outerShdw>
+                    </a:effectLst>
+                  </a14:hiddenEffects>
+                </a:ext>
+              </a:extLst>
+            </p:spPr>
+            <p:txBody>
+              <a:bodyPr wrap="square">
+                <a:spAutoFit/>
+              </a:bodyPr>
+              <a:lstStyle/>
+              <a:p>
+                <a:r>
+                  <a:rPr lang="en-US" altLang="en-US" sz="1800" b="1" i="0" dirty="0" smtClean="0"/>
+                  <a:t>Using </a:t>
+                </a:r>
+                <a:r>
+                  <a:rPr lang="en-US" altLang="en-US" sz="1800" b="1" i="0" dirty="0"/>
+                  <a:t>Lagrange multiplier </a:t>
+                </a:r>
+                <a:r>
+                  <a:rPr lang="en-US" altLang="en-US" sz="1800" b="1" i="0" dirty="0" smtClean="0"/>
+                  <a:t>approach, </a:t>
+                </a:r>
+                <a:r>
+                  <a:rPr lang="en-US" altLang="en-US" b="1" dirty="0" smtClean="0"/>
+                  <a:t>we’ll </a:t>
+                </a:r>
+                <a:r>
+                  <a:rPr lang="en-US" altLang="en-US" b="1" dirty="0"/>
+                  <a:t>tune </a:t>
+                </a:r>
+                <a14:m>
+                  <m:oMath xmlns:m="http://schemas.openxmlformats.org/officeDocument/2006/math">
+                    <m:sSub>
+                      <m:sSubPr>
+                        <m:ctrlPr>
+                          <a:rPr lang="en-US" altLang="en-US" b="1" i="1">
+                            <a:latin typeface="Cambria Math" panose="02040503050406030204" pitchFamily="18" charset="0"/>
+                          </a:rPr>
+                        </m:ctrlPr>
+                      </m:sSubPr>
+                      <m:e>
+                        <m:r>
+                          <a:rPr lang="en-US" altLang="en-US" b="1" i="1">
+                            <a:latin typeface="Cambria Math"/>
+                          </a:rPr>
+                          <m:t>𝜽</m:t>
+                        </m:r>
+                      </m:e>
+                      <m:sub>
+                        <m:r>
+                          <a:rPr lang="en-US" altLang="en-US" b="1" i="1">
+                            <a:latin typeface="Cambria Math"/>
+                          </a:rPr>
+                          <m:t>𝒊</m:t>
+                        </m:r>
+                      </m:sub>
+                    </m:sSub>
+                  </m:oMath>
+                </a14:m>
+                <a:r>
+                  <a:rPr lang="en-US" altLang="en-US" b="1" dirty="0"/>
+                  <a:t> to maximize </a:t>
+                </a:r>
+                <a14:m>
+                  <m:oMath xmlns:m="http://schemas.openxmlformats.org/officeDocument/2006/math">
+                    <m:r>
+                      <a:rPr lang="en-US" altLang="en-US" b="1" i="1">
+                        <a:latin typeface="Cambria Math"/>
+                      </a:rPr>
+                      <m:t>𝑳</m:t>
+                    </m:r>
+                    <m:r>
+                      <a:rPr lang="en-US" altLang="en-US" b="1" i="1">
+                        <a:latin typeface="Cambria Math"/>
+                      </a:rPr>
+                      <m:t>(</m:t>
+                    </m:r>
+                    <m:r>
+                      <a:rPr lang="en-US" altLang="en-US" b="1" i="1">
+                        <a:latin typeface="Cambria Math"/>
+                      </a:rPr>
+                      <m:t>𝑾</m:t>
+                    </m:r>
+                    <m:r>
+                      <a:rPr lang="en-US" altLang="en-US" b="1" i="1">
+                        <a:latin typeface="Cambria Math"/>
+                      </a:rPr>
+                      <m:t>,</m:t>
+                    </m:r>
+                    <m:r>
+                      <a:rPr lang="en-US" altLang="en-US" b="1" i="1">
+                        <a:latin typeface="Cambria Math"/>
+                      </a:rPr>
+                      <m:t>𝜽</m:t>
+                    </m:r>
+                    <m:r>
+                      <a:rPr lang="en-US" altLang="en-US" b="1" i="1">
+                        <a:latin typeface="Cambria Math"/>
+                      </a:rPr>
+                      <m:t>)</m:t>
+                    </m:r>
+                  </m:oMath>
+                </a14:m>
+                <a:endParaRPr lang="en-US" altLang="en-US" b="1" baseline="-25000" dirty="0"/>
+              </a:p>
+            </p:txBody>
+          </p:sp>
+        </mc:Choice>
+        <mc:Fallback>
+          <p:sp>
+            <p:nvSpPr>
+              <p:cNvPr id="468998" name="Text Box 6"/>
+              <p:cNvSpPr txBox="1">
+                <a:spLocks noRot="1" noChangeAspect="1" noMove="1" noResize="1" noEditPoints="1" noAdjustHandles="1" noChangeArrowheads="1" noChangeShapeType="1" noTextEdit="1"/>
+              </p:cNvSpPr>
+              <p:nvPr/>
+            </p:nvSpPr>
+            <p:spPr bwMode="auto">
+              <a:xfrm>
+                <a:off x="5410200" y="4154313"/>
+                <a:ext cx="3732223" cy="646331"/>
+              </a:xfrm>
+              <a:prstGeom prst="rect">
+                <a:avLst/>
+              </a:prstGeom>
+              <a:blipFill rotWithShape="0">
+                <a:blip r:embed="rId4"/>
+                <a:stretch>
+                  <a:fillRect l="-1471" t="-4673" b="-13084"/>
+                </a:stretch>
+              </a:blipFill>
+              <a:ln>
+                <a:noFill/>
+              </a:ln>
+              <a:effectLst/>
+              <a:extLst>
+                <a:ext uri="{909E8E84-426E-40DD-AFC4-6F175D3DCCD1}">
+                  <a14:hiddenFill xmlns:a14="http://schemas.microsoft.com/office/drawing/2010/main">
+                    <a:solidFill>
+                      <a:schemeClr val="accent1"/>
+                    </a:solidFill>
+                  </a14:hiddenFill>
+                </a:ext>
+                <a:ext uri="{91240B29-F687-4F45-9708-019B960494DF}">
+                  <a14:hiddenLine xmlns:a14="http://schemas.microsoft.com/office/drawing/2010/main" w="9525">
+                    <a:solidFill>
+                      <a:schemeClr val="tx1"/>
+                    </a:solidFill>
+                    <a:miter lim="800000"/>
+                    <a:headEnd/>
+                    <a:tailEnd/>
+                  </a14:hiddenLine>
+                </a:ext>
+                <a:ext uri="{AF507438-7753-43E0-B8FC-AC1667EBCBE1}">
+                  <a14:hiddenEffects xmlns:a14="http://schemas.microsoft.com/office/drawing/2010/main">
+                    <a:effectLst>
+                      <a:outerShdw dist="35921" dir="2700000" algn="ctr" rotWithShape="0">
+                        <a:schemeClr val="bg2"/>
+                      </a:outerShdw>
+                    </a:effectLst>
+                  </a14:hiddenEffects>
+                </a:ext>
+              </a:extLst>
+            </p:spPr>
+            <p:txBody>
+              <a:bodyPr/>
+              <a:lstStyle/>
+              <a:p>
+                <a:r>
+                  <a:rPr lang="en-US">
+                    <a:noFill/>
+                  </a:rPr>
+                  <a:t> </a:t>
+                </a:r>
+              </a:p>
+            </p:txBody>
+          </p:sp>
+        </mc:Fallback>
+      </mc:AlternateContent>
+      <p:sp>
+        <p:nvSpPr>
+          <p:cNvPr id="468999" name="Text Box 7"/>
+          <p:cNvSpPr txBox="1">
+            <a:spLocks noChangeArrowheads="1"/>
+          </p:cNvSpPr>
+          <p:nvPr/>
+        </p:nvSpPr>
+        <p:spPr bwMode="auto">
+          <a:xfrm>
+            <a:off x="5410200" y="5017780"/>
+            <a:ext cx="3054350" cy="366713"/>
+          </a:xfrm>
+          <a:prstGeom prst="rect">
+            <a:avLst/>
+          </a:prstGeom>
+          <a:noFill/>
+          <a:ln>
+            <a:noFill/>
+          </a:ln>
+          <a:effectLst/>
+          <a:extLst>
+            <a:ext uri="{909E8E84-426E-40DD-AFC4-6F175D3DCCD1}">
+              <a14:hiddenFill xmlns:a14="http://schemas.microsoft.com/office/drawing/2010/main">
+                <a:solidFill>
+                  <a:schemeClr val="accent1"/>
+                </a:solidFill>
+              </a14:hiddenFill>
+            </a:ext>
+            <a:ext uri="{91240B29-F687-4F45-9708-019B960494DF}">
+              <a14:hiddenLine xmlns:a14="http://schemas.microsoft.com/office/drawing/2010/main" w="9525">
+                <a:solidFill>
+                  <a:schemeClr val="tx1"/>
+                </a:solidFill>
+                <a:miter lim="800000"/>
+                <a:headEnd/>
+                <a:tailEnd/>
+              </a14:hiddenLine>
+            </a:ext>
+            <a:ext uri="{AF507438-7753-43E0-B8FC-AC1667EBCBE1}">
+              <a14:hiddenEffects xmlns:a14="http://schemas.microsoft.com/office/drawing/2010/main">
+                <a:effectLst>
+                  <a:outerShdw dist="35921" dir="2700000" algn="ctr" rotWithShape="0">
+                    <a:schemeClr val="bg2"/>
+                  </a:outerShdw>
+                </a:effectLst>
+              </a14:hiddenEffects>
+            </a:ext>
+          </a:extLst>
+        </p:spPr>
+        <p:txBody>
+          <a:bodyPr wrap="none">
+            <a:spAutoFit/>
+          </a:bodyPr>
+          <a:lstStyle/>
+          <a:p>
+            <a:r>
+              <a:rPr lang="en-US" altLang="en-US" sz="1800" b="1" i="0" dirty="0"/>
+              <a:t>Set partial derivatives to zero</a:t>
+            </a:r>
+          </a:p>
+        </p:txBody>
+      </p:sp>
+      <p:sp>
+        <p:nvSpPr>
+          <p:cNvPr id="469001" name="Text Box 9"/>
+          <p:cNvSpPr txBox="1">
+            <a:spLocks noChangeArrowheads="1"/>
+          </p:cNvSpPr>
+          <p:nvPr/>
+        </p:nvSpPr>
+        <p:spPr bwMode="auto">
+          <a:xfrm>
+            <a:off x="5410200" y="6317552"/>
+            <a:ext cx="1447800" cy="369332"/>
+          </a:xfrm>
+          <a:prstGeom prst="rect">
+            <a:avLst/>
+          </a:prstGeom>
+          <a:noFill/>
+          <a:ln>
+            <a:noFill/>
+          </a:ln>
+          <a:effectLst/>
+          <a:extLst>
+            <a:ext uri="{909E8E84-426E-40DD-AFC4-6F175D3DCCD1}">
+              <a14:hiddenFill xmlns:a14="http://schemas.microsoft.com/office/drawing/2010/main">
+                <a:solidFill>
+                  <a:schemeClr val="accent1"/>
+                </a:solidFill>
+              </a14:hiddenFill>
+            </a:ext>
+            <a:ext uri="{91240B29-F687-4F45-9708-019B960494DF}">
+              <a14:hiddenLine xmlns:a14="http://schemas.microsoft.com/office/drawing/2010/main" w="9525">
+                <a:solidFill>
+                  <a:schemeClr val="tx1"/>
+                </a:solidFill>
+                <a:miter lim="800000"/>
+                <a:headEnd/>
+                <a:tailEnd/>
+              </a14:hiddenLine>
+            </a:ext>
+            <a:ext uri="{AF507438-7753-43E0-B8FC-AC1667EBCBE1}">
+              <a14:hiddenEffects xmlns:a14="http://schemas.microsoft.com/office/drawing/2010/main">
+                <a:effectLst>
+                  <a:outerShdw dist="35921" dir="2700000" algn="ctr" rotWithShape="0">
+                    <a:schemeClr val="bg2"/>
+                  </a:outerShdw>
+                </a:effectLst>
+              </a14:hiddenEffects>
+            </a:ext>
+          </a:extLst>
+        </p:spPr>
+        <p:txBody>
+          <a:bodyPr wrap="square">
+            <a:spAutoFit/>
+          </a:bodyPr>
+          <a:lstStyle/>
+          <a:p>
+            <a:r>
+              <a:rPr lang="en-US" altLang="en-US" sz="1800" b="1" i="0" dirty="0">
+                <a:solidFill>
+                  <a:srgbClr val="CC0000"/>
+                </a:solidFill>
+              </a:rPr>
+              <a:t>ML estimate</a:t>
+            </a:r>
+          </a:p>
+        </p:txBody>
+      </p:sp>
+      <mc:AlternateContent xmlns:mc="http://schemas.openxmlformats.org/markup-compatibility/2006">
+        <mc:Choice xmlns:a14="http://schemas.microsoft.com/office/drawing/2010/main" Requires="a14">
+          <p:sp>
+            <p:nvSpPr>
+              <p:cNvPr id="3" name="TextBox 2"/>
+              <p:cNvSpPr txBox="1"/>
+              <p:nvPr/>
+            </p:nvSpPr>
+            <p:spPr>
+              <a:xfrm>
+                <a:off x="139231" y="3229511"/>
+                <a:ext cx="5347169" cy="871264"/>
+              </a:xfrm>
+              <a:prstGeom prst="rect">
+                <a:avLst/>
+              </a:prstGeom>
+              <a:noFill/>
+            </p:spPr>
+            <p:txBody>
+              <a:bodyPr wrap="none" rtlCol="0">
+                <a:spAutoFit/>
+              </a:bodyPr>
+              <a:lstStyle/>
+              <a:p>
+                <a:pPr/>
+                <a14:m>
+                  <m:oMathPara xmlns:m="http://schemas.openxmlformats.org/officeDocument/2006/math">
+                    <m:oMathParaPr>
+                      <m:jc m:val="centerGroup"/>
+                    </m:oMathParaPr>
+                    <m:oMath xmlns:m="http://schemas.openxmlformats.org/officeDocument/2006/math">
+                      <m:r>
+                        <a:rPr lang="en-US" b="0" i="1" smtClean="0">
+                          <a:latin typeface="Cambria Math"/>
+                        </a:rPr>
+                        <m:t>𝑝</m:t>
+                      </m:r>
+                      <m:d>
+                        <m:dPr>
+                          <m:ctrlPr>
+                            <a:rPr lang="en-US" b="0" i="1" smtClean="0">
+                              <a:latin typeface="Cambria Math" panose="02040503050406030204" pitchFamily="18" charset="0"/>
+                            </a:rPr>
+                          </m:ctrlPr>
+                        </m:dPr>
+                        <m:e>
+                          <m:r>
+                            <a:rPr lang="en-US" b="0" i="1" smtClean="0">
+                              <a:latin typeface="Cambria Math"/>
+                            </a:rPr>
+                            <m:t>𝑊</m:t>
+                          </m:r>
+                        </m:e>
+                        <m:e>
+                          <m:r>
+                            <a:rPr lang="en-US" b="0" i="1" smtClean="0">
+                              <a:latin typeface="Cambria Math"/>
+                            </a:rPr>
+                            <m:t>𝜃</m:t>
+                          </m:r>
+                        </m:e>
+                      </m:d>
+                      <m:r>
+                        <a:rPr lang="en-US" b="0" i="1" smtClean="0">
+                          <a:latin typeface="Cambria Math"/>
+                        </a:rPr>
+                        <m:t>=</m:t>
+                      </m:r>
+                      <m:d>
+                        <m:dPr>
+                          <m:ctrlPr>
+                            <a:rPr lang="en-US" b="0" i="1" smtClean="0">
+                              <a:latin typeface="Cambria Math" panose="02040503050406030204" pitchFamily="18" charset="0"/>
+                            </a:rPr>
+                          </m:ctrlPr>
+                        </m:dPr>
+                        <m:e>
+                          <m:m>
+                            <m:mPr>
+                              <m:mcs>
+                                <m:mc>
+                                  <m:mcPr>
+                                    <m:count m:val="1"/>
+                                    <m:mcJc m:val="center"/>
+                                  </m:mcPr>
+                                </m:mc>
+                              </m:mcs>
+                              <m:ctrlPr>
+                                <a:rPr lang="en-US" i="1">
+                                  <a:latin typeface="Cambria Math" panose="02040503050406030204" pitchFamily="18" charset="0"/>
+                                </a:rPr>
+                              </m:ctrlPr>
+                            </m:mPr>
+                            <m:mr>
+                              <m:e>
+                                <m:r>
+                                  <m:rPr>
+                                    <m:brk m:alnAt="7"/>
+                                  </m:rPr>
+                                  <a:rPr lang="en-US" i="1">
+                                    <a:latin typeface="Cambria Math"/>
+                                  </a:rPr>
+                                  <m:t>𝑁</m:t>
+                                </m:r>
+                              </m:e>
+                            </m:mr>
+                            <m:mr>
+                              <m:e>
+                                <m:r>
+                                  <a:rPr lang="en-US" i="1">
+                                    <a:latin typeface="Cambria Math"/>
+                                  </a:rPr>
+                                  <m:t>𝑐</m:t>
+                                </m:r>
+                                <m:d>
+                                  <m:dPr>
+                                    <m:ctrlPr>
+                                      <a:rPr lang="en-US" i="1">
+                                        <a:latin typeface="Cambria Math" panose="02040503050406030204" pitchFamily="18" charset="0"/>
+                                      </a:rPr>
+                                    </m:ctrlPr>
+                                  </m:dPr>
+                                  <m:e>
+                                    <m:sSub>
+                                      <m:sSubPr>
+                                        <m:ctrlPr>
+                                          <a:rPr lang="en-US" i="1">
+                                            <a:latin typeface="Cambria Math" panose="02040503050406030204" pitchFamily="18" charset="0"/>
+                                          </a:rPr>
+                                        </m:ctrlPr>
+                                      </m:sSubPr>
+                                      <m:e>
+                                        <m:r>
+                                          <a:rPr lang="en-US" i="1">
+                                            <a:latin typeface="Cambria Math"/>
+                                          </a:rPr>
+                                          <m:t>𝑤</m:t>
+                                        </m:r>
+                                      </m:e>
+                                      <m:sub>
+                                        <m:r>
+                                          <a:rPr lang="en-US" i="1">
+                                            <a:latin typeface="Cambria Math"/>
+                                          </a:rPr>
+                                          <m:t>1</m:t>
+                                        </m:r>
+                                      </m:sub>
+                                    </m:sSub>
+                                  </m:e>
+                                </m:d>
+                                <m:r>
+                                  <a:rPr lang="en-US" i="1">
+                                    <a:latin typeface="Cambria Math"/>
+                                  </a:rPr>
+                                  <m:t>,…,</m:t>
+                                </m:r>
+                                <m:r>
+                                  <a:rPr lang="en-US" i="1">
+                                    <a:latin typeface="Cambria Math"/>
+                                  </a:rPr>
+                                  <m:t>𝑐</m:t>
+                                </m:r>
+                                <m:r>
+                                  <a:rPr lang="en-US" i="1">
+                                    <a:latin typeface="Cambria Math"/>
+                                  </a:rPr>
+                                  <m:t>(</m:t>
+                                </m:r>
+                                <m:sSub>
+                                  <m:sSubPr>
+                                    <m:ctrlPr>
+                                      <a:rPr lang="en-US" i="1">
+                                        <a:latin typeface="Cambria Math" panose="02040503050406030204" pitchFamily="18" charset="0"/>
+                                      </a:rPr>
+                                    </m:ctrlPr>
+                                  </m:sSubPr>
+                                  <m:e>
+                                    <m:r>
+                                      <a:rPr lang="en-US" i="1">
+                                        <a:latin typeface="Cambria Math"/>
+                                      </a:rPr>
+                                      <m:t>𝑤</m:t>
+                                    </m:r>
+                                  </m:e>
+                                  <m:sub>
+                                    <m:r>
+                                      <a:rPr lang="en-US" i="1">
+                                        <a:latin typeface="Cambria Math"/>
+                                      </a:rPr>
+                                      <m:t>𝑁</m:t>
+                                    </m:r>
+                                  </m:sub>
+                                </m:sSub>
+                                <m:r>
+                                  <a:rPr lang="en-US" i="1">
+                                    <a:latin typeface="Cambria Math"/>
+                                  </a:rPr>
+                                  <m:t>)</m:t>
+                                </m:r>
+                              </m:e>
+                            </m:mr>
+                          </m:m>
+                        </m:e>
+                      </m:d>
+                      <m:nary>
+                        <m:naryPr>
+                          <m:chr m:val="∏"/>
+                          <m:ctrlPr>
+                            <a:rPr lang="en-US" b="0" i="1" smtClean="0">
+                              <a:latin typeface="Cambria Math" panose="02040503050406030204" pitchFamily="18" charset="0"/>
+                            </a:rPr>
+                          </m:ctrlPr>
+                        </m:naryPr>
+                        <m:sub>
+                          <m:r>
+                            <m:rPr>
+                              <m:brk m:alnAt="23"/>
+                            </m:rPr>
+                            <a:rPr lang="en-US" b="0" i="1" smtClean="0">
+                              <a:latin typeface="Cambria Math"/>
+                            </a:rPr>
+                            <m:t>𝑖</m:t>
+                          </m:r>
+                          <m:r>
+                            <a:rPr lang="en-US" b="0" i="1" smtClean="0">
+                              <a:latin typeface="Cambria Math"/>
+                            </a:rPr>
+                            <m:t>=1</m:t>
+                          </m:r>
+                        </m:sub>
+                        <m:sup>
+                          <m:r>
+                            <a:rPr lang="en-US" b="0" i="1" smtClean="0">
+                              <a:latin typeface="Cambria Math"/>
+                            </a:rPr>
+                            <m:t>𝑁</m:t>
+                          </m:r>
+                        </m:sup>
+                        <m:e>
+                          <m:sSubSup>
+                            <m:sSubSupPr>
+                              <m:ctrlPr>
+                                <a:rPr lang="en-US" b="0" i="1" smtClean="0">
+                                  <a:latin typeface="Cambria Math" panose="02040503050406030204" pitchFamily="18" charset="0"/>
+                                </a:rPr>
+                              </m:ctrlPr>
+                            </m:sSubSupPr>
+                            <m:e>
+                              <m:r>
+                                <a:rPr lang="en-US" b="0" i="1" smtClean="0">
+                                  <a:latin typeface="Cambria Math"/>
+                                </a:rPr>
+                                <m:t>𝜃</m:t>
+                              </m:r>
+                            </m:e>
+                            <m:sub>
+                              <m:r>
+                                <a:rPr lang="en-US" b="0" i="1" smtClean="0">
+                                  <a:latin typeface="Cambria Math"/>
+                                </a:rPr>
+                                <m:t>𝑖</m:t>
+                              </m:r>
+                            </m:sub>
+                            <m:sup>
+                              <m:r>
+                                <a:rPr lang="en-US" b="0" i="1" smtClean="0">
+                                  <a:latin typeface="Cambria Math"/>
+                                </a:rPr>
+                                <m:t>𝑐</m:t>
+                              </m:r>
+                              <m:r>
+                                <a:rPr lang="en-US" b="0" i="1" smtClean="0">
+                                  <a:latin typeface="Cambria Math"/>
+                                </a:rPr>
+                                <m:t>(</m:t>
+                              </m:r>
+                              <m:sSub>
+                                <m:sSubPr>
+                                  <m:ctrlPr>
+                                    <a:rPr lang="en-US" b="0" i="1" smtClean="0">
+                                      <a:latin typeface="Cambria Math" panose="02040503050406030204" pitchFamily="18" charset="0"/>
+                                    </a:rPr>
+                                  </m:ctrlPr>
+                                </m:sSubPr>
+                                <m:e>
+                                  <m:r>
+                                    <a:rPr lang="en-US" b="0" i="1" smtClean="0">
+                                      <a:latin typeface="Cambria Math"/>
+                                    </a:rPr>
+                                    <m:t>𝑤</m:t>
+                                  </m:r>
+                                </m:e>
+                                <m:sub>
+                                  <m:r>
+                                    <a:rPr lang="en-US" b="0" i="1" smtClean="0">
+                                      <a:latin typeface="Cambria Math"/>
+                                    </a:rPr>
+                                    <m:t>𝑖</m:t>
+                                  </m:r>
+                                </m:sub>
+                              </m:sSub>
+                              <m:r>
+                                <a:rPr lang="en-US" b="0" i="1" smtClean="0">
+                                  <a:latin typeface="Cambria Math"/>
+                                </a:rPr>
+                                <m:t>)</m:t>
+                              </m:r>
+                            </m:sup>
+                          </m:sSubSup>
+                        </m:e>
+                      </m:nary>
+                      <m:r>
+                        <a:rPr lang="en-US" b="0" i="1" smtClean="0">
+                          <a:latin typeface="Cambria Math"/>
+                        </a:rPr>
+                        <m:t>∝</m:t>
+                      </m:r>
+                      <m:nary>
+                        <m:naryPr>
+                          <m:chr m:val="∏"/>
+                          <m:ctrlPr>
+                            <a:rPr lang="en-US" i="1">
+                              <a:latin typeface="Cambria Math" panose="02040503050406030204" pitchFamily="18" charset="0"/>
+                            </a:rPr>
+                          </m:ctrlPr>
+                        </m:naryPr>
+                        <m:sub>
+                          <m:r>
+                            <m:rPr>
+                              <m:brk m:alnAt="23"/>
+                            </m:rPr>
+                            <a:rPr lang="en-US" i="1">
+                              <a:latin typeface="Cambria Math"/>
+                            </a:rPr>
+                            <m:t>𝑖</m:t>
+                          </m:r>
+                          <m:r>
+                            <a:rPr lang="en-US" i="1">
+                              <a:latin typeface="Cambria Math"/>
+                            </a:rPr>
+                            <m:t>=1</m:t>
+                          </m:r>
+                        </m:sub>
+                        <m:sup>
+                          <m:r>
+                            <a:rPr lang="en-US" i="1">
+                              <a:latin typeface="Cambria Math"/>
+                            </a:rPr>
+                            <m:t>𝑁</m:t>
+                          </m:r>
+                        </m:sup>
+                        <m:e>
+                          <m:sSubSup>
+                            <m:sSubSupPr>
+                              <m:ctrlPr>
+                                <a:rPr lang="en-US" i="1">
+                                  <a:latin typeface="Cambria Math" panose="02040503050406030204" pitchFamily="18" charset="0"/>
+                                </a:rPr>
+                              </m:ctrlPr>
+                            </m:sSubSupPr>
+                            <m:e>
+                              <m:r>
+                                <a:rPr lang="en-US" i="1">
+                                  <a:latin typeface="Cambria Math"/>
+                                </a:rPr>
+                                <m:t>𝜃</m:t>
+                              </m:r>
+                            </m:e>
+                            <m:sub>
+                              <m:r>
+                                <a:rPr lang="en-US" i="1">
+                                  <a:latin typeface="Cambria Math"/>
+                                </a:rPr>
+                                <m:t>𝑖</m:t>
+                              </m:r>
+                            </m:sub>
+                            <m:sup>
+                              <m:r>
+                                <a:rPr lang="en-US" i="1">
+                                  <a:latin typeface="Cambria Math"/>
+                                </a:rPr>
+                                <m:t>𝑐</m:t>
+                              </m:r>
+                              <m:r>
+                                <a:rPr lang="en-US" i="1">
+                                  <a:latin typeface="Cambria Math"/>
+                                </a:rPr>
+                                <m:t>(</m:t>
+                              </m:r>
+                              <m:sSub>
+                                <m:sSubPr>
+                                  <m:ctrlPr>
+                                    <a:rPr lang="en-US" i="1">
+                                      <a:latin typeface="Cambria Math" panose="02040503050406030204" pitchFamily="18" charset="0"/>
+                                    </a:rPr>
+                                  </m:ctrlPr>
+                                </m:sSubPr>
+                                <m:e>
+                                  <m:r>
+                                    <a:rPr lang="en-US" i="1">
+                                      <a:latin typeface="Cambria Math"/>
+                                    </a:rPr>
+                                    <m:t>𝑤</m:t>
+                                  </m:r>
+                                </m:e>
+                                <m:sub>
+                                  <m:r>
+                                    <a:rPr lang="en-US" i="1">
+                                      <a:latin typeface="Cambria Math"/>
+                                    </a:rPr>
+                                    <m:t>𝑖</m:t>
+                                  </m:r>
+                                </m:sub>
+                              </m:sSub>
+                              <m:r>
+                                <a:rPr lang="en-US" i="1">
+                                  <a:latin typeface="Cambria Math"/>
+                                </a:rPr>
+                                <m:t>)</m:t>
+                              </m:r>
+                            </m:sup>
+                          </m:sSubSup>
+                        </m:e>
+                      </m:nary>
+                    </m:oMath>
+                  </m:oMathPara>
+                </a14:m>
+                <a:endParaRPr lang="en-US" dirty="0"/>
+              </a:p>
+            </p:txBody>
+          </p:sp>
+        </mc:Choice>
+        <mc:Fallback>
+          <p:sp>
+            <p:nvSpPr>
+              <p:cNvPr id="3" name="TextBox 2"/>
+              <p:cNvSpPr txBox="1">
+                <a:spLocks noRot="1" noChangeAspect="1" noMove="1" noResize="1" noEditPoints="1" noAdjustHandles="1" noChangeArrowheads="1" noChangeShapeType="1" noTextEdit="1"/>
+              </p:cNvSpPr>
+              <p:nvPr/>
+            </p:nvSpPr>
+            <p:spPr>
+              <a:xfrm>
+                <a:off x="139231" y="3229511"/>
+                <a:ext cx="5347169" cy="871264"/>
+              </a:xfrm>
+              <a:prstGeom prst="rect">
+                <a:avLst/>
+              </a:prstGeom>
+              <a:blipFill rotWithShape="0">
+                <a:blip r:embed="rId5"/>
+                <a:stretch>
+                  <a:fillRect/>
+                </a:stretch>
+              </a:blipFill>
+            </p:spPr>
+            <p:txBody>
+              <a:bodyPr/>
+              <a:lstStyle/>
+              <a:p>
+                <a:r>
+                  <a:rPr lang="en-US">
+                    <a:noFill/>
+                  </a:rPr>
+                  <a:t> </a:t>
+                </a:r>
+              </a:p>
+            </p:txBody>
+          </p:sp>
+        </mc:Fallback>
+      </mc:AlternateContent>
+      <p:grpSp>
+        <p:nvGrpSpPr>
+          <p:cNvPr id="15" name="Group 14"/>
+          <p:cNvGrpSpPr/>
+          <p:nvPr/>
+        </p:nvGrpSpPr>
+        <p:grpSpPr>
+          <a:xfrm>
+            <a:off x="5448142" y="3200400"/>
+            <a:ext cx="3314858" cy="900375"/>
+            <a:chOff x="5448142" y="3200400"/>
+            <a:chExt cx="3314858" cy="900375"/>
+          </a:xfrm>
+        </p:grpSpPr>
+        <mc:AlternateContent xmlns:mc="http://schemas.openxmlformats.org/markup-compatibility/2006">
+          <mc:Choice xmlns:a14="http://schemas.microsoft.com/office/drawing/2010/main" Requires="a14">
+            <p:sp>
+              <p:nvSpPr>
+                <p:cNvPr id="12" name="TextBox 11"/>
+                <p:cNvSpPr txBox="1"/>
+                <p:nvPr/>
+              </p:nvSpPr>
+              <p:spPr>
+                <a:xfrm>
+                  <a:off x="5669076" y="3200400"/>
+                  <a:ext cx="3093924" cy="900375"/>
+                </a:xfrm>
+                <a:prstGeom prst="rect">
+                  <a:avLst/>
+                </a:prstGeom>
+                <a:noFill/>
+              </p:spPr>
+              <p:txBody>
+                <a:bodyPr wrap="none" rtlCol="0">
+                  <a:spAutoFit/>
+                </a:bodyPr>
+                <a:lstStyle/>
+                <a:p>
+                  <a:pPr/>
+                  <a14:m>
+                    <m:oMathPara xmlns:m="http://schemas.openxmlformats.org/officeDocument/2006/math">
+                      <m:oMathParaPr>
+                        <m:jc m:val="centerGroup"/>
+                      </m:oMathParaPr>
+                      <m:oMath xmlns:m="http://schemas.openxmlformats.org/officeDocument/2006/math">
+                        <m:func>
+                          <m:funcPr>
+                            <m:ctrlPr>
+                              <a:rPr lang="en-US" b="0" i="1" smtClean="0">
+                                <a:latin typeface="Cambria Math" panose="02040503050406030204" pitchFamily="18" charset="0"/>
+                              </a:rPr>
+                            </m:ctrlPr>
+                          </m:funcPr>
+                          <m:fName>
+                            <m:r>
+                              <m:rPr>
+                                <m:sty m:val="p"/>
+                              </m:rPr>
+                              <a:rPr lang="en-US" b="0" i="0" smtClean="0">
+                                <a:latin typeface="Cambria Math"/>
+                              </a:rPr>
+                              <m:t>log</m:t>
+                            </m:r>
+                          </m:fName>
+                          <m:e>
+                            <m:r>
+                              <a:rPr lang="en-US" i="1">
+                                <a:latin typeface="Cambria Math"/>
+                              </a:rPr>
+                              <m:t>𝑝</m:t>
+                            </m:r>
+                            <m:d>
+                              <m:dPr>
+                                <m:ctrlPr>
+                                  <a:rPr lang="en-US" i="1">
+                                    <a:latin typeface="Cambria Math" panose="02040503050406030204" pitchFamily="18" charset="0"/>
+                                  </a:rPr>
+                                </m:ctrlPr>
+                              </m:dPr>
+                              <m:e>
+                                <m:r>
+                                  <a:rPr lang="en-US" i="1">
+                                    <a:latin typeface="Cambria Math"/>
+                                  </a:rPr>
+                                  <m:t>𝑊</m:t>
+                                </m:r>
+                              </m:e>
+                              <m:e>
+                                <m:r>
+                                  <a:rPr lang="en-US" i="1">
+                                    <a:latin typeface="Cambria Math"/>
+                                  </a:rPr>
+                                  <m:t>𝜃</m:t>
+                                </m:r>
+                              </m:e>
+                            </m:d>
+                          </m:e>
+                        </m:func>
+                        <m:r>
+                          <a:rPr lang="en-US" b="0" i="1" smtClean="0">
+                            <a:latin typeface="Cambria Math"/>
+                          </a:rPr>
+                          <m:t>=</m:t>
+                        </m:r>
+                        <m:nary>
+                          <m:naryPr>
+                            <m:chr m:val="∑"/>
+                            <m:ctrlPr>
+                              <a:rPr lang="en-US" b="0" i="1" smtClean="0">
+                                <a:latin typeface="Cambria Math" panose="02040503050406030204" pitchFamily="18" charset="0"/>
+                              </a:rPr>
+                            </m:ctrlPr>
+                          </m:naryPr>
+                          <m:sub>
+                            <m:r>
+                              <m:rPr>
+                                <m:brk m:alnAt="23"/>
+                              </m:rPr>
+                              <a:rPr lang="en-US" b="0" i="1" smtClean="0">
+                                <a:latin typeface="Cambria Math"/>
+                              </a:rPr>
+                              <m:t>𝑖</m:t>
+                            </m:r>
+                            <m:r>
+                              <a:rPr lang="en-US" b="0" i="1" smtClean="0">
+                                <a:latin typeface="Cambria Math"/>
+                              </a:rPr>
+                              <m:t>=1</m:t>
+                            </m:r>
+                          </m:sub>
+                          <m:sup>
+                            <m:r>
+                              <a:rPr lang="en-US" b="0" i="1" smtClean="0">
+                                <a:latin typeface="Cambria Math"/>
+                              </a:rPr>
+                              <m:t>𝑁</m:t>
+                            </m:r>
+                          </m:sup>
+                          <m:e>
+                            <m:r>
+                              <a:rPr lang="en-US" i="1">
+                                <a:latin typeface="Cambria Math"/>
+                              </a:rPr>
+                              <m:t>𝑐</m:t>
+                            </m:r>
+                            <m:d>
+                              <m:dPr>
+                                <m:ctrlPr>
+                                  <a:rPr lang="en-US" i="1">
+                                    <a:latin typeface="Cambria Math" panose="02040503050406030204" pitchFamily="18" charset="0"/>
+                                  </a:rPr>
+                                </m:ctrlPr>
+                              </m:dPr>
+                              <m:e>
+                                <m:sSub>
+                                  <m:sSubPr>
+                                    <m:ctrlPr>
+                                      <a:rPr lang="en-US" i="1">
+                                        <a:latin typeface="Cambria Math" panose="02040503050406030204" pitchFamily="18" charset="0"/>
+                                      </a:rPr>
+                                    </m:ctrlPr>
+                                  </m:sSubPr>
+                                  <m:e>
+                                    <m:r>
+                                      <a:rPr lang="en-US" i="1">
+                                        <a:latin typeface="Cambria Math"/>
+                                      </a:rPr>
+                                      <m:t>𝑤</m:t>
+                                    </m:r>
+                                  </m:e>
+                                  <m:sub>
+                                    <m:r>
+                                      <a:rPr lang="en-US" i="1">
+                                        <a:latin typeface="Cambria Math"/>
+                                      </a:rPr>
+                                      <m:t>𝑖</m:t>
+                                    </m:r>
+                                  </m:sub>
+                                </m:sSub>
+                              </m:e>
+                            </m:d>
+                            <m:func>
+                              <m:funcPr>
+                                <m:ctrlPr>
+                                  <a:rPr lang="en-US" i="1">
+                                    <a:latin typeface="Cambria Math" panose="02040503050406030204" pitchFamily="18" charset="0"/>
+                                  </a:rPr>
+                                </m:ctrlPr>
+                              </m:funcPr>
+                              <m:fName>
+                                <m:r>
+                                  <m:rPr>
+                                    <m:sty m:val="p"/>
+                                  </m:rPr>
+                                  <a:rPr lang="en-US">
+                                    <a:latin typeface="Cambria Math"/>
+                                  </a:rPr>
+                                  <m:t>log</m:t>
+                                </m:r>
+                              </m:fName>
+                              <m:e>
+                                <m:sSub>
+                                  <m:sSubPr>
+                                    <m:ctrlPr>
+                                      <a:rPr lang="en-US" i="1">
+                                        <a:latin typeface="Cambria Math" panose="02040503050406030204" pitchFamily="18" charset="0"/>
+                                      </a:rPr>
+                                    </m:ctrlPr>
+                                  </m:sSubPr>
+                                  <m:e>
+                                    <m:r>
+                                      <a:rPr lang="en-US" i="1">
+                                        <a:latin typeface="Cambria Math"/>
+                                      </a:rPr>
+                                      <m:t>𝜃</m:t>
+                                    </m:r>
+                                  </m:e>
+                                  <m:sub>
+                                    <m:r>
+                                      <a:rPr lang="en-US" i="1">
+                                        <a:latin typeface="Cambria Math"/>
+                                      </a:rPr>
+                                      <m:t>𝑖</m:t>
+                                    </m:r>
+                                  </m:sub>
+                                </m:sSub>
+                              </m:e>
+                            </m:func>
+                          </m:e>
+                        </m:nary>
+                      </m:oMath>
+                    </m:oMathPara>
+                  </a14:m>
+                  <a:endParaRPr lang="en-US" dirty="0"/>
+                </a:p>
+              </p:txBody>
+            </p:sp>
+          </mc:Choice>
+          <mc:Fallback>
+            <p:sp>
+              <p:nvSpPr>
+                <p:cNvPr id="12" name="TextBox 11"/>
+                <p:cNvSpPr txBox="1">
+                  <a:spLocks noRot="1" noChangeAspect="1" noMove="1" noResize="1" noEditPoints="1" noAdjustHandles="1" noChangeArrowheads="1" noChangeShapeType="1" noTextEdit="1"/>
+                </p:cNvSpPr>
+                <p:nvPr/>
+              </p:nvSpPr>
+              <p:spPr>
+                <a:xfrm>
+                  <a:off x="5669076" y="3200400"/>
+                  <a:ext cx="3093924" cy="900375"/>
+                </a:xfrm>
+                <a:prstGeom prst="rect">
+                  <a:avLst/>
+                </a:prstGeom>
+                <a:blipFill rotWithShape="0">
+                  <a:blip r:embed="rId6"/>
+                  <a:stretch>
+                    <a:fillRect/>
+                  </a:stretch>
+                </a:blipFill>
+              </p:spPr>
+              <p:txBody>
+                <a:bodyPr/>
+                <a:lstStyle/>
+                <a:p>
+                  <a:r>
+                    <a:rPr lang="en-US">
+                      <a:noFill/>
+                    </a:rPr>
+                    <a:t> </a:t>
+                  </a:r>
+                </a:p>
+              </p:txBody>
+            </p:sp>
+          </mc:Fallback>
+        </mc:AlternateContent>
+        <p:sp>
+          <p:nvSpPr>
+            <p:cNvPr id="8" name="Right Arrow 7"/>
+            <p:cNvSpPr/>
+            <p:nvPr/>
+          </p:nvSpPr>
+          <p:spPr>
+            <a:xfrm>
+              <a:off x="5448142" y="3596049"/>
+              <a:ext cx="220934" cy="199926"/>
+            </a:xfrm>
+            <a:prstGeom prst="rightArrow">
+              <a:avLst/>
+            </a:prstGeom>
+          </p:spPr>
+          <p:style>
+            <a:lnRef idx="2">
+              <a:schemeClr val="accent1">
+                <a:shade val="50000"/>
+              </a:schemeClr>
+            </a:lnRef>
+            <a:fillRef idx="1">
+              <a:schemeClr val="accent1"/>
+            </a:fillRef>
+            <a:effectRef idx="0">
+              <a:schemeClr val="accent1"/>
+            </a:effectRef>
+            <a:fontRef idx="minor">
+              <a:schemeClr val="lt1"/>
+            </a:fontRef>
+          </p:style>
+          <p:txBody>
+            <a:bodyPr rtlCol="0" anchor="ctr"/>
+            <a:lstStyle/>
+            <a:p>
+              <a:pPr algn="ctr"/>
+              <a:endParaRPr lang="en-US"/>
+            </a:p>
+          </p:txBody>
+        </p:sp>
+      </p:grpSp>
+      <p:grpSp>
+        <p:nvGrpSpPr>
+          <p:cNvPr id="16" name="Group 15"/>
+          <p:cNvGrpSpPr/>
+          <p:nvPr/>
+        </p:nvGrpSpPr>
+        <p:grpSpPr>
+          <a:xfrm>
+            <a:off x="457200" y="3995901"/>
+            <a:ext cx="4762440" cy="984052"/>
+            <a:chOff x="457200" y="3995901"/>
+            <a:chExt cx="4762440" cy="984052"/>
+          </a:xfrm>
+        </p:grpSpPr>
+        <mc:AlternateContent xmlns:mc="http://schemas.openxmlformats.org/markup-compatibility/2006">
+          <mc:Choice xmlns:a14="http://schemas.microsoft.com/office/drawing/2010/main" Requires="a14">
+            <p:sp>
+              <p:nvSpPr>
+                <p:cNvPr id="13" name="TextBox 12"/>
+                <p:cNvSpPr txBox="1"/>
+                <p:nvPr/>
+              </p:nvSpPr>
+              <p:spPr>
+                <a:xfrm>
+                  <a:off x="753866" y="3995901"/>
+                  <a:ext cx="4465774" cy="984052"/>
+                </a:xfrm>
+                <a:prstGeom prst="rect">
+                  <a:avLst/>
+                </a:prstGeom>
+                <a:noFill/>
+              </p:spPr>
+              <p:txBody>
+                <a:bodyPr wrap="none" rtlCol="0">
+                  <a:spAutoFit/>
+                </a:bodyPr>
+                <a:lstStyle/>
+                <a:p>
+                  <a:pPr/>
+                  <a14:m>
+                    <m:oMathPara xmlns:m="http://schemas.openxmlformats.org/officeDocument/2006/math">
+                      <m:oMathParaPr>
+                        <m:jc m:val="centerGroup"/>
+                      </m:oMathParaPr>
+                      <m:oMath xmlns:m="http://schemas.openxmlformats.org/officeDocument/2006/math">
+                        <m:r>
+                          <a:rPr lang="en-US" b="0" i="1" smtClean="0">
+                            <a:latin typeface="Cambria Math"/>
+                          </a:rPr>
+                          <m:t>𝐿</m:t>
+                        </m:r>
+                        <m:d>
+                          <m:dPr>
+                            <m:ctrlPr>
+                              <a:rPr lang="en-US" b="0" i="1" smtClean="0">
+                                <a:latin typeface="Cambria Math" panose="02040503050406030204" pitchFamily="18" charset="0"/>
+                              </a:rPr>
+                            </m:ctrlPr>
+                          </m:dPr>
+                          <m:e>
+                            <m:r>
+                              <a:rPr lang="en-US" b="0" i="1" smtClean="0">
+                                <a:latin typeface="Cambria Math"/>
+                              </a:rPr>
+                              <m:t>𝑊</m:t>
+                            </m:r>
+                            <m:r>
+                              <a:rPr lang="en-US" b="0" i="1" smtClean="0">
+                                <a:latin typeface="Cambria Math"/>
+                              </a:rPr>
+                              <m:t>,</m:t>
+                            </m:r>
+                            <m:r>
+                              <a:rPr lang="en-US" b="0" i="1" smtClean="0">
+                                <a:latin typeface="Cambria Math"/>
+                              </a:rPr>
+                              <m:t>𝜃</m:t>
+                            </m:r>
+                          </m:e>
+                        </m:d>
+                        <m:r>
+                          <a:rPr lang="en-US" b="0" i="1" smtClean="0">
+                            <a:latin typeface="Cambria Math"/>
+                          </a:rPr>
+                          <m:t>=</m:t>
+                        </m:r>
+                        <m:nary>
+                          <m:naryPr>
+                            <m:chr m:val="∑"/>
+                            <m:ctrlPr>
+                              <a:rPr lang="en-US" b="0" i="1" smtClean="0">
+                                <a:latin typeface="Cambria Math" panose="02040503050406030204" pitchFamily="18" charset="0"/>
+                              </a:rPr>
+                            </m:ctrlPr>
+                          </m:naryPr>
+                          <m:sub>
+                            <m:r>
+                              <m:rPr>
+                                <m:brk m:alnAt="23"/>
+                              </m:rPr>
+                              <a:rPr lang="en-US" b="0" i="1" smtClean="0">
+                                <a:latin typeface="Cambria Math"/>
+                              </a:rPr>
+                              <m:t>𝑖</m:t>
+                            </m:r>
+                            <m:r>
+                              <a:rPr lang="en-US" b="0" i="1" smtClean="0">
+                                <a:latin typeface="Cambria Math"/>
+                              </a:rPr>
+                              <m:t>=1</m:t>
+                            </m:r>
+                          </m:sub>
+                          <m:sup>
+                            <m:r>
+                              <a:rPr lang="en-US" b="0" i="1" smtClean="0">
+                                <a:latin typeface="Cambria Math"/>
+                              </a:rPr>
+                              <m:t>𝑁</m:t>
+                            </m:r>
+                          </m:sup>
+                          <m:e>
+                            <m:r>
+                              <a:rPr lang="en-US" i="1">
+                                <a:latin typeface="Cambria Math"/>
+                              </a:rPr>
+                              <m:t>𝑐</m:t>
+                            </m:r>
+                            <m:d>
+                              <m:dPr>
+                                <m:ctrlPr>
+                                  <a:rPr lang="en-US" i="1">
+                                    <a:latin typeface="Cambria Math" panose="02040503050406030204" pitchFamily="18" charset="0"/>
+                                  </a:rPr>
+                                </m:ctrlPr>
+                              </m:dPr>
+                              <m:e>
+                                <m:sSub>
+                                  <m:sSubPr>
+                                    <m:ctrlPr>
+                                      <a:rPr lang="en-US" i="1">
+                                        <a:latin typeface="Cambria Math" panose="02040503050406030204" pitchFamily="18" charset="0"/>
+                                      </a:rPr>
+                                    </m:ctrlPr>
+                                  </m:sSubPr>
+                                  <m:e>
+                                    <m:r>
+                                      <a:rPr lang="en-US" i="1">
+                                        <a:latin typeface="Cambria Math"/>
+                                      </a:rPr>
+                                      <m:t>𝑤</m:t>
+                                    </m:r>
+                                  </m:e>
+                                  <m:sub>
+                                    <m:r>
+                                      <a:rPr lang="en-US" i="1">
+                                        <a:latin typeface="Cambria Math"/>
+                                      </a:rPr>
+                                      <m:t>𝑖</m:t>
+                                    </m:r>
+                                  </m:sub>
+                                </m:sSub>
+                              </m:e>
+                            </m:d>
+                            <m:func>
+                              <m:funcPr>
+                                <m:ctrlPr>
+                                  <a:rPr lang="en-US" i="1">
+                                    <a:latin typeface="Cambria Math" panose="02040503050406030204" pitchFamily="18" charset="0"/>
+                                  </a:rPr>
+                                </m:ctrlPr>
+                              </m:funcPr>
+                              <m:fName>
+                                <m:r>
+                                  <m:rPr>
+                                    <m:sty m:val="p"/>
+                                  </m:rPr>
+                                  <a:rPr lang="en-US">
+                                    <a:latin typeface="Cambria Math"/>
+                                  </a:rPr>
+                                  <m:t>log</m:t>
+                                </m:r>
+                              </m:fName>
+                              <m:e>
+                                <m:sSub>
+                                  <m:sSubPr>
+                                    <m:ctrlPr>
+                                      <a:rPr lang="en-US" i="1">
+                                        <a:latin typeface="Cambria Math" panose="02040503050406030204" pitchFamily="18" charset="0"/>
+                                      </a:rPr>
+                                    </m:ctrlPr>
+                                  </m:sSubPr>
+                                  <m:e>
+                                    <m:r>
+                                      <a:rPr lang="en-US" i="1">
+                                        <a:latin typeface="Cambria Math"/>
+                                      </a:rPr>
+                                      <m:t>𝜃</m:t>
+                                    </m:r>
+                                  </m:e>
+                                  <m:sub>
+                                    <m:r>
+                                      <a:rPr lang="en-US" i="1">
+                                        <a:latin typeface="Cambria Math"/>
+                                      </a:rPr>
+                                      <m:t>𝑖</m:t>
+                                    </m:r>
+                                  </m:sub>
+                                </m:sSub>
+                              </m:e>
+                            </m:func>
+                          </m:e>
+                        </m:nary>
+                        <m:r>
+                          <a:rPr lang="en-US" b="0" i="1" smtClean="0">
+                            <a:latin typeface="Cambria Math"/>
+                          </a:rPr>
+                          <m:t>+</m:t>
+                        </m:r>
+                        <m:r>
+                          <a:rPr lang="en-US" b="0" i="1" smtClean="0">
+                            <a:latin typeface="Cambria Math"/>
+                          </a:rPr>
+                          <m:t>𝜆</m:t>
+                        </m:r>
+                        <m:d>
+                          <m:dPr>
+                            <m:ctrlPr>
+                              <a:rPr lang="en-US" b="0" i="1" smtClean="0">
+                                <a:latin typeface="Cambria Math" panose="02040503050406030204" pitchFamily="18" charset="0"/>
+                              </a:rPr>
+                            </m:ctrlPr>
+                          </m:dPr>
+                          <m:e>
+                            <m:nary>
+                              <m:naryPr>
+                                <m:chr m:val="∑"/>
+                                <m:ctrlPr>
+                                  <a:rPr lang="en-US" b="0" i="1" smtClean="0">
+                                    <a:latin typeface="Cambria Math" panose="02040503050406030204" pitchFamily="18" charset="0"/>
+                                  </a:rPr>
+                                </m:ctrlPr>
+                              </m:naryPr>
+                              <m:sub>
+                                <m:r>
+                                  <m:rPr>
+                                    <m:brk m:alnAt="23"/>
+                                  </m:rPr>
+                                  <a:rPr lang="en-US" b="0" i="1" smtClean="0">
+                                    <a:latin typeface="Cambria Math"/>
+                                  </a:rPr>
+                                  <m:t>𝑖</m:t>
+                                </m:r>
+                                <m:r>
+                                  <a:rPr lang="en-US" b="0" i="1" smtClean="0">
+                                    <a:latin typeface="Cambria Math"/>
+                                  </a:rPr>
+                                  <m:t>=1</m:t>
+                                </m:r>
+                              </m:sub>
+                              <m:sup>
+                                <m:r>
+                                  <a:rPr lang="en-US" b="0" i="1" smtClean="0">
+                                    <a:latin typeface="Cambria Math"/>
+                                  </a:rPr>
+                                  <m:t>𝑁</m:t>
+                                </m:r>
+                              </m:sup>
+                              <m:e>
+                                <m:sSub>
+                                  <m:sSubPr>
+                                    <m:ctrlPr>
+                                      <a:rPr lang="en-US" b="0" i="1" smtClean="0">
+                                        <a:latin typeface="Cambria Math" panose="02040503050406030204" pitchFamily="18" charset="0"/>
+                                      </a:rPr>
+                                    </m:ctrlPr>
+                                  </m:sSubPr>
+                                  <m:e>
+                                    <m:r>
+                                      <a:rPr lang="en-US" b="0" i="1" smtClean="0">
+                                        <a:latin typeface="Cambria Math"/>
+                                      </a:rPr>
+                                      <m:t>𝜃</m:t>
+                                    </m:r>
+                                  </m:e>
+                                  <m:sub>
+                                    <m:r>
+                                      <a:rPr lang="en-US" b="0" i="1" smtClean="0">
+                                        <a:latin typeface="Cambria Math"/>
+                                      </a:rPr>
+                                      <m:t>𝑖</m:t>
+                                    </m:r>
+                                  </m:sub>
+                                </m:sSub>
+                              </m:e>
+                            </m:nary>
+                            <m:r>
+                              <a:rPr lang="en-US" b="0" i="1" smtClean="0">
+                                <a:latin typeface="Cambria Math"/>
+                              </a:rPr>
+                              <m:t>−1</m:t>
+                            </m:r>
+                          </m:e>
+                        </m:d>
+                      </m:oMath>
+                    </m:oMathPara>
+                  </a14:m>
+                  <a:endParaRPr lang="en-US" dirty="0"/>
+                </a:p>
+              </p:txBody>
+            </p:sp>
+          </mc:Choice>
+          <mc:Fallback>
+            <p:sp>
+              <p:nvSpPr>
+                <p:cNvPr id="13" name="TextBox 12"/>
+                <p:cNvSpPr txBox="1">
+                  <a:spLocks noRot="1" noChangeAspect="1" noMove="1" noResize="1" noEditPoints="1" noAdjustHandles="1" noChangeArrowheads="1" noChangeShapeType="1" noTextEdit="1"/>
+                </p:cNvSpPr>
+                <p:nvPr/>
+              </p:nvSpPr>
+              <p:spPr>
+                <a:xfrm>
+                  <a:off x="753866" y="3995901"/>
+                  <a:ext cx="4465774" cy="984052"/>
+                </a:xfrm>
+                <a:prstGeom prst="rect">
+                  <a:avLst/>
+                </a:prstGeom>
+                <a:blipFill rotWithShape="0">
+                  <a:blip r:embed="rId7"/>
+                  <a:stretch>
+                    <a:fillRect/>
+                  </a:stretch>
+                </a:blipFill>
+              </p:spPr>
+              <p:txBody>
+                <a:bodyPr/>
+                <a:lstStyle/>
+                <a:p>
+                  <a:r>
+                    <a:rPr lang="en-US">
+                      <a:noFill/>
+                    </a:rPr>
+                    <a:t> </a:t>
+                  </a:r>
+                </a:p>
+              </p:txBody>
+            </p:sp>
+          </mc:Fallback>
+        </mc:AlternateContent>
+        <p:sp>
+          <p:nvSpPr>
+            <p:cNvPr id="20" name="Right Arrow 19"/>
+            <p:cNvSpPr/>
+            <p:nvPr/>
+          </p:nvSpPr>
+          <p:spPr>
+            <a:xfrm>
+              <a:off x="457200" y="4387964"/>
+              <a:ext cx="220934" cy="199926"/>
+            </a:xfrm>
+            <a:prstGeom prst="rightArrow">
+              <a:avLst/>
+            </a:prstGeom>
+          </p:spPr>
+          <p:style>
+            <a:lnRef idx="2">
+              <a:schemeClr val="accent1">
+                <a:shade val="50000"/>
+              </a:schemeClr>
+            </a:lnRef>
+            <a:fillRef idx="1">
+              <a:schemeClr val="accent1"/>
+            </a:fillRef>
+            <a:effectRef idx="0">
+              <a:schemeClr val="accent1"/>
+            </a:effectRef>
+            <a:fontRef idx="minor">
+              <a:schemeClr val="lt1"/>
+            </a:fontRef>
+          </p:style>
+          <p:txBody>
+            <a:bodyPr rtlCol="0" anchor="ctr"/>
+            <a:lstStyle/>
+            <a:p>
+              <a:pPr algn="ctr"/>
+              <a:endParaRPr lang="en-US"/>
+            </a:p>
+          </p:txBody>
+        </p:sp>
+      </p:grpSp>
+      <p:grpSp>
+        <p:nvGrpSpPr>
+          <p:cNvPr id="17" name="Group 16"/>
+          <p:cNvGrpSpPr/>
+          <p:nvPr/>
+        </p:nvGrpSpPr>
+        <p:grpSpPr>
+          <a:xfrm>
+            <a:off x="457200" y="4876800"/>
+            <a:ext cx="4021356" cy="676724"/>
+            <a:chOff x="457200" y="4876800"/>
+            <a:chExt cx="4021356" cy="676724"/>
+          </a:xfrm>
+        </p:grpSpPr>
+        <mc:AlternateContent xmlns:mc="http://schemas.openxmlformats.org/markup-compatibility/2006">
+          <mc:Choice xmlns:a14="http://schemas.microsoft.com/office/drawing/2010/main" Requires="a14">
+            <p:sp>
+              <p:nvSpPr>
+                <p:cNvPr id="4" name="TextBox 3"/>
+                <p:cNvSpPr txBox="1"/>
+                <p:nvPr/>
+              </p:nvSpPr>
+              <p:spPr>
+                <a:xfrm>
+                  <a:off x="838200" y="4876800"/>
+                  <a:ext cx="3640356" cy="676724"/>
+                </a:xfrm>
+                <a:prstGeom prst="rect">
+                  <a:avLst/>
+                </a:prstGeom>
+                <a:noFill/>
+              </p:spPr>
+              <p:txBody>
+                <a:bodyPr wrap="none" rtlCol="0">
+                  <a:spAutoFit/>
+                </a:bodyPr>
+                <a:lstStyle/>
+                <a:p>
+                  <a:pPr/>
+                  <a14:m>
+                    <m:oMathPara xmlns:m="http://schemas.openxmlformats.org/officeDocument/2006/math">
+                      <m:oMathParaPr>
+                        <m:jc m:val="centerGroup"/>
+                      </m:oMathParaPr>
+                      <m:oMath xmlns:m="http://schemas.openxmlformats.org/officeDocument/2006/math">
+                        <m:f>
+                          <m:fPr>
+                            <m:ctrlPr>
+                              <a:rPr lang="en-US" i="1" smtClean="0">
+                                <a:latin typeface="Cambria Math" panose="02040503050406030204" pitchFamily="18" charset="0"/>
+                              </a:rPr>
+                            </m:ctrlPr>
+                          </m:fPr>
+                          <m:num>
+                            <m:r>
+                              <a:rPr lang="en-US" i="1" smtClean="0">
+                                <a:latin typeface="Cambria Math"/>
+                                <a:ea typeface="Cambria Math"/>
+                              </a:rPr>
+                              <m:t>𝜕</m:t>
+                            </m:r>
+                            <m:r>
+                              <a:rPr lang="en-US" b="0" i="1" smtClean="0">
+                                <a:latin typeface="Cambria Math"/>
+                                <a:ea typeface="Cambria Math"/>
+                              </a:rPr>
+                              <m:t>𝐿</m:t>
+                            </m:r>
+                          </m:num>
+                          <m:den>
+                            <m:r>
+                              <a:rPr lang="en-US" i="1" smtClean="0">
+                                <a:latin typeface="Cambria Math"/>
+                                <a:ea typeface="Cambria Math"/>
+                              </a:rPr>
+                              <m:t>𝜕</m:t>
+                            </m:r>
+                            <m:sSub>
+                              <m:sSubPr>
+                                <m:ctrlPr>
+                                  <a:rPr lang="en-US" b="0" i="1" smtClean="0">
+                                    <a:latin typeface="Cambria Math" panose="02040503050406030204" pitchFamily="18" charset="0"/>
+                                    <a:ea typeface="Cambria Math"/>
+                                  </a:rPr>
+                                </m:ctrlPr>
+                              </m:sSubPr>
+                              <m:e>
+                                <m:r>
+                                  <a:rPr lang="en-US" b="0" i="1" smtClean="0">
+                                    <a:latin typeface="Cambria Math"/>
+                                    <a:ea typeface="Cambria Math"/>
+                                  </a:rPr>
+                                  <m:t>𝜃</m:t>
+                                </m:r>
+                              </m:e>
+                              <m:sub>
+                                <m:r>
+                                  <a:rPr lang="en-US" b="0" i="1" smtClean="0">
+                                    <a:latin typeface="Cambria Math"/>
+                                    <a:ea typeface="Cambria Math"/>
+                                  </a:rPr>
+                                  <m:t>𝑖</m:t>
+                                </m:r>
+                              </m:sub>
+                            </m:sSub>
+                          </m:den>
+                        </m:f>
+                        <m:r>
+                          <a:rPr lang="en-US" b="0" i="1" smtClean="0">
+                            <a:latin typeface="Cambria Math"/>
+                          </a:rPr>
+                          <m:t>=</m:t>
+                        </m:r>
+                        <m:f>
+                          <m:fPr>
+                            <m:ctrlPr>
+                              <a:rPr lang="en-US" b="0" i="1" smtClean="0">
+                                <a:latin typeface="Cambria Math" panose="02040503050406030204" pitchFamily="18" charset="0"/>
+                              </a:rPr>
+                            </m:ctrlPr>
+                          </m:fPr>
+                          <m:num>
+                            <m:r>
+                              <a:rPr lang="en-US" b="0" i="1" smtClean="0">
+                                <a:latin typeface="Cambria Math"/>
+                              </a:rPr>
+                              <m:t>𝑐</m:t>
+                            </m:r>
+                            <m:d>
+                              <m:dPr>
+                                <m:ctrlPr>
+                                  <a:rPr lang="en-US" b="0" i="1" smtClean="0">
+                                    <a:latin typeface="Cambria Math" panose="02040503050406030204" pitchFamily="18" charset="0"/>
+                                  </a:rPr>
+                                </m:ctrlPr>
+                              </m:dPr>
+                              <m:e>
+                                <m:sSub>
+                                  <m:sSubPr>
+                                    <m:ctrlPr>
+                                      <a:rPr lang="en-US" b="0" i="1" smtClean="0">
+                                        <a:latin typeface="Cambria Math" panose="02040503050406030204" pitchFamily="18" charset="0"/>
+                                      </a:rPr>
+                                    </m:ctrlPr>
+                                  </m:sSubPr>
+                                  <m:e>
+                                    <m:r>
+                                      <a:rPr lang="en-US" b="0" i="1" smtClean="0">
+                                        <a:latin typeface="Cambria Math"/>
+                                      </a:rPr>
+                                      <m:t>𝑤</m:t>
+                                    </m:r>
+                                  </m:e>
+                                  <m:sub>
+                                    <m:r>
+                                      <a:rPr lang="en-US" b="0" i="1" smtClean="0">
+                                        <a:latin typeface="Cambria Math"/>
+                                      </a:rPr>
+                                      <m:t>𝑖</m:t>
+                                    </m:r>
+                                  </m:sub>
+                                </m:sSub>
+                              </m:e>
+                            </m:d>
+                          </m:num>
+                          <m:den>
+                            <m:sSub>
+                              <m:sSubPr>
+                                <m:ctrlPr>
+                                  <a:rPr lang="en-US" b="0" i="1" smtClean="0">
+                                    <a:latin typeface="Cambria Math" panose="02040503050406030204" pitchFamily="18" charset="0"/>
+                                  </a:rPr>
+                                </m:ctrlPr>
+                              </m:sSubPr>
+                              <m:e>
+                                <m:r>
+                                  <a:rPr lang="en-US" b="0" i="1" smtClean="0">
+                                    <a:latin typeface="Cambria Math"/>
+                                  </a:rPr>
+                                  <m:t>𝜃</m:t>
+                                </m:r>
+                              </m:e>
+                              <m:sub>
+                                <m:r>
+                                  <a:rPr lang="en-US" b="0" i="1" smtClean="0">
+                                    <a:latin typeface="Cambria Math"/>
+                                  </a:rPr>
+                                  <m:t>𝑖</m:t>
+                                </m:r>
+                              </m:sub>
+                            </m:sSub>
+                          </m:den>
+                        </m:f>
+                        <m:r>
+                          <a:rPr lang="en-US" b="0" i="1" smtClean="0">
+                            <a:latin typeface="Cambria Math"/>
+                          </a:rPr>
+                          <m:t>+</m:t>
+                        </m:r>
+                        <m:r>
+                          <a:rPr lang="en-US" b="0" i="1" smtClean="0">
+                            <a:latin typeface="Cambria Math"/>
+                          </a:rPr>
+                          <m:t>𝜆</m:t>
+                        </m:r>
+                        <m:r>
+                          <a:rPr lang="en-US" b="0" i="1" smtClean="0">
+                            <a:latin typeface="Cambria Math"/>
+                          </a:rPr>
+                          <m:t>   →  </m:t>
+                        </m:r>
+                        <m:sSub>
+                          <m:sSubPr>
+                            <m:ctrlPr>
+                              <a:rPr lang="en-US" b="0" i="1" smtClean="0">
+                                <a:latin typeface="Cambria Math" panose="02040503050406030204" pitchFamily="18" charset="0"/>
+                                <a:ea typeface="Cambria Math"/>
+                              </a:rPr>
+                            </m:ctrlPr>
+                          </m:sSubPr>
+                          <m:e>
+                            <m:r>
+                              <a:rPr lang="en-US" b="0" i="1" smtClean="0">
+                                <a:latin typeface="Cambria Math"/>
+                                <a:ea typeface="Cambria Math"/>
+                              </a:rPr>
+                              <m:t>𝜃</m:t>
+                            </m:r>
+                          </m:e>
+                          <m:sub>
+                            <m:r>
+                              <a:rPr lang="en-US" b="0" i="1" smtClean="0">
+                                <a:latin typeface="Cambria Math"/>
+                                <a:ea typeface="Cambria Math"/>
+                              </a:rPr>
+                              <m:t>𝑖</m:t>
+                            </m:r>
+                          </m:sub>
+                        </m:sSub>
+                        <m:r>
+                          <a:rPr lang="en-US" b="0" i="1" smtClean="0">
+                            <a:latin typeface="Cambria Math"/>
+                            <a:ea typeface="Cambria Math"/>
+                          </a:rPr>
+                          <m:t>=−</m:t>
+                        </m:r>
+                        <m:f>
+                          <m:fPr>
+                            <m:ctrlPr>
+                              <a:rPr lang="en-US" b="0" i="1" smtClean="0">
+                                <a:latin typeface="Cambria Math" panose="02040503050406030204" pitchFamily="18" charset="0"/>
+                                <a:ea typeface="Cambria Math"/>
+                              </a:rPr>
+                            </m:ctrlPr>
+                          </m:fPr>
+                          <m:num>
+                            <m:r>
+                              <a:rPr lang="en-US" b="0" i="1" smtClean="0">
+                                <a:latin typeface="Cambria Math"/>
+                                <a:ea typeface="Cambria Math"/>
+                              </a:rPr>
+                              <m:t>𝑐</m:t>
+                            </m:r>
+                            <m:d>
+                              <m:dPr>
+                                <m:ctrlPr>
+                                  <a:rPr lang="en-US" b="0" i="1" smtClean="0">
+                                    <a:latin typeface="Cambria Math" panose="02040503050406030204" pitchFamily="18" charset="0"/>
+                                    <a:ea typeface="Cambria Math"/>
+                                  </a:rPr>
+                                </m:ctrlPr>
+                              </m:dPr>
+                              <m:e>
+                                <m:sSub>
+                                  <m:sSubPr>
+                                    <m:ctrlPr>
+                                      <a:rPr lang="en-US" b="0" i="1" smtClean="0">
+                                        <a:latin typeface="Cambria Math" panose="02040503050406030204" pitchFamily="18" charset="0"/>
+                                        <a:ea typeface="Cambria Math"/>
+                                      </a:rPr>
+                                    </m:ctrlPr>
+                                  </m:sSubPr>
+                                  <m:e>
+                                    <m:r>
+                                      <a:rPr lang="en-US" b="0" i="1" smtClean="0">
+                                        <a:latin typeface="Cambria Math"/>
+                                        <a:ea typeface="Cambria Math"/>
+                                      </a:rPr>
+                                      <m:t>𝑤</m:t>
+                                    </m:r>
+                                  </m:e>
+                                  <m:sub>
+                                    <m:r>
+                                      <a:rPr lang="en-US" b="0" i="1" smtClean="0">
+                                        <a:latin typeface="Cambria Math"/>
+                                        <a:ea typeface="Cambria Math"/>
+                                      </a:rPr>
+                                      <m:t>𝑖</m:t>
+                                    </m:r>
+                                  </m:sub>
+                                </m:sSub>
+                              </m:e>
+                            </m:d>
+                          </m:num>
+                          <m:den>
+                            <m:r>
+                              <a:rPr lang="en-US" b="0" i="1" smtClean="0">
+                                <a:latin typeface="Cambria Math"/>
+                                <a:ea typeface="Cambria Math"/>
+                              </a:rPr>
+                              <m:t>𝜆</m:t>
+                            </m:r>
+                          </m:den>
+                        </m:f>
+                      </m:oMath>
+                    </m:oMathPara>
+                  </a14:m>
+                  <a:endParaRPr lang="en-US" dirty="0"/>
+                </a:p>
+              </p:txBody>
+            </p:sp>
+          </mc:Choice>
+          <mc:Fallback>
+            <p:sp>
+              <p:nvSpPr>
+                <p:cNvPr id="4" name="TextBox 3"/>
+                <p:cNvSpPr txBox="1">
+                  <a:spLocks noRot="1" noChangeAspect="1" noMove="1" noResize="1" noEditPoints="1" noAdjustHandles="1" noChangeArrowheads="1" noChangeShapeType="1" noTextEdit="1"/>
+                </p:cNvSpPr>
+                <p:nvPr/>
+              </p:nvSpPr>
+              <p:spPr>
+                <a:xfrm>
+                  <a:off x="838200" y="4876800"/>
+                  <a:ext cx="3640356" cy="676724"/>
+                </a:xfrm>
+                <a:prstGeom prst="rect">
+                  <a:avLst/>
+                </a:prstGeom>
+                <a:blipFill rotWithShape="0">
+                  <a:blip r:embed="rId8"/>
+                  <a:stretch>
+                    <a:fillRect/>
+                  </a:stretch>
+                </a:blipFill>
+              </p:spPr>
+              <p:txBody>
+                <a:bodyPr/>
+                <a:lstStyle/>
+                <a:p>
+                  <a:r>
+                    <a:rPr lang="en-US">
+                      <a:noFill/>
+                    </a:rPr>
+                    <a:t> </a:t>
+                  </a:r>
+                </a:p>
+              </p:txBody>
+            </p:sp>
+          </mc:Fallback>
+        </mc:AlternateContent>
+        <p:sp>
+          <p:nvSpPr>
+            <p:cNvPr id="21" name="Right Arrow 20"/>
+            <p:cNvSpPr/>
+            <p:nvPr/>
+          </p:nvSpPr>
+          <p:spPr>
+            <a:xfrm>
+              <a:off x="457200" y="5134074"/>
+              <a:ext cx="220934" cy="199926"/>
+            </a:xfrm>
+            <a:prstGeom prst="rightArrow">
+              <a:avLst/>
+            </a:prstGeom>
+          </p:spPr>
+          <p:style>
+            <a:lnRef idx="2">
+              <a:schemeClr val="accent1">
+                <a:shade val="50000"/>
+              </a:schemeClr>
+            </a:lnRef>
+            <a:fillRef idx="1">
+              <a:schemeClr val="accent1"/>
+            </a:fillRef>
+            <a:effectRef idx="0">
+              <a:schemeClr val="accent1"/>
+            </a:effectRef>
+            <a:fontRef idx="minor">
+              <a:schemeClr val="lt1"/>
+            </a:fontRef>
+          </p:style>
+          <p:txBody>
+            <a:bodyPr rtlCol="0" anchor="ctr"/>
+            <a:lstStyle/>
+            <a:p>
+              <a:pPr algn="ctr"/>
+              <a:endParaRPr lang="en-US"/>
+            </a:p>
+          </p:txBody>
+        </p:sp>
+      </p:grpSp>
+      <p:grpSp>
+        <p:nvGrpSpPr>
+          <p:cNvPr id="18" name="Group 17"/>
+          <p:cNvGrpSpPr/>
+          <p:nvPr/>
+        </p:nvGrpSpPr>
+        <p:grpSpPr>
+          <a:xfrm>
+            <a:off x="457200" y="5446288"/>
+            <a:ext cx="4867505" cy="871264"/>
+            <a:chOff x="457200" y="5446288"/>
+            <a:chExt cx="4867505" cy="871264"/>
+          </a:xfrm>
+        </p:grpSpPr>
+        <mc:AlternateContent xmlns:mc="http://schemas.openxmlformats.org/markup-compatibility/2006">
+          <mc:Choice xmlns:a14="http://schemas.microsoft.com/office/drawing/2010/main" Requires="a14">
+            <p:sp>
+              <p:nvSpPr>
+                <p:cNvPr id="5" name="TextBox 4"/>
+                <p:cNvSpPr txBox="1"/>
+                <p:nvPr/>
+              </p:nvSpPr>
+              <p:spPr>
+                <a:xfrm>
+                  <a:off x="1490627" y="5697511"/>
+                  <a:ext cx="1100173" cy="384464"/>
+                </a:xfrm>
+                <a:prstGeom prst="rect">
+                  <a:avLst/>
+                </a:prstGeom>
+                <a:noFill/>
+              </p:spPr>
+              <p:txBody>
+                <a:bodyPr wrap="none" rtlCol="0">
+                  <a:spAutoFit/>
+                </a:bodyPr>
+                <a:lstStyle/>
+                <a:p>
+                  <a14:m>
+                    <m:oMath xmlns:m="http://schemas.openxmlformats.org/officeDocument/2006/math">
+                      <m:nary>
+                        <m:naryPr>
+                          <m:chr m:val="∑"/>
+                          <m:ctrlPr>
+                            <a:rPr lang="en-US" i="1" smtClean="0">
+                              <a:latin typeface="Cambria Math" panose="02040503050406030204" pitchFamily="18" charset="0"/>
+                            </a:rPr>
+                          </m:ctrlPr>
+                        </m:naryPr>
+                        <m:sub>
+                          <m:r>
+                            <m:rPr>
+                              <m:brk m:alnAt="23"/>
+                            </m:rPr>
+                            <a:rPr lang="en-US" b="0" i="1" smtClean="0">
+                              <a:latin typeface="Cambria Math"/>
+                            </a:rPr>
+                            <m:t>𝑖</m:t>
+                          </m:r>
+                          <m:r>
+                            <a:rPr lang="en-US" b="0" i="1" smtClean="0">
+                              <a:latin typeface="Cambria Math"/>
+                            </a:rPr>
+                            <m:t>=1</m:t>
+                          </m:r>
+                        </m:sub>
+                        <m:sup>
+                          <m:r>
+                            <a:rPr lang="en-US" b="0" i="1" smtClean="0">
+                              <a:latin typeface="Cambria Math"/>
+                            </a:rPr>
+                            <m:t>𝑁</m:t>
+                          </m:r>
+                        </m:sup>
+                        <m:e>
+                          <m:sSub>
+                            <m:sSubPr>
+                              <m:ctrlPr>
+                                <a:rPr lang="en-US" b="0" i="1" smtClean="0">
+                                  <a:latin typeface="Cambria Math" panose="02040503050406030204" pitchFamily="18" charset="0"/>
+                                </a:rPr>
+                              </m:ctrlPr>
+                            </m:sSubPr>
+                            <m:e>
+                              <m:r>
+                                <a:rPr lang="en-US" b="0" i="1" smtClean="0">
+                                  <a:latin typeface="Cambria Math"/>
+                                </a:rPr>
+                                <m:t>𝜃</m:t>
+                              </m:r>
+                            </m:e>
+                            <m:sub>
+                              <m:r>
+                                <a:rPr lang="en-US" b="0" i="1" smtClean="0">
+                                  <a:latin typeface="Cambria Math"/>
+                                </a:rPr>
+                                <m:t>𝑖</m:t>
+                              </m:r>
+                            </m:sub>
+                          </m:sSub>
+                        </m:e>
+                      </m:nary>
+                    </m:oMath>
+                  </a14:m>
+                  <a:r>
+                    <a:rPr lang="en-US" dirty="0" smtClean="0"/>
+                    <a:t>=1</a:t>
+                  </a:r>
+                  <a:endParaRPr lang="en-US" dirty="0"/>
+                </a:p>
+              </p:txBody>
+            </p:sp>
+          </mc:Choice>
+          <mc:Fallback>
+            <p:sp>
+              <p:nvSpPr>
+                <p:cNvPr id="5" name="TextBox 4"/>
+                <p:cNvSpPr txBox="1">
+                  <a:spLocks noRot="1" noChangeAspect="1" noMove="1" noResize="1" noEditPoints="1" noAdjustHandles="1" noChangeArrowheads="1" noChangeShapeType="1" noTextEdit="1"/>
+                </p:cNvSpPr>
+                <p:nvPr/>
+              </p:nvSpPr>
+              <p:spPr>
+                <a:xfrm>
+                  <a:off x="1490627" y="5697511"/>
+                  <a:ext cx="1100173" cy="384464"/>
+                </a:xfrm>
+                <a:prstGeom prst="rect">
+                  <a:avLst/>
+                </a:prstGeom>
+                <a:blipFill rotWithShape="0">
+                  <a:blip r:embed="rId9"/>
+                  <a:stretch>
+                    <a:fillRect l="-31111" t="-111111" r="-3889" b="-179365"/>
+                  </a:stretch>
+                </a:blipFill>
+              </p:spPr>
+              <p:txBody>
+                <a:bodyPr/>
+                <a:lstStyle/>
+                <a:p>
+                  <a:r>
+                    <a:rPr lang="en-US">
+                      <a:noFill/>
+                    </a:rPr>
+                    <a:t> </a:t>
+                  </a:r>
+                </a:p>
+              </p:txBody>
+            </p:sp>
+          </mc:Fallback>
+        </mc:AlternateContent>
+        <mc:AlternateContent xmlns:mc="http://schemas.openxmlformats.org/markup-compatibility/2006">
+          <mc:Choice xmlns:a14="http://schemas.microsoft.com/office/drawing/2010/main" Requires="a14">
+            <p:sp>
+              <p:nvSpPr>
+                <p:cNvPr id="6" name="TextBox 5"/>
+                <p:cNvSpPr txBox="1"/>
+                <p:nvPr/>
+              </p:nvSpPr>
+              <p:spPr>
+                <a:xfrm>
+                  <a:off x="3553579" y="5446288"/>
+                  <a:ext cx="1771126" cy="871264"/>
+                </a:xfrm>
+                <a:prstGeom prst="rect">
+                  <a:avLst/>
+                </a:prstGeom>
+                <a:noFill/>
+              </p:spPr>
+              <p:txBody>
+                <a:bodyPr wrap="none" rtlCol="0">
+                  <a:spAutoFit/>
+                </a:bodyPr>
+                <a:lstStyle/>
+                <a:p>
+                  <a:pPr/>
+                  <a14:m>
+                    <m:oMathPara xmlns:m="http://schemas.openxmlformats.org/officeDocument/2006/math">
+                      <m:oMathParaPr>
+                        <m:jc m:val="centerGroup"/>
+                      </m:oMathParaPr>
+                      <m:oMath xmlns:m="http://schemas.openxmlformats.org/officeDocument/2006/math">
+                        <m:r>
+                          <a:rPr lang="en-US" b="0" i="1" smtClean="0">
+                            <a:latin typeface="Cambria Math"/>
+                          </a:rPr>
+                          <m:t>𝜆</m:t>
+                        </m:r>
+                        <m:r>
+                          <a:rPr lang="en-US" b="0" i="1" smtClean="0">
+                            <a:latin typeface="Cambria Math"/>
+                          </a:rPr>
+                          <m:t>=−</m:t>
+                        </m:r>
+                        <m:nary>
+                          <m:naryPr>
+                            <m:chr m:val="∑"/>
+                            <m:ctrlPr>
+                              <a:rPr lang="en-US" b="0" i="1" smtClean="0">
+                                <a:latin typeface="Cambria Math" panose="02040503050406030204" pitchFamily="18" charset="0"/>
+                              </a:rPr>
+                            </m:ctrlPr>
+                          </m:naryPr>
+                          <m:sub>
+                            <m:r>
+                              <m:rPr>
+                                <m:brk m:alnAt="23"/>
+                              </m:rPr>
+                              <a:rPr lang="en-US" b="0" i="1" smtClean="0">
+                                <a:latin typeface="Cambria Math"/>
+                              </a:rPr>
+                              <m:t>𝑖</m:t>
+                            </m:r>
+                            <m:r>
+                              <a:rPr lang="en-US" b="0" i="1" smtClean="0">
+                                <a:latin typeface="Cambria Math"/>
+                              </a:rPr>
+                              <m:t>=1</m:t>
+                            </m:r>
+                          </m:sub>
+                          <m:sup>
+                            <m:r>
+                              <a:rPr lang="en-US" b="0" i="1" smtClean="0">
+                                <a:latin typeface="Cambria Math"/>
+                              </a:rPr>
+                              <m:t>𝑁</m:t>
+                            </m:r>
+                          </m:sup>
+                          <m:e>
+                            <m:r>
+                              <a:rPr lang="en-US" b="0" i="1" smtClean="0">
+                                <a:latin typeface="Cambria Math"/>
+                              </a:rPr>
+                              <m:t>𝑐</m:t>
+                            </m:r>
+                            <m:d>
+                              <m:dPr>
+                                <m:ctrlPr>
+                                  <a:rPr lang="en-US" b="0" i="1" smtClean="0">
+                                    <a:latin typeface="Cambria Math" panose="02040503050406030204" pitchFamily="18" charset="0"/>
+                                  </a:rPr>
+                                </m:ctrlPr>
+                              </m:dPr>
+                              <m:e>
+                                <m:sSub>
+                                  <m:sSubPr>
+                                    <m:ctrlPr>
+                                      <a:rPr lang="en-US" b="0" i="1" smtClean="0">
+                                        <a:latin typeface="Cambria Math" panose="02040503050406030204" pitchFamily="18" charset="0"/>
+                                      </a:rPr>
+                                    </m:ctrlPr>
+                                  </m:sSubPr>
+                                  <m:e>
+                                    <m:r>
+                                      <a:rPr lang="en-US" b="0" i="1" smtClean="0">
+                                        <a:latin typeface="Cambria Math"/>
+                                      </a:rPr>
+                                      <m:t>𝑤</m:t>
+                                    </m:r>
+                                  </m:e>
+                                  <m:sub>
+                                    <m:r>
+                                      <a:rPr lang="en-US" b="0" i="1" smtClean="0">
+                                        <a:latin typeface="Cambria Math"/>
+                                      </a:rPr>
+                                      <m:t>𝑖</m:t>
+                                    </m:r>
+                                  </m:sub>
+                                </m:sSub>
+                              </m:e>
+                            </m:d>
+                          </m:e>
+                        </m:nary>
+                      </m:oMath>
+                    </m:oMathPara>
+                  </a14:m>
+                  <a:endParaRPr lang="en-US" dirty="0"/>
+                </a:p>
+              </p:txBody>
+            </p:sp>
+          </mc:Choice>
+          <mc:Fallback>
+            <p:sp>
+              <p:nvSpPr>
+                <p:cNvPr id="6" name="TextBox 5"/>
+                <p:cNvSpPr txBox="1">
+                  <a:spLocks noRot="1" noChangeAspect="1" noMove="1" noResize="1" noEditPoints="1" noAdjustHandles="1" noChangeArrowheads="1" noChangeShapeType="1" noTextEdit="1"/>
+                </p:cNvSpPr>
+                <p:nvPr/>
+              </p:nvSpPr>
+              <p:spPr>
+                <a:xfrm>
+                  <a:off x="3553579" y="5446288"/>
+                  <a:ext cx="1771126" cy="871264"/>
+                </a:xfrm>
+                <a:prstGeom prst="rect">
+                  <a:avLst/>
+                </a:prstGeom>
+                <a:blipFill rotWithShape="0">
+                  <a:blip r:embed="rId10"/>
+                  <a:stretch>
+                    <a:fillRect/>
+                  </a:stretch>
+                </a:blipFill>
+              </p:spPr>
+              <p:txBody>
+                <a:bodyPr/>
+                <a:lstStyle/>
+                <a:p>
+                  <a:r>
+                    <a:rPr lang="en-US">
+                      <a:noFill/>
+                    </a:rPr>
+                    <a:t> </a:t>
+                  </a:r>
+                </a:p>
+              </p:txBody>
+            </p:sp>
+          </mc:Fallback>
+        </mc:AlternateContent>
+        <p:sp>
+          <p:nvSpPr>
+            <p:cNvPr id="22" name="Right Arrow 21"/>
+            <p:cNvSpPr/>
+            <p:nvPr/>
+          </p:nvSpPr>
+          <p:spPr>
+            <a:xfrm>
+              <a:off x="457200" y="5793244"/>
+              <a:ext cx="220934" cy="199926"/>
+            </a:xfrm>
+            <a:prstGeom prst="rightArrow">
+              <a:avLst/>
+            </a:prstGeom>
+          </p:spPr>
+          <p:style>
+            <a:lnRef idx="2">
+              <a:schemeClr val="accent1">
+                <a:shade val="50000"/>
+              </a:schemeClr>
+            </a:lnRef>
+            <a:fillRef idx="1">
+              <a:schemeClr val="accent1"/>
+            </a:fillRef>
+            <a:effectRef idx="0">
+              <a:schemeClr val="accent1"/>
+            </a:effectRef>
+            <a:fontRef idx="minor">
+              <a:schemeClr val="lt1"/>
+            </a:fontRef>
+          </p:style>
+          <p:txBody>
+            <a:bodyPr rtlCol="0" anchor="ctr"/>
+            <a:lstStyle/>
+            <a:p>
+              <a:pPr algn="ctr"/>
+              <a:endParaRPr lang="en-US"/>
+            </a:p>
+          </p:txBody>
+        </p:sp>
+        <p:sp>
+          <p:nvSpPr>
+            <p:cNvPr id="9" name="TextBox 8"/>
+            <p:cNvSpPr txBox="1"/>
+            <p:nvPr/>
+          </p:nvSpPr>
+          <p:spPr>
+            <a:xfrm>
+              <a:off x="800100" y="5681865"/>
+              <a:ext cx="800100" cy="400110"/>
+            </a:xfrm>
+            <a:prstGeom prst="rect">
+              <a:avLst/>
+            </a:prstGeom>
+            <a:noFill/>
+          </p:spPr>
+          <p:txBody>
+            <a:bodyPr wrap="square" rtlCol="0">
+              <a:spAutoFit/>
+            </a:bodyPr>
+            <a:lstStyle/>
+            <a:p>
+              <a:r>
+                <a:rPr lang="en-US" sz="2000" dirty="0" smtClean="0"/>
+                <a:t>Since</a:t>
+              </a:r>
+              <a:endParaRPr lang="en-US" sz="2000" dirty="0"/>
+            </a:p>
+          </p:txBody>
+        </p:sp>
+        <p:sp>
+          <p:nvSpPr>
+            <p:cNvPr id="24" name="TextBox 23"/>
+            <p:cNvSpPr txBox="1"/>
+            <p:nvPr/>
+          </p:nvSpPr>
+          <p:spPr>
+            <a:xfrm>
+              <a:off x="2514600" y="5681865"/>
+              <a:ext cx="1253628" cy="400110"/>
+            </a:xfrm>
+            <a:prstGeom prst="rect">
+              <a:avLst/>
+            </a:prstGeom>
+            <a:noFill/>
+          </p:spPr>
+          <p:txBody>
+            <a:bodyPr wrap="square" rtlCol="0">
+              <a:spAutoFit/>
+            </a:bodyPr>
+            <a:lstStyle/>
+            <a:p>
+              <a:r>
+                <a:rPr lang="en-US" sz="2000" dirty="0" smtClean="0"/>
+                <a:t>we have </a:t>
+              </a:r>
+              <a:endParaRPr lang="en-US" sz="2000" dirty="0"/>
+            </a:p>
+          </p:txBody>
+        </p:sp>
+      </p:grpSp>
+      <p:grpSp>
+        <p:nvGrpSpPr>
+          <p:cNvPr id="19" name="Group 18"/>
+          <p:cNvGrpSpPr/>
+          <p:nvPr/>
+        </p:nvGrpSpPr>
+        <p:grpSpPr>
+          <a:xfrm>
+            <a:off x="457200" y="6081975"/>
+            <a:ext cx="2068360" cy="703013"/>
+            <a:chOff x="457200" y="6081975"/>
+            <a:chExt cx="2068360" cy="703013"/>
+          </a:xfrm>
+        </p:grpSpPr>
+        <mc:AlternateContent xmlns:mc="http://schemas.openxmlformats.org/markup-compatibility/2006">
+          <mc:Choice xmlns:a14="http://schemas.microsoft.com/office/drawing/2010/main" Requires="a14">
+            <p:sp>
+              <p:nvSpPr>
+                <p:cNvPr id="7" name="TextBox 6"/>
+                <p:cNvSpPr txBox="1"/>
+                <p:nvPr/>
+              </p:nvSpPr>
+              <p:spPr>
+                <a:xfrm>
+                  <a:off x="762000" y="6081975"/>
+                  <a:ext cx="1763560" cy="703013"/>
+                </a:xfrm>
+                <a:prstGeom prst="rect">
+                  <a:avLst/>
+                </a:prstGeom>
+                <a:noFill/>
+              </p:spPr>
+              <p:txBody>
+                <a:bodyPr wrap="none" rtlCol="0">
+                  <a:spAutoFit/>
+                </a:bodyPr>
+                <a:lstStyle/>
+                <a:p>
+                  <a:pPr/>
+                  <a14:m>
+                    <m:oMathPara xmlns:m="http://schemas.openxmlformats.org/officeDocument/2006/math">
+                      <m:oMathParaPr>
+                        <m:jc m:val="centerGroup"/>
+                      </m:oMathParaPr>
+                      <m:oMath xmlns:m="http://schemas.openxmlformats.org/officeDocument/2006/math">
+                        <m:sSub>
+                          <m:sSubPr>
+                            <m:ctrlPr>
+                              <a:rPr lang="en-US" b="0" i="1" smtClean="0">
+                                <a:latin typeface="Cambria Math" panose="02040503050406030204" pitchFamily="18" charset="0"/>
+                              </a:rPr>
+                            </m:ctrlPr>
+                          </m:sSubPr>
+                          <m:e>
+                            <m:r>
+                              <a:rPr lang="en-US" b="0" i="1" smtClean="0">
+                                <a:latin typeface="Cambria Math"/>
+                              </a:rPr>
+                              <m:t>𝜃</m:t>
+                            </m:r>
+                          </m:e>
+                          <m:sub>
+                            <m:r>
+                              <a:rPr lang="en-US" b="0" i="1" smtClean="0">
+                                <a:latin typeface="Cambria Math"/>
+                              </a:rPr>
+                              <m:t>𝑖</m:t>
+                            </m:r>
+                          </m:sub>
+                        </m:sSub>
+                        <m:r>
+                          <a:rPr lang="en-US" b="0" i="1" smtClean="0">
+                            <a:latin typeface="Cambria Math"/>
+                          </a:rPr>
+                          <m:t>=</m:t>
+                        </m:r>
+                        <m:f>
+                          <m:fPr>
+                            <m:ctrlPr>
+                              <a:rPr lang="en-US" b="0" i="1" smtClean="0">
+                                <a:latin typeface="Cambria Math" panose="02040503050406030204" pitchFamily="18" charset="0"/>
+                              </a:rPr>
+                            </m:ctrlPr>
+                          </m:fPr>
+                          <m:num>
+                            <m:r>
+                              <a:rPr lang="en-US" b="0" i="1" smtClean="0">
+                                <a:latin typeface="Cambria Math"/>
+                              </a:rPr>
+                              <m:t>𝑐</m:t>
+                            </m:r>
+                            <m:d>
+                              <m:dPr>
+                                <m:ctrlPr>
+                                  <a:rPr lang="en-US" b="0" i="1" smtClean="0">
+                                    <a:latin typeface="Cambria Math" panose="02040503050406030204" pitchFamily="18" charset="0"/>
+                                  </a:rPr>
+                                </m:ctrlPr>
+                              </m:dPr>
+                              <m:e>
+                                <m:sSub>
+                                  <m:sSubPr>
+                                    <m:ctrlPr>
+                                      <a:rPr lang="en-US" b="0" i="1" smtClean="0">
+                                        <a:latin typeface="Cambria Math" panose="02040503050406030204" pitchFamily="18" charset="0"/>
+                                      </a:rPr>
+                                    </m:ctrlPr>
+                                  </m:sSubPr>
+                                  <m:e>
+                                    <m:r>
+                                      <a:rPr lang="en-US" b="0" i="1" smtClean="0">
+                                        <a:latin typeface="Cambria Math"/>
+                                      </a:rPr>
+                                      <m:t>𝑤</m:t>
+                                    </m:r>
+                                  </m:e>
+                                  <m:sub>
+                                    <m:r>
+                                      <a:rPr lang="en-US" b="0" i="1" smtClean="0">
+                                        <a:latin typeface="Cambria Math"/>
+                                      </a:rPr>
+                                      <m:t>𝑖</m:t>
+                                    </m:r>
+                                  </m:sub>
+                                </m:sSub>
+                              </m:e>
+                            </m:d>
+                          </m:num>
+                          <m:den>
+                            <m:nary>
+                              <m:naryPr>
+                                <m:chr m:val="∑"/>
+                                <m:ctrlPr>
+                                  <a:rPr lang="en-US" b="0" i="1" smtClean="0">
+                                    <a:latin typeface="Cambria Math" panose="02040503050406030204" pitchFamily="18" charset="0"/>
+                                  </a:rPr>
+                                </m:ctrlPr>
+                              </m:naryPr>
+                              <m:sub>
+                                <m:r>
+                                  <m:rPr>
+                                    <m:brk m:alnAt="23"/>
+                                  </m:rPr>
+                                  <a:rPr lang="en-US" b="0" i="1" smtClean="0">
+                                    <a:latin typeface="Cambria Math"/>
+                                  </a:rPr>
+                                  <m:t>𝑖</m:t>
+                                </m:r>
+                                <m:r>
+                                  <a:rPr lang="en-US" b="0" i="1" smtClean="0">
+                                    <a:latin typeface="Cambria Math"/>
+                                  </a:rPr>
+                                  <m:t>=1</m:t>
+                                </m:r>
+                              </m:sub>
+                              <m:sup>
+                                <m:r>
+                                  <a:rPr lang="en-US" b="0" i="1" smtClean="0">
+                                    <a:latin typeface="Cambria Math"/>
+                                  </a:rPr>
+                                  <m:t>𝑁</m:t>
+                                </m:r>
+                              </m:sup>
+                              <m:e>
+                                <m:r>
+                                  <a:rPr lang="en-US" b="0" i="1" smtClean="0">
+                                    <a:latin typeface="Cambria Math"/>
+                                  </a:rPr>
+                                  <m:t>𝑐</m:t>
+                                </m:r>
+                                <m:d>
+                                  <m:dPr>
+                                    <m:ctrlPr>
+                                      <a:rPr lang="en-US" b="0" i="1" smtClean="0">
+                                        <a:latin typeface="Cambria Math" panose="02040503050406030204" pitchFamily="18" charset="0"/>
+                                      </a:rPr>
+                                    </m:ctrlPr>
+                                  </m:dPr>
+                                  <m:e>
+                                    <m:sSub>
+                                      <m:sSubPr>
+                                        <m:ctrlPr>
+                                          <a:rPr lang="en-US" b="0" i="1" smtClean="0">
+                                            <a:latin typeface="Cambria Math" panose="02040503050406030204" pitchFamily="18" charset="0"/>
+                                          </a:rPr>
+                                        </m:ctrlPr>
+                                      </m:sSubPr>
+                                      <m:e>
+                                        <m:r>
+                                          <a:rPr lang="en-US" b="0" i="1" smtClean="0">
+                                            <a:latin typeface="Cambria Math"/>
+                                          </a:rPr>
+                                          <m:t>𝑤</m:t>
+                                        </m:r>
+                                      </m:e>
+                                      <m:sub>
+                                        <m:r>
+                                          <a:rPr lang="en-US" b="0" i="1" smtClean="0">
+                                            <a:latin typeface="Cambria Math"/>
+                                          </a:rPr>
+                                          <m:t>𝑖</m:t>
+                                        </m:r>
+                                      </m:sub>
+                                    </m:sSub>
+                                  </m:e>
+                                </m:d>
+                              </m:e>
+                            </m:nary>
+                          </m:den>
+                        </m:f>
+                      </m:oMath>
+                    </m:oMathPara>
+                  </a14:m>
+                  <a:endParaRPr lang="en-US" dirty="0"/>
+                </a:p>
+              </p:txBody>
+            </p:sp>
+          </mc:Choice>
+          <mc:Fallback>
+            <p:sp>
+              <p:nvSpPr>
+                <p:cNvPr id="7" name="TextBox 6"/>
+                <p:cNvSpPr txBox="1">
+                  <a:spLocks noRot="1" noChangeAspect="1" noMove="1" noResize="1" noEditPoints="1" noAdjustHandles="1" noChangeArrowheads="1" noChangeShapeType="1" noTextEdit="1"/>
+                </p:cNvSpPr>
+                <p:nvPr/>
+              </p:nvSpPr>
+              <p:spPr>
+                <a:xfrm>
+                  <a:off x="762000" y="6081975"/>
+                  <a:ext cx="1763560" cy="703013"/>
+                </a:xfrm>
+                <a:prstGeom prst="rect">
+                  <a:avLst/>
+                </a:prstGeom>
+                <a:blipFill rotWithShape="0">
+                  <a:blip r:embed="rId11"/>
+                  <a:stretch>
+                    <a:fillRect/>
+                  </a:stretch>
+                </a:blipFill>
+              </p:spPr>
+              <p:txBody>
+                <a:bodyPr/>
+                <a:lstStyle/>
+                <a:p>
+                  <a:r>
+                    <a:rPr lang="en-US">
+                      <a:noFill/>
+                    </a:rPr>
+                    <a:t> </a:t>
+                  </a:r>
+                </a:p>
+              </p:txBody>
+            </p:sp>
+          </mc:Fallback>
+        </mc:AlternateContent>
+        <p:sp>
+          <p:nvSpPr>
+            <p:cNvPr id="25" name="Right Arrow 24"/>
+            <p:cNvSpPr/>
+            <p:nvPr/>
+          </p:nvSpPr>
+          <p:spPr>
+            <a:xfrm>
+              <a:off x="457200" y="6317552"/>
+              <a:ext cx="220934" cy="199926"/>
+            </a:xfrm>
+            <a:prstGeom prst="rightArrow">
+              <a:avLst/>
+            </a:prstGeom>
+          </p:spPr>
+          <p:style>
+            <a:lnRef idx="2">
+              <a:schemeClr val="accent1">
+                <a:shade val="50000"/>
+              </a:schemeClr>
+            </a:lnRef>
+            <a:fillRef idx="1">
+              <a:schemeClr val="accent1"/>
+            </a:fillRef>
+            <a:effectRef idx="0">
+              <a:schemeClr val="accent1"/>
+            </a:effectRef>
+            <a:fontRef idx="minor">
+              <a:schemeClr val="lt1"/>
+            </a:fontRef>
+          </p:style>
+          <p:txBody>
+            <a:bodyPr rtlCol="0" anchor="ctr"/>
+            <a:lstStyle/>
+            <a:p>
+              <a:pPr algn="ctr"/>
+              <a:endParaRPr lang="en-US"/>
+            </a:p>
+          </p:txBody>
+        </p:sp>
+      </p:grpSp>
+      <p:sp>
+        <p:nvSpPr>
+          <p:cNvPr id="26" name="Text Box 7"/>
+          <p:cNvSpPr txBox="1">
+            <a:spLocks noChangeArrowheads="1"/>
+          </p:cNvSpPr>
+          <p:nvPr/>
+        </p:nvSpPr>
+        <p:spPr bwMode="auto">
+          <a:xfrm>
+            <a:off x="5410200" y="5730567"/>
+            <a:ext cx="3041923" cy="369332"/>
+          </a:xfrm>
+          <a:prstGeom prst="rect">
+            <a:avLst/>
+          </a:prstGeom>
+          <a:noFill/>
+          <a:ln>
+            <a:noFill/>
+          </a:ln>
+          <a:effectLst/>
+          <a:extLst>
+            <a:ext uri="{909E8E84-426E-40DD-AFC4-6F175D3DCCD1}">
+              <a14:hiddenFill xmlns:a14="http://schemas.microsoft.com/office/drawing/2010/main">
+                <a:solidFill>
+                  <a:schemeClr val="accent1"/>
+                </a:solidFill>
+              </a14:hiddenFill>
+            </a:ext>
+            <a:ext uri="{91240B29-F687-4F45-9708-019B960494DF}">
+              <a14:hiddenLine xmlns:a14="http://schemas.microsoft.com/office/drawing/2010/main" w="9525">
+                <a:solidFill>
+                  <a:schemeClr val="tx1"/>
+                </a:solidFill>
+                <a:miter lim="800000"/>
+                <a:headEnd/>
+                <a:tailEnd/>
+              </a14:hiddenLine>
+            </a:ext>
+            <a:ext uri="{AF507438-7753-43E0-B8FC-AC1667EBCBE1}">
+              <a14:hiddenEffects xmlns:a14="http://schemas.microsoft.com/office/drawing/2010/main">
+                <a:effectLst>
+                  <a:outerShdw dist="35921" dir="2700000" algn="ctr" rotWithShape="0">
+                    <a:schemeClr val="bg2"/>
+                  </a:outerShdw>
+                </a:effectLst>
+              </a14:hiddenEffects>
+            </a:ext>
+          </a:extLst>
+        </p:spPr>
+        <p:txBody>
+          <a:bodyPr wrap="none">
+            <a:spAutoFit/>
+          </a:bodyPr>
+          <a:lstStyle/>
+          <a:p>
+            <a:r>
+              <a:rPr lang="en-US" altLang="en-US" sz="1800" b="1" i="0" dirty="0" smtClean="0"/>
+              <a:t>Requirement from probability</a:t>
+            </a:r>
+            <a:endParaRPr lang="en-US" altLang="en-US" sz="1800" b="1" i="0" dirty="0"/>
+          </a:p>
+        </p:txBody>
+      </p:sp>
+      <p:sp>
+        <p:nvSpPr>
+          <p:cNvPr id="23" name="Footer Placeholder 22"/>
+          <p:cNvSpPr>
+            <a:spLocks noGrp="1"/>
+          </p:cNvSpPr>
+          <p:nvPr>
+            <p:ph type="ftr" sz="quarter" idx="11"/>
+          </p:nvPr>
+        </p:nvSpPr>
+        <p:spPr/>
+        <p:txBody>
+          <a:bodyPr/>
+          <a:lstStyle/>
+          <a:p>
+            <a:r>
+              <a:rPr lang="en-US" smtClean="0"/>
+              <a:t>CS 6501: Text Mining</a:t>
+            </a:r>
+            <a:endParaRPr lang="en-US"/>
+          </a:p>
+        </p:txBody>
+      </p:sp>
+    </p:spTree>
+    <p:extLst>
+      <p:ext uri="{BB962C8B-B14F-4D97-AF65-F5344CB8AC3E}">
+        <p14:creationId xmlns:p14="http://schemas.microsoft.com/office/powerpoint/2010/main" val="3354584983"/>
+      </p:ext>
+    </p:extLst>
+  </p:cSld>
+  <p:clrMapOvr>
+    <a:masterClrMapping/>
+  </p:clrMapOvr>
+  <p:timing>
+    <p:tnLst>
+      <p:par>
+        <p:cTn id="1" dur="indefinite" restart="never" nodeType="tmRoot"/>
+      </p:par>
+    </p:tnLst>
+  </p:timing>
+</p:sld>
+</file>
+
+<file path=ppt/slides/slide34.xml><?xml version="1.0" encoding="utf-8"?>
+<p:sld xmlns:a="http://schemas.openxmlformats.org/drawingml/2006/main" xmlns:r="http://schemas.openxmlformats.org/officeDocument/2006/relationships" xmlns:p="http://schemas.openxmlformats.org/presentationml/2006/main">
+  <p:cSld>
+    <p:spTree>
+      <p:nvGrpSpPr>
+        <p:cNvPr id="1" name=""/>
+        <p:cNvGrpSpPr/>
+        <p:nvPr/>
+      </p:nvGrpSpPr>
+      <p:grpSpPr>
+        <a:xfrm>
+          <a:off x="0" y="0"/>
+          <a:ext cx="0" cy="0"/>
+          <a:chOff x="0" y="0"/>
+          <a:chExt cx="0" cy="0"/>
+        </a:xfrm>
+      </p:grpSpPr>
+      <p:sp>
+        <p:nvSpPr>
           <p:cNvPr id="505858" name="Rectangle 2"/>
           <p:cNvSpPr>
             <a:spLocks noGrp="1" noChangeArrowheads="1"/>
@@ -31189,19 +34945,13 @@
               <a:rPr lang="en-US" altLang="en-US" dirty="0" smtClean="0"/>
               <a:t>unseen words</a:t>
             </a:r>
-            <a:endParaRPr lang="en-US" altLang="en-US" dirty="0" smtClean="0"/>
           </a:p>
           <a:p>
             <a:pPr lvl="1"/>
             <a:r>
               <a:rPr lang="en-US" altLang="en-US" dirty="0" smtClean="0"/>
-              <a:t>Unseen words = new words, new </a:t>
-            </a:r>
-            <a:r>
-              <a:rPr lang="en-US" altLang="en-US" dirty="0" smtClean="0"/>
-              <a:t>N-grams</a:t>
-            </a:r>
-            <a:endParaRPr lang="en-US" altLang="en-US" dirty="0" smtClean="0"/>
+              <a:t>Unseen words = new words, new N-grams</a:t>
+            </a:r>
           </a:p>
           <a:p>
             <a:pPr lvl="1"/>
@@ -31326,7 +35076,7 @@
           <a:p>
             <a:fld id="{D4438207-9E20-42FC-82B6-02A8A94D7FE7}" type="slidenum">
               <a:rPr lang="en-US" smtClean="0"/>
-              <a:t>32</a:t>
+              <a:t>34</a:t>
             </a:fld>
             <a:endParaRPr lang="en-US"/>
           </a:p>
@@ -31669,7 +35419,7 @@
 </p:sld>
 </file>
 
-<file path=ppt/slides/slide33.xml><?xml version="1.0" encoding="utf-8"?>
+<file path=ppt/slides/slide35.xml><?xml version="1.0" encoding="utf-8"?>
 <p:sld xmlns:a="http://schemas.openxmlformats.org/drawingml/2006/main" xmlns:r="http://schemas.openxmlformats.org/officeDocument/2006/relationships" xmlns:p="http://schemas.openxmlformats.org/presentationml/2006/main">
   <p:cSld>
     <p:spTree>
@@ -32686,7 +36436,7 @@
           <a:p>
             <a:fld id="{D4438207-9E20-42FC-82B6-02A8A94D7FE7}" type="slidenum">
               <a:rPr lang="en-US" smtClean="0"/>
-              <a:t>33</a:t>
+              <a:t>35</a:t>
             </a:fld>
             <a:endParaRPr lang="en-US"/>
           </a:p>
@@ -33655,7 +37405,7 @@
 </p:sld>
 </file>
 
-<file path=ppt/slides/slide34.xml><?xml version="1.0" encoding="utf-8"?>
+<file path=ppt/slides/slide36.xml><?xml version="1.0" encoding="utf-8"?>
 <p:sld xmlns:a="http://schemas.openxmlformats.org/drawingml/2006/main" xmlns:r="http://schemas.openxmlformats.org/officeDocument/2006/relationships" xmlns:p="http://schemas.openxmlformats.org/presentationml/2006/main">
   <p:cSld>
     <p:spTree>
@@ -34383,7 +38133,7 @@
           <a:p>
             <a:fld id="{D4438207-9E20-42FC-82B6-02A8A94D7FE7}" type="slidenum">
               <a:rPr lang="en-US" smtClean="0"/>
-              <a:t>34</a:t>
+              <a:t>36</a:t>
             </a:fld>
             <a:endParaRPr lang="en-US"/>
           </a:p>
@@ -34754,7 +38504,7 @@
 </p:sld>
 </file>
 
-<file path=ppt/slides/slide35.xml><?xml version="1.0" encoding="utf-8"?>
+<file path=ppt/slides/slide37.xml><?xml version="1.0" encoding="utf-8"?>
 <p:sld xmlns:a="http://schemas.openxmlformats.org/drawingml/2006/main" xmlns:r="http://schemas.openxmlformats.org/officeDocument/2006/relationships" xmlns:p="http://schemas.openxmlformats.org/presentationml/2006/main">
   <p:cSld>
     <p:spTree>
@@ -34859,7 +38609,7 @@
           <a:p>
             <a:fld id="{D4438207-9E20-42FC-82B6-02A8A94D7FE7}" type="slidenum">
               <a:rPr lang="en-US" smtClean="0"/>
-              <a:t>35</a:t>
+              <a:t>37</a:t>
             </a:fld>
             <a:endParaRPr lang="en-US"/>
           </a:p>
@@ -34909,7 +38659,7 @@
 </p:sld>
 </file>
 
-<file path=ppt/slides/slide36.xml><?xml version="1.0" encoding="utf-8"?>
+<file path=ppt/slides/slide38.xml><?xml version="1.0" encoding="utf-8"?>
 <p:sld xmlns:a="http://schemas.openxmlformats.org/drawingml/2006/main" xmlns:r="http://schemas.openxmlformats.org/officeDocument/2006/relationships" xmlns:p="http://schemas.openxmlformats.org/presentationml/2006/main">
   <p:cSld>
     <p:spTree>
@@ -35035,7 +38785,7 @@
           <a:p>
             <a:fld id="{D4438207-9E20-42FC-82B6-02A8A94D7FE7}" type="slidenum">
               <a:rPr lang="en-US" smtClean="0"/>
-              <a:t>36</a:t>
+              <a:t>38</a:t>
             </a:fld>
             <a:endParaRPr lang="en-US"/>
           </a:p>
@@ -35160,7 +38910,7 @@
 </p:sld>
 </file>
 
-<file path=ppt/slides/slide37.xml><?xml version="1.0" encoding="utf-8"?>
+<file path=ppt/slides/slide39.xml><?xml version="1.0" encoding="utf-8"?>
 <p:sld xmlns:a="http://schemas.openxmlformats.org/drawingml/2006/main" xmlns:r="http://schemas.openxmlformats.org/officeDocument/2006/relationships" xmlns:p="http://schemas.openxmlformats.org/presentationml/2006/main">
   <p:cSld>
     <p:spTree>
@@ -35258,7 +39008,7 @@
           <a:graphicData uri="http://schemas.openxmlformats.org/presentationml/2006/ole">
             <mc:AlternateContent xmlns:mc="http://schemas.openxmlformats.org/markup-compatibility/2006">
               <mc:Choice xmlns:v="urn:schemas-microsoft-com:vml" Requires="v">
-                <p:oleObj spid="_x0000_s12386" name="Equation" r:id="rId3" imgW="2768400" imgH="482400" progId="Equation.DSMT4">
+                <p:oleObj spid="_x0000_s12390" name="Equation" r:id="rId3" imgW="2768400" imgH="482400" progId="Equation.DSMT4">
                   <p:embed/>
                 </p:oleObj>
               </mc:Choice>
@@ -35616,7 +39366,7 @@
             <a:graphicData uri="http://schemas.openxmlformats.org/presentationml/2006/ole">
               <mc:AlternateContent xmlns:mc="http://schemas.openxmlformats.org/markup-compatibility/2006">
                 <mc:Choice xmlns:v="urn:schemas-microsoft-com:vml" Requires="v">
-                  <p:oleObj spid="_x0000_s12387" name="Equation" r:id="rId5" imgW="1574640" imgH="711000" progId="Equation.DSMT4">
+                  <p:oleObj spid="_x0000_s12391" name="Equation" r:id="rId5" imgW="1574640" imgH="711000" progId="Equation.DSMT4">
                     <p:embed/>
                   </p:oleObj>
                 </mc:Choice>
@@ -35781,7 +39531,7 @@
           <a:p>
             <a:fld id="{D4438207-9E20-42FC-82B6-02A8A94D7FE7}" type="slidenum">
               <a:rPr lang="en-US" smtClean="0"/>
-              <a:t>37</a:t>
+              <a:t>39</a:t>
             </a:fld>
             <a:endParaRPr lang="en-US"/>
           </a:p>
@@ -36041,7 +39791,648 @@
 </p:sld>
 </file>
 
-<file path=ppt/slides/slide38.xml><?xml version="1.0" encoding="utf-8"?>
+<file path=ppt/slides/slide4.xml><?xml version="1.0" encoding="utf-8"?>
+<p:sld xmlns:a="http://schemas.openxmlformats.org/drawingml/2006/main" xmlns:r="http://schemas.openxmlformats.org/officeDocument/2006/relationships" xmlns:p="http://schemas.openxmlformats.org/presentationml/2006/main">
+  <p:cSld>
+    <p:spTree>
+      <p:nvGrpSpPr>
+        <p:cNvPr id="1" name=""/>
+        <p:cNvGrpSpPr/>
+        <p:nvPr/>
+      </p:nvGrpSpPr>
+      <p:grpSpPr>
+        <a:xfrm>
+          <a:off x="0" y="0"/>
+          <a:ext cx="0" cy="0"/>
+          <a:chOff x="0" y="0"/>
+          <a:chExt cx="0" cy="0"/>
+        </a:xfrm>
+      </p:grpSpPr>
+      <p:sp>
+        <p:nvSpPr>
+          <p:cNvPr id="495618" name="Rectangle 2"/>
+          <p:cNvSpPr>
+            <a:spLocks noGrp="1" noChangeArrowheads="1"/>
+          </p:cNvSpPr>
+          <p:nvPr>
+            <p:ph type="title"/>
+          </p:nvPr>
+        </p:nvSpPr>
+        <p:spPr/>
+        <p:txBody>
+          <a:bodyPr/>
+          <a:lstStyle/>
+          <a:p>
+            <a:r>
+              <a:rPr lang="en-US" altLang="en-US" dirty="0"/>
+              <a:t>Why is a LM </a:t>
+            </a:r>
+            <a:r>
+              <a:rPr lang="en-US" altLang="en-US" dirty="0" smtClean="0"/>
+              <a:t>useful</a:t>
+            </a:r>
+            <a:r>
+              <a:rPr lang="en-US" altLang="en-US" dirty="0"/>
+              <a:t>?</a:t>
+            </a:r>
+          </a:p>
+        </p:txBody>
+      </p:sp>
+      <p:sp>
+        <p:nvSpPr>
+          <p:cNvPr id="495619" name="Rectangle 3"/>
+          <p:cNvSpPr>
+            <a:spLocks noGrp="1" noChangeArrowheads="1"/>
+          </p:cNvSpPr>
+          <p:nvPr>
+            <p:ph idx="1"/>
+          </p:nvPr>
+        </p:nvSpPr>
+        <p:spPr/>
+        <p:txBody>
+          <a:bodyPr>
+            <a:normAutofit fontScale="92500" lnSpcReduction="20000"/>
+          </a:bodyPr>
+          <a:lstStyle/>
+          <a:p>
+            <a:r>
+              <a:rPr lang="en-US" altLang="en-US" b="0" dirty="0" smtClean="0"/>
+              <a:t>Provide </a:t>
+            </a:r>
+            <a:r>
+              <a:rPr lang="en-US" altLang="en-US" b="0" dirty="0"/>
+              <a:t>a principled way to quantify the uncertainties associated with natural language</a:t>
+            </a:r>
+          </a:p>
+          <a:p>
+            <a:pPr>
+              <a:lnSpc>
+                <a:spcPct val="110000"/>
+              </a:lnSpc>
+              <a:spcBef>
+                <a:spcPct val="50000"/>
+              </a:spcBef>
+            </a:pPr>
+            <a:r>
+              <a:rPr lang="en-US" altLang="en-US" b="0" dirty="0" smtClean="0"/>
+              <a:t>Allow </a:t>
+            </a:r>
+            <a:r>
+              <a:rPr lang="en-US" altLang="en-US" b="0" dirty="0"/>
+              <a:t>us to answer questions like:</a:t>
+            </a:r>
+          </a:p>
+          <a:p>
+            <a:pPr lvl="1">
+              <a:lnSpc>
+                <a:spcPct val="110000"/>
+              </a:lnSpc>
+              <a:spcBef>
+                <a:spcPts val="0"/>
+              </a:spcBef>
+            </a:pPr>
+            <a:r>
+              <a:rPr lang="en-US" altLang="en-US" sz="2400" dirty="0"/>
+              <a:t>Given that we see “</a:t>
+            </a:r>
+            <a:r>
+              <a:rPr lang="en-US" altLang="en-US" sz="2400" i="1" dirty="0">
+                <a:latin typeface="Times New Roman" panose="02020603050405020304" pitchFamily="18" charset="0"/>
+              </a:rPr>
+              <a:t>John</a:t>
+            </a:r>
+            <a:r>
+              <a:rPr lang="en-US" altLang="en-US" sz="2400" dirty="0"/>
+              <a:t>” and “</a:t>
+            </a:r>
+            <a:r>
+              <a:rPr lang="en-US" altLang="en-US" sz="2400" i="1" dirty="0">
+                <a:latin typeface="Times New Roman" panose="02020603050405020304" pitchFamily="18" charset="0"/>
+              </a:rPr>
+              <a:t>feels</a:t>
+            </a:r>
+            <a:r>
+              <a:rPr lang="en-US" altLang="en-US" sz="2400" dirty="0"/>
+              <a:t>”, how likely will we see “</a:t>
+            </a:r>
+            <a:r>
+              <a:rPr lang="en-US" altLang="en-US" sz="2400" i="1" dirty="0">
+                <a:latin typeface="Times New Roman" panose="02020603050405020304" pitchFamily="18" charset="0"/>
+              </a:rPr>
+              <a:t>happy</a:t>
+            </a:r>
+            <a:r>
+              <a:rPr lang="en-US" altLang="en-US" sz="2400" dirty="0"/>
+              <a:t>” as opposed to “</a:t>
+            </a:r>
+            <a:r>
+              <a:rPr lang="en-US" altLang="en-US" sz="2400" i="1" dirty="0">
+                <a:latin typeface="Times New Roman" panose="02020603050405020304" pitchFamily="18" charset="0"/>
+              </a:rPr>
+              <a:t>habit</a:t>
+            </a:r>
+            <a:r>
+              <a:rPr lang="en-US" altLang="en-US" sz="2400" dirty="0"/>
+              <a:t>” as the next word?          </a:t>
+            </a:r>
+            <a:endParaRPr lang="en-US" altLang="en-US" sz="2400" dirty="0" smtClean="0"/>
+          </a:p>
+          <a:p>
+            <a:pPr marL="457200" lvl="1" indent="0">
+              <a:buNone/>
+            </a:pPr>
+            <a:r>
+              <a:rPr lang="en-US" altLang="en-US" sz="2400" dirty="0"/>
+              <a:t>     (</a:t>
+            </a:r>
+            <a:r>
+              <a:rPr lang="en-US" altLang="en-US" sz="2400" dirty="0">
+                <a:solidFill>
+                  <a:srgbClr val="FF0000"/>
+                </a:solidFill>
+              </a:rPr>
+              <a:t>speech recognition</a:t>
+            </a:r>
+            <a:r>
+              <a:rPr lang="en-US" altLang="en-US" sz="2400" dirty="0"/>
+              <a:t>)</a:t>
+            </a:r>
+          </a:p>
+          <a:p>
+            <a:pPr lvl="1"/>
+            <a:r>
+              <a:rPr lang="en-US" altLang="en-US" sz="2400" dirty="0"/>
+              <a:t>Given that we observe “baseball” three times and “game” once in a news article, how likely is it about “sports</a:t>
+            </a:r>
+            <a:r>
+              <a:rPr lang="en-US" altLang="en-US" sz="2400" dirty="0" smtClean="0"/>
+              <a:t>” </a:t>
+            </a:r>
+            <a:r>
+              <a:rPr lang="en-US" altLang="en-US" sz="2400" dirty="0" err="1" smtClean="0"/>
+              <a:t>v.s</a:t>
+            </a:r>
+            <a:r>
+              <a:rPr lang="en-US" altLang="en-US" sz="2400" dirty="0" smtClean="0"/>
+              <a:t>. “politics”?         </a:t>
+            </a:r>
+          </a:p>
+          <a:p>
+            <a:pPr marL="457200" lvl="1" indent="0">
+              <a:buNone/>
+            </a:pPr>
+            <a:r>
+              <a:rPr lang="en-US" altLang="en-US" sz="2400" dirty="0"/>
+              <a:t> </a:t>
+            </a:r>
+            <a:r>
+              <a:rPr lang="en-US" altLang="en-US" sz="2400" dirty="0" smtClean="0"/>
+              <a:t>    (</a:t>
+            </a:r>
+            <a:r>
+              <a:rPr lang="en-US" altLang="en-US" sz="2400" dirty="0">
+                <a:solidFill>
+                  <a:srgbClr val="FF0000"/>
+                </a:solidFill>
+              </a:rPr>
+              <a:t>text </a:t>
+            </a:r>
+            <a:r>
+              <a:rPr lang="en-US" altLang="en-US" sz="2400" dirty="0" smtClean="0">
+                <a:solidFill>
+                  <a:srgbClr val="FF0000"/>
+                </a:solidFill>
+              </a:rPr>
+              <a:t>categorization</a:t>
+            </a:r>
+            <a:r>
+              <a:rPr lang="en-US" altLang="en-US" sz="2400" dirty="0" smtClean="0"/>
+              <a:t>)</a:t>
+            </a:r>
+            <a:endParaRPr lang="en-US" altLang="en-US" sz="2400" dirty="0"/>
+          </a:p>
+          <a:p>
+            <a:pPr lvl="1"/>
+            <a:r>
+              <a:rPr lang="en-US" altLang="en-US" sz="2400" dirty="0"/>
+              <a:t>Given that a user is interested in sports news, how likely would the user use “baseball” in a query? </a:t>
+            </a:r>
+            <a:endParaRPr lang="en-US" altLang="en-US" sz="2400" dirty="0" smtClean="0"/>
+          </a:p>
+          <a:p>
+            <a:pPr marL="457200" lvl="1" indent="0">
+              <a:buNone/>
+            </a:pPr>
+            <a:r>
+              <a:rPr lang="en-US" altLang="en-US" sz="2400" dirty="0"/>
+              <a:t> </a:t>
+            </a:r>
+            <a:r>
+              <a:rPr lang="en-US" altLang="en-US" sz="2400" dirty="0" smtClean="0"/>
+              <a:t>    (</a:t>
+            </a:r>
+            <a:r>
+              <a:rPr lang="en-US" altLang="en-US" sz="2400" dirty="0">
+                <a:solidFill>
+                  <a:srgbClr val="FF0000"/>
+                </a:solidFill>
+              </a:rPr>
+              <a:t>information retrieval</a:t>
+            </a:r>
+            <a:r>
+              <a:rPr lang="en-US" altLang="en-US" sz="2400" dirty="0"/>
+              <a:t>)</a:t>
+            </a:r>
+          </a:p>
+          <a:p>
+            <a:endParaRPr lang="en-US" altLang="en-US" b="0" dirty="0"/>
+          </a:p>
+        </p:txBody>
+      </p:sp>
+      <p:sp>
+        <p:nvSpPr>
+          <p:cNvPr id="5" name="Date Placeholder 4"/>
+          <p:cNvSpPr>
+            <a:spLocks noGrp="1"/>
+          </p:cNvSpPr>
+          <p:nvPr>
+            <p:ph type="dt" sz="half" idx="10"/>
+          </p:nvPr>
+        </p:nvSpPr>
+        <p:spPr/>
+        <p:txBody>
+          <a:bodyPr/>
+          <a:lstStyle/>
+          <a:p>
+            <a:r>
+              <a:rPr lang="en-US" smtClean="0"/>
+              <a:t>CS@UVa</a:t>
+            </a:r>
+            <a:endParaRPr lang="en-US"/>
+          </a:p>
+        </p:txBody>
+      </p:sp>
+      <p:sp>
+        <p:nvSpPr>
+          <p:cNvPr id="6" name="Footer Placeholder 5"/>
+          <p:cNvSpPr>
+            <a:spLocks noGrp="1"/>
+          </p:cNvSpPr>
+          <p:nvPr>
+            <p:ph type="ftr" sz="quarter" idx="11"/>
+          </p:nvPr>
+        </p:nvSpPr>
+        <p:spPr/>
+        <p:txBody>
+          <a:bodyPr/>
+          <a:lstStyle/>
+          <a:p>
+            <a:r>
+              <a:rPr lang="en-US" smtClean="0"/>
+              <a:t>CS 6501: Text Mining</a:t>
+            </a:r>
+            <a:endParaRPr lang="en-US"/>
+          </a:p>
+        </p:txBody>
+      </p:sp>
+      <p:sp>
+        <p:nvSpPr>
+          <p:cNvPr id="7" name="Slide Number Placeholder 6"/>
+          <p:cNvSpPr>
+            <a:spLocks noGrp="1"/>
+          </p:cNvSpPr>
+          <p:nvPr>
+            <p:ph type="sldNum" sz="quarter" idx="12"/>
+          </p:nvPr>
+        </p:nvSpPr>
+        <p:spPr/>
+        <p:txBody>
+          <a:bodyPr/>
+          <a:lstStyle/>
+          <a:p>
+            <a:fld id="{D4438207-9E20-42FC-82B6-02A8A94D7FE7}" type="slidenum">
+              <a:rPr lang="en-US" smtClean="0"/>
+              <a:t>4</a:t>
+            </a:fld>
+            <a:endParaRPr lang="en-US"/>
+          </a:p>
+        </p:txBody>
+      </p:sp>
+    </p:spTree>
+    <p:extLst>
+      <p:ext uri="{BB962C8B-B14F-4D97-AF65-F5344CB8AC3E}">
+        <p14:creationId xmlns:p14="http://schemas.microsoft.com/office/powerpoint/2010/main" val="1085887633"/>
+      </p:ext>
+    </p:extLst>
+  </p:cSld>
+  <p:clrMapOvr>
+    <a:masterClrMapping/>
+  </p:clrMapOvr>
+  <p:timing>
+    <p:tnLst>
+      <p:par>
+        <p:cTn id="1" dur="indefinite" restart="never" nodeType="tmRoot">
+          <p:childTnLst>
+            <p:seq concurrent="1" nextAc="seek">
+              <p:cTn id="2" dur="indefinite" nodeType="mainSeq">
+                <p:childTnLst>
+                  <p:par>
+                    <p:cTn id="3" fill="hold">
+                      <p:stCondLst>
+                        <p:cond delay="indefinite"/>
+                      </p:stCondLst>
+                      <p:childTnLst>
+                        <p:par>
+                          <p:cTn id="4" fill="hold">
+                            <p:stCondLst>
+                              <p:cond delay="0"/>
+                            </p:stCondLst>
+                            <p:childTnLst>
+                              <p:par>
+                                <p:cTn id="5" presetID="1" presetClass="entr" presetSubtype="0" fill="hold" nodeType="clickEffect">
+                                  <p:stCondLst>
+                                    <p:cond delay="0"/>
+                                  </p:stCondLst>
+                                  <p:childTnLst>
+                                    <p:set>
+                                      <p:cBhvr>
+                                        <p:cTn id="6" dur="1" fill="hold">
+                                          <p:stCondLst>
+                                            <p:cond delay="0"/>
+                                          </p:stCondLst>
+                                        </p:cTn>
+                                        <p:tgtEl>
+                                          <p:spTgt spid="495619">
+                                            <p:txEl>
+                                              <p:pRg st="1" end="1"/>
+                                            </p:txEl>
+                                          </p:spTgt>
+                                        </p:tgtEl>
+                                        <p:attrNameLst>
+                                          <p:attrName>style.visibility</p:attrName>
+                                        </p:attrNameLst>
+                                      </p:cBhvr>
+                                      <p:to>
+                                        <p:strVal val="visible"/>
+                                      </p:to>
+                                    </p:set>
+                                  </p:childTnLst>
+                                </p:cTn>
+                              </p:par>
+                              <p:par>
+                                <p:cTn id="7" presetID="1" presetClass="entr" presetSubtype="0" fill="hold" nodeType="withEffect">
+                                  <p:stCondLst>
+                                    <p:cond delay="0"/>
+                                  </p:stCondLst>
+                                  <p:childTnLst>
+                                    <p:set>
+                                      <p:cBhvr>
+                                        <p:cTn id="8" dur="1" fill="hold">
+                                          <p:stCondLst>
+                                            <p:cond delay="0"/>
+                                          </p:stCondLst>
+                                        </p:cTn>
+                                        <p:tgtEl>
+                                          <p:spTgt spid="495619">
+                                            <p:txEl>
+                                              <p:pRg st="2" end="2"/>
+                                            </p:txEl>
+                                          </p:spTgt>
+                                        </p:tgtEl>
+                                        <p:attrNameLst>
+                                          <p:attrName>style.visibility</p:attrName>
+                                        </p:attrNameLst>
+                                      </p:cBhvr>
+                                      <p:to>
+                                        <p:strVal val="visible"/>
+                                      </p:to>
+                                    </p:set>
+                                  </p:childTnLst>
+                                </p:cTn>
+                              </p:par>
+                              <p:par>
+                                <p:cTn id="9" presetID="1" presetClass="entr" presetSubtype="0" fill="hold" nodeType="withEffect">
+                                  <p:stCondLst>
+                                    <p:cond delay="0"/>
+                                  </p:stCondLst>
+                                  <p:childTnLst>
+                                    <p:set>
+                                      <p:cBhvr>
+                                        <p:cTn id="10" dur="1" fill="hold">
+                                          <p:stCondLst>
+                                            <p:cond delay="0"/>
+                                          </p:stCondLst>
+                                        </p:cTn>
+                                        <p:tgtEl>
+                                          <p:spTgt spid="495619">
+                                            <p:txEl>
+                                              <p:pRg st="3" end="3"/>
+                                            </p:txEl>
+                                          </p:spTgt>
+                                        </p:tgtEl>
+                                        <p:attrNameLst>
+                                          <p:attrName>style.visibility</p:attrName>
+                                        </p:attrNameLst>
+                                      </p:cBhvr>
+                                      <p:to>
+                                        <p:strVal val="visible"/>
+                                      </p:to>
+                                    </p:set>
+                                  </p:childTnLst>
+                                </p:cTn>
+                              </p:par>
+                            </p:childTnLst>
+                          </p:cTn>
+                        </p:par>
+                      </p:childTnLst>
+                    </p:cTn>
+                  </p:par>
+                  <p:par>
+                    <p:cTn id="11" fill="hold">
+                      <p:stCondLst>
+                        <p:cond delay="indefinite"/>
+                      </p:stCondLst>
+                      <p:childTnLst>
+                        <p:par>
+                          <p:cTn id="12" fill="hold">
+                            <p:stCondLst>
+                              <p:cond delay="0"/>
+                            </p:stCondLst>
+                            <p:childTnLst>
+                              <p:par>
+                                <p:cTn id="13" presetID="1" presetClass="entr" presetSubtype="0" fill="hold" nodeType="clickEffect">
+                                  <p:stCondLst>
+                                    <p:cond delay="0"/>
+                                  </p:stCondLst>
+                                  <p:childTnLst>
+                                    <p:set>
+                                      <p:cBhvr>
+                                        <p:cTn id="14" dur="1" fill="hold">
+                                          <p:stCondLst>
+                                            <p:cond delay="0"/>
+                                          </p:stCondLst>
+                                        </p:cTn>
+                                        <p:tgtEl>
+                                          <p:spTgt spid="495619">
+                                            <p:txEl>
+                                              <p:pRg st="4" end="4"/>
+                                            </p:txEl>
+                                          </p:spTgt>
+                                        </p:tgtEl>
+                                        <p:attrNameLst>
+                                          <p:attrName>style.visibility</p:attrName>
+                                        </p:attrNameLst>
+                                      </p:cBhvr>
+                                      <p:to>
+                                        <p:strVal val="visible"/>
+                                      </p:to>
+                                    </p:set>
+                                  </p:childTnLst>
+                                </p:cTn>
+                              </p:par>
+                              <p:par>
+                                <p:cTn id="15" presetID="1" presetClass="entr" presetSubtype="0" fill="hold" nodeType="withEffect">
+                                  <p:stCondLst>
+                                    <p:cond delay="0"/>
+                                  </p:stCondLst>
+                                  <p:childTnLst>
+                                    <p:set>
+                                      <p:cBhvr>
+                                        <p:cTn id="16" dur="1" fill="hold">
+                                          <p:stCondLst>
+                                            <p:cond delay="0"/>
+                                          </p:stCondLst>
+                                        </p:cTn>
+                                        <p:tgtEl>
+                                          <p:spTgt spid="495619">
+                                            <p:txEl>
+                                              <p:pRg st="5" end="5"/>
+                                            </p:txEl>
+                                          </p:spTgt>
+                                        </p:tgtEl>
+                                        <p:attrNameLst>
+                                          <p:attrName>style.visibility</p:attrName>
+                                        </p:attrNameLst>
+                                      </p:cBhvr>
+                                      <p:to>
+                                        <p:strVal val="visible"/>
+                                      </p:to>
+                                    </p:set>
+                                  </p:childTnLst>
+                                </p:cTn>
+                              </p:par>
+                            </p:childTnLst>
+                          </p:cTn>
+                        </p:par>
+                      </p:childTnLst>
+                    </p:cTn>
+                  </p:par>
+                  <p:par>
+                    <p:cTn id="17" fill="hold">
+                      <p:stCondLst>
+                        <p:cond delay="indefinite"/>
+                      </p:stCondLst>
+                      <p:childTnLst>
+                        <p:par>
+                          <p:cTn id="18" fill="hold">
+                            <p:stCondLst>
+                              <p:cond delay="0"/>
+                            </p:stCondLst>
+                            <p:childTnLst>
+                              <p:par>
+                                <p:cTn id="19" presetID="1" presetClass="entr" presetSubtype="0" fill="hold" nodeType="clickEffect">
+                                  <p:stCondLst>
+                                    <p:cond delay="0"/>
+                                  </p:stCondLst>
+                                  <p:childTnLst>
+                                    <p:set>
+                                      <p:cBhvr>
+                                        <p:cTn id="20" dur="1" fill="hold">
+                                          <p:stCondLst>
+                                            <p:cond delay="0"/>
+                                          </p:stCondLst>
+                                        </p:cTn>
+                                        <p:tgtEl>
+                                          <p:spTgt spid="495619">
+                                            <p:txEl>
+                                              <p:pRg st="6" end="6"/>
+                                            </p:txEl>
+                                          </p:spTgt>
+                                        </p:tgtEl>
+                                        <p:attrNameLst>
+                                          <p:attrName>style.visibility</p:attrName>
+                                        </p:attrNameLst>
+                                      </p:cBhvr>
+                                      <p:to>
+                                        <p:strVal val="visible"/>
+                                      </p:to>
+                                    </p:set>
+                                  </p:childTnLst>
+                                </p:cTn>
+                              </p:par>
+                              <p:par>
+                                <p:cTn id="21" presetID="1" presetClass="entr" presetSubtype="0" fill="hold" nodeType="withEffect">
+                                  <p:stCondLst>
+                                    <p:cond delay="0"/>
+                                  </p:stCondLst>
+                                  <p:childTnLst>
+                                    <p:set>
+                                      <p:cBhvr>
+                                        <p:cTn id="22" dur="1" fill="hold">
+                                          <p:stCondLst>
+                                            <p:cond delay="0"/>
+                                          </p:stCondLst>
+                                        </p:cTn>
+                                        <p:tgtEl>
+                                          <p:spTgt spid="495619">
+                                            <p:txEl>
+                                              <p:pRg st="7" end="7"/>
+                                            </p:txEl>
+                                          </p:spTgt>
+                                        </p:tgtEl>
+                                        <p:attrNameLst>
+                                          <p:attrName>style.visibility</p:attrName>
+                                        </p:attrNameLst>
+                                      </p:cBhvr>
+                                      <p:to>
+                                        <p:strVal val="visible"/>
+                                      </p:to>
+                                    </p:set>
+                                  </p:childTnLst>
+                                </p:cTn>
+                              </p:par>
+                            </p:childTnLst>
+                          </p:cTn>
+                        </p:par>
+                      </p:childTnLst>
+                    </p:cTn>
+                  </p:par>
+                </p:childTnLst>
+              </p:cTn>
+              <p:prevCondLst>
+                <p:cond evt="onPrev" delay="0">
+                  <p:tgtEl>
+                    <p:sldTgt/>
+                  </p:tgtEl>
+                </p:cond>
+              </p:prevCondLst>
+              <p:nextCondLst>
+                <p:cond evt="onNext" delay="0">
+                  <p:tgtEl>
+                    <p:sldTgt/>
+                  </p:tgtEl>
+                </p:cond>
+              </p:nextCondLst>
+            </p:seq>
+          </p:childTnLst>
+        </p:cTn>
+      </p:par>
+    </p:tnLst>
+  </p:timing>
+</p:sld>
+</file>
+
+<file path=ppt/slides/slide40.xml><?xml version="1.0" encoding="utf-8"?>
 <p:sld xmlns:a="http://schemas.openxmlformats.org/drawingml/2006/main" xmlns:r="http://schemas.openxmlformats.org/officeDocument/2006/relationships" xmlns:p="http://schemas.openxmlformats.org/presentationml/2006/main">
   <p:cSld>
     <p:spTree>
@@ -36156,11 +40547,7 @@
             </a:r>
             <a:r>
               <a:rPr lang="en-US" altLang="en-US" dirty="0" smtClean="0"/>
-              <a:t>see </a:t>
-            </a:r>
-            <a:r>
-              <a:rPr lang="en-US" altLang="en-US" dirty="0" smtClean="0"/>
-              <a:t>the trigram “Bob </a:t>
+              <a:t>see the trigram “Bob </a:t>
             </a:r>
             <a:r>
               <a:rPr lang="en-US" altLang="en-US" dirty="0"/>
@@ -36168,11 +40555,7 @@
             </a:r>
             <a:r>
               <a:rPr lang="en-US" altLang="en-US" dirty="0" smtClean="0"/>
-              <a:t>do see </a:t>
-            </a:r>
-            <a:r>
-              <a:rPr lang="en-US" altLang="en-US" dirty="0" smtClean="0"/>
-              <a:t>the bigram “was reading”</a:t>
+              <a:t>do see the bigram “was reading”</a:t>
             </a:r>
             <a:endParaRPr lang="en-US" altLang="en-US" b="0" dirty="0" smtClean="0"/>
           </a:p>
@@ -36290,7 +40673,7 @@
           <a:p>
             <a:fld id="{D4438207-9E20-42FC-82B6-02A8A94D7FE7}" type="slidenum">
               <a:rPr lang="en-US" smtClean="0"/>
-              <a:t>38</a:t>
+              <a:t>40</a:t>
             </a:fld>
             <a:endParaRPr lang="en-US"/>
           </a:p>
@@ -36340,7 +40723,7 @@
 </p:sld>
 </file>
 
-<file path=ppt/slides/slide39.xml><?xml version="1.0" encoding="utf-8"?>
+<file path=ppt/slides/slide41.xml><?xml version="1.0" encoding="utf-8"?>
 <p:sld xmlns:a="http://schemas.openxmlformats.org/drawingml/2006/main" xmlns:r="http://schemas.openxmlformats.org/officeDocument/2006/relationships" xmlns:p="http://schemas.openxmlformats.org/presentationml/2006/main">
   <p:cSld>
     <p:spTree>
@@ -36583,7 +40966,7 @@
           <a:p>
             <a:fld id="{D4438207-9E20-42FC-82B6-02A8A94D7FE7}" type="slidenum">
               <a:rPr lang="en-US" smtClean="0"/>
-              <a:t>39</a:t>
+              <a:t>41</a:t>
             </a:fld>
             <a:endParaRPr lang="en-US"/>
           </a:p>
@@ -38767,648 +43150,7 @@
 </p:sld>
 </file>
 
-<file path=ppt/slides/slide4.xml><?xml version="1.0" encoding="utf-8"?>
-<p:sld xmlns:a="http://schemas.openxmlformats.org/drawingml/2006/main" xmlns:r="http://schemas.openxmlformats.org/officeDocument/2006/relationships" xmlns:p="http://schemas.openxmlformats.org/presentationml/2006/main">
-  <p:cSld>
-    <p:spTree>
-      <p:nvGrpSpPr>
-        <p:cNvPr id="1" name=""/>
-        <p:cNvGrpSpPr/>
-        <p:nvPr/>
-      </p:nvGrpSpPr>
-      <p:grpSpPr>
-        <a:xfrm>
-          <a:off x="0" y="0"/>
-          <a:ext cx="0" cy="0"/>
-          <a:chOff x="0" y="0"/>
-          <a:chExt cx="0" cy="0"/>
-        </a:xfrm>
-      </p:grpSpPr>
-      <p:sp>
-        <p:nvSpPr>
-          <p:cNvPr id="495618" name="Rectangle 2"/>
-          <p:cNvSpPr>
-            <a:spLocks noGrp="1" noChangeArrowheads="1"/>
-          </p:cNvSpPr>
-          <p:nvPr>
-            <p:ph type="title"/>
-          </p:nvPr>
-        </p:nvSpPr>
-        <p:spPr/>
-        <p:txBody>
-          <a:bodyPr/>
-          <a:lstStyle/>
-          <a:p>
-            <a:r>
-              <a:rPr lang="en-US" altLang="en-US" dirty="0"/>
-              <a:t>Why is a LM </a:t>
-            </a:r>
-            <a:r>
-              <a:rPr lang="en-US" altLang="en-US" dirty="0" smtClean="0"/>
-              <a:t>useful</a:t>
-            </a:r>
-            <a:r>
-              <a:rPr lang="en-US" altLang="en-US" dirty="0"/>
-              <a:t>?</a:t>
-            </a:r>
-          </a:p>
-        </p:txBody>
-      </p:sp>
-      <p:sp>
-        <p:nvSpPr>
-          <p:cNvPr id="495619" name="Rectangle 3"/>
-          <p:cNvSpPr>
-            <a:spLocks noGrp="1" noChangeArrowheads="1"/>
-          </p:cNvSpPr>
-          <p:nvPr>
-            <p:ph idx="1"/>
-          </p:nvPr>
-        </p:nvSpPr>
-        <p:spPr/>
-        <p:txBody>
-          <a:bodyPr>
-            <a:normAutofit fontScale="92500" lnSpcReduction="20000"/>
-          </a:bodyPr>
-          <a:lstStyle/>
-          <a:p>
-            <a:r>
-              <a:rPr lang="en-US" altLang="en-US" b="0" dirty="0" smtClean="0"/>
-              <a:t>Provide </a:t>
-            </a:r>
-            <a:r>
-              <a:rPr lang="en-US" altLang="en-US" b="0" dirty="0"/>
-              <a:t>a principled way to quantify the uncertainties associated with natural language</a:t>
-            </a:r>
-          </a:p>
-          <a:p>
-            <a:pPr>
-              <a:lnSpc>
-                <a:spcPct val="110000"/>
-              </a:lnSpc>
-              <a:spcBef>
-                <a:spcPct val="50000"/>
-              </a:spcBef>
-            </a:pPr>
-            <a:r>
-              <a:rPr lang="en-US" altLang="en-US" b="0" dirty="0" smtClean="0"/>
-              <a:t>Allow </a:t>
-            </a:r>
-            <a:r>
-              <a:rPr lang="en-US" altLang="en-US" b="0" dirty="0"/>
-              <a:t>us to answer questions like:</a:t>
-            </a:r>
-          </a:p>
-          <a:p>
-            <a:pPr lvl="1">
-              <a:lnSpc>
-                <a:spcPct val="110000"/>
-              </a:lnSpc>
-              <a:spcBef>
-                <a:spcPts val="0"/>
-              </a:spcBef>
-            </a:pPr>
-            <a:r>
-              <a:rPr lang="en-US" altLang="en-US" sz="2400" dirty="0"/>
-              <a:t>Given that we see “</a:t>
-            </a:r>
-            <a:r>
-              <a:rPr lang="en-US" altLang="en-US" sz="2400" i="1" dirty="0">
-                <a:latin typeface="Times New Roman" panose="02020603050405020304" pitchFamily="18" charset="0"/>
-              </a:rPr>
-              <a:t>John</a:t>
-            </a:r>
-            <a:r>
-              <a:rPr lang="en-US" altLang="en-US" sz="2400" dirty="0"/>
-              <a:t>” and “</a:t>
-            </a:r>
-            <a:r>
-              <a:rPr lang="en-US" altLang="en-US" sz="2400" i="1" dirty="0">
-                <a:latin typeface="Times New Roman" panose="02020603050405020304" pitchFamily="18" charset="0"/>
-              </a:rPr>
-              <a:t>feels</a:t>
-            </a:r>
-            <a:r>
-              <a:rPr lang="en-US" altLang="en-US" sz="2400" dirty="0"/>
-              <a:t>”, how likely will we see “</a:t>
-            </a:r>
-            <a:r>
-              <a:rPr lang="en-US" altLang="en-US" sz="2400" i="1" dirty="0">
-                <a:latin typeface="Times New Roman" panose="02020603050405020304" pitchFamily="18" charset="0"/>
-              </a:rPr>
-              <a:t>happy</a:t>
-            </a:r>
-            <a:r>
-              <a:rPr lang="en-US" altLang="en-US" sz="2400" dirty="0"/>
-              <a:t>” as opposed to “</a:t>
-            </a:r>
-            <a:r>
-              <a:rPr lang="en-US" altLang="en-US" sz="2400" i="1" dirty="0">
-                <a:latin typeface="Times New Roman" panose="02020603050405020304" pitchFamily="18" charset="0"/>
-              </a:rPr>
-              <a:t>habit</a:t>
-            </a:r>
-            <a:r>
-              <a:rPr lang="en-US" altLang="en-US" sz="2400" dirty="0"/>
-              <a:t>” as the next word?          </a:t>
-            </a:r>
-            <a:endParaRPr lang="en-US" altLang="en-US" sz="2400" dirty="0" smtClean="0"/>
-          </a:p>
-          <a:p>
-            <a:pPr marL="457200" lvl="1" indent="0">
-              <a:buNone/>
-            </a:pPr>
-            <a:r>
-              <a:rPr lang="en-US" altLang="en-US" sz="2400" dirty="0"/>
-              <a:t>     (</a:t>
-            </a:r>
-            <a:r>
-              <a:rPr lang="en-US" altLang="en-US" sz="2400" dirty="0">
-                <a:solidFill>
-                  <a:srgbClr val="FF0000"/>
-                </a:solidFill>
-              </a:rPr>
-              <a:t>speech recognition</a:t>
-            </a:r>
-            <a:r>
-              <a:rPr lang="en-US" altLang="en-US" sz="2400" dirty="0"/>
-              <a:t>)</a:t>
-            </a:r>
-          </a:p>
-          <a:p>
-            <a:pPr lvl="1"/>
-            <a:r>
-              <a:rPr lang="en-US" altLang="en-US" sz="2400" dirty="0"/>
-              <a:t>Given that we observe “baseball” three times and “game” once in a news article, how likely is it about “sports</a:t>
-            </a:r>
-            <a:r>
-              <a:rPr lang="en-US" altLang="en-US" sz="2400" dirty="0" smtClean="0"/>
-              <a:t>” </a:t>
-            </a:r>
-            <a:r>
-              <a:rPr lang="en-US" altLang="en-US" sz="2400" dirty="0" err="1" smtClean="0"/>
-              <a:t>v.s</a:t>
-            </a:r>
-            <a:r>
-              <a:rPr lang="en-US" altLang="en-US" sz="2400" dirty="0" smtClean="0"/>
-              <a:t>. “politics”?         </a:t>
-            </a:r>
-          </a:p>
-          <a:p>
-            <a:pPr marL="457200" lvl="1" indent="0">
-              <a:buNone/>
-            </a:pPr>
-            <a:r>
-              <a:rPr lang="en-US" altLang="en-US" sz="2400" dirty="0"/>
-              <a:t> </a:t>
-            </a:r>
-            <a:r>
-              <a:rPr lang="en-US" altLang="en-US" sz="2400" dirty="0" smtClean="0"/>
-              <a:t>    (</a:t>
-            </a:r>
-            <a:r>
-              <a:rPr lang="en-US" altLang="en-US" sz="2400" dirty="0">
-                <a:solidFill>
-                  <a:srgbClr val="FF0000"/>
-                </a:solidFill>
-              </a:rPr>
-              <a:t>text </a:t>
-            </a:r>
-            <a:r>
-              <a:rPr lang="en-US" altLang="en-US" sz="2400" dirty="0" smtClean="0">
-                <a:solidFill>
-                  <a:srgbClr val="FF0000"/>
-                </a:solidFill>
-              </a:rPr>
-              <a:t>categorization</a:t>
-            </a:r>
-            <a:r>
-              <a:rPr lang="en-US" altLang="en-US" sz="2400" dirty="0" smtClean="0"/>
-              <a:t>)</a:t>
-            </a:r>
-            <a:endParaRPr lang="en-US" altLang="en-US" sz="2400" dirty="0"/>
-          </a:p>
-          <a:p>
-            <a:pPr lvl="1"/>
-            <a:r>
-              <a:rPr lang="en-US" altLang="en-US" sz="2400" dirty="0"/>
-              <a:t>Given that a user is interested in sports news, how likely would the user use “baseball” in a query? </a:t>
-            </a:r>
-            <a:endParaRPr lang="en-US" altLang="en-US" sz="2400" dirty="0" smtClean="0"/>
-          </a:p>
-          <a:p>
-            <a:pPr marL="457200" lvl="1" indent="0">
-              <a:buNone/>
-            </a:pPr>
-            <a:r>
-              <a:rPr lang="en-US" altLang="en-US" sz="2400" dirty="0"/>
-              <a:t> </a:t>
-            </a:r>
-            <a:r>
-              <a:rPr lang="en-US" altLang="en-US" sz="2400" dirty="0" smtClean="0"/>
-              <a:t>    (</a:t>
-            </a:r>
-            <a:r>
-              <a:rPr lang="en-US" altLang="en-US" sz="2400" dirty="0">
-                <a:solidFill>
-                  <a:srgbClr val="FF0000"/>
-                </a:solidFill>
-              </a:rPr>
-              <a:t>information retrieval</a:t>
-            </a:r>
-            <a:r>
-              <a:rPr lang="en-US" altLang="en-US" sz="2400" dirty="0"/>
-              <a:t>)</a:t>
-            </a:r>
-          </a:p>
-          <a:p>
-            <a:endParaRPr lang="en-US" altLang="en-US" b="0" dirty="0"/>
-          </a:p>
-        </p:txBody>
-      </p:sp>
-      <p:sp>
-        <p:nvSpPr>
-          <p:cNvPr id="5" name="Date Placeholder 4"/>
-          <p:cNvSpPr>
-            <a:spLocks noGrp="1"/>
-          </p:cNvSpPr>
-          <p:nvPr>
-            <p:ph type="dt" sz="half" idx="10"/>
-          </p:nvPr>
-        </p:nvSpPr>
-        <p:spPr/>
-        <p:txBody>
-          <a:bodyPr/>
-          <a:lstStyle/>
-          <a:p>
-            <a:r>
-              <a:rPr lang="en-US" smtClean="0"/>
-              <a:t>CS@UVa</a:t>
-            </a:r>
-            <a:endParaRPr lang="en-US"/>
-          </a:p>
-        </p:txBody>
-      </p:sp>
-      <p:sp>
-        <p:nvSpPr>
-          <p:cNvPr id="6" name="Footer Placeholder 5"/>
-          <p:cNvSpPr>
-            <a:spLocks noGrp="1"/>
-          </p:cNvSpPr>
-          <p:nvPr>
-            <p:ph type="ftr" sz="quarter" idx="11"/>
-          </p:nvPr>
-        </p:nvSpPr>
-        <p:spPr/>
-        <p:txBody>
-          <a:bodyPr/>
-          <a:lstStyle/>
-          <a:p>
-            <a:r>
-              <a:rPr lang="en-US" smtClean="0"/>
-              <a:t>CS 6501: Text Mining</a:t>
-            </a:r>
-            <a:endParaRPr lang="en-US"/>
-          </a:p>
-        </p:txBody>
-      </p:sp>
-      <p:sp>
-        <p:nvSpPr>
-          <p:cNvPr id="7" name="Slide Number Placeholder 6"/>
-          <p:cNvSpPr>
-            <a:spLocks noGrp="1"/>
-          </p:cNvSpPr>
-          <p:nvPr>
-            <p:ph type="sldNum" sz="quarter" idx="12"/>
-          </p:nvPr>
-        </p:nvSpPr>
-        <p:spPr/>
-        <p:txBody>
-          <a:bodyPr/>
-          <a:lstStyle/>
-          <a:p>
-            <a:fld id="{D4438207-9E20-42FC-82B6-02A8A94D7FE7}" type="slidenum">
-              <a:rPr lang="en-US" smtClean="0"/>
-              <a:t>4</a:t>
-            </a:fld>
-            <a:endParaRPr lang="en-US"/>
-          </a:p>
-        </p:txBody>
-      </p:sp>
-    </p:spTree>
-    <p:extLst>
-      <p:ext uri="{BB962C8B-B14F-4D97-AF65-F5344CB8AC3E}">
-        <p14:creationId xmlns:p14="http://schemas.microsoft.com/office/powerpoint/2010/main" val="1085887633"/>
-      </p:ext>
-    </p:extLst>
-  </p:cSld>
-  <p:clrMapOvr>
-    <a:masterClrMapping/>
-  </p:clrMapOvr>
-  <p:timing>
-    <p:tnLst>
-      <p:par>
-        <p:cTn id="1" dur="indefinite" restart="never" nodeType="tmRoot">
-          <p:childTnLst>
-            <p:seq concurrent="1" nextAc="seek">
-              <p:cTn id="2" dur="indefinite" nodeType="mainSeq">
-                <p:childTnLst>
-                  <p:par>
-                    <p:cTn id="3" fill="hold">
-                      <p:stCondLst>
-                        <p:cond delay="indefinite"/>
-                      </p:stCondLst>
-                      <p:childTnLst>
-                        <p:par>
-                          <p:cTn id="4" fill="hold">
-                            <p:stCondLst>
-                              <p:cond delay="0"/>
-                            </p:stCondLst>
-                            <p:childTnLst>
-                              <p:par>
-                                <p:cTn id="5" presetID="1" presetClass="entr" presetSubtype="0" fill="hold" nodeType="clickEffect">
-                                  <p:stCondLst>
-                                    <p:cond delay="0"/>
-                                  </p:stCondLst>
-                                  <p:childTnLst>
-                                    <p:set>
-                                      <p:cBhvr>
-                                        <p:cTn id="6" dur="1" fill="hold">
-                                          <p:stCondLst>
-                                            <p:cond delay="0"/>
-                                          </p:stCondLst>
-                                        </p:cTn>
-                                        <p:tgtEl>
-                                          <p:spTgt spid="495619">
-                                            <p:txEl>
-                                              <p:pRg st="1" end="1"/>
-                                            </p:txEl>
-                                          </p:spTgt>
-                                        </p:tgtEl>
-                                        <p:attrNameLst>
-                                          <p:attrName>style.visibility</p:attrName>
-                                        </p:attrNameLst>
-                                      </p:cBhvr>
-                                      <p:to>
-                                        <p:strVal val="visible"/>
-                                      </p:to>
-                                    </p:set>
-                                  </p:childTnLst>
-                                </p:cTn>
-                              </p:par>
-                              <p:par>
-                                <p:cTn id="7" presetID="1" presetClass="entr" presetSubtype="0" fill="hold" nodeType="withEffect">
-                                  <p:stCondLst>
-                                    <p:cond delay="0"/>
-                                  </p:stCondLst>
-                                  <p:childTnLst>
-                                    <p:set>
-                                      <p:cBhvr>
-                                        <p:cTn id="8" dur="1" fill="hold">
-                                          <p:stCondLst>
-                                            <p:cond delay="0"/>
-                                          </p:stCondLst>
-                                        </p:cTn>
-                                        <p:tgtEl>
-                                          <p:spTgt spid="495619">
-                                            <p:txEl>
-                                              <p:pRg st="2" end="2"/>
-                                            </p:txEl>
-                                          </p:spTgt>
-                                        </p:tgtEl>
-                                        <p:attrNameLst>
-                                          <p:attrName>style.visibility</p:attrName>
-                                        </p:attrNameLst>
-                                      </p:cBhvr>
-                                      <p:to>
-                                        <p:strVal val="visible"/>
-                                      </p:to>
-                                    </p:set>
-                                  </p:childTnLst>
-                                </p:cTn>
-                              </p:par>
-                              <p:par>
-                                <p:cTn id="9" presetID="1" presetClass="entr" presetSubtype="0" fill="hold" nodeType="withEffect">
-                                  <p:stCondLst>
-                                    <p:cond delay="0"/>
-                                  </p:stCondLst>
-                                  <p:childTnLst>
-                                    <p:set>
-                                      <p:cBhvr>
-                                        <p:cTn id="10" dur="1" fill="hold">
-                                          <p:stCondLst>
-                                            <p:cond delay="0"/>
-                                          </p:stCondLst>
-                                        </p:cTn>
-                                        <p:tgtEl>
-                                          <p:spTgt spid="495619">
-                                            <p:txEl>
-                                              <p:pRg st="3" end="3"/>
-                                            </p:txEl>
-                                          </p:spTgt>
-                                        </p:tgtEl>
-                                        <p:attrNameLst>
-                                          <p:attrName>style.visibility</p:attrName>
-                                        </p:attrNameLst>
-                                      </p:cBhvr>
-                                      <p:to>
-                                        <p:strVal val="visible"/>
-                                      </p:to>
-                                    </p:set>
-                                  </p:childTnLst>
-                                </p:cTn>
-                              </p:par>
-                            </p:childTnLst>
-                          </p:cTn>
-                        </p:par>
-                      </p:childTnLst>
-                    </p:cTn>
-                  </p:par>
-                  <p:par>
-                    <p:cTn id="11" fill="hold">
-                      <p:stCondLst>
-                        <p:cond delay="indefinite"/>
-                      </p:stCondLst>
-                      <p:childTnLst>
-                        <p:par>
-                          <p:cTn id="12" fill="hold">
-                            <p:stCondLst>
-                              <p:cond delay="0"/>
-                            </p:stCondLst>
-                            <p:childTnLst>
-                              <p:par>
-                                <p:cTn id="13" presetID="1" presetClass="entr" presetSubtype="0" fill="hold" nodeType="clickEffect">
-                                  <p:stCondLst>
-                                    <p:cond delay="0"/>
-                                  </p:stCondLst>
-                                  <p:childTnLst>
-                                    <p:set>
-                                      <p:cBhvr>
-                                        <p:cTn id="14" dur="1" fill="hold">
-                                          <p:stCondLst>
-                                            <p:cond delay="0"/>
-                                          </p:stCondLst>
-                                        </p:cTn>
-                                        <p:tgtEl>
-                                          <p:spTgt spid="495619">
-                                            <p:txEl>
-                                              <p:pRg st="4" end="4"/>
-                                            </p:txEl>
-                                          </p:spTgt>
-                                        </p:tgtEl>
-                                        <p:attrNameLst>
-                                          <p:attrName>style.visibility</p:attrName>
-                                        </p:attrNameLst>
-                                      </p:cBhvr>
-                                      <p:to>
-                                        <p:strVal val="visible"/>
-                                      </p:to>
-                                    </p:set>
-                                  </p:childTnLst>
-                                </p:cTn>
-                              </p:par>
-                              <p:par>
-                                <p:cTn id="15" presetID="1" presetClass="entr" presetSubtype="0" fill="hold" nodeType="withEffect">
-                                  <p:stCondLst>
-                                    <p:cond delay="0"/>
-                                  </p:stCondLst>
-                                  <p:childTnLst>
-                                    <p:set>
-                                      <p:cBhvr>
-                                        <p:cTn id="16" dur="1" fill="hold">
-                                          <p:stCondLst>
-                                            <p:cond delay="0"/>
-                                          </p:stCondLst>
-                                        </p:cTn>
-                                        <p:tgtEl>
-                                          <p:spTgt spid="495619">
-                                            <p:txEl>
-                                              <p:pRg st="5" end="5"/>
-                                            </p:txEl>
-                                          </p:spTgt>
-                                        </p:tgtEl>
-                                        <p:attrNameLst>
-                                          <p:attrName>style.visibility</p:attrName>
-                                        </p:attrNameLst>
-                                      </p:cBhvr>
-                                      <p:to>
-                                        <p:strVal val="visible"/>
-                                      </p:to>
-                                    </p:set>
-                                  </p:childTnLst>
-                                </p:cTn>
-                              </p:par>
-                            </p:childTnLst>
-                          </p:cTn>
-                        </p:par>
-                      </p:childTnLst>
-                    </p:cTn>
-                  </p:par>
-                  <p:par>
-                    <p:cTn id="17" fill="hold">
-                      <p:stCondLst>
-                        <p:cond delay="indefinite"/>
-                      </p:stCondLst>
-                      <p:childTnLst>
-                        <p:par>
-                          <p:cTn id="18" fill="hold">
-                            <p:stCondLst>
-                              <p:cond delay="0"/>
-                            </p:stCondLst>
-                            <p:childTnLst>
-                              <p:par>
-                                <p:cTn id="19" presetID="1" presetClass="entr" presetSubtype="0" fill="hold" nodeType="clickEffect">
-                                  <p:stCondLst>
-                                    <p:cond delay="0"/>
-                                  </p:stCondLst>
-                                  <p:childTnLst>
-                                    <p:set>
-                                      <p:cBhvr>
-                                        <p:cTn id="20" dur="1" fill="hold">
-                                          <p:stCondLst>
-                                            <p:cond delay="0"/>
-                                          </p:stCondLst>
-                                        </p:cTn>
-                                        <p:tgtEl>
-                                          <p:spTgt spid="495619">
-                                            <p:txEl>
-                                              <p:pRg st="6" end="6"/>
-                                            </p:txEl>
-                                          </p:spTgt>
-                                        </p:tgtEl>
-                                        <p:attrNameLst>
-                                          <p:attrName>style.visibility</p:attrName>
-                                        </p:attrNameLst>
-                                      </p:cBhvr>
-                                      <p:to>
-                                        <p:strVal val="visible"/>
-                                      </p:to>
-                                    </p:set>
-                                  </p:childTnLst>
-                                </p:cTn>
-                              </p:par>
-                              <p:par>
-                                <p:cTn id="21" presetID="1" presetClass="entr" presetSubtype="0" fill="hold" nodeType="withEffect">
-                                  <p:stCondLst>
-                                    <p:cond delay="0"/>
-                                  </p:stCondLst>
-                                  <p:childTnLst>
-                                    <p:set>
-                                      <p:cBhvr>
-                                        <p:cTn id="22" dur="1" fill="hold">
-                                          <p:stCondLst>
-                                            <p:cond delay="0"/>
-                                          </p:stCondLst>
-                                        </p:cTn>
-                                        <p:tgtEl>
-                                          <p:spTgt spid="495619">
-                                            <p:txEl>
-                                              <p:pRg st="7" end="7"/>
-                                            </p:txEl>
-                                          </p:spTgt>
-                                        </p:tgtEl>
-                                        <p:attrNameLst>
-                                          <p:attrName>style.visibility</p:attrName>
-                                        </p:attrNameLst>
-                                      </p:cBhvr>
-                                      <p:to>
-                                        <p:strVal val="visible"/>
-                                      </p:to>
-                                    </p:set>
-                                  </p:childTnLst>
-                                </p:cTn>
-                              </p:par>
-                            </p:childTnLst>
-                          </p:cTn>
-                        </p:par>
-                      </p:childTnLst>
-                    </p:cTn>
-                  </p:par>
-                </p:childTnLst>
-              </p:cTn>
-              <p:prevCondLst>
-                <p:cond evt="onPrev" delay="0">
-                  <p:tgtEl>
-                    <p:sldTgt/>
-                  </p:tgtEl>
-                </p:cond>
-              </p:prevCondLst>
-              <p:nextCondLst>
-                <p:cond evt="onNext" delay="0">
-                  <p:tgtEl>
-                    <p:sldTgt/>
-                  </p:tgtEl>
-                </p:cond>
-              </p:nextCondLst>
-            </p:seq>
-          </p:childTnLst>
-        </p:cTn>
-      </p:par>
-    </p:tnLst>
-  </p:timing>
-</p:sld>
-</file>
-
-<file path=ppt/slides/slide40.xml><?xml version="1.0" encoding="utf-8"?>
+<file path=ppt/slides/slide42.xml><?xml version="1.0" encoding="utf-8"?>
 <p:sld xmlns:a="http://schemas.openxmlformats.org/drawingml/2006/main" xmlns:r="http://schemas.openxmlformats.org/officeDocument/2006/relationships" xmlns:p="http://schemas.openxmlformats.org/presentationml/2006/main">
   <p:cSld>
     <p:spTree>
@@ -39739,7 +43481,7 @@
           <a:p>
             <a:fld id="{D4438207-9E20-42FC-82B6-02A8A94D7FE7}" type="slidenum">
               <a:rPr lang="en-US" smtClean="0"/>
-              <a:t>40</a:t>
+              <a:t>42</a:t>
             </a:fld>
             <a:endParaRPr lang="en-US"/>
           </a:p>
@@ -39922,7 +43664,7 @@
 </p:sld>
 </file>
 
-<file path=ppt/slides/slide41.xml><?xml version="1.0" encoding="utf-8"?>
+<file path=ppt/slides/slide43.xml><?xml version="1.0" encoding="utf-8"?>
 <p:sld xmlns:a="http://schemas.openxmlformats.org/drawingml/2006/main" xmlns:r="http://schemas.openxmlformats.org/officeDocument/2006/relationships" xmlns:p="http://schemas.openxmlformats.org/presentationml/2006/main">
   <p:cSld>
     <p:spTree>
@@ -39966,8 +43708,8 @@
           </a:p>
         </p:txBody>
       </p:sp>
-      <mc:AlternateContent xmlns:mc="http://schemas.openxmlformats.org/markup-compatibility/2006" xmlns:a14="http://schemas.microsoft.com/office/drawing/2010/main">
-        <mc:Choice Requires="a14">
+      <mc:AlternateContent xmlns:mc="http://schemas.openxmlformats.org/markup-compatibility/2006">
+        <mc:Choice xmlns:a14="http://schemas.microsoft.com/office/drawing/2010/main" Requires="a14">
           <p:sp>
             <p:nvSpPr>
               <p:cNvPr id="518147" name="Rectangle 3"/>
@@ -40022,11 +43764,15 @@
                 </a:r>
                 <a:r>
                   <a:rPr lang="en-US" altLang="en-US" b="0" dirty="0"/>
-                  <a:t> from the </a:t>
+                  <a:t> from </a:t>
+                </a:r>
+                <a:r>
+                  <a:rPr lang="en-US" altLang="en-US" dirty="0" smtClean="0"/>
+                  <a:t>each </a:t>
                 </a:r>
                 <a:r>
                   <a:rPr lang="en-US" altLang="en-US" dirty="0"/>
-                  <a:t>from each nonzero n-gram </a:t>
+                  <a:t>nonzero n-gram </a:t>
                 </a:r>
                 <a:r>
                   <a:rPr lang="en-US" altLang="en-US" dirty="0" smtClean="0"/>
@@ -40663,7 +44409,7 @@
             </p:txBody>
           </p:sp>
         </mc:Choice>
-        <mc:Fallback xmlns="">
+        <mc:Fallback>
           <p:sp>
             <p:nvSpPr>
               <p:cNvPr id="518147" name="Rectangle 3"/>
@@ -40764,7 +44510,7 @@
           <a:p>
             <a:fld id="{D4438207-9E20-42FC-82B6-02A8A94D7FE7}" type="slidenum">
               <a:rPr lang="en-US" smtClean="0"/>
-              <a:t>41</a:t>
+              <a:t>43</a:t>
             </a:fld>
             <a:endParaRPr lang="en-US"/>
           </a:p>
@@ -41908,7 +45654,7 @@
 </p:sld>
 </file>
 
-<file path=ppt/slides/slide42.xml><?xml version="1.0" encoding="utf-8"?>
+<file path=ppt/slides/slide44.xml><?xml version="1.0" encoding="utf-8"?>
 <p:sld xmlns:a="http://schemas.openxmlformats.org/drawingml/2006/main" xmlns:r="http://schemas.openxmlformats.org/officeDocument/2006/relationships" xmlns:p="http://schemas.openxmlformats.org/presentationml/2006/main">
   <p:cSld>
     <p:spTree>
@@ -42121,7 +45867,7 @@
           <a:p>
             <a:fld id="{D4438207-9E20-42FC-82B6-02A8A94D7FE7}" type="slidenum">
               <a:rPr lang="en-US" smtClean="0"/>
-              <a:t>42</a:t>
+              <a:t>44</a:t>
             </a:fld>
             <a:endParaRPr lang="en-US"/>
           </a:p>
@@ -42330,7 +46076,7 @@
 </p:sld>
 </file>
 
-<file path=ppt/slides/slide43.xml><?xml version="1.0" encoding="utf-8"?>
+<file path=ppt/slides/slide45.xml><?xml version="1.0" encoding="utf-8"?>
 <p:sld xmlns:a="http://schemas.openxmlformats.org/drawingml/2006/main" xmlns:r="http://schemas.openxmlformats.org/officeDocument/2006/relationships" xmlns:p="http://schemas.openxmlformats.org/presentationml/2006/main">
   <p:cSld>
     <p:spTree>
@@ -42501,7 +46247,7 @@
           <a:p>
             <a:fld id="{D4438207-9E20-42FC-82B6-02A8A94D7FE7}" type="slidenum">
               <a:rPr lang="en-US" smtClean="0"/>
-              <a:t>43</a:t>
+              <a:t>45</a:t>
             </a:fld>
             <a:endParaRPr lang="en-US"/>
           </a:p>
@@ -42527,7 +46273,7 @@
 </p:sld>
 </file>
 
-<file path=ppt/slides/slide44.xml><?xml version="1.0" encoding="utf-8"?>
+<file path=ppt/slides/slide46.xml><?xml version="1.0" encoding="utf-8"?>
 <p:sld xmlns:a="http://schemas.openxmlformats.org/drawingml/2006/main" xmlns:r="http://schemas.openxmlformats.org/officeDocument/2006/relationships" xmlns:p="http://schemas.openxmlformats.org/presentationml/2006/main">
   <p:cSld>
     <p:spTree>
@@ -42595,11 +46341,7 @@
             </a:r>
             <a:r>
               <a:rPr lang="en-US" dirty="0" smtClean="0"/>
-              <a:t>the </a:t>
-            </a:r>
-            <a:r>
-              <a:rPr lang="en-US" dirty="0" smtClean="0"/>
-              <a:t>likelihood of </a:t>
+              <a:t>the likelihood of </a:t>
             </a:r>
             <a:r>
               <a:rPr lang="en-US" dirty="0"/>
@@ -42692,7 +46434,7 @@
           <a:p>
             <a:fld id="{D4438207-9E20-42FC-82B6-02A8A94D7FE7}" type="slidenum">
               <a:rPr lang="en-US" smtClean="0"/>
-              <a:t>44</a:t>
+              <a:t>46</a:t>
             </a:fld>
             <a:endParaRPr lang="en-US"/>
           </a:p>
@@ -43149,7 +46891,7 @@
 </p:sld>
 </file>
 
-<file path=ppt/slides/slide45.xml><?xml version="1.0" encoding="utf-8"?>
+<file path=ppt/slides/slide47.xml><?xml version="1.0" encoding="utf-8"?>
 <p:sld xmlns:a="http://schemas.openxmlformats.org/drawingml/2006/main" xmlns:r="http://schemas.openxmlformats.org/officeDocument/2006/relationships" xmlns:p="http://schemas.openxmlformats.org/presentationml/2006/main">
   <p:cSld>
     <p:spTree>
@@ -43348,7 +47090,7 @@
           <a:p>
             <a:fld id="{D4438207-9E20-42FC-82B6-02A8A94D7FE7}" type="slidenum">
               <a:rPr lang="en-US" smtClean="0"/>
-              <a:t>45</a:t>
+              <a:t>47</a:t>
             </a:fld>
             <a:endParaRPr lang="en-US"/>
           </a:p>
@@ -43528,7 +47270,7 @@
 </p:sld>
 </file>
 
-<file path=ppt/slides/slide46.xml><?xml version="1.0" encoding="utf-8"?>
+<file path=ppt/slides/slide48.xml><?xml version="1.0" encoding="utf-8"?>
 <p:sld xmlns:a="http://schemas.openxmlformats.org/drawingml/2006/main" xmlns:r="http://schemas.openxmlformats.org/officeDocument/2006/relationships" xmlns:p="http://schemas.openxmlformats.org/presentationml/2006/main">
   <p:cSld>
     <p:spTree>
@@ -43585,11 +47327,7 @@
           <a:p>
             <a:r>
               <a:rPr lang="en-US" dirty="0" smtClean="0"/>
-              <a:t>N-gram language </a:t>
-            </a:r>
-            <a:r>
-              <a:rPr lang="en-US" dirty="0" smtClean="0"/>
-              <a:t>models</a:t>
+              <a:t>N-gram language models</a:t>
             </a:r>
           </a:p>
           <a:p>
@@ -43692,7 +47430,7 @@
           <a:p>
             <a:fld id="{D4438207-9E20-42FC-82B6-02A8A94D7FE7}" type="slidenum">
               <a:rPr lang="en-US" smtClean="0"/>
-              <a:t>46</a:t>
+              <a:t>48</a:t>
             </a:fld>
             <a:endParaRPr lang="en-US"/>
           </a:p>
@@ -43718,7 +47456,7 @@
 </p:sld>
 </file>
 
-<file path=ppt/slides/slide47.xml><?xml version="1.0" encoding="utf-8"?>
+<file path=ppt/slides/slide49.xml><?xml version="1.0" encoding="utf-8"?>
 <p:sld xmlns:a="http://schemas.openxmlformats.org/drawingml/2006/main" xmlns:r="http://schemas.openxmlformats.org/officeDocument/2006/relationships" xmlns:p="http://schemas.openxmlformats.org/presentationml/2006/main">
   <p:cSld>
     <p:spTree>
@@ -43876,7 +47614,7 @@
           <a:p>
             <a:fld id="{2A9F8BE9-47C8-4C45-B88F-68A848B0515F}" type="slidenum">
               <a:rPr lang="en-US" smtClean="0"/>
-              <a:t>47</a:t>
+              <a:t>49</a:t>
             </a:fld>
             <a:endParaRPr lang="en-US"/>
           </a:p>
@@ -46826,7 +50564,7 @@
           <a:graphicData uri="http://schemas.openxmlformats.org/presentationml/2006/ole">
             <mc:AlternateContent xmlns:mc="http://schemas.openxmlformats.org/markup-compatibility/2006">
               <mc:Choice xmlns:v="urn:schemas-microsoft-com:vml" Requires="v">
-                <p:oleObj spid="_x0000_s19502" name="Equation" r:id="rId4" imgW="3124200" imgH="330200" progId="Equation.DSMT4">
+                <p:oleObj spid="_x0000_s19504" name="Equation" r:id="rId4" imgW="3124200" imgH="330200" progId="Equation.DSMT4">
                   <p:embed/>
                 </p:oleObj>
               </mc:Choice>

--- a/docs/Language Models.pptx
+++ b/docs/Language Models.pptx
@@ -207,7 +207,6 @@
           </a:p>
         </c:rich>
       </c:tx>
-      <c:layout/>
       <c:overlay val="0"/>
       <c:spPr>
         <a:noFill/>
@@ -432,11 +431,11 @@
         </c:dLbls>
         <c:gapWidth val="219"/>
         <c:overlap val="-27"/>
-        <c:axId val="-2119465584"/>
-        <c:axId val="-2119479184"/>
+        <c:axId val="-890145504"/>
+        <c:axId val="-643870912"/>
       </c:barChart>
       <c:catAx>
-        <c:axId val="-2119465584"/>
+        <c:axId val="-890145504"/>
         <c:scaling>
           <c:orientation val="minMax"/>
         </c:scaling>
@@ -476,7 +475,7 @@
             <a:endParaRPr lang="en-US"/>
           </a:p>
         </c:txPr>
-        <c:crossAx val="-2119479184"/>
+        <c:crossAx val="-643870912"/>
         <c:crosses val="autoZero"/>
         <c:auto val="1"/>
         <c:lblAlgn val="ctr"/>
@@ -484,7 +483,7 @@
         <c:noMultiLvlLbl val="0"/>
       </c:catAx>
       <c:valAx>
-        <c:axId val="-2119479184"/>
+        <c:axId val="-643870912"/>
         <c:scaling>
           <c:orientation val="minMax"/>
         </c:scaling>
@@ -532,7 +531,7 @@
             <a:endParaRPr lang="en-US"/>
           </a:p>
         </c:txPr>
-        <c:crossAx val="-2119465584"/>
+        <c:crossAx val="-890145504"/>
         <c:crosses val="autoZero"/>
         <c:crossBetween val="between"/>
       </c:valAx>
@@ -2508,7 +2507,7 @@
           <a:p>
             <a:fld id="{3920186A-2DBB-4398-9E32-68E9F18BB6A2}" type="datetimeFigureOut">
               <a:rPr lang="en-US" smtClean="0"/>
-              <a:t>1/24/2016</a:t>
+              <a:t>1/29/2016</a:t>
             </a:fld>
             <a:endParaRPr lang="en-US"/>
           </a:p>
@@ -31947,7 +31946,7 @@
           <a:graphicData uri="http://schemas.openxmlformats.org/presentationml/2006/ole">
             <mc:AlternateContent xmlns:mc="http://schemas.openxmlformats.org/markup-compatibility/2006">
               <mc:Choice xmlns:v="urn:schemas-microsoft-com:vml" Requires="v">
-                <p:oleObj spid="_x0000_s12394" name="Equation" r:id="rId3" imgW="2768400" imgH="482400" progId="Equation.DSMT4">
+                <p:oleObj spid="_x0000_s12396" name="Equation" r:id="rId3" imgW="2768400" imgH="482400" progId="Equation.DSMT4">
                   <p:embed/>
                 </p:oleObj>
               </mc:Choice>
@@ -32305,7 +32304,7 @@
             <a:graphicData uri="http://schemas.openxmlformats.org/presentationml/2006/ole">
               <mc:AlternateContent xmlns:mc="http://schemas.openxmlformats.org/markup-compatibility/2006">
                 <mc:Choice xmlns:v="urn:schemas-microsoft-com:vml" Requires="v">
-                  <p:oleObj spid="_x0000_s12395" name="Equation" r:id="rId5" imgW="1574640" imgH="711000" progId="Equation.DSMT4">
+                  <p:oleObj spid="_x0000_s12397" name="Equation" r:id="rId5" imgW="1574640" imgH="711000" progId="Equation.DSMT4">
                     <p:embed/>
                   </p:oleObj>
                 </mc:Choice>
@@ -43503,7 +43502,7 @@
           <a:graphicData uri="http://schemas.openxmlformats.org/presentationml/2006/ole">
             <mc:AlternateContent xmlns:mc="http://schemas.openxmlformats.org/markup-compatibility/2006">
               <mc:Choice xmlns:v="urn:schemas-microsoft-com:vml" Requires="v">
-                <p:oleObj spid="_x0000_s19506" name="Equation" r:id="rId4" imgW="3124200" imgH="330200" progId="Equation.DSMT4">
+                <p:oleObj spid="_x0000_s19507" name="Equation" r:id="rId4" imgW="3124200" imgH="330200" progId="Equation.DSMT4">
                   <p:embed/>
                 </p:oleObj>
               </mc:Choice>
